--- a/presentation/Julian.pptx
+++ b/presentation/Julian.pptx
@@ -6,10 +6,10 @@
     <p:sldMasterId id="2147483661" r:id="rId2"/>
   </p:sldMasterIdLst>
   <p:notesMasterIdLst>
-    <p:notesMasterId r:id="rId23"/>
+    <p:notesMasterId r:id="rId20"/>
   </p:notesMasterIdLst>
   <p:handoutMasterIdLst>
-    <p:handoutMasterId r:id="rId24"/>
+    <p:handoutMasterId r:id="rId21"/>
   </p:handoutMasterIdLst>
   <p:sldIdLst>
     <p:sldId id="256" r:id="rId3"/>
@@ -18,20 +18,17 @@
     <p:sldId id="313" r:id="rId6"/>
     <p:sldId id="321" r:id="rId7"/>
     <p:sldId id="316" r:id="rId8"/>
-    <p:sldId id="317" r:id="rId9"/>
-    <p:sldId id="318" r:id="rId10"/>
-    <p:sldId id="319" r:id="rId11"/>
-    <p:sldId id="320" r:id="rId12"/>
-    <p:sldId id="322" r:id="rId13"/>
-    <p:sldId id="323" r:id="rId14"/>
-    <p:sldId id="324" r:id="rId15"/>
-    <p:sldId id="325" r:id="rId16"/>
-    <p:sldId id="326" r:id="rId17"/>
-    <p:sldId id="327" r:id="rId18"/>
-    <p:sldId id="328" r:id="rId19"/>
-    <p:sldId id="329" r:id="rId20"/>
-    <p:sldId id="330" r:id="rId21"/>
-    <p:sldId id="311" r:id="rId22"/>
+    <p:sldId id="318" r:id="rId9"/>
+    <p:sldId id="319" r:id="rId10"/>
+    <p:sldId id="320" r:id="rId11"/>
+    <p:sldId id="322" r:id="rId12"/>
+    <p:sldId id="323" r:id="rId13"/>
+    <p:sldId id="324" r:id="rId14"/>
+    <p:sldId id="325" r:id="rId15"/>
+    <p:sldId id="326" r:id="rId16"/>
+    <p:sldId id="327" r:id="rId17"/>
+    <p:sldId id="329" r:id="rId18"/>
+    <p:sldId id="311" r:id="rId19"/>
   </p:sldIdLst>
   <p:sldSz cx="10080625" cy="7561263"/>
   <p:notesSz cx="6858000" cy="9144000"/>
@@ -1922,16 +1919,7 @@
                 </a:solidFill>
                 <a:cs typeface="Arial" charset="0"/>
               </a:rPr>
-              <a:t>      Embedded Security / Secure Hardware      |      </a:t>
-            </a:r>
-            <a:r>
-              <a:rPr lang="de-DE" sz="1000" b="0" baseline="0" dirty="0" smtClean="0">
-                <a:solidFill>
-                  <a:schemeClr val="bg1"/>
-                </a:solidFill>
-                <a:cs typeface="Arial" charset="0"/>
-              </a:rPr>
-              <a:t>Felix Haarmann, Julian Speith</a:t>
+              <a:t>      Embedded Security / Secure Hardware      |      Felix Haarmann, Julian Speith</a:t>
             </a:r>
             <a:endParaRPr lang="de-DE" sz="1000" b="0" dirty="0" smtClean="0">
               <a:solidFill>
@@ -2933,889 +2921,8 @@
           <a:chExt cx="0" cy="0"/>
         </a:xfrm>
       </p:grpSpPr>
-      <mc:AlternateContent xmlns:mc="http://schemas.openxmlformats.org/markup-compatibility/2006" xmlns:a14="http://schemas.microsoft.com/office/drawing/2010/main">
-        <mc:Choice Requires="a14">
-          <p:sp>
-            <p:nvSpPr>
-              <p:cNvPr id="2" name="Textplatzhalter 1"/>
-              <p:cNvSpPr>
-                <a:spLocks noGrp="1"/>
-              </p:cNvSpPr>
-              <p:nvPr>
-                <p:ph type="body" sz="quarter" idx="10"/>
-              </p:nvPr>
-            </p:nvSpPr>
-            <p:spPr/>
-            <p:txBody>
-              <a:bodyPr/>
-              <a:lstStyle/>
-              <a:p>
-                <a:r>
-                  <a:rPr lang="de-DE" dirty="0" smtClean="0"/>
-                  <a:t>Focus on </a:t>
-                </a:r>
-                <a:r>
-                  <a:rPr lang="de-DE" dirty="0" err="1" smtClean="0"/>
-                  <a:t>decryption</a:t>
-                </a:r>
-                <a:r>
-                  <a:rPr lang="de-DE" dirty="0" smtClean="0"/>
-                  <a:t> </a:t>
-                </a:r>
-                <a:r>
-                  <a:rPr lang="de-DE" dirty="0" err="1" smtClean="0"/>
-                  <a:t>of</a:t>
-                </a:r>
-                <a:r>
-                  <a:rPr lang="de-DE" dirty="0" smtClean="0"/>
-                  <a:t> ring-LWE </a:t>
-                </a:r>
-                <a:r>
-                  <a:rPr lang="de-DE" dirty="0" err="1" smtClean="0"/>
-                  <a:t>scheme</a:t>
-                </a:r>
-                <a:endParaRPr lang="de-DE" dirty="0" smtClean="0"/>
-              </a:p>
-              <a:p>
-                <a:r>
-                  <a:rPr lang="de-DE" dirty="0" smtClean="0"/>
-                  <a:t>All </a:t>
-                </a:r>
-                <a:r>
-                  <a:rPr lang="de-DE" dirty="0" err="1" smtClean="0"/>
-                  <a:t>operations</a:t>
-                </a:r>
-                <a:r>
-                  <a:rPr lang="de-DE" dirty="0" smtClean="0"/>
-                  <a:t> in NTT </a:t>
-                </a:r>
-                <a:r>
-                  <a:rPr lang="de-DE" dirty="0" err="1" smtClean="0"/>
-                  <a:t>domain</a:t>
-                </a:r>
-                <a:r>
-                  <a:rPr lang="de-DE" dirty="0" smtClean="0"/>
-                  <a:t> (</a:t>
-                </a:r>
-                <a:r>
-                  <a:rPr lang="de-DE" b="1" dirty="0" err="1" smtClean="0"/>
-                  <a:t>N</a:t>
-                </a:r>
-                <a:r>
-                  <a:rPr lang="de-DE" dirty="0" err="1" smtClean="0"/>
-                  <a:t>umber</a:t>
-                </a:r>
-                <a:r>
-                  <a:rPr lang="de-DE" dirty="0" smtClean="0"/>
-                  <a:t> </a:t>
-                </a:r>
-                <a:r>
-                  <a:rPr lang="de-DE" b="1" dirty="0" err="1" smtClean="0"/>
-                  <a:t>T</a:t>
-                </a:r>
-                <a:r>
-                  <a:rPr lang="de-DE" dirty="0" err="1" smtClean="0"/>
-                  <a:t>heoretic</a:t>
-                </a:r>
-                <a:r>
-                  <a:rPr lang="de-DE" dirty="0" smtClean="0"/>
-                  <a:t> </a:t>
-                </a:r>
-                <a:r>
-                  <a:rPr lang="de-DE" b="1" dirty="0" smtClean="0"/>
-                  <a:t>T</a:t>
-                </a:r>
-                <a:r>
-                  <a:rPr lang="de-DE" dirty="0" smtClean="0"/>
-                  <a:t>ransform)</a:t>
-                </a:r>
-              </a:p>
-              <a:p>
-                <a:r>
-                  <a:rPr lang="de-DE" dirty="0" smtClean="0"/>
-                  <a:t>Split </a:t>
-                </a:r>
-                <a:r>
-                  <a:rPr lang="de-DE" dirty="0" err="1" smtClean="0"/>
-                  <a:t>the</a:t>
-                </a:r>
-                <a:r>
-                  <a:rPr lang="de-DE" dirty="0" smtClean="0"/>
-                  <a:t> </a:t>
-                </a:r>
-                <a:r>
-                  <a:rPr lang="de-DE" dirty="0" err="1" smtClean="0"/>
-                  <a:t>secret</a:t>
-                </a:r>
-                <a:r>
-                  <a:rPr lang="de-DE" dirty="0" smtClean="0"/>
-                  <a:t> </a:t>
-                </a:r>
-                <a:r>
-                  <a:rPr lang="de-DE" dirty="0" err="1" smtClean="0"/>
-                  <a:t>key</a:t>
-                </a:r>
-                <a:r>
-                  <a:rPr lang="de-DE" b="1" dirty="0" smtClean="0"/>
-                  <a:t> </a:t>
-                </a:r>
-                <a14:m>
-                  <m:oMath xmlns:m="http://schemas.openxmlformats.org/officeDocument/2006/math">
-                    <m:r>
-                      <a:rPr lang="de-DE" b="1" i="1" smtClean="0">
-                        <a:latin typeface="Cambria Math" charset="0"/>
-                      </a:rPr>
-                      <m:t>𝒔</m:t>
-                    </m:r>
-                  </m:oMath>
-                </a14:m>
-                <a:r>
-                  <a:rPr lang="de-DE" dirty="0" smtClean="0"/>
-                  <a:t> into </a:t>
-                </a:r>
-                <a14:m>
-                  <m:oMath xmlns:m="http://schemas.openxmlformats.org/officeDocument/2006/math">
-                    <m:r>
-                      <a:rPr lang="de-DE" b="1" i="1">
-                        <a:latin typeface="Cambria Math" charset="0"/>
-                      </a:rPr>
-                      <m:t>𝒔</m:t>
-                    </m:r>
-                    <m:r>
-                      <a:rPr lang="de-DE" b="1" i="1" smtClean="0">
-                        <a:latin typeface="Cambria Math" charset="0"/>
-                      </a:rPr>
-                      <m:t>′</m:t>
-                    </m:r>
-                  </m:oMath>
-                </a14:m>
-                <a:r>
-                  <a:rPr lang="de-DE" dirty="0" smtClean="0"/>
-                  <a:t> and </a:t>
-                </a:r>
-                <a14:m>
-                  <m:oMath xmlns:m="http://schemas.openxmlformats.org/officeDocument/2006/math">
-                    <m:r>
-                      <a:rPr lang="de-DE" b="1" i="1">
-                        <a:latin typeface="Cambria Math" charset="0"/>
-                      </a:rPr>
-                      <m:t>𝒔</m:t>
-                    </m:r>
-                    <m:r>
-                      <a:rPr lang="de-DE" b="1" i="1" smtClean="0">
-                        <a:latin typeface="Cambria Math" charset="0"/>
-                      </a:rPr>
-                      <m:t>′</m:t>
-                    </m:r>
-                  </m:oMath>
-                </a14:m>
-                <a:r>
-                  <a:rPr lang="de-DE" b="1" dirty="0" smtClean="0"/>
-                  <a:t> </a:t>
-                </a:r>
-                <a:r>
-                  <a:rPr lang="de-DE" dirty="0" smtClean="0"/>
-                  <a:t>such </a:t>
-                </a:r>
-                <a:r>
-                  <a:rPr lang="de-DE" dirty="0" err="1" smtClean="0"/>
-                  <a:t>that</a:t>
-                </a:r>
-                <a:r>
-                  <a:rPr lang="de-DE" dirty="0" smtClean="0"/>
-                  <a:t> </a:t>
-                </a:r>
-                <a14:m>
-                  <m:oMath xmlns:m="http://schemas.openxmlformats.org/officeDocument/2006/math">
-                    <m:r>
-                      <a:rPr lang="de-DE" b="1" i="1" smtClean="0">
-                        <a:latin typeface="Cambria Math" charset="0"/>
-                      </a:rPr>
-                      <m:t>𝒔</m:t>
-                    </m:r>
-                    <m:r>
-                      <a:rPr lang="de-DE" b="0" i="1" smtClean="0">
-                        <a:latin typeface="Cambria Math" charset="0"/>
-                      </a:rPr>
-                      <m:t>=</m:t>
-                    </m:r>
-                    <m:sSup>
-                      <m:sSupPr>
-                        <m:ctrlPr>
-                          <a:rPr lang="de-DE" b="1" i="1" smtClean="0">
-                            <a:latin typeface="Cambria Math" charset="0"/>
-                          </a:rPr>
-                        </m:ctrlPr>
-                      </m:sSupPr>
-                      <m:e>
-                        <m:r>
-                          <a:rPr lang="de-DE" b="1" i="1" smtClean="0">
-                            <a:latin typeface="Cambria Math" charset="0"/>
-                          </a:rPr>
-                          <m:t>𝒔</m:t>
-                        </m:r>
-                      </m:e>
-                      <m:sup>
-                        <m:r>
-                          <a:rPr lang="de-DE" b="1" i="1" smtClean="0">
-                            <a:latin typeface="Cambria Math" charset="0"/>
-                          </a:rPr>
-                          <m:t>′</m:t>
-                        </m:r>
-                      </m:sup>
-                    </m:sSup>
-                    <m:r>
-                      <a:rPr lang="de-DE" b="0" i="1" smtClean="0">
-                        <a:latin typeface="Cambria Math" charset="0"/>
-                      </a:rPr>
-                      <m:t>+</m:t>
-                    </m:r>
-                    <m:r>
-                      <a:rPr lang="de-DE" b="1" i="1" smtClean="0">
-                        <a:latin typeface="Cambria Math" charset="0"/>
-                      </a:rPr>
-                      <m:t>𝒔</m:t>
-                    </m:r>
-                    <m:r>
-                      <a:rPr lang="de-DE" b="1" i="1" smtClean="0">
-                        <a:latin typeface="Cambria Math" charset="0"/>
-                      </a:rPr>
-                      <m:t>′′</m:t>
-                    </m:r>
-                  </m:oMath>
-                </a14:m>
-                <a:endParaRPr lang="de-DE" b="1" dirty="0" smtClean="0"/>
-              </a:p>
-              <a:p>
-                <a:pPr lvl="1"/>
-                <a:endParaRPr lang="de-DE" b="1" dirty="0"/>
-              </a:p>
-              <a:p>
-                <a:pPr marL="63500" indent="0" algn="ctr">
-                  <a:buNone/>
-                </a:pPr>
-                <a14:m>
-                  <m:oMathPara xmlns:m="http://schemas.openxmlformats.org/officeDocument/2006/math">
-                    <m:oMathParaPr>
-                      <m:jc m:val="centerGroup"/>
-                    </m:oMathParaPr>
-                    <m:oMath xmlns:m="http://schemas.openxmlformats.org/officeDocument/2006/math">
-                      <m:r>
-                        <a:rPr lang="de-DE" b="1" i="1" smtClean="0">
-                          <a:latin typeface="Cambria Math" charset="0"/>
-                          <a:ea typeface="Cambria Math" charset="0"/>
-                          <a:cs typeface="Cambria Math" charset="0"/>
-                        </a:rPr>
-                        <m:t>⟹</m:t>
-                      </m:r>
-                      <m:sSub>
-                        <m:sSubPr>
-                          <m:ctrlPr>
-                            <a:rPr lang="en-US" i="1">
-                              <a:latin typeface="Cambria Math" charset="0"/>
-                            </a:rPr>
-                          </m:ctrlPr>
-                        </m:sSubPr>
-                        <m:e>
-                          <m:r>
-                            <a:rPr lang="en-US" b="1" i="1">
-                              <a:latin typeface="Cambria Math" charset="0"/>
-                            </a:rPr>
-                            <m:t>𝒎</m:t>
-                          </m:r>
-                        </m:e>
-                        <m:sub>
-                          <m:r>
-                            <a:rPr lang="en-US" i="1">
-                              <a:latin typeface="Cambria Math" charset="0"/>
-                            </a:rPr>
-                            <m:t>𝑒𝑛𝑐</m:t>
-                          </m:r>
-                        </m:sub>
-                      </m:sSub>
-                      <m:r>
-                        <a:rPr lang="de-DE" b="0" i="0" smtClean="0">
-                          <a:latin typeface="Cambria Math" charset="0"/>
-                        </a:rPr>
-                        <m:t>=</m:t>
-                      </m:r>
-                      <m:r>
-                        <a:rPr lang="de-DE" b="1" i="0" smtClean="0">
-                          <a:latin typeface="Cambria Math" charset="0"/>
-                        </a:rPr>
-                        <m:t>𝐬</m:t>
-                      </m:r>
-                      <m:sSub>
-                        <m:sSubPr>
-                          <m:ctrlPr>
-                            <a:rPr lang="en-US" b="1" i="1" smtClean="0">
-                              <a:latin typeface="Cambria Math" charset="0"/>
-                            </a:rPr>
-                          </m:ctrlPr>
-                        </m:sSubPr>
-                        <m:e>
-                          <m:r>
-                            <a:rPr lang="de-DE" b="1" i="1" smtClean="0">
-                              <a:latin typeface="Cambria Math" charset="0"/>
-                            </a:rPr>
-                            <m:t>𝒄</m:t>
-                          </m:r>
-                        </m:e>
-                        <m:sub>
-                          <m:r>
-                            <a:rPr lang="de-DE" b="0" i="1" smtClean="0">
-                              <a:latin typeface="Cambria Math" charset="0"/>
-                            </a:rPr>
-                            <m:t>1</m:t>
-                          </m:r>
-                        </m:sub>
-                      </m:sSub>
-                      <m:r>
-                        <a:rPr lang="de-DE" b="1" i="1" smtClean="0">
-                          <a:latin typeface="Cambria Math" charset="0"/>
-                        </a:rPr>
-                        <m:t>+</m:t>
-                      </m:r>
-                      <m:sSub>
-                        <m:sSubPr>
-                          <m:ctrlPr>
-                            <a:rPr lang="en-US" b="1" i="1" smtClean="0">
-                              <a:latin typeface="Cambria Math" charset="0"/>
-                            </a:rPr>
-                          </m:ctrlPr>
-                        </m:sSubPr>
-                        <m:e>
-                          <m:r>
-                            <a:rPr lang="de-DE" b="1" i="1" smtClean="0">
-                              <a:latin typeface="Cambria Math" charset="0"/>
-                            </a:rPr>
-                            <m:t>𝒄</m:t>
-                          </m:r>
-                        </m:e>
-                        <m:sub>
-                          <m:r>
-                            <a:rPr lang="de-DE" b="0" i="1" smtClean="0">
-                              <a:latin typeface="Cambria Math" charset="0"/>
-                            </a:rPr>
-                            <m:t>2</m:t>
-                          </m:r>
-                        </m:sub>
-                      </m:sSub>
-                      <m:r>
-                        <a:rPr lang="de-DE" b="0" i="1" smtClean="0">
-                          <a:latin typeface="Cambria Math" charset="0"/>
-                        </a:rPr>
-                        <m:t>=</m:t>
-                      </m:r>
-                      <m:d>
-                        <m:dPr>
-                          <m:ctrlPr>
-                            <a:rPr lang="de-DE" b="1" i="1" smtClean="0">
-                              <a:latin typeface="Cambria Math" charset="0"/>
-                            </a:rPr>
-                          </m:ctrlPr>
-                        </m:dPr>
-                        <m:e>
-                          <m:sSup>
-                            <m:sSupPr>
-                              <m:ctrlPr>
-                                <a:rPr lang="de-DE" b="1" i="1" smtClean="0">
-                                  <a:latin typeface="Cambria Math" charset="0"/>
-                                </a:rPr>
-                              </m:ctrlPr>
-                            </m:sSupPr>
-                            <m:e>
-                              <m:r>
-                                <a:rPr lang="de-DE" b="1" i="1" smtClean="0">
-                                  <a:latin typeface="Cambria Math" charset="0"/>
-                                </a:rPr>
-                                <m:t>𝒔</m:t>
-                              </m:r>
-                            </m:e>
-                            <m:sup>
-                              <m:r>
-                                <a:rPr lang="de-DE" b="1" i="1" smtClean="0">
-                                  <a:latin typeface="Cambria Math" charset="0"/>
-                                </a:rPr>
-                                <m:t>′</m:t>
-                              </m:r>
-                            </m:sup>
-                          </m:sSup>
-                          <m:sSub>
-                            <m:sSubPr>
-                              <m:ctrlPr>
-                                <a:rPr lang="en-US" b="1" i="1" smtClean="0">
-                                  <a:latin typeface="Cambria Math" charset="0"/>
-                                </a:rPr>
-                              </m:ctrlPr>
-                            </m:sSubPr>
-                            <m:e>
-                              <m:r>
-                                <a:rPr lang="de-DE" b="1" i="1" smtClean="0">
-                                  <a:latin typeface="Cambria Math" charset="0"/>
-                                </a:rPr>
-                                <m:t>𝒄</m:t>
-                              </m:r>
-                            </m:e>
-                            <m:sub>
-                              <m:r>
-                                <a:rPr lang="de-DE" b="0" i="1" smtClean="0">
-                                  <a:latin typeface="Cambria Math" charset="0"/>
-                                </a:rPr>
-                                <m:t>1</m:t>
-                              </m:r>
-                            </m:sub>
-                          </m:sSub>
-                          <m:r>
-                            <a:rPr lang="de-DE" b="1" i="1" smtClean="0">
-                              <a:latin typeface="Cambria Math" charset="0"/>
-                            </a:rPr>
-                            <m:t>+</m:t>
-                          </m:r>
-                          <m:sSub>
-                            <m:sSubPr>
-                              <m:ctrlPr>
-                                <a:rPr lang="en-US" b="1" i="1" smtClean="0">
-                                  <a:latin typeface="Cambria Math" charset="0"/>
-                                </a:rPr>
-                              </m:ctrlPr>
-                            </m:sSubPr>
-                            <m:e>
-                              <m:r>
-                                <a:rPr lang="de-DE" b="1" i="1" smtClean="0">
-                                  <a:latin typeface="Cambria Math" charset="0"/>
-                                </a:rPr>
-                                <m:t>𝒄</m:t>
-                              </m:r>
-                            </m:e>
-                            <m:sub>
-                              <m:r>
-                                <a:rPr lang="de-DE" b="0" i="1" smtClean="0">
-                                  <a:latin typeface="Cambria Math" charset="0"/>
-                                </a:rPr>
-                                <m:t>2</m:t>
-                              </m:r>
-                            </m:sub>
-                          </m:sSub>
-                        </m:e>
-                      </m:d>
-                      <m:r>
-                        <a:rPr lang="de-DE" b="1" i="1" smtClean="0">
-                          <a:latin typeface="Cambria Math" charset="0"/>
-                        </a:rPr>
-                        <m:t>+(</m:t>
-                      </m:r>
-                      <m:r>
-                        <a:rPr lang="de-DE" b="1" i="1" smtClean="0">
-                          <a:latin typeface="Cambria Math" charset="0"/>
-                        </a:rPr>
-                        <m:t>𝒔</m:t>
-                      </m:r>
-                      <m:r>
-                        <a:rPr lang="de-DE" b="0" i="1" smtClean="0">
-                          <a:latin typeface="Cambria Math" charset="0"/>
-                        </a:rPr>
-                        <m:t>′′</m:t>
-                      </m:r>
-                      <m:sSub>
-                        <m:sSubPr>
-                          <m:ctrlPr>
-                            <a:rPr lang="en-US" b="0" i="1" smtClean="0">
-                              <a:latin typeface="Cambria Math" charset="0"/>
-                            </a:rPr>
-                          </m:ctrlPr>
-                        </m:sSubPr>
-                        <m:e>
-                          <m:r>
-                            <a:rPr lang="de-DE" b="1" i="1" smtClean="0">
-                              <a:latin typeface="Cambria Math" charset="0"/>
-                            </a:rPr>
-                            <m:t>𝒄</m:t>
-                          </m:r>
-                        </m:e>
-                        <m:sub>
-                          <m:r>
-                            <a:rPr lang="de-DE" b="0" i="1" smtClean="0">
-                              <a:latin typeface="Cambria Math" charset="0"/>
-                            </a:rPr>
-                            <m:t>1</m:t>
-                          </m:r>
-                        </m:sub>
-                      </m:sSub>
-                      <m:r>
-                        <a:rPr lang="de-DE" b="0" i="1" smtClean="0">
-                          <a:latin typeface="Cambria Math" charset="0"/>
-                        </a:rPr>
-                        <m:t>)</m:t>
-                      </m:r>
-                    </m:oMath>
-                  </m:oMathPara>
-                </a14:m>
-                <a:endParaRPr lang="de-DE" dirty="0" smtClean="0"/>
-              </a:p>
-              <a:p>
-                <a:endParaRPr lang="de-DE" dirty="0" smtClean="0"/>
-              </a:p>
-              <a:p>
-                <a:endParaRPr lang="de-DE" dirty="0"/>
-              </a:p>
-              <a:p>
-                <a:endParaRPr lang="de-DE" dirty="0" smtClean="0"/>
-              </a:p>
-              <a:p>
-                <a:endParaRPr lang="de-DE" dirty="0"/>
-              </a:p>
-              <a:p>
-                <a:endParaRPr lang="de-DE" dirty="0" smtClean="0"/>
-              </a:p>
-              <a:p>
-                <a:endParaRPr lang="de-DE" dirty="0"/>
-              </a:p>
-              <a:p>
-                <a:endParaRPr lang="de-DE" dirty="0" smtClean="0"/>
-              </a:p>
-              <a:p>
-                <a:pPr marL="0" indent="0" algn="ctr">
-                  <a:buNone/>
-                </a:pPr>
-                <a14:m>
-                  <m:oMathPara xmlns:m="http://schemas.openxmlformats.org/officeDocument/2006/math">
-                    <m:oMathParaPr>
-                      <m:jc m:val="centerGroup"/>
-                    </m:oMathParaPr>
-                    <m:oMath xmlns:m="http://schemas.openxmlformats.org/officeDocument/2006/math">
-                      <m:r>
-                        <a:rPr lang="de-DE" b="0" i="1" smtClean="0">
-                          <a:latin typeface="Cambria Math" charset="0"/>
-                        </a:rPr>
-                        <m:t>(</m:t>
-                      </m:r>
-                      <m:r>
-                        <a:rPr lang="de-DE" b="0" i="1" smtClean="0">
-                          <a:latin typeface="Cambria Math" charset="0"/>
-                        </a:rPr>
-                        <m:t>𝑟</m:t>
-                      </m:r>
-                      <m:r>
-                        <a:rPr lang="de-DE" b="0" i="1" smtClean="0">
-                          <a:latin typeface="Cambria Math" charset="0"/>
-                        </a:rPr>
-                        <m:t>=</m:t>
-                      </m:r>
-                      <m:sSub>
-                        <m:sSubPr>
-                          <m:ctrlPr>
-                            <a:rPr lang="en-US" b="0" i="1" smtClean="0">
-                              <a:latin typeface="Cambria Math" charset="0"/>
-                            </a:rPr>
-                          </m:ctrlPr>
-                        </m:sSubPr>
-                        <m:e>
-                          <m:r>
-                            <a:rPr lang="de-DE" b="1" i="1" smtClean="0">
-                              <a:latin typeface="Cambria Math" charset="0"/>
-                            </a:rPr>
-                            <m:t>𝒔</m:t>
-                          </m:r>
-                        </m:e>
-                        <m:sub>
-                          <m:r>
-                            <a:rPr lang="de-DE" b="0" i="1" smtClean="0">
-                              <a:latin typeface="Cambria Math" charset="0"/>
-                            </a:rPr>
-                            <m:t>𝑖</m:t>
-                          </m:r>
-                        </m:sub>
-                      </m:sSub>
-                      <m:r>
-                        <a:rPr lang="de-DE" b="0" i="1" smtClean="0">
-                          <a:latin typeface="Cambria Math" charset="0"/>
-                        </a:rPr>
-                        <m:t>     </m:t>
-                      </m:r>
-                      <m:r>
-                        <a:rPr lang="de-DE" b="0" i="1" smtClean="0">
-                          <a:latin typeface="Cambria Math" charset="0"/>
-                        </a:rPr>
-                        <m:t>𝑎</m:t>
-                      </m:r>
-                      <m:r>
-                        <a:rPr lang="de-DE" b="1" i="1" smtClean="0">
-                          <a:latin typeface="Cambria Math" charset="0"/>
-                        </a:rPr>
-                        <m:t>=</m:t>
-                      </m:r>
-                      <m:sSub>
-                        <m:sSubPr>
-                          <m:ctrlPr>
-                            <a:rPr lang="en-US" b="1" i="1" smtClean="0">
-                              <a:latin typeface="Cambria Math" charset="0"/>
-                            </a:rPr>
-                          </m:ctrlPr>
-                        </m:sSubPr>
-                        <m:e>
-                          <m:r>
-                            <a:rPr lang="de-DE" b="1" i="1" smtClean="0">
-                              <a:latin typeface="Cambria Math" charset="0"/>
-                            </a:rPr>
-                            <m:t>𝒎</m:t>
-                          </m:r>
-                        </m:e>
-                        <m:sub>
-                          <m:r>
-                            <a:rPr lang="de-DE" b="0" i="1" smtClean="0">
-                              <a:latin typeface="Cambria Math" charset="0"/>
-                            </a:rPr>
-                            <m:t>𝑒𝑛𝑐</m:t>
-                          </m:r>
-                          <m:r>
-                            <a:rPr lang="de-DE" b="0" i="1" smtClean="0">
-                              <a:latin typeface="Cambria Math" charset="0"/>
-                            </a:rPr>
-                            <m:t>,</m:t>
-                          </m:r>
-                          <m:r>
-                            <a:rPr lang="de-DE" b="0" i="1" smtClean="0">
-                              <a:latin typeface="Cambria Math" charset="0"/>
-                            </a:rPr>
-                            <m:t>𝑖</m:t>
-                          </m:r>
-                        </m:sub>
-                      </m:sSub>
-                      <m:r>
-                        <a:rPr lang="de-DE" b="0" i="1" smtClean="0">
-                          <a:latin typeface="Cambria Math" charset="0"/>
-                        </a:rPr>
-                        <m:t>     </m:t>
-                      </m:r>
-                      <m:r>
-                        <a:rPr lang="de-DE" b="0" i="1" smtClean="0">
-                          <a:latin typeface="Cambria Math" charset="0"/>
-                        </a:rPr>
-                        <m:t>𝑚</m:t>
-                      </m:r>
-                      <m:r>
-                        <a:rPr lang="de-DE" b="1" i="1" smtClean="0">
-                          <a:latin typeface="Cambria Math" charset="0"/>
-                        </a:rPr>
-                        <m:t>=</m:t>
-                      </m:r>
-                      <m:sSub>
-                        <m:sSubPr>
-                          <m:ctrlPr>
-                            <a:rPr lang="en-US" b="1" i="1" smtClean="0">
-                              <a:latin typeface="Cambria Math" charset="0"/>
-                            </a:rPr>
-                          </m:ctrlPr>
-                        </m:sSubPr>
-                        <m:e>
-                          <m:r>
-                            <a:rPr lang="de-DE" b="1" i="1" smtClean="0">
-                              <a:latin typeface="Cambria Math" charset="0"/>
-                            </a:rPr>
-                            <m:t>𝒎</m:t>
-                          </m:r>
-                        </m:e>
-                        <m:sub>
-                          <m:r>
-                            <a:rPr lang="de-DE" b="0" i="1" smtClean="0">
-                              <a:latin typeface="Cambria Math" charset="0"/>
-                            </a:rPr>
-                            <m:t>𝑖</m:t>
-                          </m:r>
-                        </m:sub>
-                      </m:sSub>
-                      <m:r>
-                        <a:rPr lang="de-DE" b="1" i="1" smtClean="0">
-                          <a:latin typeface="Cambria Math" charset="0"/>
-                        </a:rPr>
-                        <m:t>)</m:t>
-                      </m:r>
-                    </m:oMath>
-                  </m:oMathPara>
-                </a14:m>
-                <a:endParaRPr lang="de-DE" b="1" dirty="0" smtClean="0"/>
-              </a:p>
-              <a:p>
-                <a:endParaRPr lang="de-DE" dirty="0"/>
-              </a:p>
-            </p:txBody>
-          </p:sp>
-        </mc:Choice>
-        <mc:Fallback xmlns="">
-          <p:sp>
-            <p:nvSpPr>
-              <p:cNvPr id="2" name="Textplatzhalter 1"/>
-              <p:cNvSpPr>
-                <a:spLocks noGrp="1" noRot="1" noChangeAspect="1" noMove="1" noResize="1" noEditPoints="1" noAdjustHandles="1" noChangeArrowheads="1" noChangeShapeType="1" noTextEdit="1"/>
-              </p:cNvSpPr>
-              <p:nvPr>
-                <p:ph type="body" sz="quarter" idx="10"/>
-              </p:nvPr>
-            </p:nvSpPr>
-            <p:spPr>
-              <a:blipFill rotWithShape="0">
-                <a:blip r:embed="rId2"/>
-                <a:stretch>
-                  <a:fillRect l="-944" t="-779" b="-11680"/>
-                </a:stretch>
-              </a:blipFill>
-            </p:spPr>
-            <p:txBody>
-              <a:bodyPr/>
-              <a:lstStyle/>
-              <a:p>
-                <a:r>
-                  <a:rPr lang="de-DE">
-                    <a:noFill/>
-                  </a:rPr>
-                  <a:t> </a:t>
-                </a:r>
-              </a:p>
-            </p:txBody>
-          </p:sp>
-        </mc:Fallback>
-      </mc:AlternateContent>
-      <p:sp>
-        <p:nvSpPr>
-          <p:cNvPr id="3" name="Titel 2"/>
-          <p:cNvSpPr>
-            <a:spLocks noGrp="1"/>
-          </p:cNvSpPr>
-          <p:nvPr>
-            <p:ph type="title"/>
-          </p:nvPr>
-        </p:nvSpPr>
-        <p:spPr/>
-        <p:txBody>
-          <a:bodyPr/>
-          <a:lstStyle/>
-          <a:p>
-            <a:r>
-              <a:rPr lang="de-DE" dirty="0" err="1" smtClean="0"/>
-              <a:t>Masking</a:t>
-            </a:r>
-            <a:r>
-              <a:rPr lang="de-DE" dirty="0" smtClean="0"/>
-              <a:t> </a:t>
-            </a:r>
-            <a:r>
-              <a:rPr lang="de-DE" dirty="0" err="1"/>
-              <a:t>U</a:t>
-            </a:r>
-            <a:r>
-              <a:rPr lang="de-DE" dirty="0" err="1" smtClean="0"/>
-              <a:t>sing</a:t>
-            </a:r>
-            <a:r>
-              <a:rPr lang="de-DE" dirty="0" smtClean="0"/>
-              <a:t> a </a:t>
-            </a:r>
-            <a:r>
-              <a:rPr lang="de-DE" dirty="0" err="1"/>
-              <a:t>M</a:t>
-            </a:r>
-            <a:r>
-              <a:rPr lang="de-DE" dirty="0" err="1" smtClean="0"/>
-              <a:t>asked</a:t>
-            </a:r>
-            <a:r>
-              <a:rPr lang="de-DE" dirty="0" smtClean="0"/>
-              <a:t> </a:t>
-            </a:r>
-            <a:r>
-              <a:rPr lang="de-DE" dirty="0"/>
-              <a:t>D</a:t>
-            </a:r>
-            <a:r>
-              <a:rPr lang="de-DE" dirty="0" smtClean="0"/>
-              <a:t>ecoder</a:t>
-            </a:r>
-            <a:r>
-              <a:rPr lang="de-DE" dirty="0"/>
-              <a:t/>
-            </a:r>
-            <a:br>
-              <a:rPr lang="de-DE" dirty="0"/>
-            </a:br>
-            <a:r>
-              <a:rPr lang="de-DE" sz="2800" b="0" dirty="0" err="1" smtClean="0"/>
-              <a:t>Overview</a:t>
-            </a:r>
-            <a:endParaRPr lang="de-DE" dirty="0"/>
-          </a:p>
-        </p:txBody>
-      </p:sp>
-      <p:pic>
-        <p:nvPicPr>
-          <p:cNvPr id="4" name="Bild 3"/>
-          <p:cNvPicPr>
-            <a:picLocks noChangeAspect="1"/>
-          </p:cNvPicPr>
-          <p:nvPr/>
-        </p:nvPicPr>
-        <p:blipFill>
-          <a:blip r:embed="rId3">
-            <a:extLst>
-              <a:ext uri="{28A0092B-C50C-407E-A947-70E740481C1C}">
-                <a14:useLocalDpi xmlns:a14="http://schemas.microsoft.com/office/drawing/2010/main" val="0"/>
-              </a:ext>
-            </a:extLst>
-          </a:blip>
-          <a:stretch>
-            <a:fillRect/>
-          </a:stretch>
-        </p:blipFill>
-        <p:spPr>
-          <a:xfrm>
-            <a:off x="1372474" y="3515838"/>
-            <a:ext cx="7335676" cy="2839002"/>
-          </a:xfrm>
-          <a:prstGeom prst="rect">
-            <a:avLst/>
-          </a:prstGeom>
-        </p:spPr>
-      </p:pic>
-    </p:spTree>
-    <p:extLst>
-      <p:ext uri="{BB962C8B-B14F-4D97-AF65-F5344CB8AC3E}">
-        <p14:creationId xmlns:p14="http://schemas.microsoft.com/office/powerpoint/2010/main" val="1862829395"/>
-      </p:ext>
-    </p:extLst>
-  </p:cSld>
-  <p:clrMapOvr>
-    <a:masterClrMapping/>
-  </p:clrMapOvr>
-  <p:transition/>
-  <p:timing>
-    <p:tnLst>
-      <p:par>
-        <p:cTn id="1" dur="indefinite" restart="never" nodeType="tmRoot"/>
-      </p:par>
-    </p:tnLst>
-  </p:timing>
-</p:sld>
-</file>
-
-<file path=ppt/slides/slide11.xml><?xml version="1.0" encoding="utf-8"?>
-<p:sld xmlns:a="http://schemas.openxmlformats.org/drawingml/2006/main" xmlns:r="http://schemas.openxmlformats.org/officeDocument/2006/relationships" xmlns:p="http://schemas.openxmlformats.org/presentationml/2006/main">
-  <p:cSld>
-    <p:spTree>
-      <p:nvGrpSpPr>
-        <p:cNvPr id="1" name=""/>
-        <p:cNvGrpSpPr/>
-        <p:nvPr/>
-      </p:nvGrpSpPr>
-      <p:grpSpPr>
-        <a:xfrm>
-          <a:off x="0" y="0"/>
-          <a:ext cx="0" cy="0"/>
-          <a:chOff x="0" y="0"/>
-          <a:chExt cx="0" cy="0"/>
-        </a:xfrm>
-      </p:grpSpPr>
-      <mc:AlternateContent xmlns:mc="http://schemas.openxmlformats.org/markup-compatibility/2006" xmlns:a14="http://schemas.microsoft.com/office/drawing/2010/main">
-        <mc:Choice Requires="a14">
+      <mc:AlternateContent xmlns:mc="http://schemas.openxmlformats.org/markup-compatibility/2006">
+        <mc:Choice xmlns:a14="http://schemas.microsoft.com/office/drawing/2010/main" Requires="a14">
           <p:sp>
             <p:nvSpPr>
               <p:cNvPr id="2" name="Textplatzhalter 1"/>
@@ -4222,7 +3329,7 @@
                 </a:r>
                 <a:r>
                   <a:rPr lang="de-DE" dirty="0" err="1" smtClean="0"/>
-                  <a:t>four</a:t>
+                  <a:t>eight</a:t>
                 </a:r>
                 <a:r>
                   <a:rPr lang="de-DE" dirty="0" smtClean="0"/>
@@ -4627,7 +3734,7 @@
             </p:txBody>
           </p:sp>
         </mc:Choice>
-        <mc:Fallback xmlns="">
+        <mc:Fallback>
           <p:sp>
             <p:nvSpPr>
               <p:cNvPr id="2" name="Textplatzhalter 1"/>
@@ -4759,7 +3866,7 @@
 </p:sld>
 </file>
 
-<file path=ppt/slides/slide12.xml><?xml version="1.0" encoding="utf-8"?>
+<file path=ppt/slides/slide11.xml><?xml version="1.0" encoding="utf-8"?>
 <p:sld xmlns:a="http://schemas.openxmlformats.org/drawingml/2006/main" xmlns:r="http://schemas.openxmlformats.org/officeDocument/2006/relationships" xmlns:p="http://schemas.openxmlformats.org/presentationml/2006/main">
   <p:cSld>
     <p:spTree>
@@ -5688,7 +4795,7 @@
 </p:sld>
 </file>
 
-<file path=ppt/slides/slide13.xml><?xml version="1.0" encoding="utf-8"?>
+<file path=ppt/slides/slide12.xml><?xml version="1.0" encoding="utf-8"?>
 <p:sld xmlns:a="http://schemas.openxmlformats.org/drawingml/2006/main" xmlns:r="http://schemas.openxmlformats.org/officeDocument/2006/relationships" xmlns:p="http://schemas.openxmlformats.org/presentationml/2006/main">
   <p:cSld>
     <p:spTree>
@@ -5862,7 +4969,7 @@
 </p:sld>
 </file>
 
-<file path=ppt/slides/slide14.xml><?xml version="1.0" encoding="utf-8"?>
+<file path=ppt/slides/slide13.xml><?xml version="1.0" encoding="utf-8"?>
 <p:sld xmlns:a="http://schemas.openxmlformats.org/drawingml/2006/main" xmlns:r="http://schemas.openxmlformats.org/officeDocument/2006/relationships" xmlns:p="http://schemas.openxmlformats.org/presentationml/2006/main">
   <p:cSld>
     <p:spTree>
@@ -6108,7 +5215,7 @@
 </p:sld>
 </file>
 
-<file path=ppt/slides/slide15.xml><?xml version="1.0" encoding="utf-8"?>
+<file path=ppt/slides/slide14.xml><?xml version="1.0" encoding="utf-8"?>
 <p:sld xmlns:a="http://schemas.openxmlformats.org/drawingml/2006/main" xmlns:r="http://schemas.openxmlformats.org/officeDocument/2006/relationships" xmlns:p="http://schemas.openxmlformats.org/presentationml/2006/main">
   <p:cSld>
     <p:spTree>
@@ -6371,7 +5478,7 @@
 </p:sld>
 </file>
 
-<file path=ppt/slides/slide16.xml><?xml version="1.0" encoding="utf-8"?>
+<file path=ppt/slides/slide15.xml><?xml version="1.0" encoding="utf-8"?>
 <p:sld xmlns:a="http://schemas.openxmlformats.org/drawingml/2006/main" xmlns:r="http://schemas.openxmlformats.org/officeDocument/2006/relationships" xmlns:p="http://schemas.openxmlformats.org/presentationml/2006/main">
   <p:cSld>
     <p:spTree>
@@ -6621,7 +5728,7 @@
 </p:sld>
 </file>
 
-<file path=ppt/slides/slide17.xml><?xml version="1.0" encoding="utf-8"?>
+<file path=ppt/slides/slide16.xml><?xml version="1.0" encoding="utf-8"?>
 <p:sld xmlns:a="http://schemas.openxmlformats.org/drawingml/2006/main" xmlns:r="http://schemas.openxmlformats.org/officeDocument/2006/relationships" xmlns:p="http://schemas.openxmlformats.org/presentationml/2006/main">
   <p:cSld>
     <p:spTree>
@@ -6654,8 +5761,120 @@
           <a:lstStyle/>
           <a:p>
             <a:r>
+              <a:rPr lang="en-US" dirty="0" err="1" smtClean="0"/>
+              <a:t>Bitte</a:t>
+            </a:r>
+            <a:r>
               <a:rPr lang="en-US" dirty="0" smtClean="0"/>
-              <a:t>blub</a:t>
+              <a:t> “Structure of presentation” in </a:t>
+            </a:r>
+            <a:r>
+              <a:rPr lang="en-US" dirty="0" err="1" smtClean="0"/>
+              <a:t>Folie</a:t>
+            </a:r>
+            <a:r>
+              <a:rPr lang="en-US" dirty="0" smtClean="0"/>
+              <a:t> 2 an </a:t>
+            </a:r>
+            <a:r>
+              <a:rPr lang="en-US" dirty="0" err="1" smtClean="0"/>
+              <a:t>deinen</a:t>
+            </a:r>
+            <a:r>
+              <a:rPr lang="en-US" dirty="0" smtClean="0"/>
+              <a:t> </a:t>
+            </a:r>
+            <a:r>
+              <a:rPr lang="en-US" dirty="0" err="1" smtClean="0"/>
+              <a:t>Aufbau</a:t>
+            </a:r>
+            <a:r>
+              <a:rPr lang="en-US" dirty="0" smtClean="0"/>
+              <a:t> </a:t>
+            </a:r>
+            <a:r>
+              <a:rPr lang="en-US" dirty="0" err="1" smtClean="0"/>
+              <a:t>anpassen</a:t>
+            </a:r>
+            <a:r>
+              <a:rPr lang="en-US" dirty="0" smtClean="0"/>
+              <a:t>, </a:t>
+            </a:r>
+            <a:r>
+              <a:rPr lang="en-US" dirty="0" err="1" smtClean="0"/>
+              <a:t>alles</a:t>
+            </a:r>
+            <a:r>
+              <a:rPr lang="en-US" dirty="0" smtClean="0"/>
+              <a:t> was da </a:t>
+            </a:r>
+            <a:r>
+              <a:rPr lang="en-US" dirty="0" err="1" smtClean="0"/>
+              <a:t>aufgelistet</a:t>
+            </a:r>
+            <a:r>
+              <a:rPr lang="en-US" dirty="0" smtClean="0"/>
+              <a:t> </a:t>
+            </a:r>
+            <a:r>
+              <a:rPr lang="en-US" dirty="0" err="1" smtClean="0"/>
+              <a:t>ist</a:t>
+            </a:r>
+            <a:r>
+              <a:rPr lang="en-US" dirty="0" smtClean="0"/>
+              <a:t> </a:t>
+            </a:r>
+            <a:r>
+              <a:rPr lang="en-US" dirty="0" err="1" smtClean="0"/>
+              <a:t>kommt</a:t>
+            </a:r>
+            <a:r>
+              <a:rPr lang="en-US" dirty="0" smtClean="0"/>
+              <a:t> </a:t>
+            </a:r>
+            <a:r>
+              <a:rPr lang="en-US" dirty="0" err="1" smtClean="0"/>
+              <a:t>irgendwo</a:t>
+            </a:r>
+            <a:r>
+              <a:rPr lang="en-US" dirty="0" smtClean="0"/>
+              <a:t> </a:t>
+            </a:r>
+            <a:r>
+              <a:rPr lang="en-US" dirty="0" err="1" smtClean="0"/>
+              <a:t>als</a:t>
+            </a:r>
+            <a:r>
+              <a:rPr lang="en-US" dirty="0" smtClean="0"/>
+              <a:t> </a:t>
+            </a:r>
+            <a:r>
+              <a:rPr lang="en-US" dirty="0" err="1" smtClean="0"/>
+              <a:t>Überschrift</a:t>
+            </a:r>
+            <a:r>
+              <a:rPr lang="en-US" dirty="0" smtClean="0"/>
+              <a:t> </a:t>
+            </a:r>
+            <a:r>
+              <a:rPr lang="en-US" dirty="0" err="1" smtClean="0"/>
+              <a:t>einer</a:t>
+            </a:r>
+            <a:r>
+              <a:rPr lang="en-US" dirty="0" smtClean="0"/>
+              <a:t> </a:t>
+            </a:r>
+            <a:r>
+              <a:rPr lang="en-US" dirty="0" err="1" smtClean="0"/>
+              <a:t>Folie</a:t>
+            </a:r>
+            <a:r>
+              <a:rPr lang="en-US" dirty="0" smtClean="0"/>
+              <a:t> </a:t>
+            </a:r>
+            <a:r>
+              <a:rPr lang="en-US" dirty="0" err="1" smtClean="0"/>
+              <a:t>vor</a:t>
             </a:r>
             <a:endParaRPr lang="en-US" dirty="0"/>
           </a:p>
@@ -6677,202 +5896,6 @@
           <a:lstStyle/>
           <a:p>
             <a:r>
-              <a:rPr lang="en-US" dirty="0"/>
-              <a:t>Additively Homomorphic Masking</a:t>
-            </a:r>
-            <a:br>
-              <a:rPr lang="en-US" dirty="0"/>
-            </a:br>
-            <a:r>
-              <a:rPr lang="de-DE" sz="2800" b="0" dirty="0" err="1" smtClean="0"/>
-              <a:t>Overview</a:t>
-            </a:r>
-            <a:endParaRPr lang="de-DE" sz="2800" dirty="0"/>
-          </a:p>
-        </p:txBody>
-      </p:sp>
-    </p:spTree>
-    <p:extLst>
-      <p:ext uri="{BB962C8B-B14F-4D97-AF65-F5344CB8AC3E}">
-        <p14:creationId xmlns:p14="http://schemas.microsoft.com/office/powerpoint/2010/main" val="805472181"/>
-      </p:ext>
-    </p:extLst>
-  </p:cSld>
-  <p:clrMapOvr>
-    <a:masterClrMapping/>
-  </p:clrMapOvr>
-  <p:transition/>
-</p:sld>
-</file>
-
-<file path=ppt/slides/slide18.xml><?xml version="1.0" encoding="utf-8"?>
-<p:sld xmlns:a="http://schemas.openxmlformats.org/drawingml/2006/main" xmlns:r="http://schemas.openxmlformats.org/officeDocument/2006/relationships" xmlns:p="http://schemas.openxmlformats.org/presentationml/2006/main">
-  <p:cSld>
-    <p:spTree>
-      <p:nvGrpSpPr>
-        <p:cNvPr id="1" name=""/>
-        <p:cNvGrpSpPr/>
-        <p:nvPr/>
-      </p:nvGrpSpPr>
-      <p:grpSpPr>
-        <a:xfrm>
-          <a:off x="0" y="0"/>
-          <a:ext cx="0" cy="0"/>
-          <a:chOff x="0" y="0"/>
-          <a:chExt cx="0" cy="0"/>
-        </a:xfrm>
-      </p:grpSpPr>
-      <p:sp>
-        <p:nvSpPr>
-          <p:cNvPr id="2" name="Textplatzhalter 1"/>
-          <p:cNvSpPr>
-            <a:spLocks noGrp="1"/>
-          </p:cNvSpPr>
-          <p:nvPr>
-            <p:ph type="body" sz="quarter" idx="10"/>
-          </p:nvPr>
-        </p:nvSpPr>
-        <p:spPr/>
-        <p:txBody>
-          <a:bodyPr/>
-          <a:lstStyle/>
-          <a:p>
-            <a:r>
-              <a:rPr lang="en-US" dirty="0" err="1" smtClean="0"/>
-              <a:t>Bitte</a:t>
-            </a:r>
-            <a:r>
-              <a:rPr lang="en-US" dirty="0" smtClean="0"/>
-              <a:t> “Structure of presentation” in </a:t>
-            </a:r>
-            <a:r>
-              <a:rPr lang="en-US" dirty="0" err="1" smtClean="0"/>
-              <a:t>Folie</a:t>
-            </a:r>
-            <a:r>
-              <a:rPr lang="en-US" dirty="0" smtClean="0"/>
-              <a:t> 2 an </a:t>
-            </a:r>
-            <a:r>
-              <a:rPr lang="en-US" dirty="0" err="1" smtClean="0"/>
-              <a:t>deinen</a:t>
-            </a:r>
-            <a:r>
-              <a:rPr lang="en-US" dirty="0" smtClean="0"/>
-              <a:t> </a:t>
-            </a:r>
-            <a:r>
-              <a:rPr lang="en-US" dirty="0" err="1" smtClean="0"/>
-              <a:t>Aufbau</a:t>
-            </a:r>
-            <a:r>
-              <a:rPr lang="en-US" dirty="0" smtClean="0"/>
-              <a:t> </a:t>
-            </a:r>
-            <a:r>
-              <a:rPr lang="en-US" dirty="0" err="1" smtClean="0"/>
-              <a:t>anpassen</a:t>
-            </a:r>
-            <a:r>
-              <a:rPr lang="en-US" dirty="0" smtClean="0"/>
-              <a:t>, </a:t>
-            </a:r>
-            <a:r>
-              <a:rPr lang="en-US" dirty="0" err="1" smtClean="0"/>
-              <a:t>alles</a:t>
-            </a:r>
-            <a:r>
-              <a:rPr lang="en-US" dirty="0" smtClean="0"/>
-              <a:t> was da </a:t>
-            </a:r>
-            <a:r>
-              <a:rPr lang="en-US" dirty="0" err="1" smtClean="0"/>
-              <a:t>aufgelistet</a:t>
-            </a:r>
-            <a:r>
-              <a:rPr lang="en-US" dirty="0" smtClean="0"/>
-              <a:t> </a:t>
-            </a:r>
-            <a:r>
-              <a:rPr lang="en-US" dirty="0" err="1" smtClean="0"/>
-              <a:t>ist</a:t>
-            </a:r>
-            <a:r>
-              <a:rPr lang="en-US" dirty="0" smtClean="0"/>
-              <a:t> </a:t>
-            </a:r>
-            <a:r>
-              <a:rPr lang="en-US" dirty="0" err="1" smtClean="0"/>
-              <a:t>kommt</a:t>
-            </a:r>
-            <a:r>
-              <a:rPr lang="en-US" dirty="0" smtClean="0"/>
-              <a:t> </a:t>
-            </a:r>
-            <a:r>
-              <a:rPr lang="en-US" dirty="0" err="1" smtClean="0"/>
-              <a:t>irgendwo</a:t>
-            </a:r>
-            <a:r>
-              <a:rPr lang="en-US" dirty="0" smtClean="0"/>
-              <a:t> </a:t>
-            </a:r>
-            <a:r>
-              <a:rPr lang="en-US" dirty="0" err="1" smtClean="0"/>
-              <a:t>als</a:t>
-            </a:r>
-            <a:r>
-              <a:rPr lang="en-US" dirty="0" smtClean="0"/>
-              <a:t> </a:t>
-            </a:r>
-            <a:r>
-              <a:rPr lang="en-US" dirty="0" err="1" smtClean="0"/>
-              <a:t>Überschrift</a:t>
-            </a:r>
-            <a:r>
-              <a:rPr lang="en-US" dirty="0" smtClean="0"/>
-              <a:t> </a:t>
-            </a:r>
-            <a:r>
-              <a:rPr lang="en-US" dirty="0" err="1" smtClean="0"/>
-              <a:t>einer</a:t>
-            </a:r>
-            <a:r>
-              <a:rPr lang="en-US" dirty="0" smtClean="0"/>
-              <a:t> </a:t>
-            </a:r>
-            <a:r>
-              <a:rPr lang="en-US" dirty="0" err="1" smtClean="0"/>
-              <a:t>Folie</a:t>
-            </a:r>
-            <a:r>
-              <a:rPr lang="en-US" dirty="0" smtClean="0"/>
-              <a:t> </a:t>
-            </a:r>
-            <a:r>
-              <a:rPr lang="en-US" dirty="0" err="1" smtClean="0"/>
-              <a:t>vor</a:t>
-            </a:r>
-            <a:endParaRPr lang="en-US" dirty="0"/>
-          </a:p>
-        </p:txBody>
-      </p:sp>
-      <p:sp>
-        <p:nvSpPr>
-          <p:cNvPr id="3" name="Titel 2"/>
-          <p:cNvSpPr>
-            <a:spLocks noGrp="1"/>
-          </p:cNvSpPr>
-          <p:nvPr>
-            <p:ph type="title"/>
-          </p:nvPr>
-        </p:nvSpPr>
-        <p:spPr/>
-        <p:txBody>
-          <a:bodyPr/>
-          <a:lstStyle/>
-          <a:p>
-            <a:r>
               <a:rPr lang="en-US" dirty="0" smtClean="0"/>
               <a:t>BLISS</a:t>
             </a:r>
@@ -6905,238 +5928,7 @@
 </p:sld>
 </file>
 
-<file path=ppt/slides/slide19.xml><?xml version="1.0" encoding="utf-8"?>
-<p:sld xmlns:a="http://schemas.openxmlformats.org/drawingml/2006/main" xmlns:r="http://schemas.openxmlformats.org/officeDocument/2006/relationships" xmlns:p="http://schemas.openxmlformats.org/presentationml/2006/main">
-  <p:cSld>
-    <p:spTree>
-      <p:nvGrpSpPr>
-        <p:cNvPr id="1" name=""/>
-        <p:cNvGrpSpPr/>
-        <p:nvPr/>
-      </p:nvGrpSpPr>
-      <p:grpSpPr>
-        <a:xfrm>
-          <a:off x="0" y="0"/>
-          <a:ext cx="0" cy="0"/>
-          <a:chOff x="0" y="0"/>
-          <a:chExt cx="0" cy="0"/>
-        </a:xfrm>
-      </p:grpSpPr>
-      <p:sp>
-        <p:nvSpPr>
-          <p:cNvPr id="2" name="Textplatzhalter 1"/>
-          <p:cNvSpPr>
-            <a:spLocks noGrp="1"/>
-          </p:cNvSpPr>
-          <p:nvPr>
-            <p:ph type="body" sz="quarter" idx="10"/>
-          </p:nvPr>
-        </p:nvSpPr>
-        <p:spPr/>
-        <p:txBody>
-          <a:bodyPr/>
-          <a:lstStyle/>
-          <a:p>
-            <a:r>
-              <a:rPr lang="en-US" smtClean="0"/>
-              <a:t>bla</a:t>
-            </a:r>
-            <a:endParaRPr lang="en-US" dirty="0"/>
-          </a:p>
-        </p:txBody>
-      </p:sp>
-      <p:sp>
-        <p:nvSpPr>
-          <p:cNvPr id="3" name="Titel 2"/>
-          <p:cNvSpPr>
-            <a:spLocks noGrp="1"/>
-          </p:cNvSpPr>
-          <p:nvPr>
-            <p:ph type="title"/>
-          </p:nvPr>
-        </p:nvSpPr>
-        <p:spPr/>
-        <p:txBody>
-          <a:bodyPr/>
-          <a:lstStyle/>
-          <a:p>
-            <a:r>
-              <a:rPr lang="en-US" dirty="0" smtClean="0"/>
-              <a:t>Blinding Countermeasures</a:t>
-            </a:r>
-            <a:r>
-              <a:rPr lang="en-US" dirty="0"/>
-              <a:t/>
-            </a:r>
-            <a:br>
-              <a:rPr lang="en-US" dirty="0"/>
-            </a:br>
-            <a:r>
-              <a:rPr lang="de-DE" sz="2800" b="0" dirty="0" smtClean="0"/>
-              <a:t>Unterüberschrift</a:t>
-            </a:r>
-            <a:endParaRPr lang="de-DE" sz="2800" dirty="0"/>
-          </a:p>
-        </p:txBody>
-      </p:sp>
-    </p:spTree>
-    <p:extLst>
-      <p:ext uri="{BB962C8B-B14F-4D97-AF65-F5344CB8AC3E}">
-        <p14:creationId xmlns:p14="http://schemas.microsoft.com/office/powerpoint/2010/main" val="1842756839"/>
-      </p:ext>
-    </p:extLst>
-  </p:cSld>
-  <p:clrMapOvr>
-    <a:masterClrMapping/>
-  </p:clrMapOvr>
-  <p:transition/>
-</p:sld>
-</file>
-
-<file path=ppt/slides/slide2.xml><?xml version="1.0" encoding="utf-8"?>
-<p:sld xmlns:a="http://schemas.openxmlformats.org/drawingml/2006/main" xmlns:r="http://schemas.openxmlformats.org/officeDocument/2006/relationships" xmlns:p="http://schemas.openxmlformats.org/presentationml/2006/main">
-  <p:cSld>
-    <p:bg>
-      <p:bgPr>
-        <a:solidFill>
-          <a:srgbClr val="E7E7E7"/>
-        </a:solidFill>
-        <a:effectLst/>
-      </p:bgPr>
-    </p:bg>
-    <p:spTree>
-      <p:nvGrpSpPr>
-        <p:cNvPr id="1" name=""/>
-        <p:cNvGrpSpPr/>
-        <p:nvPr/>
-      </p:nvGrpSpPr>
-      <p:grpSpPr>
-        <a:xfrm>
-          <a:off x="0" y="0"/>
-          <a:ext cx="0" cy="0"/>
-          <a:chOff x="0" y="0"/>
-          <a:chExt cx="0" cy="0"/>
-        </a:xfrm>
-      </p:grpSpPr>
-      <p:sp>
-        <p:nvSpPr>
-          <p:cNvPr id="2" name="Textplatzhalter 1"/>
-          <p:cNvSpPr>
-            <a:spLocks noGrp="1"/>
-          </p:cNvSpPr>
-          <p:nvPr>
-            <p:ph type="body" sz="quarter" idx="10"/>
-          </p:nvPr>
-        </p:nvSpPr>
-        <p:spPr/>
-        <p:txBody>
-          <a:bodyPr/>
-          <a:lstStyle/>
-          <a:p>
-            <a:r>
-              <a:rPr lang="en-US" dirty="0"/>
-              <a:t>Todays digital infrastructure is based on public-key </a:t>
-            </a:r>
-            <a:r>
-              <a:rPr lang="en-US" dirty="0" smtClean="0"/>
-              <a:t>crypto</a:t>
-            </a:r>
-          </a:p>
-          <a:p>
-            <a:r>
-              <a:rPr lang="en-US" dirty="0" smtClean="0"/>
-              <a:t>Current public-key crypto vulnerable to quantum computing</a:t>
-            </a:r>
-          </a:p>
-          <a:p>
-            <a:pPr lvl="1"/>
-            <a:r>
-              <a:rPr lang="en-US" dirty="0" smtClean="0"/>
-              <a:t>Shor’s algorithm for prime factorization and discrete logarithms</a:t>
-            </a:r>
-          </a:p>
-          <a:p>
-            <a:r>
-              <a:rPr lang="en-US" dirty="0" smtClean="0"/>
-              <a:t>Quantum computers might become feasible in near future</a:t>
-            </a:r>
-          </a:p>
-          <a:p>
-            <a:r>
-              <a:rPr lang="en-US" dirty="0" smtClean="0"/>
-              <a:t>Urgent need for post-quantum crypto</a:t>
-            </a:r>
-          </a:p>
-          <a:p>
-            <a:r>
-              <a:rPr lang="en-US" dirty="0" smtClean="0"/>
-              <a:t>Lattice-based crypto is one possible solution</a:t>
-            </a:r>
-          </a:p>
-          <a:p>
-            <a:pPr lvl="1"/>
-            <a:r>
-              <a:rPr lang="en-US" dirty="0" smtClean="0"/>
-              <a:t>Currently most promising one, as it is pretty efficient</a:t>
-            </a:r>
-          </a:p>
-          <a:p>
-            <a:r>
-              <a:rPr lang="en-US" dirty="0" smtClean="0"/>
-              <a:t>Side-Channel attack resistance is important for future implementations</a:t>
-            </a:r>
-          </a:p>
-          <a:p>
-            <a:pPr lvl="1"/>
-            <a:endParaRPr lang="en-US" dirty="0" smtClean="0"/>
-          </a:p>
-        </p:txBody>
-      </p:sp>
-      <p:sp>
-        <p:nvSpPr>
-          <p:cNvPr id="3" name="Titel 2"/>
-          <p:cNvSpPr>
-            <a:spLocks noGrp="1"/>
-          </p:cNvSpPr>
-          <p:nvPr>
-            <p:ph type="title"/>
-          </p:nvPr>
-        </p:nvSpPr>
-        <p:spPr/>
-        <p:txBody>
-          <a:bodyPr/>
-          <a:lstStyle/>
-          <a:p>
-            <a:r>
-              <a:rPr lang="de-DE" dirty="0" smtClean="0"/>
-              <a:t>WHAT?!?</a:t>
-            </a:r>
-            <a:endParaRPr lang="de-DE" dirty="0"/>
-          </a:p>
-        </p:txBody>
-      </p:sp>
-    </p:spTree>
-    <p:extLst>
-      <p:ext uri="{BB962C8B-B14F-4D97-AF65-F5344CB8AC3E}">
-        <p14:creationId xmlns:p14="http://schemas.microsoft.com/office/powerpoint/2010/main" val="1241315664"/>
-      </p:ext>
-    </p:extLst>
-  </p:cSld>
-  <p:clrMapOvr>
-    <a:masterClrMapping/>
-  </p:clrMapOvr>
-  <p:transition/>
-  <p:timing>
-    <p:tnLst>
-      <p:par>
-        <p:cTn id="1" dur="indefinite" restart="never" nodeType="tmRoot"/>
-      </p:par>
-    </p:tnLst>
-  </p:timing>
-</p:sld>
-</file>
-
-<file path=ppt/slides/slide20.xml><?xml version="1.0" encoding="utf-8"?>
+<file path=ppt/slides/slide17.xml><?xml version="1.0" encoding="utf-8"?>
 <p:sld xmlns:a="http://schemas.openxmlformats.org/drawingml/2006/main" xmlns:r="http://schemas.openxmlformats.org/officeDocument/2006/relationships" xmlns:p="http://schemas.openxmlformats.org/presentationml/2006/main">
   <p:cSld>
     <p:bg>
@@ -7920,6 +6712,149 @@
 </p:sld>
 </file>
 
+<file path=ppt/slides/slide2.xml><?xml version="1.0" encoding="utf-8"?>
+<p:sld xmlns:a="http://schemas.openxmlformats.org/drawingml/2006/main" xmlns:r="http://schemas.openxmlformats.org/officeDocument/2006/relationships" xmlns:p="http://schemas.openxmlformats.org/presentationml/2006/main">
+  <p:cSld>
+    <p:bg>
+      <p:bgPr>
+        <a:solidFill>
+          <a:srgbClr val="E7E7E7"/>
+        </a:solidFill>
+        <a:effectLst/>
+      </p:bgPr>
+    </p:bg>
+    <p:spTree>
+      <p:nvGrpSpPr>
+        <p:cNvPr id="1" name=""/>
+        <p:cNvGrpSpPr/>
+        <p:nvPr/>
+      </p:nvGrpSpPr>
+      <p:grpSpPr>
+        <a:xfrm>
+          <a:off x="0" y="0"/>
+          <a:ext cx="0" cy="0"/>
+          <a:chOff x="0" y="0"/>
+          <a:chExt cx="0" cy="0"/>
+        </a:xfrm>
+      </p:grpSpPr>
+      <p:sp>
+        <p:nvSpPr>
+          <p:cNvPr id="2" name="Textplatzhalter 1"/>
+          <p:cNvSpPr>
+            <a:spLocks noGrp="1"/>
+          </p:cNvSpPr>
+          <p:nvPr>
+            <p:ph type="body" sz="quarter" idx="10"/>
+          </p:nvPr>
+        </p:nvSpPr>
+        <p:spPr/>
+        <p:txBody>
+          <a:bodyPr/>
+          <a:lstStyle/>
+          <a:p>
+            <a:r>
+              <a:rPr lang="en-US" dirty="0"/>
+              <a:t>Todays digital infrastructure is based on public-key </a:t>
+            </a:r>
+            <a:r>
+              <a:rPr lang="en-US" dirty="0" smtClean="0"/>
+              <a:t>crypto</a:t>
+            </a:r>
+          </a:p>
+          <a:p>
+            <a:r>
+              <a:rPr lang="en-US" dirty="0" smtClean="0"/>
+              <a:t>Current public-key crypto vulnerable to quantum computing</a:t>
+            </a:r>
+          </a:p>
+          <a:p>
+            <a:pPr lvl="1"/>
+            <a:r>
+              <a:rPr lang="en-US" dirty="0" smtClean="0"/>
+              <a:t>Shor’s algorithm for prime factorization and discrete logarithms</a:t>
+            </a:r>
+          </a:p>
+          <a:p>
+            <a:r>
+              <a:rPr lang="en-US" dirty="0" smtClean="0"/>
+              <a:t>Quantum computers might become feasible in near future</a:t>
+            </a:r>
+          </a:p>
+          <a:p>
+            <a:r>
+              <a:rPr lang="en-US" dirty="0" smtClean="0"/>
+              <a:t>Urgent need for post-quantum crypto</a:t>
+            </a:r>
+          </a:p>
+          <a:p>
+            <a:r>
+              <a:rPr lang="en-US" dirty="0" smtClean="0"/>
+              <a:t>Lattice-based crypto is one possible solution</a:t>
+            </a:r>
+          </a:p>
+          <a:p>
+            <a:pPr lvl="1"/>
+            <a:r>
+              <a:rPr lang="en-US" dirty="0" smtClean="0"/>
+              <a:t>Currently most promising one, as it is pretty efficient</a:t>
+            </a:r>
+          </a:p>
+          <a:p>
+            <a:r>
+              <a:rPr lang="en-US" dirty="0" smtClean="0"/>
+              <a:t>Side-Channel attack resistance is important for future implementations</a:t>
+            </a:r>
+          </a:p>
+          <a:p>
+            <a:pPr lvl="1"/>
+            <a:endParaRPr lang="en-US" dirty="0" smtClean="0"/>
+          </a:p>
+        </p:txBody>
+      </p:sp>
+      <p:sp>
+        <p:nvSpPr>
+          <p:cNvPr id="3" name="Titel 2"/>
+          <p:cNvSpPr>
+            <a:spLocks noGrp="1"/>
+          </p:cNvSpPr>
+          <p:nvPr>
+            <p:ph type="title"/>
+          </p:nvPr>
+        </p:nvSpPr>
+        <p:spPr/>
+        <p:txBody>
+          <a:bodyPr/>
+          <a:lstStyle/>
+          <a:p>
+            <a:r>
+              <a:rPr lang="de-DE" dirty="0" smtClean="0"/>
+              <a:t>WHAT?!?</a:t>
+            </a:r>
+            <a:endParaRPr lang="de-DE" dirty="0"/>
+          </a:p>
+        </p:txBody>
+      </p:sp>
+    </p:spTree>
+    <p:extLst>
+      <p:ext uri="{BB962C8B-B14F-4D97-AF65-F5344CB8AC3E}">
+        <p14:creationId xmlns:p14="http://schemas.microsoft.com/office/powerpoint/2010/main" val="1241315664"/>
+      </p:ext>
+    </p:extLst>
+  </p:cSld>
+  <p:clrMapOvr>
+    <a:masterClrMapping/>
+  </p:clrMapOvr>
+  <p:transition/>
+  <p:timing>
+    <p:tnLst>
+      <p:par>
+        <p:cTn id="1" dur="indefinite" restart="never" nodeType="tmRoot"/>
+      </p:par>
+    </p:tnLst>
+  </p:timing>
+</p:sld>
+</file>
+
 <file path=ppt/slides/slide3.xml><?xml version="1.0" encoding="utf-8"?>
 <p:sld xmlns:a="http://schemas.openxmlformats.org/drawingml/2006/main" xmlns:r="http://schemas.openxmlformats.org/officeDocument/2006/relationships" xmlns:p="http://schemas.openxmlformats.org/presentationml/2006/main">
   <p:cSld>
@@ -7971,16 +6906,13 @@
             </a:r>
           </a:p>
           <a:p>
-            <a:pPr lvl="1"/>
             <a:r>
               <a:rPr lang="en-US" dirty="0" smtClean="0"/>
-              <a:t>Additively homomorphic masking</a:t>
-            </a:r>
-          </a:p>
-          <a:p>
+              <a:t>BLISS </a:t>
+            </a:r>
             <a:r>
               <a:rPr lang="en-US" dirty="0" smtClean="0"/>
-              <a:t>BLISS (</a:t>
+              <a:t>(</a:t>
             </a:r>
             <a:r>
               <a:rPr lang="en-US" b="1" dirty="0" smtClean="0"/>
@@ -8034,14 +6966,13 @@
             <a:pPr lvl="1"/>
             <a:r>
               <a:rPr lang="en-US" dirty="0" smtClean="0"/>
-              <a:t>Cache attacks</a:t>
-            </a:r>
-          </a:p>
-          <a:p>
+              <a:t>Cache </a:t>
+            </a:r>
             <a:r>
               <a:rPr lang="en-US" dirty="0" smtClean="0"/>
-              <a:t>Blinding Countermeasures</a:t>
-            </a:r>
+              <a:t>attacks</a:t>
+            </a:r>
+            <a:endParaRPr lang="en-US" dirty="0" smtClean="0"/>
           </a:p>
         </p:txBody>
       </p:sp>
@@ -8981,8 +7912,8 @@
           <a:chExt cx="0" cy="0"/>
         </a:xfrm>
       </p:grpSpPr>
-      <mc:AlternateContent xmlns:mc="http://schemas.openxmlformats.org/markup-compatibility/2006" xmlns:a14="http://schemas.microsoft.com/office/drawing/2010/main">
-        <mc:Choice Requires="a14">
+      <mc:AlternateContent xmlns:mc="http://schemas.openxmlformats.org/markup-compatibility/2006">
+        <mc:Choice xmlns:a14="http://schemas.microsoft.com/office/drawing/2010/main" Requires="a14">
           <p:sp>
             <p:nvSpPr>
               <p:cNvPr id="2" name="Textplatzhalter 1"/>
@@ -9348,7 +8279,19 @@
                 </a14:m>
                 <a:r>
                   <a:rPr lang="en-US" dirty="0" smtClean="0"/>
-                  <a:t>: Standard deviation of the discrete Gaussian distribution</a:t>
+                  <a:t>: Standard deviation of </a:t>
+                </a:r>
+                <a:r>
+                  <a:rPr lang="en-US" dirty="0"/>
+                  <a:t>a</a:t>
+                </a:r>
+                <a:r>
+                  <a:rPr lang="en-US" dirty="0" smtClean="0"/>
+                  <a:t> </a:t>
+                </a:r>
+                <a:r>
+                  <a:rPr lang="en-US" dirty="0" smtClean="0"/>
+                  <a:t>discrete Gaussian distribution</a:t>
                 </a:r>
               </a:p>
               <a:p>
@@ -9361,28 +8304,34 @@
                 <a:pPr lvl="1"/>
                 <a:r>
                   <a:rPr lang="en-US" dirty="0" smtClean="0"/>
-                  <a:t>Key Generation</a:t>
-                </a:r>
+                  <a:t>Key </a:t>
+                </a:r>
+                <a:r>
+                  <a:rPr lang="en-US" dirty="0" smtClean="0"/>
+                  <a:t>Generation (not shown)</a:t>
+                </a:r>
+                <a:endParaRPr lang="en-US" dirty="0" smtClean="0"/>
               </a:p>
               <a:p>
                 <a:pPr lvl="1"/>
                 <a:r>
                   <a:rPr lang="en-US" dirty="0" smtClean="0"/>
-                  <a:t>Encryption</a:t>
-                </a:r>
+                  <a:t>Encryption (shortened)</a:t>
+                </a:r>
+                <a:endParaRPr lang="en-US" dirty="0" smtClean="0"/>
               </a:p>
               <a:p>
                 <a:pPr lvl="1"/>
                 <a:r>
                   <a:rPr lang="en-US" dirty="0" smtClean="0"/>
-                  <a:t>Decryption</a:t>
+                  <a:t>Decryption (main focus)</a:t>
                 </a:r>
                 <a:endParaRPr lang="en-US" dirty="0"/>
               </a:p>
             </p:txBody>
           </p:sp>
         </mc:Choice>
-        <mc:Fallback xmlns="">
+        <mc:Fallback>
           <p:sp>
             <p:nvSpPr>
               <p:cNvPr id="2" name="Textplatzhalter 1"/>
@@ -9492,352 +8441,8 @@
           <a:chExt cx="0" cy="0"/>
         </a:xfrm>
       </p:grpSpPr>
-      <mc:AlternateContent xmlns:mc="http://schemas.openxmlformats.org/markup-compatibility/2006" xmlns:a14="http://schemas.microsoft.com/office/drawing/2010/main">
-        <mc:Choice Requires="a14">
-          <p:sp>
-            <p:nvSpPr>
-              <p:cNvPr id="2" name="Textplatzhalter 1"/>
-              <p:cNvSpPr>
-                <a:spLocks noGrp="1"/>
-              </p:cNvSpPr>
-              <p:nvPr>
-                <p:ph type="body" sz="quarter" idx="10"/>
-              </p:nvPr>
-            </p:nvSpPr>
-            <p:spPr/>
-            <p:txBody>
-              <a:bodyPr/>
-              <a:lstStyle/>
-              <a:p>
-                <a:r>
-                  <a:rPr lang="en-US" dirty="0" smtClean="0"/>
-                  <a:t>Sample </a:t>
-                </a:r>
-                <a14:m>
-                  <m:oMath xmlns:m="http://schemas.openxmlformats.org/officeDocument/2006/math">
-                    <m:r>
-                      <a:rPr lang="en-US" b="1" i="1" smtClean="0">
-                        <a:latin typeface="Cambria Math" charset="0"/>
-                      </a:rPr>
-                      <m:t>𝒓</m:t>
-                    </m:r>
-                  </m:oMath>
-                </a14:m>
-                <a:r>
-                  <a:rPr lang="en-US" dirty="0" smtClean="0"/>
-                  <a:t> and </a:t>
-                </a:r>
-                <a14:m>
-                  <m:oMath xmlns:m="http://schemas.openxmlformats.org/officeDocument/2006/math">
-                    <m:r>
-                      <a:rPr lang="en-US" b="1" i="1" smtClean="0">
-                        <a:latin typeface="Cambria Math" charset="0"/>
-                      </a:rPr>
-                      <m:t>𝒔</m:t>
-                    </m:r>
-                  </m:oMath>
-                </a14:m>
-                <a:r>
-                  <a:rPr lang="en-US" dirty="0" smtClean="0"/>
-                  <a:t> according to </a:t>
-                </a:r>
-                <a14:m>
-                  <m:oMath xmlns:m="http://schemas.openxmlformats.org/officeDocument/2006/math">
-                    <m:sSubSup>
-                      <m:sSubSupPr>
-                        <m:ctrlPr>
-                          <a:rPr lang="en-US" i="1">
-                            <a:latin typeface="Cambria Math" charset="0"/>
-                            <a:ea typeface="Cambria Math" charset="0"/>
-                            <a:cs typeface="Cambria Math" charset="0"/>
-                          </a:rPr>
-                        </m:ctrlPr>
-                      </m:sSubSupPr>
-                      <m:e>
-                        <m:r>
-                          <a:rPr lang="en-US" i="1">
-                            <a:latin typeface="Cambria Math" charset="0"/>
-                            <a:ea typeface="Cambria Math" charset="0"/>
-                            <a:cs typeface="Cambria Math" charset="0"/>
-                          </a:rPr>
-                          <m:t>𝒩</m:t>
-                        </m:r>
-                      </m:e>
-                      <m:sub>
-                        <m:r>
-                          <a:rPr lang="en-US" i="1">
-                            <a:latin typeface="Cambria Math" charset="0"/>
-                            <a:ea typeface="Cambria Math" charset="0"/>
-                            <a:cs typeface="Cambria Math" charset="0"/>
-                          </a:rPr>
-                          <m:t>ℤ</m:t>
-                        </m:r>
-                      </m:sub>
-                      <m:sup>
-                        <m:r>
-                          <a:rPr lang="en-US" i="1">
-                            <a:latin typeface="Cambria Math" charset="0"/>
-                            <a:ea typeface="Cambria Math" charset="0"/>
-                            <a:cs typeface="Cambria Math" charset="0"/>
-                          </a:rPr>
-                          <m:t>𝑛</m:t>
-                        </m:r>
-                      </m:sup>
-                    </m:sSubSup>
-                    <m:d>
-                      <m:dPr>
-                        <m:ctrlPr>
-                          <a:rPr lang="en-US" i="1">
-                            <a:latin typeface="Cambria Math" charset="0"/>
-                            <a:ea typeface="Cambria Math" charset="0"/>
-                            <a:cs typeface="Cambria Math" charset="0"/>
-                          </a:rPr>
-                        </m:ctrlPr>
-                      </m:dPr>
-                      <m:e>
-                        <m:r>
-                          <a:rPr lang="en-US" i="1">
-                            <a:latin typeface="Cambria Math" charset="0"/>
-                            <a:ea typeface="Cambria Math" charset="0"/>
-                            <a:cs typeface="Cambria Math" charset="0"/>
-                          </a:rPr>
-                          <m:t>0,</m:t>
-                        </m:r>
-                        <m:sSup>
-                          <m:sSupPr>
-                            <m:ctrlPr>
-                              <a:rPr lang="en-US" i="1">
-                                <a:latin typeface="Cambria Math" charset="0"/>
-                                <a:ea typeface="Cambria Math" charset="0"/>
-                                <a:cs typeface="Cambria Math" charset="0"/>
-                              </a:rPr>
-                            </m:ctrlPr>
-                          </m:sSupPr>
-                          <m:e>
-                            <m:r>
-                              <a:rPr lang="en-US" i="1">
-                                <a:latin typeface="Cambria Math" charset="0"/>
-                                <a:ea typeface="Cambria Math" charset="0"/>
-                                <a:cs typeface="Cambria Math" charset="0"/>
-                              </a:rPr>
-                              <m:t>𝜎</m:t>
-                            </m:r>
-                          </m:e>
-                          <m:sup>
-                            <m:r>
-                              <a:rPr lang="en-US" i="1">
-                                <a:latin typeface="Cambria Math" charset="0"/>
-                                <a:ea typeface="Cambria Math" charset="0"/>
-                                <a:cs typeface="Cambria Math" charset="0"/>
-                              </a:rPr>
-                              <m:t>2</m:t>
-                            </m:r>
-                          </m:sup>
-                        </m:sSup>
-                      </m:e>
-                    </m:d>
-                  </m:oMath>
-                </a14:m>
-                <a:endParaRPr lang="en-US" dirty="0" smtClean="0"/>
-              </a:p>
-              <a:p>
-                <a:r>
-                  <a:rPr lang="en-US" dirty="0" smtClean="0"/>
-                  <a:t>Compute</a:t>
-                </a:r>
-                <a:r>
-                  <a:rPr lang="en-US" b="1" dirty="0" smtClean="0"/>
-                  <a:t> </a:t>
-                </a:r>
-                <a14:m>
-                  <m:oMath xmlns:m="http://schemas.openxmlformats.org/officeDocument/2006/math">
-                    <m:r>
-                      <a:rPr lang="en-US" b="1" i="1" smtClean="0">
-                        <a:latin typeface="Cambria Math" charset="0"/>
-                      </a:rPr>
-                      <m:t>𝒑</m:t>
-                    </m:r>
-                    <m:r>
-                      <a:rPr lang="en-US" b="0" i="1" smtClean="0">
-                        <a:latin typeface="Cambria Math" charset="0"/>
-                      </a:rPr>
-                      <m:t>=</m:t>
-                    </m:r>
-                    <m:r>
-                      <a:rPr lang="en-US" b="1" i="1" smtClean="0">
-                        <a:latin typeface="Cambria Math" charset="0"/>
-                      </a:rPr>
-                      <m:t>𝒓</m:t>
-                    </m:r>
-                    <m:r>
-                      <a:rPr lang="en-US" b="0" i="1" smtClean="0">
-                        <a:latin typeface="Cambria Math" charset="0"/>
-                      </a:rPr>
-                      <m:t>−</m:t>
-                    </m:r>
-                    <m:r>
-                      <a:rPr lang="en-US" b="1" i="1" smtClean="0">
-                        <a:latin typeface="Cambria Math" charset="0"/>
-                      </a:rPr>
-                      <m:t>𝒈𝒔</m:t>
-                    </m:r>
-                  </m:oMath>
-                </a14:m>
-                <a:r>
-                  <a:rPr lang="en-US" dirty="0" smtClean="0"/>
-                  <a:t> </a:t>
-                </a:r>
-              </a:p>
-              <a:p>
-                <a:r>
-                  <a:rPr lang="en-US" b="1" dirty="0" smtClean="0"/>
-                  <a:t>Output: </a:t>
-                </a:r>
-                <a:r>
-                  <a:rPr lang="en-US" dirty="0" smtClean="0"/>
-                  <a:t>Public key </a:t>
-                </a:r>
-                <a14:m>
-                  <m:oMath xmlns:m="http://schemas.openxmlformats.org/officeDocument/2006/math">
-                    <m:r>
-                      <a:rPr lang="en-US" b="1" i="1">
-                        <a:latin typeface="Cambria Math" charset="0"/>
-                      </a:rPr>
-                      <m:t>𝒑</m:t>
-                    </m:r>
-                  </m:oMath>
-                </a14:m>
-                <a:r>
-                  <a:rPr lang="en-US" dirty="0" smtClean="0"/>
-                  <a:t>, secret key </a:t>
-                </a:r>
-                <a14:m>
-                  <m:oMath xmlns:m="http://schemas.openxmlformats.org/officeDocument/2006/math">
-                    <m:r>
-                      <a:rPr lang="en-US" b="1" i="1">
-                        <a:latin typeface="Cambria Math" charset="0"/>
-                      </a:rPr>
-                      <m:t>𝒔</m:t>
-                    </m:r>
-                  </m:oMath>
-                </a14:m>
-                <a:endParaRPr lang="en-US" dirty="0"/>
-              </a:p>
-            </p:txBody>
-          </p:sp>
-        </mc:Choice>
-        <mc:Fallback xmlns="">
-          <p:sp>
-            <p:nvSpPr>
-              <p:cNvPr id="2" name="Textplatzhalter 1"/>
-              <p:cNvSpPr>
-                <a:spLocks noGrp="1" noRot="1" noChangeAspect="1" noMove="1" noResize="1" noEditPoints="1" noAdjustHandles="1" noChangeArrowheads="1" noChangeShapeType="1" noTextEdit="1"/>
-              </p:cNvSpPr>
-              <p:nvPr>
-                <p:ph type="body" sz="quarter" idx="10"/>
-              </p:nvPr>
-            </p:nvSpPr>
-            <p:spPr>
-              <a:blipFill rotWithShape="0">
-                <a:blip r:embed="rId2"/>
-                <a:stretch>
-                  <a:fillRect l="-944" t="-779"/>
-                </a:stretch>
-              </a:blipFill>
-            </p:spPr>
-            <p:txBody>
-              <a:bodyPr/>
-              <a:lstStyle/>
-              <a:p>
-                <a:r>
-                  <a:rPr lang="de-DE">
-                    <a:noFill/>
-                  </a:rPr>
-                  <a:t> </a:t>
-                </a:r>
-              </a:p>
-            </p:txBody>
-          </p:sp>
-        </mc:Fallback>
-      </mc:AlternateContent>
-      <p:sp>
-        <p:nvSpPr>
-          <p:cNvPr id="3" name="Titel 2"/>
-          <p:cNvSpPr>
-            <a:spLocks noGrp="1"/>
-          </p:cNvSpPr>
-          <p:nvPr>
-            <p:ph type="title"/>
-          </p:nvPr>
-        </p:nvSpPr>
-        <p:spPr/>
-        <p:txBody>
-          <a:bodyPr/>
-          <a:lstStyle/>
-          <a:p>
-            <a:r>
-              <a:rPr lang="de-DE" dirty="0"/>
-              <a:t>Ring-LWE Encryption </a:t>
-            </a:r>
-            <a:r>
-              <a:rPr lang="de-DE" dirty="0" err="1"/>
-              <a:t>Scheme</a:t>
-            </a:r>
-            <a:r>
-              <a:rPr lang="de-DE" dirty="0"/>
-              <a:t/>
-            </a:r>
-            <a:br>
-              <a:rPr lang="de-DE" dirty="0"/>
-            </a:br>
-            <a:r>
-              <a:rPr lang="de-DE" sz="2800" b="0" dirty="0" smtClean="0"/>
-              <a:t>Key Generation</a:t>
-            </a:r>
-            <a:endParaRPr lang="de-DE" dirty="0"/>
-          </a:p>
-        </p:txBody>
-      </p:sp>
-    </p:spTree>
-    <p:extLst>
-      <p:ext uri="{BB962C8B-B14F-4D97-AF65-F5344CB8AC3E}">
-        <p14:creationId xmlns:p14="http://schemas.microsoft.com/office/powerpoint/2010/main" val="542766344"/>
-      </p:ext>
-    </p:extLst>
-  </p:cSld>
-  <p:clrMapOvr>
-    <a:masterClrMapping/>
-  </p:clrMapOvr>
-  <p:transition/>
-  <p:timing>
-    <p:tnLst>
-      <p:par>
-        <p:cTn id="1" dur="indefinite" restart="never" nodeType="tmRoot"/>
-      </p:par>
-    </p:tnLst>
-  </p:timing>
-</p:sld>
-</file>
-
-<file path=ppt/slides/slide8.xml><?xml version="1.0" encoding="utf-8"?>
-<p:sld xmlns:a="http://schemas.openxmlformats.org/drawingml/2006/main" xmlns:r="http://schemas.openxmlformats.org/officeDocument/2006/relationships" xmlns:p="http://schemas.openxmlformats.org/presentationml/2006/main">
-  <p:cSld>
-    <p:spTree>
-      <p:nvGrpSpPr>
-        <p:cNvPr id="1" name=""/>
-        <p:cNvGrpSpPr/>
-        <p:nvPr/>
-      </p:nvGrpSpPr>
-      <p:grpSpPr>
-        <a:xfrm>
-          <a:off x="0" y="0"/>
-          <a:ext cx="0" cy="0"/>
-          <a:chOff x="0" y="0"/>
-          <a:chExt cx="0" cy="0"/>
-        </a:xfrm>
-      </p:grpSpPr>
-      <mc:AlternateContent xmlns:mc="http://schemas.openxmlformats.org/markup-compatibility/2006" xmlns:a14="http://schemas.microsoft.com/office/drawing/2010/main">
-        <mc:Choice Requires="a14">
+      <mc:AlternateContent xmlns:mc="http://schemas.openxmlformats.org/markup-compatibility/2006">
+        <mc:Choice xmlns:a14="http://schemas.microsoft.com/office/drawing/2010/main" Requires="a14">
           <p:sp>
             <p:nvSpPr>
               <p:cNvPr id="2" name="Textplatzhalter 1"/>
@@ -10026,443 +8631,12 @@
               <a:p>
                 <a:r>
                   <a:rPr lang="en-US" dirty="0" smtClean="0"/>
-                  <a:t>Sample error polynomials </a:t>
-                </a:r>
-                <a14:m>
-                  <m:oMath xmlns:m="http://schemas.openxmlformats.org/officeDocument/2006/math">
-                    <m:sSub>
-                      <m:sSubPr>
-                        <m:ctrlPr>
-                          <a:rPr lang="en-US" i="1">
-                            <a:latin typeface="Cambria Math" charset="0"/>
-                          </a:rPr>
-                        </m:ctrlPr>
-                      </m:sSubPr>
-                      <m:e>
-                        <m:r>
-                          <a:rPr lang="en-US" b="1" i="1">
-                            <a:latin typeface="Cambria Math" charset="0"/>
-                          </a:rPr>
-                          <m:t>𝒆</m:t>
-                        </m:r>
-                      </m:e>
-                      <m:sub>
-                        <m:r>
-                          <a:rPr lang="en-US" b="0" i="1" smtClean="0">
-                            <a:latin typeface="Cambria Math" charset="0"/>
-                          </a:rPr>
-                          <m:t>1</m:t>
-                        </m:r>
-                      </m:sub>
-                    </m:sSub>
-                    <m:r>
-                      <a:rPr lang="en-US" b="0" i="1" smtClean="0">
-                        <a:latin typeface="Cambria Math" charset="0"/>
-                      </a:rPr>
-                      <m:t>,</m:t>
-                    </m:r>
-                    <m:sSub>
-                      <m:sSubPr>
-                        <m:ctrlPr>
-                          <a:rPr lang="en-US" i="1">
-                            <a:latin typeface="Cambria Math" charset="0"/>
-                          </a:rPr>
-                        </m:ctrlPr>
-                      </m:sSubPr>
-                      <m:e>
-                        <m:r>
-                          <a:rPr lang="en-US" b="1" i="1">
-                            <a:latin typeface="Cambria Math" charset="0"/>
-                          </a:rPr>
-                          <m:t>𝒆</m:t>
-                        </m:r>
-                      </m:e>
-                      <m:sub>
-                        <m:r>
-                          <a:rPr lang="en-US" b="0" i="1" smtClean="0">
-                            <a:latin typeface="Cambria Math" charset="0"/>
-                          </a:rPr>
-                          <m:t>2</m:t>
-                        </m:r>
-                      </m:sub>
-                    </m:sSub>
-                    <m:r>
-                      <a:rPr lang="en-US" b="0" i="1" smtClean="0">
-                        <a:latin typeface="Cambria Math" charset="0"/>
-                      </a:rPr>
-                      <m:t>,</m:t>
-                    </m:r>
-                    <m:sSub>
-                      <m:sSubPr>
-                        <m:ctrlPr>
-                          <a:rPr lang="en-US" i="1">
-                            <a:latin typeface="Cambria Math" charset="0"/>
-                          </a:rPr>
-                        </m:ctrlPr>
-                      </m:sSubPr>
-                      <m:e>
-                        <m:r>
-                          <a:rPr lang="en-US" b="1" i="1">
-                            <a:latin typeface="Cambria Math" charset="0"/>
-                          </a:rPr>
-                          <m:t>𝒆</m:t>
-                        </m:r>
-                      </m:e>
-                      <m:sub>
-                        <m:r>
-                          <a:rPr lang="en-US" b="0" i="1" smtClean="0">
-                            <a:latin typeface="Cambria Math" charset="0"/>
-                          </a:rPr>
-                          <m:t>3</m:t>
-                        </m:r>
-                      </m:sub>
-                    </m:sSub>
-                  </m:oMath>
-                </a14:m>
-                <a:r>
-                  <a:rPr lang="en-US" dirty="0" smtClean="0"/>
-                  <a:t> according to </a:t>
-                </a:r>
-                <a14:m>
-                  <m:oMath xmlns:m="http://schemas.openxmlformats.org/officeDocument/2006/math">
-                    <m:sSubSup>
-                      <m:sSubSupPr>
-                        <m:ctrlPr>
-                          <a:rPr lang="en-US" i="1">
-                            <a:latin typeface="Cambria Math" charset="0"/>
-                            <a:ea typeface="Cambria Math" charset="0"/>
-                            <a:cs typeface="Cambria Math" charset="0"/>
-                          </a:rPr>
-                        </m:ctrlPr>
-                      </m:sSubSupPr>
-                      <m:e>
-                        <m:r>
-                          <a:rPr lang="en-US" i="1">
-                            <a:latin typeface="Cambria Math" charset="0"/>
-                            <a:ea typeface="Cambria Math" charset="0"/>
-                            <a:cs typeface="Cambria Math" charset="0"/>
-                          </a:rPr>
-                          <m:t>𝒩</m:t>
-                        </m:r>
-                      </m:e>
-                      <m:sub>
-                        <m:r>
-                          <a:rPr lang="en-US" i="1">
-                            <a:latin typeface="Cambria Math" charset="0"/>
-                            <a:ea typeface="Cambria Math" charset="0"/>
-                            <a:cs typeface="Cambria Math" charset="0"/>
-                          </a:rPr>
-                          <m:t>ℤ</m:t>
-                        </m:r>
-                      </m:sub>
-                      <m:sup>
-                        <m:r>
-                          <a:rPr lang="en-US" i="1">
-                            <a:latin typeface="Cambria Math" charset="0"/>
-                            <a:ea typeface="Cambria Math" charset="0"/>
-                            <a:cs typeface="Cambria Math" charset="0"/>
-                          </a:rPr>
-                          <m:t>𝑛</m:t>
-                        </m:r>
-                      </m:sup>
-                    </m:sSubSup>
-                    <m:d>
-                      <m:dPr>
-                        <m:ctrlPr>
-                          <a:rPr lang="en-US" i="1">
-                            <a:latin typeface="Cambria Math" charset="0"/>
-                            <a:ea typeface="Cambria Math" charset="0"/>
-                            <a:cs typeface="Cambria Math" charset="0"/>
-                          </a:rPr>
-                        </m:ctrlPr>
-                      </m:dPr>
-                      <m:e>
-                        <m:r>
-                          <a:rPr lang="en-US" i="1">
-                            <a:latin typeface="Cambria Math" charset="0"/>
-                            <a:ea typeface="Cambria Math" charset="0"/>
-                            <a:cs typeface="Cambria Math" charset="0"/>
-                          </a:rPr>
-                          <m:t>0,</m:t>
-                        </m:r>
-                        <m:sSup>
-                          <m:sSupPr>
-                            <m:ctrlPr>
-                              <a:rPr lang="en-US" i="1">
-                                <a:latin typeface="Cambria Math" charset="0"/>
-                                <a:ea typeface="Cambria Math" charset="0"/>
-                                <a:cs typeface="Cambria Math" charset="0"/>
-                              </a:rPr>
-                            </m:ctrlPr>
-                          </m:sSupPr>
-                          <m:e>
-                            <m:r>
-                              <a:rPr lang="en-US" i="1">
-                                <a:latin typeface="Cambria Math" charset="0"/>
-                                <a:ea typeface="Cambria Math" charset="0"/>
-                                <a:cs typeface="Cambria Math" charset="0"/>
-                              </a:rPr>
-                              <m:t>𝜎</m:t>
-                            </m:r>
-                          </m:e>
-                          <m:sup>
-                            <m:r>
-                              <a:rPr lang="en-US" i="1">
-                                <a:latin typeface="Cambria Math" charset="0"/>
-                                <a:ea typeface="Cambria Math" charset="0"/>
-                                <a:cs typeface="Cambria Math" charset="0"/>
-                              </a:rPr>
-                              <m:t>2</m:t>
-                            </m:r>
-                          </m:sup>
-                        </m:sSup>
-                      </m:e>
-                    </m:d>
-                  </m:oMath>
-                </a14:m>
-                <a:endParaRPr lang="en-US" dirty="0" smtClean="0"/>
-              </a:p>
-              <a:p>
-                <a:pPr lvl="1"/>
-                <a:r>
-                  <a:rPr lang="en-US" dirty="0" smtClean="0"/>
-                  <a:t>Will be used as noise</a:t>
-                </a:r>
-              </a:p>
-              <a:p>
-                <a:r>
-                  <a:rPr lang="en-US" dirty="0" smtClean="0"/>
-                  <a:t>Compute </a:t>
-                </a:r>
-                <a14:m>
-                  <m:oMath xmlns:m="http://schemas.openxmlformats.org/officeDocument/2006/math">
-                    <m:sSub>
-                      <m:sSubPr>
-                        <m:ctrlPr>
-                          <a:rPr lang="en-US" i="1" smtClean="0">
-                            <a:latin typeface="Cambria Math" charset="0"/>
-                          </a:rPr>
-                        </m:ctrlPr>
-                      </m:sSubPr>
-                      <m:e>
-                        <m:r>
-                          <a:rPr lang="en-US" b="1" i="1" smtClean="0">
-                            <a:latin typeface="Cambria Math" charset="0"/>
-                          </a:rPr>
-                          <m:t>𝒄</m:t>
-                        </m:r>
-                      </m:e>
-                      <m:sub>
-                        <m:r>
-                          <a:rPr lang="en-US" b="0" i="1" smtClean="0">
-                            <a:latin typeface="Cambria Math" charset="0"/>
-                          </a:rPr>
-                          <m:t>1</m:t>
-                        </m:r>
-                      </m:sub>
-                    </m:sSub>
-                    <m:r>
-                      <a:rPr lang="en-US" b="0" i="1" smtClean="0">
-                        <a:latin typeface="Cambria Math" charset="0"/>
-                      </a:rPr>
-                      <m:t>=</m:t>
-                    </m:r>
-                    <m:r>
-                      <a:rPr lang="en-US" b="1" i="1" smtClean="0">
-                        <a:latin typeface="Cambria Math" charset="0"/>
-                      </a:rPr>
-                      <m:t>𝒈</m:t>
-                    </m:r>
-                    <m:sSub>
-                      <m:sSubPr>
-                        <m:ctrlPr>
-                          <a:rPr lang="en-US" b="0" i="1" smtClean="0">
-                            <a:latin typeface="Cambria Math" charset="0"/>
-                          </a:rPr>
-                        </m:ctrlPr>
-                      </m:sSubPr>
-                      <m:e>
-                        <m:r>
-                          <a:rPr lang="en-US" b="1" i="1" smtClean="0">
-                            <a:latin typeface="Cambria Math" charset="0"/>
-                          </a:rPr>
-                          <m:t>𝒆</m:t>
-                        </m:r>
-                      </m:e>
-                      <m:sub>
-                        <m:r>
-                          <a:rPr lang="en-US" b="0" i="1" smtClean="0">
-                            <a:latin typeface="Cambria Math" charset="0"/>
-                          </a:rPr>
-                          <m:t>1</m:t>
-                        </m:r>
-                      </m:sub>
-                    </m:sSub>
-                    <m:r>
-                      <a:rPr lang="en-US" b="0" i="1" smtClean="0">
-                        <a:latin typeface="Cambria Math" charset="0"/>
-                      </a:rPr>
-                      <m:t>+</m:t>
-                    </m:r>
-                    <m:sSub>
-                      <m:sSubPr>
-                        <m:ctrlPr>
-                          <a:rPr lang="en-US" b="0" i="1" smtClean="0">
-                            <a:latin typeface="Cambria Math" charset="0"/>
-                          </a:rPr>
-                        </m:ctrlPr>
-                      </m:sSubPr>
-                      <m:e>
-                        <m:r>
-                          <a:rPr lang="en-US" b="1" i="1" smtClean="0">
-                            <a:latin typeface="Cambria Math" charset="0"/>
-                          </a:rPr>
-                          <m:t>𝒆</m:t>
-                        </m:r>
-                      </m:e>
-                      <m:sub>
-                        <m:r>
-                          <a:rPr lang="en-US" b="0" i="1" smtClean="0">
-                            <a:latin typeface="Cambria Math" charset="0"/>
-                          </a:rPr>
-                          <m:t>2</m:t>
-                        </m:r>
-                      </m:sub>
-                    </m:sSub>
-                  </m:oMath>
-                </a14:m>
-                <a:r>
-                  <a:rPr lang="en-US" dirty="0" smtClean="0"/>
-                  <a:t> and </a:t>
-                </a:r>
-                <a14:m>
-                  <m:oMath xmlns:m="http://schemas.openxmlformats.org/officeDocument/2006/math">
-                    <m:sSub>
-                      <m:sSubPr>
-                        <m:ctrlPr>
-                          <a:rPr lang="en-US" i="1" smtClean="0">
-                            <a:latin typeface="Cambria Math" charset="0"/>
-                          </a:rPr>
-                        </m:ctrlPr>
-                      </m:sSubPr>
-                      <m:e>
-                        <m:r>
-                          <a:rPr lang="en-US" b="1" i="1" smtClean="0">
-                            <a:latin typeface="Cambria Math" charset="0"/>
-                          </a:rPr>
-                          <m:t>𝒄</m:t>
-                        </m:r>
-                      </m:e>
-                      <m:sub>
-                        <m:r>
-                          <a:rPr lang="en-US" b="0" i="1" smtClean="0">
-                            <a:latin typeface="Cambria Math" charset="0"/>
-                          </a:rPr>
-                          <m:t>2</m:t>
-                        </m:r>
-                      </m:sub>
-                    </m:sSub>
-                    <m:r>
-                      <a:rPr lang="en-US" b="0" i="1" smtClean="0">
-                        <a:latin typeface="Cambria Math" charset="0"/>
-                      </a:rPr>
-                      <m:t>=</m:t>
-                    </m:r>
-                    <m:r>
-                      <a:rPr lang="en-US" b="1" i="1" smtClean="0">
-                        <a:latin typeface="Cambria Math" charset="0"/>
-                      </a:rPr>
-                      <m:t>𝒑</m:t>
-                    </m:r>
-                    <m:sSub>
-                      <m:sSubPr>
-                        <m:ctrlPr>
-                          <a:rPr lang="en-US" b="0" i="1" smtClean="0">
-                            <a:latin typeface="Cambria Math" charset="0"/>
-                          </a:rPr>
-                        </m:ctrlPr>
-                      </m:sSubPr>
-                      <m:e>
-                        <m:r>
-                          <a:rPr lang="en-US" b="1" i="1" smtClean="0">
-                            <a:latin typeface="Cambria Math" charset="0"/>
-                          </a:rPr>
-                          <m:t>𝒆</m:t>
-                        </m:r>
-                      </m:e>
-                      <m:sub>
-                        <m:r>
-                          <a:rPr lang="en-US" b="0" i="1" smtClean="0">
-                            <a:latin typeface="Cambria Math" charset="0"/>
-                          </a:rPr>
-                          <m:t>1</m:t>
-                        </m:r>
-                      </m:sub>
-                    </m:sSub>
-                    <m:r>
-                      <a:rPr lang="en-US" b="0" i="1" smtClean="0">
-                        <a:latin typeface="Cambria Math" charset="0"/>
-                      </a:rPr>
-                      <m:t>+</m:t>
-                    </m:r>
-                    <m:sSub>
-                      <m:sSubPr>
-                        <m:ctrlPr>
-                          <a:rPr lang="en-US" b="0" i="1" smtClean="0">
-                            <a:latin typeface="Cambria Math" charset="0"/>
-                          </a:rPr>
-                        </m:ctrlPr>
-                      </m:sSubPr>
-                      <m:e>
-                        <m:r>
-                          <a:rPr lang="en-US" b="1" i="1" smtClean="0">
-                            <a:latin typeface="Cambria Math" charset="0"/>
-                          </a:rPr>
-                          <m:t>𝒆</m:t>
-                        </m:r>
-                      </m:e>
-                      <m:sub>
-                        <m:r>
-                          <a:rPr lang="en-US" b="0" i="1" smtClean="0">
-                            <a:latin typeface="Cambria Math" charset="0"/>
-                          </a:rPr>
-                          <m:t>3</m:t>
-                        </m:r>
-                      </m:sub>
-                    </m:sSub>
-                    <m:r>
-                      <a:rPr lang="en-US" b="0" i="1" smtClean="0">
-                        <a:latin typeface="Cambria Math" charset="0"/>
-                      </a:rPr>
-                      <m:t>+</m:t>
-                    </m:r>
-                    <m:sSub>
-                      <m:sSubPr>
-                        <m:ctrlPr>
-                          <a:rPr lang="en-US" i="1">
-                            <a:latin typeface="Cambria Math" charset="0"/>
-                          </a:rPr>
-                        </m:ctrlPr>
-                      </m:sSubPr>
-                      <m:e>
-                        <m:r>
-                          <a:rPr lang="en-US" b="1" i="1">
-                            <a:latin typeface="Cambria Math" charset="0"/>
-                          </a:rPr>
-                          <m:t>𝒎</m:t>
-                        </m:r>
-                      </m:e>
-                      <m:sub>
-                        <m:r>
-                          <a:rPr lang="en-US" i="1">
-                            <a:latin typeface="Cambria Math" charset="0"/>
-                          </a:rPr>
-                          <m:t>𝑒𝑛𝑐</m:t>
-                        </m:r>
-                      </m:sub>
-                    </m:sSub>
-                  </m:oMath>
-                </a14:m>
+                  <a:t>Do some math </a:t>
+                </a:r>
+                <a:r>
+                  <a:rPr lang="is-IS" dirty="0" smtClean="0"/>
+                  <a:t>…</a:t>
+                </a:r>
                 <a:endParaRPr lang="en-US" dirty="0" smtClean="0"/>
               </a:p>
               <a:p>
@@ -10558,7 +8732,7 @@
             </p:txBody>
           </p:sp>
         </mc:Choice>
-        <mc:Fallback xmlns="">
+        <mc:Fallback>
           <p:sp>
             <p:nvSpPr>
               <p:cNvPr id="2" name="Textplatzhalter 1"/>
@@ -10651,7 +8825,7 @@
 </p:sld>
 </file>
 
-<file path=ppt/slides/slide9.xml><?xml version="1.0" encoding="utf-8"?>
+<file path=ppt/slides/slide8.xml><?xml version="1.0" encoding="utf-8"?>
 <p:sld xmlns:a="http://schemas.openxmlformats.org/drawingml/2006/main" xmlns:r="http://schemas.openxmlformats.org/officeDocument/2006/relationships" xmlns:p="http://schemas.openxmlformats.org/presentationml/2006/main">
   <p:cSld>
     <p:spTree>
@@ -11604,6 +9778,893 @@
     <p:extLst>
       <p:ext uri="{BB962C8B-B14F-4D97-AF65-F5344CB8AC3E}">
         <p14:creationId xmlns:p14="http://schemas.microsoft.com/office/powerpoint/2010/main" val="1730750116"/>
+      </p:ext>
+    </p:extLst>
+  </p:cSld>
+  <p:clrMapOvr>
+    <a:masterClrMapping/>
+  </p:clrMapOvr>
+  <p:transition/>
+  <p:timing>
+    <p:tnLst>
+      <p:par>
+        <p:cTn id="1" dur="indefinite" restart="never" nodeType="tmRoot"/>
+      </p:par>
+    </p:tnLst>
+  </p:timing>
+</p:sld>
+</file>
+
+<file path=ppt/slides/slide9.xml><?xml version="1.0" encoding="utf-8"?>
+<p:sld xmlns:a="http://schemas.openxmlformats.org/drawingml/2006/main" xmlns:r="http://schemas.openxmlformats.org/officeDocument/2006/relationships" xmlns:p="http://schemas.openxmlformats.org/presentationml/2006/main">
+  <p:cSld>
+    <p:spTree>
+      <p:nvGrpSpPr>
+        <p:cNvPr id="1" name=""/>
+        <p:cNvGrpSpPr/>
+        <p:nvPr/>
+      </p:nvGrpSpPr>
+      <p:grpSpPr>
+        <a:xfrm>
+          <a:off x="0" y="0"/>
+          <a:ext cx="0" cy="0"/>
+          <a:chOff x="0" y="0"/>
+          <a:chExt cx="0" cy="0"/>
+        </a:xfrm>
+      </p:grpSpPr>
+      <mc:AlternateContent xmlns:mc="http://schemas.openxmlformats.org/markup-compatibility/2006">
+        <mc:Choice xmlns:a14="http://schemas.microsoft.com/office/drawing/2010/main" Requires="a14">
+          <p:sp>
+            <p:nvSpPr>
+              <p:cNvPr id="2" name="Textplatzhalter 1"/>
+              <p:cNvSpPr>
+                <a:spLocks noGrp="1"/>
+              </p:cNvSpPr>
+              <p:nvPr>
+                <p:ph type="body" sz="quarter" idx="10"/>
+              </p:nvPr>
+            </p:nvSpPr>
+            <p:spPr/>
+            <p:txBody>
+              <a:bodyPr/>
+              <a:lstStyle/>
+              <a:p>
+                <a:r>
+                  <a:rPr lang="de-DE" dirty="0" smtClean="0"/>
+                  <a:t>Focus on </a:t>
+                </a:r>
+                <a:r>
+                  <a:rPr lang="de-DE" dirty="0" err="1" smtClean="0"/>
+                  <a:t>decryption</a:t>
+                </a:r>
+                <a:r>
+                  <a:rPr lang="de-DE" dirty="0" smtClean="0"/>
+                  <a:t> </a:t>
+                </a:r>
+                <a:r>
+                  <a:rPr lang="de-DE" dirty="0" err="1" smtClean="0"/>
+                  <a:t>of</a:t>
+                </a:r>
+                <a:r>
+                  <a:rPr lang="de-DE" dirty="0" smtClean="0"/>
+                  <a:t> ring-LWE </a:t>
+                </a:r>
+                <a:r>
+                  <a:rPr lang="de-DE" dirty="0" err="1" smtClean="0"/>
+                  <a:t>scheme</a:t>
+                </a:r>
+                <a:endParaRPr lang="de-DE" dirty="0" smtClean="0"/>
+              </a:p>
+              <a:p>
+                <a:r>
+                  <a:rPr lang="de-DE" dirty="0" smtClean="0"/>
+                  <a:t>All </a:t>
+                </a:r>
+                <a:r>
+                  <a:rPr lang="de-DE" dirty="0" err="1" smtClean="0"/>
+                  <a:t>operations</a:t>
+                </a:r>
+                <a:r>
+                  <a:rPr lang="de-DE" dirty="0" smtClean="0"/>
+                  <a:t> in NTT </a:t>
+                </a:r>
+                <a:r>
+                  <a:rPr lang="de-DE" dirty="0" err="1" smtClean="0"/>
+                  <a:t>domain</a:t>
+                </a:r>
+                <a:r>
+                  <a:rPr lang="de-DE" dirty="0" smtClean="0"/>
+                  <a:t> (</a:t>
+                </a:r>
+                <a:r>
+                  <a:rPr lang="de-DE" b="1" dirty="0" err="1" smtClean="0"/>
+                  <a:t>N</a:t>
+                </a:r>
+                <a:r>
+                  <a:rPr lang="de-DE" dirty="0" err="1" smtClean="0"/>
+                  <a:t>umber</a:t>
+                </a:r>
+                <a:r>
+                  <a:rPr lang="de-DE" dirty="0" smtClean="0"/>
+                  <a:t> </a:t>
+                </a:r>
+                <a:r>
+                  <a:rPr lang="de-DE" b="1" dirty="0" err="1" smtClean="0"/>
+                  <a:t>T</a:t>
+                </a:r>
+                <a:r>
+                  <a:rPr lang="de-DE" dirty="0" err="1" smtClean="0"/>
+                  <a:t>heoretic</a:t>
+                </a:r>
+                <a:r>
+                  <a:rPr lang="de-DE" dirty="0" smtClean="0"/>
+                  <a:t> </a:t>
+                </a:r>
+                <a:r>
+                  <a:rPr lang="de-DE" b="1" dirty="0" smtClean="0"/>
+                  <a:t>T</a:t>
+                </a:r>
+                <a:r>
+                  <a:rPr lang="de-DE" dirty="0" smtClean="0"/>
+                  <a:t>ransform)</a:t>
+                </a:r>
+              </a:p>
+              <a:p>
+                <a:r>
+                  <a:rPr lang="de-DE" dirty="0" smtClean="0"/>
+                  <a:t>Split </a:t>
+                </a:r>
+                <a:r>
+                  <a:rPr lang="de-DE" dirty="0" err="1" smtClean="0"/>
+                  <a:t>the</a:t>
+                </a:r>
+                <a:r>
+                  <a:rPr lang="de-DE" dirty="0" smtClean="0"/>
+                  <a:t> </a:t>
+                </a:r>
+                <a:r>
+                  <a:rPr lang="de-DE" dirty="0" err="1" smtClean="0"/>
+                  <a:t>secret</a:t>
+                </a:r>
+                <a:r>
+                  <a:rPr lang="de-DE" dirty="0" smtClean="0"/>
+                  <a:t> </a:t>
+                </a:r>
+                <a:r>
+                  <a:rPr lang="de-DE" dirty="0" err="1" smtClean="0"/>
+                  <a:t>key</a:t>
+                </a:r>
+                <a:r>
+                  <a:rPr lang="de-DE" b="1" dirty="0" smtClean="0"/>
+                  <a:t> </a:t>
+                </a:r>
+                <a14:m>
+                  <m:oMath xmlns:m="http://schemas.openxmlformats.org/officeDocument/2006/math">
+                    <m:r>
+                      <a:rPr lang="de-DE" b="1" i="1" smtClean="0">
+                        <a:latin typeface="Cambria Math" charset="0"/>
+                      </a:rPr>
+                      <m:t>𝒔</m:t>
+                    </m:r>
+                  </m:oMath>
+                </a14:m>
+                <a:r>
+                  <a:rPr lang="de-DE" dirty="0" smtClean="0"/>
+                  <a:t> into </a:t>
+                </a:r>
+                <a14:m>
+                  <m:oMath xmlns:m="http://schemas.openxmlformats.org/officeDocument/2006/math">
+                    <m:r>
+                      <a:rPr lang="de-DE" b="1" i="1">
+                        <a:latin typeface="Cambria Math" charset="0"/>
+                      </a:rPr>
+                      <m:t>𝒔</m:t>
+                    </m:r>
+                    <m:r>
+                      <a:rPr lang="de-DE" b="1" i="1" smtClean="0">
+                        <a:latin typeface="Cambria Math" charset="0"/>
+                      </a:rPr>
+                      <m:t>′</m:t>
+                    </m:r>
+                  </m:oMath>
+                </a14:m>
+                <a:r>
+                  <a:rPr lang="de-DE" dirty="0" smtClean="0"/>
+                  <a:t> and </a:t>
+                </a:r>
+                <a14:m>
+                  <m:oMath xmlns:m="http://schemas.openxmlformats.org/officeDocument/2006/math">
+                    <m:r>
+                      <a:rPr lang="de-DE" b="1" i="1">
+                        <a:latin typeface="Cambria Math" charset="0"/>
+                      </a:rPr>
+                      <m:t>𝒔</m:t>
+                    </m:r>
+                    <m:r>
+                      <a:rPr lang="de-DE" b="1" i="1" smtClean="0">
+                        <a:latin typeface="Cambria Math" charset="0"/>
+                      </a:rPr>
+                      <m:t>′</m:t>
+                    </m:r>
+                    <m:r>
+                      <a:rPr lang="de-DE" b="1" i="1" smtClean="0">
+                        <a:latin typeface="Cambria Math" charset="0"/>
+                      </a:rPr>
+                      <m:t>′</m:t>
+                    </m:r>
+                  </m:oMath>
+                </a14:m>
+                <a:r>
+                  <a:rPr lang="de-DE" b="1" dirty="0" smtClean="0"/>
+                  <a:t> </a:t>
+                </a:r>
+                <a:r>
+                  <a:rPr lang="de-DE" dirty="0" smtClean="0"/>
+                  <a:t>such </a:t>
+                </a:r>
+                <a:r>
+                  <a:rPr lang="de-DE" dirty="0" err="1" smtClean="0"/>
+                  <a:t>that</a:t>
+                </a:r>
+                <a:r>
+                  <a:rPr lang="de-DE" dirty="0" smtClean="0"/>
+                  <a:t> </a:t>
+                </a:r>
+                <a14:m>
+                  <m:oMath xmlns:m="http://schemas.openxmlformats.org/officeDocument/2006/math">
+                    <m:r>
+                      <a:rPr lang="de-DE" b="1" i="1" smtClean="0">
+                        <a:latin typeface="Cambria Math" charset="0"/>
+                      </a:rPr>
+                      <m:t>𝒔</m:t>
+                    </m:r>
+                    <m:r>
+                      <a:rPr lang="de-DE" b="0" i="1" smtClean="0">
+                        <a:latin typeface="Cambria Math" charset="0"/>
+                      </a:rPr>
+                      <m:t>=</m:t>
+                    </m:r>
+                    <m:sSup>
+                      <m:sSupPr>
+                        <m:ctrlPr>
+                          <a:rPr lang="de-DE" b="1" i="1" smtClean="0">
+                            <a:latin typeface="Cambria Math" charset="0"/>
+                          </a:rPr>
+                        </m:ctrlPr>
+                      </m:sSupPr>
+                      <m:e>
+                        <m:r>
+                          <a:rPr lang="de-DE" b="1" i="1" smtClean="0">
+                            <a:latin typeface="Cambria Math" charset="0"/>
+                          </a:rPr>
+                          <m:t>𝒔</m:t>
+                        </m:r>
+                      </m:e>
+                      <m:sup>
+                        <m:r>
+                          <a:rPr lang="de-DE" b="1" i="1" smtClean="0">
+                            <a:latin typeface="Cambria Math" charset="0"/>
+                          </a:rPr>
+                          <m:t>′</m:t>
+                        </m:r>
+                      </m:sup>
+                    </m:sSup>
+                    <m:r>
+                      <a:rPr lang="de-DE" b="0" i="1" smtClean="0">
+                        <a:latin typeface="Cambria Math" charset="0"/>
+                      </a:rPr>
+                      <m:t>+</m:t>
+                    </m:r>
+                    <m:r>
+                      <a:rPr lang="de-DE" b="1" i="1" smtClean="0">
+                        <a:latin typeface="Cambria Math" charset="0"/>
+                      </a:rPr>
+                      <m:t>𝒔</m:t>
+                    </m:r>
+                    <m:r>
+                      <a:rPr lang="de-DE" b="1" i="1" smtClean="0">
+                        <a:latin typeface="Cambria Math" charset="0"/>
+                      </a:rPr>
+                      <m:t>′′</m:t>
+                    </m:r>
+                  </m:oMath>
+                </a14:m>
+                <a:endParaRPr lang="de-DE" b="1" dirty="0" smtClean="0"/>
+              </a:p>
+              <a:p>
+                <a:pPr lvl="1"/>
+                <a:endParaRPr lang="de-DE" b="1" dirty="0"/>
+              </a:p>
+              <a:p>
+                <a:pPr marL="63500" indent="0" algn="ctr">
+                  <a:buNone/>
+                </a:pPr>
+                <a14:m>
+                  <m:oMathPara xmlns:m="http://schemas.openxmlformats.org/officeDocument/2006/math">
+                    <m:oMathParaPr>
+                      <m:jc m:val="centerGroup"/>
+                    </m:oMathParaPr>
+                    <m:oMath xmlns:m="http://schemas.openxmlformats.org/officeDocument/2006/math">
+                      <m:r>
+                        <a:rPr lang="de-DE" b="1" i="1" smtClean="0">
+                          <a:latin typeface="Cambria Math" charset="0"/>
+                          <a:ea typeface="Cambria Math" charset="0"/>
+                          <a:cs typeface="Cambria Math" charset="0"/>
+                        </a:rPr>
+                        <m:t>⟹</m:t>
+                      </m:r>
+                      <m:sSub>
+                        <m:sSubPr>
+                          <m:ctrlPr>
+                            <a:rPr lang="en-US" i="1">
+                              <a:latin typeface="Cambria Math" charset="0"/>
+                            </a:rPr>
+                          </m:ctrlPr>
+                        </m:sSubPr>
+                        <m:e>
+                          <m:r>
+                            <a:rPr lang="en-US" b="1" i="1">
+                              <a:latin typeface="Cambria Math" charset="0"/>
+                            </a:rPr>
+                            <m:t>𝒎</m:t>
+                          </m:r>
+                        </m:e>
+                        <m:sub>
+                          <m:r>
+                            <a:rPr lang="en-US" i="1">
+                              <a:latin typeface="Cambria Math" charset="0"/>
+                            </a:rPr>
+                            <m:t>𝑒𝑛𝑐</m:t>
+                          </m:r>
+                        </m:sub>
+                      </m:sSub>
+                      <m:r>
+                        <a:rPr lang="de-DE" b="0" i="0" smtClean="0">
+                          <a:latin typeface="Cambria Math" charset="0"/>
+                        </a:rPr>
+                        <m:t>=</m:t>
+                      </m:r>
+                      <m:r>
+                        <a:rPr lang="de-DE" b="1" i="0" smtClean="0">
+                          <a:latin typeface="Cambria Math" charset="0"/>
+                        </a:rPr>
+                        <m:t>𝐬</m:t>
+                      </m:r>
+                      <m:sSub>
+                        <m:sSubPr>
+                          <m:ctrlPr>
+                            <a:rPr lang="en-US" b="1" i="1" smtClean="0">
+                              <a:latin typeface="Cambria Math" charset="0"/>
+                            </a:rPr>
+                          </m:ctrlPr>
+                        </m:sSubPr>
+                        <m:e>
+                          <m:r>
+                            <a:rPr lang="de-DE" b="1" i="1" smtClean="0">
+                              <a:latin typeface="Cambria Math" charset="0"/>
+                            </a:rPr>
+                            <m:t>𝒄</m:t>
+                          </m:r>
+                        </m:e>
+                        <m:sub>
+                          <m:r>
+                            <a:rPr lang="de-DE" b="0" i="1" smtClean="0">
+                              <a:latin typeface="Cambria Math" charset="0"/>
+                            </a:rPr>
+                            <m:t>1</m:t>
+                          </m:r>
+                        </m:sub>
+                      </m:sSub>
+                      <m:r>
+                        <a:rPr lang="de-DE" b="1" i="1" smtClean="0">
+                          <a:latin typeface="Cambria Math" charset="0"/>
+                        </a:rPr>
+                        <m:t>+</m:t>
+                      </m:r>
+                      <m:sSub>
+                        <m:sSubPr>
+                          <m:ctrlPr>
+                            <a:rPr lang="en-US" b="1" i="1" smtClean="0">
+                              <a:latin typeface="Cambria Math" charset="0"/>
+                            </a:rPr>
+                          </m:ctrlPr>
+                        </m:sSubPr>
+                        <m:e>
+                          <m:r>
+                            <a:rPr lang="de-DE" b="1" i="1" smtClean="0">
+                              <a:latin typeface="Cambria Math" charset="0"/>
+                            </a:rPr>
+                            <m:t>𝒄</m:t>
+                          </m:r>
+                        </m:e>
+                        <m:sub>
+                          <m:r>
+                            <a:rPr lang="de-DE" b="0" i="1" smtClean="0">
+                              <a:latin typeface="Cambria Math" charset="0"/>
+                            </a:rPr>
+                            <m:t>2</m:t>
+                          </m:r>
+                        </m:sub>
+                      </m:sSub>
+                      <m:r>
+                        <a:rPr lang="de-DE" b="0" i="1" smtClean="0">
+                          <a:latin typeface="Cambria Math" charset="0"/>
+                        </a:rPr>
+                        <m:t>=</m:t>
+                      </m:r>
+                      <m:d>
+                        <m:dPr>
+                          <m:ctrlPr>
+                            <a:rPr lang="de-DE" b="1" i="1" smtClean="0">
+                              <a:latin typeface="Cambria Math" charset="0"/>
+                            </a:rPr>
+                          </m:ctrlPr>
+                        </m:dPr>
+                        <m:e>
+                          <m:sSup>
+                            <m:sSupPr>
+                              <m:ctrlPr>
+                                <a:rPr lang="de-DE" b="1" i="1" smtClean="0">
+                                  <a:latin typeface="Cambria Math" charset="0"/>
+                                </a:rPr>
+                              </m:ctrlPr>
+                            </m:sSupPr>
+                            <m:e>
+                              <m:r>
+                                <a:rPr lang="de-DE" b="1" i="1" smtClean="0">
+                                  <a:latin typeface="Cambria Math" charset="0"/>
+                                </a:rPr>
+                                <m:t>𝒔</m:t>
+                              </m:r>
+                            </m:e>
+                            <m:sup>
+                              <m:r>
+                                <a:rPr lang="de-DE" b="1" i="1" smtClean="0">
+                                  <a:latin typeface="Cambria Math" charset="0"/>
+                                </a:rPr>
+                                <m:t>′</m:t>
+                              </m:r>
+                            </m:sup>
+                          </m:sSup>
+                          <m:sSub>
+                            <m:sSubPr>
+                              <m:ctrlPr>
+                                <a:rPr lang="en-US" b="1" i="1" smtClean="0">
+                                  <a:latin typeface="Cambria Math" charset="0"/>
+                                </a:rPr>
+                              </m:ctrlPr>
+                            </m:sSubPr>
+                            <m:e>
+                              <m:r>
+                                <a:rPr lang="de-DE" b="1" i="1" smtClean="0">
+                                  <a:latin typeface="Cambria Math" charset="0"/>
+                                </a:rPr>
+                                <m:t>𝒄</m:t>
+                              </m:r>
+                            </m:e>
+                            <m:sub>
+                              <m:r>
+                                <a:rPr lang="de-DE" b="0" i="1" smtClean="0">
+                                  <a:latin typeface="Cambria Math" charset="0"/>
+                                </a:rPr>
+                                <m:t>1</m:t>
+                              </m:r>
+                            </m:sub>
+                          </m:sSub>
+                          <m:r>
+                            <a:rPr lang="de-DE" b="1" i="1" smtClean="0">
+                              <a:latin typeface="Cambria Math" charset="0"/>
+                            </a:rPr>
+                            <m:t>+</m:t>
+                          </m:r>
+                          <m:sSub>
+                            <m:sSubPr>
+                              <m:ctrlPr>
+                                <a:rPr lang="en-US" b="1" i="1" smtClean="0">
+                                  <a:latin typeface="Cambria Math" charset="0"/>
+                                </a:rPr>
+                              </m:ctrlPr>
+                            </m:sSubPr>
+                            <m:e>
+                              <m:r>
+                                <a:rPr lang="de-DE" b="1" i="1" smtClean="0">
+                                  <a:latin typeface="Cambria Math" charset="0"/>
+                                </a:rPr>
+                                <m:t>𝒄</m:t>
+                              </m:r>
+                            </m:e>
+                            <m:sub>
+                              <m:r>
+                                <a:rPr lang="de-DE" b="0" i="1" smtClean="0">
+                                  <a:latin typeface="Cambria Math" charset="0"/>
+                                </a:rPr>
+                                <m:t>2</m:t>
+                              </m:r>
+                            </m:sub>
+                          </m:sSub>
+                        </m:e>
+                      </m:d>
+                      <m:r>
+                        <a:rPr lang="de-DE" b="1" i="1" smtClean="0">
+                          <a:latin typeface="Cambria Math" charset="0"/>
+                        </a:rPr>
+                        <m:t>+(</m:t>
+                      </m:r>
+                      <m:r>
+                        <a:rPr lang="de-DE" b="1" i="1" smtClean="0">
+                          <a:latin typeface="Cambria Math" charset="0"/>
+                        </a:rPr>
+                        <m:t>𝒔</m:t>
+                      </m:r>
+                      <m:r>
+                        <a:rPr lang="de-DE" b="0" i="1" smtClean="0">
+                          <a:latin typeface="Cambria Math" charset="0"/>
+                        </a:rPr>
+                        <m:t>′′</m:t>
+                      </m:r>
+                      <m:sSub>
+                        <m:sSubPr>
+                          <m:ctrlPr>
+                            <a:rPr lang="en-US" b="0" i="1" smtClean="0">
+                              <a:latin typeface="Cambria Math" charset="0"/>
+                            </a:rPr>
+                          </m:ctrlPr>
+                        </m:sSubPr>
+                        <m:e>
+                          <m:r>
+                            <a:rPr lang="de-DE" b="1" i="1" smtClean="0">
+                              <a:latin typeface="Cambria Math" charset="0"/>
+                            </a:rPr>
+                            <m:t>𝒄</m:t>
+                          </m:r>
+                        </m:e>
+                        <m:sub>
+                          <m:r>
+                            <a:rPr lang="de-DE" b="0" i="1" smtClean="0">
+                              <a:latin typeface="Cambria Math" charset="0"/>
+                            </a:rPr>
+                            <m:t>1</m:t>
+                          </m:r>
+                        </m:sub>
+                      </m:sSub>
+                      <m:r>
+                        <a:rPr lang="de-DE" b="0" i="1" smtClean="0">
+                          <a:latin typeface="Cambria Math" charset="0"/>
+                        </a:rPr>
+                        <m:t>)</m:t>
+                      </m:r>
+                    </m:oMath>
+                  </m:oMathPara>
+                </a14:m>
+                <a:endParaRPr lang="de-DE" dirty="0" smtClean="0"/>
+              </a:p>
+              <a:p>
+                <a:endParaRPr lang="de-DE" dirty="0" smtClean="0"/>
+              </a:p>
+              <a:p>
+                <a:endParaRPr lang="de-DE" dirty="0"/>
+              </a:p>
+              <a:p>
+                <a:endParaRPr lang="de-DE" dirty="0" smtClean="0"/>
+              </a:p>
+              <a:p>
+                <a:endParaRPr lang="de-DE" dirty="0"/>
+              </a:p>
+              <a:p>
+                <a:endParaRPr lang="de-DE" dirty="0" smtClean="0"/>
+              </a:p>
+              <a:p>
+                <a:endParaRPr lang="de-DE" dirty="0"/>
+              </a:p>
+              <a:p>
+                <a:endParaRPr lang="de-DE" dirty="0" smtClean="0"/>
+              </a:p>
+              <a:p>
+                <a:pPr marL="0" indent="0" algn="ctr">
+                  <a:buNone/>
+                </a:pPr>
+                <a14:m>
+                  <m:oMathPara xmlns:m="http://schemas.openxmlformats.org/officeDocument/2006/math">
+                    <m:oMathParaPr>
+                      <m:jc m:val="centerGroup"/>
+                    </m:oMathParaPr>
+                    <m:oMath xmlns:m="http://schemas.openxmlformats.org/officeDocument/2006/math">
+                      <m:r>
+                        <a:rPr lang="de-DE" b="0" i="1" smtClean="0">
+                          <a:latin typeface="Cambria Math" charset="0"/>
+                        </a:rPr>
+                        <m:t>(</m:t>
+                      </m:r>
+                      <m:r>
+                        <a:rPr lang="de-DE" b="0" i="1" smtClean="0">
+                          <a:latin typeface="Cambria Math" charset="0"/>
+                        </a:rPr>
+                        <m:t>𝑟</m:t>
+                      </m:r>
+                      <m:r>
+                        <a:rPr lang="de-DE" b="0" i="1" smtClean="0">
+                          <a:latin typeface="Cambria Math" charset="0"/>
+                        </a:rPr>
+                        <m:t>=</m:t>
+                      </m:r>
+                      <m:sSub>
+                        <m:sSubPr>
+                          <m:ctrlPr>
+                            <a:rPr lang="en-US" b="0" i="1" smtClean="0">
+                              <a:latin typeface="Cambria Math" charset="0"/>
+                            </a:rPr>
+                          </m:ctrlPr>
+                        </m:sSubPr>
+                        <m:e>
+                          <m:r>
+                            <a:rPr lang="de-DE" b="1" i="1" smtClean="0">
+                              <a:latin typeface="Cambria Math" charset="0"/>
+                            </a:rPr>
+                            <m:t>𝒔</m:t>
+                          </m:r>
+                        </m:e>
+                        <m:sub>
+                          <m:r>
+                            <a:rPr lang="de-DE" b="0" i="1" smtClean="0">
+                              <a:latin typeface="Cambria Math" charset="0"/>
+                            </a:rPr>
+                            <m:t>𝑖</m:t>
+                          </m:r>
+                        </m:sub>
+                      </m:sSub>
+                      <m:r>
+                        <a:rPr lang="de-DE" b="0" i="1" smtClean="0">
+                          <a:latin typeface="Cambria Math" charset="0"/>
+                        </a:rPr>
+                        <m:t>     </m:t>
+                      </m:r>
+                      <m:r>
+                        <a:rPr lang="de-DE" b="0" i="1" smtClean="0">
+                          <a:latin typeface="Cambria Math" charset="0"/>
+                        </a:rPr>
+                        <m:t>𝑎</m:t>
+                      </m:r>
+                      <m:r>
+                        <a:rPr lang="de-DE" b="1" i="1" smtClean="0">
+                          <a:latin typeface="Cambria Math" charset="0"/>
+                        </a:rPr>
+                        <m:t>=</m:t>
+                      </m:r>
+                      <m:sSub>
+                        <m:sSubPr>
+                          <m:ctrlPr>
+                            <a:rPr lang="en-US" b="1" i="1" smtClean="0">
+                              <a:latin typeface="Cambria Math" charset="0"/>
+                            </a:rPr>
+                          </m:ctrlPr>
+                        </m:sSubPr>
+                        <m:e>
+                          <m:r>
+                            <a:rPr lang="de-DE" b="1" i="1" smtClean="0">
+                              <a:latin typeface="Cambria Math" charset="0"/>
+                            </a:rPr>
+                            <m:t>𝒎</m:t>
+                          </m:r>
+                        </m:e>
+                        <m:sub>
+                          <m:r>
+                            <a:rPr lang="de-DE" b="0" i="1" smtClean="0">
+                              <a:latin typeface="Cambria Math" charset="0"/>
+                            </a:rPr>
+                            <m:t>𝑒𝑛𝑐</m:t>
+                          </m:r>
+                          <m:r>
+                            <a:rPr lang="de-DE" b="0" i="1" smtClean="0">
+                              <a:latin typeface="Cambria Math" charset="0"/>
+                            </a:rPr>
+                            <m:t>,</m:t>
+                          </m:r>
+                          <m:r>
+                            <a:rPr lang="de-DE" b="0" i="1" smtClean="0">
+                              <a:latin typeface="Cambria Math" charset="0"/>
+                            </a:rPr>
+                            <m:t>𝑖</m:t>
+                          </m:r>
+                        </m:sub>
+                      </m:sSub>
+                      <m:r>
+                        <a:rPr lang="de-DE" b="0" i="1" smtClean="0">
+                          <a:latin typeface="Cambria Math" charset="0"/>
+                        </a:rPr>
+                        <m:t>     </m:t>
+                      </m:r>
+                      <m:r>
+                        <a:rPr lang="de-DE" b="0" i="1" smtClean="0">
+                          <a:latin typeface="Cambria Math" charset="0"/>
+                        </a:rPr>
+                        <m:t>𝑚</m:t>
+                      </m:r>
+                      <m:r>
+                        <a:rPr lang="de-DE" b="1" i="1" smtClean="0">
+                          <a:latin typeface="Cambria Math" charset="0"/>
+                        </a:rPr>
+                        <m:t>=</m:t>
+                      </m:r>
+                      <m:sSub>
+                        <m:sSubPr>
+                          <m:ctrlPr>
+                            <a:rPr lang="en-US" b="1" i="1" smtClean="0">
+                              <a:latin typeface="Cambria Math" charset="0"/>
+                            </a:rPr>
+                          </m:ctrlPr>
+                        </m:sSubPr>
+                        <m:e>
+                          <m:r>
+                            <a:rPr lang="de-DE" b="1" i="1" smtClean="0">
+                              <a:latin typeface="Cambria Math" charset="0"/>
+                            </a:rPr>
+                            <m:t>𝒎</m:t>
+                          </m:r>
+                        </m:e>
+                        <m:sub>
+                          <m:r>
+                            <a:rPr lang="de-DE" b="0" i="1" smtClean="0">
+                              <a:latin typeface="Cambria Math" charset="0"/>
+                            </a:rPr>
+                            <m:t>𝑖</m:t>
+                          </m:r>
+                        </m:sub>
+                      </m:sSub>
+                      <m:r>
+                        <a:rPr lang="de-DE" b="1" i="1" smtClean="0">
+                          <a:latin typeface="Cambria Math" charset="0"/>
+                        </a:rPr>
+                        <m:t>)</m:t>
+                      </m:r>
+                    </m:oMath>
+                  </m:oMathPara>
+                </a14:m>
+                <a:endParaRPr lang="de-DE" b="1" dirty="0" smtClean="0"/>
+              </a:p>
+              <a:p>
+                <a:endParaRPr lang="de-DE" dirty="0"/>
+              </a:p>
+            </p:txBody>
+          </p:sp>
+        </mc:Choice>
+        <mc:Fallback>
+          <p:sp>
+            <p:nvSpPr>
+              <p:cNvPr id="2" name="Textplatzhalter 1"/>
+              <p:cNvSpPr>
+                <a:spLocks noGrp="1" noRot="1" noChangeAspect="1" noMove="1" noResize="1" noEditPoints="1" noAdjustHandles="1" noChangeArrowheads="1" noChangeShapeType="1" noTextEdit="1"/>
+              </p:cNvSpPr>
+              <p:nvPr>
+                <p:ph type="body" sz="quarter" idx="10"/>
+              </p:nvPr>
+            </p:nvSpPr>
+            <p:spPr>
+              <a:blipFill rotWithShape="0">
+                <a:blip r:embed="rId2"/>
+                <a:stretch>
+                  <a:fillRect l="-944" t="-779" b="-11680"/>
+                </a:stretch>
+              </a:blipFill>
+            </p:spPr>
+            <p:txBody>
+              <a:bodyPr/>
+              <a:lstStyle/>
+              <a:p>
+                <a:r>
+                  <a:rPr lang="de-DE">
+                    <a:noFill/>
+                  </a:rPr>
+                  <a:t> </a:t>
+                </a:r>
+              </a:p>
+            </p:txBody>
+          </p:sp>
+        </mc:Fallback>
+      </mc:AlternateContent>
+      <p:sp>
+        <p:nvSpPr>
+          <p:cNvPr id="3" name="Titel 2"/>
+          <p:cNvSpPr>
+            <a:spLocks noGrp="1"/>
+          </p:cNvSpPr>
+          <p:nvPr>
+            <p:ph type="title"/>
+          </p:nvPr>
+        </p:nvSpPr>
+        <p:spPr/>
+        <p:txBody>
+          <a:bodyPr/>
+          <a:lstStyle/>
+          <a:p>
+            <a:r>
+              <a:rPr lang="de-DE" dirty="0" err="1" smtClean="0"/>
+              <a:t>Masking</a:t>
+            </a:r>
+            <a:r>
+              <a:rPr lang="de-DE" dirty="0" smtClean="0"/>
+              <a:t> </a:t>
+            </a:r>
+            <a:r>
+              <a:rPr lang="de-DE" dirty="0" err="1"/>
+              <a:t>U</a:t>
+            </a:r>
+            <a:r>
+              <a:rPr lang="de-DE" dirty="0" err="1" smtClean="0"/>
+              <a:t>sing</a:t>
+            </a:r>
+            <a:r>
+              <a:rPr lang="de-DE" dirty="0" smtClean="0"/>
+              <a:t> a </a:t>
+            </a:r>
+            <a:r>
+              <a:rPr lang="de-DE" dirty="0" err="1"/>
+              <a:t>M</a:t>
+            </a:r>
+            <a:r>
+              <a:rPr lang="de-DE" dirty="0" err="1" smtClean="0"/>
+              <a:t>asked</a:t>
+            </a:r>
+            <a:r>
+              <a:rPr lang="de-DE" dirty="0" smtClean="0"/>
+              <a:t> </a:t>
+            </a:r>
+            <a:r>
+              <a:rPr lang="de-DE" dirty="0"/>
+              <a:t>D</a:t>
+            </a:r>
+            <a:r>
+              <a:rPr lang="de-DE" dirty="0" smtClean="0"/>
+              <a:t>ecoder</a:t>
+            </a:r>
+            <a:r>
+              <a:rPr lang="de-DE" dirty="0"/>
+              <a:t/>
+            </a:r>
+            <a:br>
+              <a:rPr lang="de-DE" dirty="0"/>
+            </a:br>
+            <a:r>
+              <a:rPr lang="de-DE" sz="2800" b="0" dirty="0" err="1" smtClean="0"/>
+              <a:t>Overview</a:t>
+            </a:r>
+            <a:endParaRPr lang="de-DE" dirty="0"/>
+          </a:p>
+        </p:txBody>
+      </p:sp>
+      <p:pic>
+        <p:nvPicPr>
+          <p:cNvPr id="4" name="Bild 3"/>
+          <p:cNvPicPr>
+            <a:picLocks noChangeAspect="1"/>
+          </p:cNvPicPr>
+          <p:nvPr/>
+        </p:nvPicPr>
+        <p:blipFill>
+          <a:blip r:embed="rId3">
+            <a:extLst>
+              <a:ext uri="{28A0092B-C50C-407E-A947-70E740481C1C}">
+                <a14:useLocalDpi xmlns:a14="http://schemas.microsoft.com/office/drawing/2010/main" val="0"/>
+              </a:ext>
+            </a:extLst>
+          </a:blip>
+          <a:stretch>
+            <a:fillRect/>
+          </a:stretch>
+        </p:blipFill>
+        <p:spPr>
+          <a:xfrm>
+            <a:off x="1372474" y="3515838"/>
+            <a:ext cx="7335676" cy="2839002"/>
+          </a:xfrm>
+          <a:prstGeom prst="rect">
+            <a:avLst/>
+          </a:prstGeom>
+        </p:spPr>
+      </p:pic>
+    </p:spTree>
+    <p:extLst>
+      <p:ext uri="{BB962C8B-B14F-4D97-AF65-F5344CB8AC3E}">
+        <p14:creationId xmlns:p14="http://schemas.microsoft.com/office/powerpoint/2010/main" val="1862829395"/>
       </p:ext>
     </p:extLst>
   </p:cSld>

--- a/presentation/Julian.pptx
+++ b/presentation/Julian.pptx
@@ -6,10 +6,10 @@
     <p:sldMasterId id="2147483661" r:id="rId2"/>
   </p:sldMasterIdLst>
   <p:notesMasterIdLst>
-    <p:notesMasterId r:id="rId20"/>
+    <p:notesMasterId r:id="rId27"/>
   </p:notesMasterIdLst>
   <p:handoutMasterIdLst>
-    <p:handoutMasterId r:id="rId21"/>
+    <p:handoutMasterId r:id="rId28"/>
   </p:handoutMasterIdLst>
   <p:sldIdLst>
     <p:sldId id="256" r:id="rId3"/>
@@ -28,7 +28,14 @@
     <p:sldId id="326" r:id="rId16"/>
     <p:sldId id="327" r:id="rId17"/>
     <p:sldId id="329" r:id="rId18"/>
-    <p:sldId id="311" r:id="rId19"/>
+    <p:sldId id="330" r:id="rId19"/>
+    <p:sldId id="331" r:id="rId20"/>
+    <p:sldId id="332" r:id="rId21"/>
+    <p:sldId id="333" r:id="rId22"/>
+    <p:sldId id="334" r:id="rId23"/>
+    <p:sldId id="335" r:id="rId24"/>
+    <p:sldId id="336" r:id="rId25"/>
+    <p:sldId id="311" r:id="rId26"/>
   </p:sldIdLst>
   <p:sldSz cx="10080625" cy="7561263"/>
   <p:notesSz cx="6858000" cy="9144000"/>
@@ -2921,8 +2928,8 @@
           <a:chExt cx="0" cy="0"/>
         </a:xfrm>
       </p:grpSpPr>
-      <mc:AlternateContent xmlns:mc="http://schemas.openxmlformats.org/markup-compatibility/2006">
-        <mc:Choice xmlns:a14="http://schemas.microsoft.com/office/drawing/2010/main" Requires="a14">
+      <mc:AlternateContent xmlns:mc="http://schemas.openxmlformats.org/markup-compatibility/2006" xmlns:a14="http://schemas.microsoft.com/office/drawing/2010/main">
+        <mc:Choice Requires="a14">
           <p:sp>
             <p:nvSpPr>
               <p:cNvPr id="2" name="Textplatzhalter 1"/>
@@ -3734,7 +3741,7 @@
             </p:txBody>
           </p:sp>
         </mc:Choice>
-        <mc:Fallback>
+        <mc:Fallback xmlns="">
           <p:sp>
             <p:nvSpPr>
               <p:cNvPr id="2" name="Textplatzhalter 1"/>
@@ -5760,123 +5767,44 @@
           <a:bodyPr/>
           <a:lstStyle/>
           <a:p>
-            <a:r>
-              <a:rPr lang="en-US" dirty="0" err="1" smtClean="0"/>
-              <a:t>Bitte</a:t>
-            </a:r>
-            <a:r>
-              <a:rPr lang="en-US" dirty="0" smtClean="0"/>
-              <a:t> “Structure of presentation” in </a:t>
-            </a:r>
-            <a:r>
-              <a:rPr lang="en-US" dirty="0" err="1" smtClean="0"/>
-              <a:t>Folie</a:t>
-            </a:r>
-            <a:r>
-              <a:rPr lang="en-US" dirty="0" smtClean="0"/>
-              <a:t> 2 an </a:t>
-            </a:r>
-            <a:r>
-              <a:rPr lang="en-US" dirty="0" err="1" smtClean="0"/>
-              <a:t>deinen</a:t>
-            </a:r>
-            <a:r>
-              <a:rPr lang="en-US" dirty="0" smtClean="0"/>
+            <a:pPr>
+              <a:lnSpc>
+                <a:spcPct val="100000"/>
+              </a:lnSpc>
+              <a:spcBef>
+                <a:spcPts val="488"/>
+              </a:spcBef>
+              <a:buClr>
+                <a:srgbClr val="003560"/>
+              </a:buClr>
+              <a:buFont typeface="Wingdings" charset="2"/>
+              <a:buChar char=""/>
+            </a:pPr>
+            <a:r>
+              <a:rPr lang="de-DE" altLang="de-DE" dirty="0" smtClean="0"/>
+              <a:t>BLISS-I</a:t>
+            </a:r>
+            <a:r>
+              <a:rPr lang="de-DE" altLang="de-DE" dirty="0"/>
+              <a:t>: </a:t>
+            </a:r>
+            <a:r>
+              <a:rPr lang="de-DE" altLang="de-DE" dirty="0" err="1"/>
+              <a:t>Securitiy</a:t>
+            </a:r>
+            <a:r>
+              <a:rPr lang="de-DE" altLang="de-DE" dirty="0"/>
               <a:t> </a:t>
             </a:r>
             <a:r>
-              <a:rPr lang="en-US" dirty="0" err="1" smtClean="0"/>
-              <a:t>Aufbau</a:t>
-            </a:r>
-            <a:r>
-              <a:rPr lang="en-US" dirty="0" smtClean="0"/>
-              <a:t> </a:t>
-            </a:r>
-            <a:r>
-              <a:rPr lang="en-US" dirty="0" err="1" smtClean="0"/>
-              <a:t>anpassen</a:t>
-            </a:r>
-            <a:r>
-              <a:rPr lang="en-US" dirty="0" smtClean="0"/>
-              <a:t>, </a:t>
-            </a:r>
-            <a:r>
-              <a:rPr lang="en-US" dirty="0" err="1" smtClean="0"/>
-              <a:t>alles</a:t>
-            </a:r>
-            <a:r>
-              <a:rPr lang="en-US" dirty="0" smtClean="0"/>
-              <a:t> was da </a:t>
-            </a:r>
-            <a:r>
-              <a:rPr lang="en-US" dirty="0" err="1" smtClean="0"/>
-              <a:t>aufgelistet</a:t>
-            </a:r>
-            <a:r>
-              <a:rPr lang="en-US" dirty="0" smtClean="0"/>
-              <a:t> </a:t>
-            </a:r>
-            <a:r>
-              <a:rPr lang="en-US" dirty="0" err="1" smtClean="0"/>
-              <a:t>ist</a:t>
-            </a:r>
-            <a:r>
-              <a:rPr lang="en-US" dirty="0" smtClean="0"/>
-              <a:t> </a:t>
-            </a:r>
-            <a:r>
-              <a:rPr lang="en-US" dirty="0" err="1" smtClean="0"/>
-              <a:t>kommt</a:t>
-            </a:r>
-            <a:r>
-              <a:rPr lang="en-US" dirty="0" smtClean="0"/>
-              <a:t> </a:t>
-            </a:r>
-            <a:r>
-              <a:rPr lang="en-US" dirty="0" err="1" smtClean="0"/>
-              <a:t>irgendwo</a:t>
-            </a:r>
-            <a:r>
-              <a:rPr lang="en-US" dirty="0" smtClean="0"/>
-              <a:t> </a:t>
-            </a:r>
-            <a:r>
-              <a:rPr lang="en-US" dirty="0" err="1" smtClean="0"/>
-              <a:t>als</a:t>
-            </a:r>
-            <a:r>
-              <a:rPr lang="en-US" dirty="0" smtClean="0"/>
-              <a:t> </a:t>
-            </a:r>
-            <a:r>
-              <a:rPr lang="en-US" dirty="0" err="1" smtClean="0"/>
-              <a:t>Überschrift</a:t>
-            </a:r>
-            <a:r>
-              <a:rPr lang="en-US" dirty="0" smtClean="0"/>
-              <a:t> </a:t>
-            </a:r>
-            <a:r>
-              <a:rPr lang="en-US" dirty="0" err="1" smtClean="0"/>
-              <a:t>einer</a:t>
-            </a:r>
-            <a:r>
-              <a:rPr lang="en-US" dirty="0" smtClean="0"/>
-              <a:t> </a:t>
-            </a:r>
-            <a:r>
-              <a:rPr lang="en-US" dirty="0" err="1" smtClean="0"/>
-              <a:t>Folie</a:t>
-            </a:r>
-            <a:r>
-              <a:rPr lang="en-US" dirty="0" smtClean="0"/>
-              <a:t> </a:t>
-            </a:r>
-            <a:r>
-              <a:rPr lang="en-US" dirty="0" err="1" smtClean="0"/>
-              <a:t>vor</a:t>
-            </a:r>
-            <a:endParaRPr lang="en-US" dirty="0"/>
+              <a:rPr lang="de-DE" altLang="de-DE" dirty="0" err="1"/>
+              <a:t>lambda</a:t>
+            </a:r>
+            <a:r>
+              <a:rPr lang="de-DE" altLang="de-DE" dirty="0"/>
+              <a:t> = 128Bit</a:t>
+            </a:r>
+            <a:endParaRPr lang="de-DE" altLang="de-DE" dirty="0"/>
           </a:p>
         </p:txBody>
       </p:sp>
@@ -5907,8 +5835,8 @@
               <a:rPr lang="en-US" dirty="0"/>
             </a:br>
             <a:r>
-              <a:rPr lang="de-DE" sz="2800" b="0" dirty="0" smtClean="0"/>
-              <a:t>Unterüberschrift</a:t>
+              <a:rPr lang="de-DE" sz="2800" b="0" dirty="0" err="1" smtClean="0"/>
+              <a:t>Overview</a:t>
             </a:r>
             <a:endParaRPr lang="de-DE" sz="2800" dirty="0"/>
           </a:p>
@@ -5929,6 +5857,3541 @@
 </file>
 
 <file path=ppt/slides/slide17.xml><?xml version="1.0" encoding="utf-8"?>
+<p:sld xmlns:a="http://schemas.openxmlformats.org/drawingml/2006/main" xmlns:r="http://schemas.openxmlformats.org/officeDocument/2006/relationships" xmlns:p="http://schemas.openxmlformats.org/presentationml/2006/main">
+  <p:cSld>
+    <p:spTree>
+      <p:nvGrpSpPr>
+        <p:cNvPr id="1" name=""/>
+        <p:cNvGrpSpPr/>
+        <p:nvPr/>
+      </p:nvGrpSpPr>
+      <p:grpSpPr>
+        <a:xfrm>
+          <a:off x="0" y="0"/>
+          <a:ext cx="0" cy="0"/>
+          <a:chOff x="0" y="0"/>
+          <a:chExt cx="0" cy="0"/>
+        </a:xfrm>
+      </p:grpSpPr>
+      <p:sp>
+        <p:nvSpPr>
+          <p:cNvPr id="2" name="Textplatzhalter 1"/>
+          <p:cNvSpPr>
+            <a:spLocks noGrp="1"/>
+          </p:cNvSpPr>
+          <p:nvPr>
+            <p:ph type="body" sz="quarter" idx="10"/>
+          </p:nvPr>
+        </p:nvSpPr>
+        <p:spPr/>
+        <p:txBody>
+          <a:bodyPr/>
+          <a:lstStyle/>
+          <a:p>
+            <a:pPr indent="-376238">
+              <a:spcBef>
+                <a:spcPts val="488"/>
+              </a:spcBef>
+              <a:buClr>
+                <a:srgbClr val="003560"/>
+              </a:buClr>
+              <a:buFont typeface="Wingdings" charset="2"/>
+              <a:buChar char=""/>
+              <a:tabLst>
+                <a:tab pos="449263" algn="l"/>
+                <a:tab pos="898525" algn="l"/>
+                <a:tab pos="1347788" algn="l"/>
+                <a:tab pos="1797050" algn="l"/>
+                <a:tab pos="2246313" algn="l"/>
+                <a:tab pos="2695575" algn="l"/>
+                <a:tab pos="3144838" algn="l"/>
+                <a:tab pos="3594100" algn="l"/>
+                <a:tab pos="4043363" algn="l"/>
+                <a:tab pos="4492625" algn="l"/>
+                <a:tab pos="4941888" algn="l"/>
+                <a:tab pos="5391150" algn="l"/>
+                <a:tab pos="5840413" algn="l"/>
+                <a:tab pos="6289675" algn="l"/>
+                <a:tab pos="6738938" algn="l"/>
+                <a:tab pos="7188200" algn="l"/>
+                <a:tab pos="7637463" algn="l"/>
+                <a:tab pos="8086725" algn="l"/>
+                <a:tab pos="8535988" algn="l"/>
+                <a:tab pos="8985250" algn="l"/>
+              </a:tabLst>
+            </a:pPr>
+            <a:r>
+              <a:rPr lang="en-US" altLang="de-DE" dirty="0">
+                <a:latin typeface="Arial" charset="0"/>
+                <a:ea typeface="Noto Sans CJK SC Regular" charset="0"/>
+                <a:cs typeface="Noto Sans CJK SC Regular" charset="0"/>
+              </a:rPr>
+              <a:t>For cryptographic applications: Discrete Gaussian distribution needed</a:t>
+            </a:r>
+          </a:p>
+          <a:p>
+            <a:pPr indent="-376238">
+              <a:spcBef>
+                <a:spcPts val="488"/>
+              </a:spcBef>
+              <a:buClr>
+                <a:srgbClr val="003560"/>
+              </a:buClr>
+              <a:buFont typeface="Wingdings" charset="2"/>
+              <a:buChar char=""/>
+              <a:tabLst>
+                <a:tab pos="449263" algn="l"/>
+                <a:tab pos="898525" algn="l"/>
+                <a:tab pos="1347788" algn="l"/>
+                <a:tab pos="1797050" algn="l"/>
+                <a:tab pos="2246313" algn="l"/>
+                <a:tab pos="2695575" algn="l"/>
+                <a:tab pos="3144838" algn="l"/>
+                <a:tab pos="3594100" algn="l"/>
+                <a:tab pos="4043363" algn="l"/>
+                <a:tab pos="4492625" algn="l"/>
+                <a:tab pos="4941888" algn="l"/>
+                <a:tab pos="5391150" algn="l"/>
+                <a:tab pos="5840413" algn="l"/>
+                <a:tab pos="6289675" algn="l"/>
+                <a:tab pos="6738938" algn="l"/>
+                <a:tab pos="7188200" algn="l"/>
+                <a:tab pos="7637463" algn="l"/>
+                <a:tab pos="8086725" algn="l"/>
+                <a:tab pos="8535988" algn="l"/>
+                <a:tab pos="8985250" algn="l"/>
+              </a:tabLst>
+            </a:pPr>
+            <a:r>
+              <a:rPr lang="en-US" altLang="de-DE" dirty="0">
+                <a:latin typeface="Arial" charset="0"/>
+                <a:ea typeface="Noto Sans CJK SC Regular" charset="0"/>
+                <a:cs typeface="Noto Sans CJK SC Regular" charset="0"/>
+              </a:rPr>
+              <a:t>Efficient algorithms needed to sample discrete Gaussians</a:t>
+            </a:r>
+          </a:p>
+          <a:p>
+            <a:pPr indent="-376238">
+              <a:spcBef>
+                <a:spcPts val="488"/>
+              </a:spcBef>
+              <a:buClr>
+                <a:srgbClr val="003560"/>
+              </a:buClr>
+              <a:buFont typeface="Wingdings" charset="2"/>
+              <a:buChar char=""/>
+              <a:tabLst>
+                <a:tab pos="449263" algn="l"/>
+                <a:tab pos="898525" algn="l"/>
+                <a:tab pos="1347788" algn="l"/>
+                <a:tab pos="1797050" algn="l"/>
+                <a:tab pos="2246313" algn="l"/>
+                <a:tab pos="2695575" algn="l"/>
+                <a:tab pos="3144838" algn="l"/>
+                <a:tab pos="3594100" algn="l"/>
+                <a:tab pos="4043363" algn="l"/>
+                <a:tab pos="4492625" algn="l"/>
+                <a:tab pos="4941888" algn="l"/>
+                <a:tab pos="5391150" algn="l"/>
+                <a:tab pos="5840413" algn="l"/>
+                <a:tab pos="6289675" algn="l"/>
+                <a:tab pos="6738938" algn="l"/>
+                <a:tab pos="7188200" algn="l"/>
+                <a:tab pos="7637463" algn="l"/>
+                <a:tab pos="8086725" algn="l"/>
+                <a:tab pos="8535988" algn="l"/>
+                <a:tab pos="8985250" algn="l"/>
+              </a:tabLst>
+            </a:pPr>
+            <a:r>
+              <a:rPr lang="en-US" altLang="de-DE" dirty="0">
+                <a:latin typeface="Arial" charset="0"/>
+                <a:ea typeface="Noto Sans CJK SC Regular" charset="0"/>
+                <a:cs typeface="Noto Sans CJK SC Regular" charset="0"/>
+              </a:rPr>
+              <a:t>Convert uniformly random bits into non-uniformly bits distributed according to target distribution</a:t>
+            </a:r>
+          </a:p>
+          <a:p>
+            <a:pPr indent="-376238">
+              <a:spcBef>
+                <a:spcPts val="488"/>
+              </a:spcBef>
+              <a:buClr>
+                <a:srgbClr val="003560"/>
+              </a:buClr>
+              <a:buFont typeface="Wingdings" charset="2"/>
+              <a:buChar char=""/>
+              <a:tabLst>
+                <a:tab pos="449263" algn="l"/>
+                <a:tab pos="898525" algn="l"/>
+                <a:tab pos="1347788" algn="l"/>
+                <a:tab pos="1797050" algn="l"/>
+                <a:tab pos="2246313" algn="l"/>
+                <a:tab pos="2695575" algn="l"/>
+                <a:tab pos="3144838" algn="l"/>
+                <a:tab pos="3594100" algn="l"/>
+                <a:tab pos="4043363" algn="l"/>
+                <a:tab pos="4492625" algn="l"/>
+                <a:tab pos="4941888" algn="l"/>
+                <a:tab pos="5391150" algn="l"/>
+                <a:tab pos="5840413" algn="l"/>
+                <a:tab pos="6289675" algn="l"/>
+                <a:tab pos="6738938" algn="l"/>
+                <a:tab pos="7188200" algn="l"/>
+                <a:tab pos="7637463" algn="l"/>
+                <a:tab pos="8086725" algn="l"/>
+                <a:tab pos="8535988" algn="l"/>
+                <a:tab pos="8985250" algn="l"/>
+              </a:tabLst>
+            </a:pPr>
+            <a:r>
+              <a:rPr lang="en-US" altLang="de-DE" dirty="0" err="1" smtClean="0">
+                <a:latin typeface="Arial" charset="0"/>
+                <a:ea typeface="Noto Sans CJK SC Regular" charset="0"/>
+                <a:cs typeface="Noto Sans CJK SC Regular" charset="0"/>
+              </a:rPr>
+              <a:t>Tailcut</a:t>
+            </a:r>
+            <a:r>
+              <a:rPr lang="en-US" altLang="de-DE" dirty="0" smtClean="0">
+                <a:latin typeface="Arial" charset="0"/>
+                <a:ea typeface="Noto Sans CJK SC Regular" charset="0"/>
+                <a:cs typeface="Noto Sans CJK SC Regular" charset="0"/>
+              </a:rPr>
+              <a:t> </a:t>
+            </a:r>
+            <a:r>
+              <a:rPr lang="en-US" altLang="de-DE" dirty="0">
+                <a:latin typeface="Arial" charset="0"/>
+                <a:ea typeface="Noto Sans CJK SC Regular" charset="0"/>
+                <a:cs typeface="Noto Sans CJK SC Regular" charset="0"/>
+              </a:rPr>
+              <a:t>tau: Ignore „tail“-part of distribution</a:t>
+            </a:r>
+          </a:p>
+          <a:p>
+            <a:pPr indent="-376238">
+              <a:spcBef>
+                <a:spcPts val="488"/>
+              </a:spcBef>
+              <a:buClr>
+                <a:srgbClr val="003560"/>
+              </a:buClr>
+              <a:buFont typeface="Wingdings" charset="2"/>
+              <a:buChar char=""/>
+              <a:tabLst>
+                <a:tab pos="449263" algn="l"/>
+                <a:tab pos="898525" algn="l"/>
+                <a:tab pos="1347788" algn="l"/>
+                <a:tab pos="1797050" algn="l"/>
+                <a:tab pos="2246313" algn="l"/>
+                <a:tab pos="2695575" algn="l"/>
+                <a:tab pos="3144838" algn="l"/>
+                <a:tab pos="3594100" algn="l"/>
+                <a:tab pos="4043363" algn="l"/>
+                <a:tab pos="4492625" algn="l"/>
+                <a:tab pos="4941888" algn="l"/>
+                <a:tab pos="5391150" algn="l"/>
+                <a:tab pos="5840413" algn="l"/>
+                <a:tab pos="6289675" algn="l"/>
+                <a:tab pos="6738938" algn="l"/>
+                <a:tab pos="7188200" algn="l"/>
+                <a:tab pos="7637463" algn="l"/>
+                <a:tab pos="8086725" algn="l"/>
+                <a:tab pos="8535988" algn="l"/>
+                <a:tab pos="8985250" algn="l"/>
+              </a:tabLst>
+            </a:pPr>
+            <a:endParaRPr lang="en-US" altLang="de-DE" dirty="0">
+              <a:latin typeface="Arial" charset="0"/>
+              <a:ea typeface="Noto Sans CJK SC Regular" charset="0"/>
+              <a:cs typeface="Noto Sans CJK SC Regular" charset="0"/>
+            </a:endParaRPr>
+          </a:p>
+          <a:p>
+            <a:endParaRPr lang="de-DE" dirty="0"/>
+          </a:p>
+        </p:txBody>
+      </p:sp>
+      <p:sp>
+        <p:nvSpPr>
+          <p:cNvPr id="3" name="Titel 2"/>
+          <p:cNvSpPr>
+            <a:spLocks noGrp="1"/>
+          </p:cNvSpPr>
+          <p:nvPr>
+            <p:ph type="title"/>
+          </p:nvPr>
+        </p:nvSpPr>
+        <p:spPr/>
+        <p:txBody>
+          <a:bodyPr/>
+          <a:lstStyle/>
+          <a:p>
+            <a:r>
+              <a:rPr lang="de-DE" dirty="0" smtClean="0"/>
+              <a:t>Sampling</a:t>
+            </a:r>
+            <a:br>
+              <a:rPr lang="de-DE" dirty="0" smtClean="0"/>
+            </a:br>
+            <a:r>
+              <a:rPr lang="de-DE" sz="2800" b="0" dirty="0" err="1" smtClean="0"/>
+              <a:t>Discrete</a:t>
+            </a:r>
+            <a:r>
+              <a:rPr lang="de-DE" sz="2800" b="0" dirty="0" smtClean="0"/>
+              <a:t> </a:t>
+            </a:r>
+            <a:r>
+              <a:rPr lang="de-DE" sz="2800" b="0" dirty="0" err="1" smtClean="0"/>
+              <a:t>Gaussian</a:t>
+            </a:r>
+            <a:r>
+              <a:rPr lang="de-DE" sz="2800" b="0" dirty="0" smtClean="0"/>
+              <a:t> Distributio</a:t>
+            </a:r>
+            <a:r>
+              <a:rPr lang="de-DE" sz="2800" b="0" dirty="0"/>
+              <a:t>n</a:t>
+            </a:r>
+            <a:endParaRPr lang="de-DE" dirty="0"/>
+          </a:p>
+        </p:txBody>
+      </p:sp>
+      <p:pic>
+        <p:nvPicPr>
+          <p:cNvPr id="4" name="Picture 3"/>
+          <p:cNvPicPr>
+            <a:picLocks noChangeAspect="1" noChangeArrowheads="1"/>
+          </p:cNvPicPr>
+          <p:nvPr/>
+        </p:nvPicPr>
+        <p:blipFill>
+          <a:blip r:embed="rId2">
+            <a:extLst>
+              <a:ext uri="{28A0092B-C50C-407E-A947-70E740481C1C}">
+                <a14:useLocalDpi xmlns:a14="http://schemas.microsoft.com/office/drawing/2010/main" val="0"/>
+              </a:ext>
+            </a:extLst>
+          </a:blip>
+          <a:srcRect/>
+          <a:stretch>
+            <a:fillRect/>
+          </a:stretch>
+        </p:blipFill>
+        <p:spPr bwMode="auto">
+          <a:xfrm>
+            <a:off x="1951422" y="3852639"/>
+            <a:ext cx="6177780" cy="3175327"/>
+          </a:xfrm>
+          <a:prstGeom prst="rect">
+            <a:avLst/>
+          </a:prstGeom>
+          <a:noFill/>
+          <a:ln>
+            <a:noFill/>
+          </a:ln>
+          <a:effectLst/>
+          <a:extLst>
+            <a:ext uri="{909E8E84-426E-40DD-AFC4-6F175D3DCCD1}">
+              <a14:hiddenFill xmlns:a14="http://schemas.microsoft.com/office/drawing/2010/main">
+                <a:blipFill dpi="0" rotWithShape="0">
+                  <a:blip/>
+                  <a:srcRect/>
+                  <a:stretch>
+                    <a:fillRect/>
+                  </a:stretch>
+                </a:blipFill>
+              </a14:hiddenFill>
+            </a:ext>
+            <a:ext uri="{91240B29-F687-4F45-9708-019B960494DF}">
+              <a14:hiddenLine xmlns:a14="http://schemas.microsoft.com/office/drawing/2010/main" w="9525" cap="flat">
+                <a:solidFill>
+                  <a:srgbClr val="3465A4"/>
+                </a:solidFill>
+                <a:round/>
+                <a:headEnd/>
+                <a:tailEnd/>
+              </a14:hiddenLine>
+            </a:ext>
+            <a:ext uri="{AF507438-7753-43E0-B8FC-AC1667EBCBE1}">
+              <a14:hiddenEffects xmlns:a14="http://schemas.microsoft.com/office/drawing/2010/main">
+                <a:effectLst>
+                  <a:outerShdw blurRad="63500" dist="38099" dir="2700000" algn="ctr" rotWithShape="0">
+                    <a:srgbClr val="000000">
+                      <a:alpha val="74998"/>
+                    </a:srgbClr>
+                  </a:outerShdw>
+                </a:effectLst>
+              </a14:hiddenEffects>
+            </a:ext>
+          </a:extLst>
+        </p:spPr>
+      </p:pic>
+    </p:spTree>
+    <p:extLst>
+      <p:ext uri="{BB962C8B-B14F-4D97-AF65-F5344CB8AC3E}">
+        <p14:creationId xmlns:p14="http://schemas.microsoft.com/office/powerpoint/2010/main" val="765727788"/>
+      </p:ext>
+    </p:extLst>
+  </p:cSld>
+  <p:clrMapOvr>
+    <a:masterClrMapping/>
+  </p:clrMapOvr>
+  <p:transition/>
+</p:sld>
+</file>
+
+<file path=ppt/slides/slide18.xml><?xml version="1.0" encoding="utf-8"?>
+<p:sld xmlns:a="http://schemas.openxmlformats.org/drawingml/2006/main" xmlns:r="http://schemas.openxmlformats.org/officeDocument/2006/relationships" xmlns:p="http://schemas.openxmlformats.org/presentationml/2006/main">
+  <p:cSld>
+    <p:spTree>
+      <p:nvGrpSpPr>
+        <p:cNvPr id="1" name=""/>
+        <p:cNvGrpSpPr/>
+        <p:nvPr/>
+      </p:nvGrpSpPr>
+      <p:grpSpPr>
+        <a:xfrm>
+          <a:off x="0" y="0"/>
+          <a:ext cx="0" cy="0"/>
+          <a:chOff x="0" y="0"/>
+          <a:chExt cx="0" cy="0"/>
+        </a:xfrm>
+      </p:grpSpPr>
+      <mc:AlternateContent xmlns:mc="http://schemas.openxmlformats.org/markup-compatibility/2006">
+        <mc:Choice xmlns:a14="http://schemas.microsoft.com/office/drawing/2010/main" Requires="a14">
+          <p:sp>
+            <p:nvSpPr>
+              <p:cNvPr id="2" name="Textplatzhalter 1"/>
+              <p:cNvSpPr>
+                <a:spLocks noGrp="1"/>
+              </p:cNvSpPr>
+              <p:nvPr>
+                <p:ph type="body" sz="quarter" idx="10"/>
+              </p:nvPr>
+            </p:nvSpPr>
+            <p:spPr/>
+            <p:txBody>
+              <a:bodyPr/>
+              <a:lstStyle/>
+              <a:p>
+                <a:r>
+                  <a:rPr lang="en-US" b="1" dirty="0" smtClean="0"/>
+                  <a:t>C</a:t>
+                </a:r>
+                <a:r>
+                  <a:rPr lang="en-US" dirty="0" smtClean="0"/>
+                  <a:t>umulative </a:t>
+                </a:r>
+                <a:r>
+                  <a:rPr lang="en-US" b="1" dirty="0" smtClean="0"/>
+                  <a:t>D</a:t>
+                </a:r>
+                <a:r>
+                  <a:rPr lang="en-US" dirty="0" smtClean="0"/>
+                  <a:t>istribution </a:t>
+                </a:r>
+                <a:r>
+                  <a:rPr lang="en-US" b="1" dirty="0" smtClean="0"/>
+                  <a:t>T</a:t>
+                </a:r>
+                <a:r>
+                  <a:rPr lang="en-US" dirty="0" smtClean="0"/>
+                  <a:t>able</a:t>
+                </a:r>
+              </a:p>
+              <a:p>
+                <a:r>
+                  <a:rPr lang="en-US" dirty="0" smtClean="0"/>
+                  <a:t>Precomputed lookup table with approximate probabilities </a:t>
+                </a:r>
+                <a14:m>
+                  <m:oMath xmlns:m="http://schemas.openxmlformats.org/officeDocument/2006/math">
+                    <m:r>
+                      <a:rPr lang="en-US" b="0" i="1" smtClean="0">
+                        <a:latin typeface="Cambria Math" charset="0"/>
+                      </a:rPr>
+                      <m:t>𝑝</m:t>
+                    </m:r>
+                    <m:r>
+                      <a:rPr lang="en-US" b="0" i="1" smtClean="0">
+                        <a:latin typeface="Cambria Math" charset="0"/>
+                      </a:rPr>
+                      <m:t>(</m:t>
+                    </m:r>
+                    <m:r>
+                      <a:rPr lang="en-US" b="0" i="1" smtClean="0">
+                        <a:latin typeface="Cambria Math" charset="0"/>
+                      </a:rPr>
+                      <m:t>𝑥</m:t>
+                    </m:r>
+                    <m:r>
+                      <a:rPr lang="en-US" b="0" i="1" smtClean="0">
+                        <a:latin typeface="Cambria Math" charset="0"/>
+                      </a:rPr>
+                      <m:t>)</m:t>
+                    </m:r>
+                  </m:oMath>
+                </a14:m>
+                <a:r>
+                  <a:rPr lang="en-US" dirty="0" smtClean="0"/>
+                  <a:t> and</a:t>
+                </a:r>
+                <a:r>
+                  <a:rPr lang="en-US" dirty="0"/>
+                  <a:t> </a:t>
+                </a:r>
+                <a:r>
+                  <a:rPr lang="en-US" dirty="0" smtClean="0"/>
+                  <a:t>values </a:t>
+                </a:r>
+                <a14:m>
+                  <m:oMath xmlns:m="http://schemas.openxmlformats.org/officeDocument/2006/math">
+                    <m:r>
+                      <a:rPr lang="en-US" b="0" i="1" smtClean="0">
+                        <a:latin typeface="Cambria Math" charset="0"/>
+                      </a:rPr>
+                      <m:t>𝑥</m:t>
+                    </m:r>
+                  </m:oMath>
+                </a14:m>
+                <a:endParaRPr lang="en-US" dirty="0" smtClean="0"/>
+              </a:p>
+              <a:p>
+                <a:r>
+                  <a:rPr lang="en-US" dirty="0" smtClean="0"/>
+                  <a:t>Sample a value uniformly at random</a:t>
+                </a:r>
+              </a:p>
+              <a:p>
+                <a:r>
+                  <a:rPr lang="en-US" dirty="0" smtClean="0"/>
+                  <a:t>Binary search</a:t>
+                </a:r>
+              </a:p>
+              <a:p>
+                <a:r>
+                  <a:rPr lang="en-US" dirty="0" smtClean="0"/>
+                  <a:t>Return corresponding </a:t>
+                </a:r>
+                <a14:m>
+                  <m:oMath xmlns:m="http://schemas.openxmlformats.org/officeDocument/2006/math">
+                    <m:r>
+                      <a:rPr lang="en-US" i="1">
+                        <a:latin typeface="Cambria Math" charset="0"/>
+                      </a:rPr>
+                      <m:t>𝑥</m:t>
+                    </m:r>
+                  </m:oMath>
+                </a14:m>
+                <a:endParaRPr lang="en-US" dirty="0" smtClean="0"/>
+              </a:p>
+              <a:p>
+                <a:r>
+                  <a:rPr lang="en-US" dirty="0" smtClean="0"/>
+                  <a:t>Efficient, but requires large tables</a:t>
+                </a:r>
+              </a:p>
+              <a:p>
+                <a:r>
+                  <a:rPr lang="en-US" dirty="0" smtClean="0"/>
+                  <a:t>Faster: Use 2</a:t>
+                </a:r>
+                <a:r>
+                  <a:rPr lang="en-US" baseline="30000" dirty="0" smtClean="0"/>
+                  <a:t>nd</a:t>
+                </a:r>
+                <a:r>
+                  <a:rPr lang="en-US" dirty="0" smtClean="0"/>
+                  <a:t> guide table</a:t>
+                </a:r>
+                <a:endParaRPr lang="en-US" dirty="0"/>
+              </a:p>
+            </p:txBody>
+          </p:sp>
+        </mc:Choice>
+        <mc:Fallback>
+          <p:sp>
+            <p:nvSpPr>
+              <p:cNvPr id="2" name="Textplatzhalter 1"/>
+              <p:cNvSpPr>
+                <a:spLocks noGrp="1" noRot="1" noChangeAspect="1" noMove="1" noResize="1" noEditPoints="1" noAdjustHandles="1" noChangeArrowheads="1" noChangeShapeType="1" noTextEdit="1"/>
+              </p:cNvSpPr>
+              <p:nvPr>
+                <p:ph type="body" sz="quarter" idx="10"/>
+              </p:nvPr>
+            </p:nvSpPr>
+            <p:spPr>
+              <a:blipFill rotWithShape="0">
+                <a:blip r:embed="rId2"/>
+                <a:stretch>
+                  <a:fillRect l="-944" t="-779"/>
+                </a:stretch>
+              </a:blipFill>
+            </p:spPr>
+            <p:txBody>
+              <a:bodyPr/>
+              <a:lstStyle/>
+              <a:p>
+                <a:r>
+                  <a:rPr lang="de-DE">
+                    <a:noFill/>
+                  </a:rPr>
+                  <a:t> </a:t>
+                </a:r>
+              </a:p>
+            </p:txBody>
+          </p:sp>
+        </mc:Fallback>
+      </mc:AlternateContent>
+      <p:sp>
+        <p:nvSpPr>
+          <p:cNvPr id="3" name="Titel 2"/>
+          <p:cNvSpPr>
+            <a:spLocks noGrp="1"/>
+          </p:cNvSpPr>
+          <p:nvPr>
+            <p:ph type="title"/>
+          </p:nvPr>
+        </p:nvSpPr>
+        <p:spPr/>
+        <p:txBody>
+          <a:bodyPr/>
+          <a:lstStyle/>
+          <a:p>
+            <a:r>
+              <a:rPr lang="de-DE" dirty="0" smtClean="0"/>
+              <a:t>Sampling</a:t>
+            </a:r>
+            <a:r>
+              <a:rPr lang="de-DE" dirty="0"/>
+              <a:t/>
+            </a:r>
+            <a:br>
+              <a:rPr lang="de-DE" dirty="0"/>
+            </a:br>
+            <a:r>
+              <a:rPr lang="de-DE" sz="2800" b="0" dirty="0" smtClean="0"/>
+              <a:t>CDT Sampling</a:t>
+            </a:r>
+            <a:endParaRPr lang="de-DE" dirty="0"/>
+          </a:p>
+        </p:txBody>
+      </p:sp>
+    </p:spTree>
+    <p:extLst>
+      <p:ext uri="{BB962C8B-B14F-4D97-AF65-F5344CB8AC3E}">
+        <p14:creationId xmlns:p14="http://schemas.microsoft.com/office/powerpoint/2010/main" val="661307975"/>
+      </p:ext>
+    </p:extLst>
+  </p:cSld>
+  <p:clrMapOvr>
+    <a:masterClrMapping/>
+  </p:clrMapOvr>
+  <p:transition/>
+</p:sld>
+</file>
+
+<file path=ppt/slides/slide19.xml><?xml version="1.0" encoding="utf-8"?>
+<p:sld xmlns:a="http://schemas.openxmlformats.org/drawingml/2006/main" xmlns:r="http://schemas.openxmlformats.org/officeDocument/2006/relationships" xmlns:p="http://schemas.openxmlformats.org/presentationml/2006/main">
+  <p:cSld>
+    <p:spTree>
+      <p:nvGrpSpPr>
+        <p:cNvPr id="1" name=""/>
+        <p:cNvGrpSpPr/>
+        <p:nvPr/>
+      </p:nvGrpSpPr>
+      <p:grpSpPr>
+        <a:xfrm>
+          <a:off x="0" y="0"/>
+          <a:ext cx="0" cy="0"/>
+          <a:chOff x="0" y="0"/>
+          <a:chExt cx="0" cy="0"/>
+        </a:xfrm>
+      </p:grpSpPr>
+      <mc:AlternateContent xmlns:mc="http://schemas.openxmlformats.org/markup-compatibility/2006">
+        <mc:Choice xmlns:a14="http://schemas.microsoft.com/office/drawing/2010/main" Requires="a14">
+          <p:sp>
+            <p:nvSpPr>
+              <p:cNvPr id="2" name="Textplatzhalter 1"/>
+              <p:cNvSpPr>
+                <a:spLocks noGrp="1"/>
+              </p:cNvSpPr>
+              <p:nvPr>
+                <p:ph type="body" sz="quarter" idx="10"/>
+              </p:nvPr>
+            </p:nvSpPr>
+            <p:spPr/>
+            <p:txBody>
+              <a:bodyPr/>
+              <a:lstStyle/>
+              <a:p>
+                <a:r>
+                  <a:rPr lang="en-US" dirty="0" smtClean="0"/>
+                  <a:t>Sample integer </a:t>
+                </a:r>
+                <a14:m>
+                  <m:oMath xmlns:m="http://schemas.openxmlformats.org/officeDocument/2006/math">
+                    <m:r>
+                      <a:rPr lang="en-US" b="0" i="1" smtClean="0">
+                        <a:latin typeface="Cambria Math" charset="0"/>
+                      </a:rPr>
+                      <m:t>𝑦</m:t>
+                    </m:r>
+                  </m:oMath>
+                </a14:m>
+                <a:r>
+                  <a:rPr lang="en-US" dirty="0" smtClean="0"/>
+                  <a:t> uniformly at random</a:t>
+                </a:r>
+              </a:p>
+              <a:p>
+                <a:r>
+                  <a:rPr lang="en-US" dirty="0" smtClean="0"/>
+                  <a:t>Reject, if 2</a:t>
+                </a:r>
+                <a:r>
+                  <a:rPr lang="en-US" baseline="30000" dirty="0" smtClean="0"/>
+                  <a:t>nd</a:t>
+                </a:r>
+                <a:r>
+                  <a:rPr lang="en-US" dirty="0" smtClean="0"/>
+                  <a:t> random value exceeds expected probability</a:t>
+                </a:r>
+              </a:p>
+              <a:p>
+                <a:r>
+                  <a:rPr lang="en-US" dirty="0" smtClean="0"/>
+                  <a:t>Disadvantages:</a:t>
+                </a:r>
+              </a:p>
+              <a:p>
+                <a:pPr lvl="1"/>
+                <a:r>
+                  <a:rPr lang="en-US" dirty="0" smtClean="0"/>
+                  <a:t>Computation of probability is expensive</a:t>
+                </a:r>
+              </a:p>
+              <a:p>
+                <a:pPr lvl="1"/>
+                <a:r>
+                  <a:rPr lang="en-US" dirty="0" smtClean="0"/>
+                  <a:t>Rejection rate?!</a:t>
+                </a:r>
+              </a:p>
+              <a:p>
+                <a:r>
+                  <a:rPr lang="en-US" dirty="0" smtClean="0"/>
+                  <a:t>Better algorithms use lookup table with precomputed values to decide rejection</a:t>
+                </a:r>
+                <a:endParaRPr lang="en-US" dirty="0"/>
+              </a:p>
+            </p:txBody>
+          </p:sp>
+        </mc:Choice>
+        <mc:Fallback>
+          <p:sp>
+            <p:nvSpPr>
+              <p:cNvPr id="2" name="Textplatzhalter 1"/>
+              <p:cNvSpPr>
+                <a:spLocks noGrp="1" noRot="1" noChangeAspect="1" noMove="1" noResize="1" noEditPoints="1" noAdjustHandles="1" noChangeArrowheads="1" noChangeShapeType="1" noTextEdit="1"/>
+              </p:cNvSpPr>
+              <p:nvPr>
+                <p:ph type="body" sz="quarter" idx="10"/>
+              </p:nvPr>
+            </p:nvSpPr>
+            <p:spPr>
+              <a:blipFill rotWithShape="0">
+                <a:blip r:embed="rId2"/>
+                <a:stretch>
+                  <a:fillRect l="-944" t="-779" r="-1146"/>
+                </a:stretch>
+              </a:blipFill>
+            </p:spPr>
+            <p:txBody>
+              <a:bodyPr/>
+              <a:lstStyle/>
+              <a:p>
+                <a:r>
+                  <a:rPr lang="de-DE">
+                    <a:noFill/>
+                  </a:rPr>
+                  <a:t> </a:t>
+                </a:r>
+              </a:p>
+            </p:txBody>
+          </p:sp>
+        </mc:Fallback>
+      </mc:AlternateContent>
+      <p:sp>
+        <p:nvSpPr>
+          <p:cNvPr id="3" name="Titel 2"/>
+          <p:cNvSpPr>
+            <a:spLocks noGrp="1"/>
+          </p:cNvSpPr>
+          <p:nvPr>
+            <p:ph type="title"/>
+          </p:nvPr>
+        </p:nvSpPr>
+        <p:spPr/>
+        <p:txBody>
+          <a:bodyPr/>
+          <a:lstStyle/>
+          <a:p>
+            <a:r>
+              <a:rPr lang="de-DE" dirty="0" smtClean="0"/>
+              <a:t>Sampling</a:t>
+            </a:r>
+            <a:r>
+              <a:rPr lang="de-DE" dirty="0"/>
+              <a:t/>
+            </a:r>
+            <a:br>
+              <a:rPr lang="de-DE" dirty="0"/>
+            </a:br>
+            <a:r>
+              <a:rPr lang="de-DE" sz="2800" b="0" dirty="0" err="1" smtClean="0"/>
+              <a:t>Rejection</a:t>
+            </a:r>
+            <a:r>
+              <a:rPr lang="de-DE" sz="2800" b="0" dirty="0" smtClean="0"/>
+              <a:t> Sampling</a:t>
+            </a:r>
+            <a:endParaRPr lang="de-DE" dirty="0"/>
+          </a:p>
+        </p:txBody>
+      </p:sp>
+    </p:spTree>
+    <p:extLst>
+      <p:ext uri="{BB962C8B-B14F-4D97-AF65-F5344CB8AC3E}">
+        <p14:creationId xmlns:p14="http://schemas.microsoft.com/office/powerpoint/2010/main" val="507937265"/>
+      </p:ext>
+    </p:extLst>
+  </p:cSld>
+  <p:clrMapOvr>
+    <a:masterClrMapping/>
+  </p:clrMapOvr>
+  <p:transition/>
+</p:sld>
+</file>
+
+<file path=ppt/slides/slide2.xml><?xml version="1.0" encoding="utf-8"?>
+<p:sld xmlns:a="http://schemas.openxmlformats.org/drawingml/2006/main" xmlns:r="http://schemas.openxmlformats.org/officeDocument/2006/relationships" xmlns:p="http://schemas.openxmlformats.org/presentationml/2006/main">
+  <p:cSld>
+    <p:bg>
+      <p:bgPr>
+        <a:solidFill>
+          <a:srgbClr val="E7E7E7"/>
+        </a:solidFill>
+        <a:effectLst/>
+      </p:bgPr>
+    </p:bg>
+    <p:spTree>
+      <p:nvGrpSpPr>
+        <p:cNvPr id="1" name=""/>
+        <p:cNvGrpSpPr/>
+        <p:nvPr/>
+      </p:nvGrpSpPr>
+      <p:grpSpPr>
+        <a:xfrm>
+          <a:off x="0" y="0"/>
+          <a:ext cx="0" cy="0"/>
+          <a:chOff x="0" y="0"/>
+          <a:chExt cx="0" cy="0"/>
+        </a:xfrm>
+      </p:grpSpPr>
+      <p:sp>
+        <p:nvSpPr>
+          <p:cNvPr id="2" name="Textplatzhalter 1"/>
+          <p:cNvSpPr>
+            <a:spLocks noGrp="1"/>
+          </p:cNvSpPr>
+          <p:nvPr>
+            <p:ph type="body" sz="quarter" idx="10"/>
+          </p:nvPr>
+        </p:nvSpPr>
+        <p:spPr/>
+        <p:txBody>
+          <a:bodyPr/>
+          <a:lstStyle/>
+          <a:p>
+            <a:r>
+              <a:rPr lang="en-US" dirty="0"/>
+              <a:t>Todays digital infrastructure is based on public-key </a:t>
+            </a:r>
+            <a:r>
+              <a:rPr lang="en-US" dirty="0" smtClean="0"/>
+              <a:t>crypto</a:t>
+            </a:r>
+          </a:p>
+          <a:p>
+            <a:r>
+              <a:rPr lang="en-US" dirty="0" smtClean="0"/>
+              <a:t>Current public-key crypto vulnerable to quantum computing</a:t>
+            </a:r>
+          </a:p>
+          <a:p>
+            <a:pPr lvl="1"/>
+            <a:r>
+              <a:rPr lang="en-US" dirty="0" smtClean="0"/>
+              <a:t>Shor’s algorithm for prime factorization and discrete logarithms</a:t>
+            </a:r>
+          </a:p>
+          <a:p>
+            <a:r>
+              <a:rPr lang="en-US" dirty="0" smtClean="0"/>
+              <a:t>Quantum computers might become feasible in near future</a:t>
+            </a:r>
+          </a:p>
+          <a:p>
+            <a:r>
+              <a:rPr lang="en-US" dirty="0" smtClean="0"/>
+              <a:t>Urgent need for post-quantum crypto</a:t>
+            </a:r>
+          </a:p>
+          <a:p>
+            <a:r>
+              <a:rPr lang="en-US" dirty="0" smtClean="0"/>
+              <a:t>Lattice-based crypto is one possible solution</a:t>
+            </a:r>
+          </a:p>
+          <a:p>
+            <a:pPr lvl="1"/>
+            <a:r>
+              <a:rPr lang="en-US" dirty="0" smtClean="0"/>
+              <a:t>Currently most promising one, as it is pretty efficient</a:t>
+            </a:r>
+          </a:p>
+          <a:p>
+            <a:r>
+              <a:rPr lang="en-US" dirty="0" smtClean="0"/>
+              <a:t>Side-Channel attack resistance is important for future implementations</a:t>
+            </a:r>
+          </a:p>
+          <a:p>
+            <a:pPr lvl="1"/>
+            <a:endParaRPr lang="en-US" dirty="0" smtClean="0"/>
+          </a:p>
+        </p:txBody>
+      </p:sp>
+      <p:sp>
+        <p:nvSpPr>
+          <p:cNvPr id="3" name="Titel 2"/>
+          <p:cNvSpPr>
+            <a:spLocks noGrp="1"/>
+          </p:cNvSpPr>
+          <p:nvPr>
+            <p:ph type="title"/>
+          </p:nvPr>
+        </p:nvSpPr>
+        <p:spPr/>
+        <p:txBody>
+          <a:bodyPr/>
+          <a:lstStyle/>
+          <a:p>
+            <a:r>
+              <a:rPr lang="de-DE" dirty="0" smtClean="0"/>
+              <a:t>WHAT?!?</a:t>
+            </a:r>
+            <a:endParaRPr lang="de-DE" dirty="0"/>
+          </a:p>
+        </p:txBody>
+      </p:sp>
+    </p:spTree>
+    <p:extLst>
+      <p:ext uri="{BB962C8B-B14F-4D97-AF65-F5344CB8AC3E}">
+        <p14:creationId xmlns:p14="http://schemas.microsoft.com/office/powerpoint/2010/main" val="1241315664"/>
+      </p:ext>
+    </p:extLst>
+  </p:cSld>
+  <p:clrMapOvr>
+    <a:masterClrMapping/>
+  </p:clrMapOvr>
+  <p:transition/>
+  <p:timing>
+    <p:tnLst>
+      <p:par>
+        <p:cTn id="1" dur="indefinite" restart="never" nodeType="tmRoot"/>
+      </p:par>
+    </p:tnLst>
+  </p:timing>
+</p:sld>
+</file>
+
+<file path=ppt/slides/slide20.xml><?xml version="1.0" encoding="utf-8"?>
+<p:sld xmlns:a="http://schemas.openxmlformats.org/drawingml/2006/main" xmlns:r="http://schemas.openxmlformats.org/officeDocument/2006/relationships" xmlns:p="http://schemas.openxmlformats.org/presentationml/2006/main">
+  <p:cSld>
+    <p:spTree>
+      <p:nvGrpSpPr>
+        <p:cNvPr id="1" name=""/>
+        <p:cNvGrpSpPr/>
+        <p:nvPr/>
+      </p:nvGrpSpPr>
+      <p:grpSpPr>
+        <a:xfrm>
+          <a:off x="0" y="0"/>
+          <a:ext cx="0" cy="0"/>
+          <a:chOff x="0" y="0"/>
+          <a:chExt cx="0" cy="0"/>
+        </a:xfrm>
+      </p:grpSpPr>
+      <p:sp>
+        <p:nvSpPr>
+          <p:cNvPr id="2" name="Textplatzhalter 1"/>
+          <p:cNvSpPr>
+            <a:spLocks noGrp="1"/>
+          </p:cNvSpPr>
+          <p:nvPr>
+            <p:ph type="body" sz="quarter" idx="10"/>
+          </p:nvPr>
+        </p:nvSpPr>
+        <p:spPr/>
+        <p:txBody>
+          <a:bodyPr/>
+          <a:lstStyle/>
+          <a:p>
+            <a:r>
+              <a:rPr lang="en-US" dirty="0" smtClean="0"/>
+              <a:t>Flush memory lines from cache with </a:t>
+            </a:r>
+            <a:r>
+              <a:rPr lang="en-US" dirty="0" err="1" smtClean="0"/>
+              <a:t>clflush</a:t>
+            </a:r>
+            <a:endParaRPr lang="en-US" dirty="0" smtClean="0"/>
+          </a:p>
+          <a:p>
+            <a:r>
+              <a:rPr lang="en-US" dirty="0" smtClean="0"/>
+              <a:t>Wait for user processes</a:t>
+            </a:r>
+          </a:p>
+          <a:p>
+            <a:r>
+              <a:rPr lang="en-US" dirty="0" smtClean="0"/>
+              <a:t>Reload flushed memory lines and compare </a:t>
+            </a:r>
+            <a:r>
+              <a:rPr lang="en-US" dirty="0" err="1" smtClean="0"/>
+              <a:t>accesstime</a:t>
+            </a:r>
+            <a:r>
+              <a:rPr lang="en-US" dirty="0" smtClean="0"/>
+              <a:t> to reference value</a:t>
+            </a:r>
+          </a:p>
+          <a:p>
+            <a:r>
+              <a:rPr lang="en-US" dirty="0" smtClean="0"/>
+              <a:t>Fast access means:</a:t>
+            </a:r>
+          </a:p>
+          <a:p>
+            <a:pPr lvl="1"/>
+            <a:r>
+              <a:rPr lang="en-US" dirty="0" smtClean="0"/>
+              <a:t>Memory line has been cached</a:t>
+            </a:r>
+          </a:p>
+          <a:p>
+            <a:pPr lvl="1"/>
+            <a:r>
+              <a:rPr lang="en-US" dirty="0" smtClean="0"/>
+              <a:t>User process accessed that memory line</a:t>
+            </a:r>
+          </a:p>
+          <a:p>
+            <a:r>
+              <a:rPr lang="en-US" dirty="0" smtClean="0"/>
+              <a:t>Problem: Cache line contains multiple entries</a:t>
+            </a:r>
+            <a:r>
+              <a:rPr lang="is-IS" dirty="0" smtClean="0"/>
+              <a:t>…</a:t>
+            </a:r>
+            <a:endParaRPr lang="en-US" dirty="0" smtClean="0"/>
+          </a:p>
+        </p:txBody>
+      </p:sp>
+      <p:sp>
+        <p:nvSpPr>
+          <p:cNvPr id="3" name="Titel 2"/>
+          <p:cNvSpPr>
+            <a:spLocks noGrp="1"/>
+          </p:cNvSpPr>
+          <p:nvPr>
+            <p:ph type="title"/>
+          </p:nvPr>
+        </p:nvSpPr>
+        <p:spPr/>
+        <p:txBody>
+          <a:bodyPr/>
+          <a:lstStyle/>
+          <a:p>
+            <a:r>
+              <a:rPr lang="de-DE" dirty="0" err="1" smtClean="0"/>
+              <a:t>Flush+Reload</a:t>
+            </a:r>
+            <a:r>
+              <a:rPr lang="de-DE" dirty="0" smtClean="0"/>
+              <a:t> Cache </a:t>
+            </a:r>
+            <a:r>
+              <a:rPr lang="de-DE" dirty="0" err="1" smtClean="0"/>
+              <a:t>Attack</a:t>
+            </a:r>
+            <a:r>
+              <a:rPr lang="de-DE" dirty="0" smtClean="0"/>
+              <a:t/>
+            </a:r>
+            <a:br>
+              <a:rPr lang="de-DE" dirty="0" smtClean="0"/>
+            </a:br>
+            <a:r>
+              <a:rPr lang="de-DE" sz="2800" b="0" dirty="0" err="1" smtClean="0"/>
+              <a:t>Overview</a:t>
+            </a:r>
+            <a:r>
+              <a:rPr lang="de-DE" sz="2800" b="0" dirty="0" smtClean="0"/>
+              <a:t> I</a:t>
+            </a:r>
+            <a:endParaRPr lang="de-DE" dirty="0"/>
+          </a:p>
+        </p:txBody>
+      </p:sp>
+    </p:spTree>
+    <p:extLst>
+      <p:ext uri="{BB962C8B-B14F-4D97-AF65-F5344CB8AC3E}">
+        <p14:creationId xmlns:p14="http://schemas.microsoft.com/office/powerpoint/2010/main" val="12889323"/>
+      </p:ext>
+    </p:extLst>
+  </p:cSld>
+  <p:clrMapOvr>
+    <a:masterClrMapping/>
+  </p:clrMapOvr>
+  <p:transition/>
+  <p:timing>
+    <p:tnLst>
+      <p:par>
+        <p:cTn id="1" dur="indefinite" restart="never" nodeType="tmRoot"/>
+      </p:par>
+    </p:tnLst>
+  </p:timing>
+</p:sld>
+</file>
+
+<file path=ppt/slides/slide21.xml><?xml version="1.0" encoding="utf-8"?>
+<p:sld xmlns:a="http://schemas.openxmlformats.org/drawingml/2006/main" xmlns:r="http://schemas.openxmlformats.org/officeDocument/2006/relationships" xmlns:p="http://schemas.openxmlformats.org/presentationml/2006/main">
+  <p:cSld>
+    <p:spTree>
+      <p:nvGrpSpPr>
+        <p:cNvPr id="1" name=""/>
+        <p:cNvGrpSpPr/>
+        <p:nvPr/>
+      </p:nvGrpSpPr>
+      <p:grpSpPr>
+        <a:xfrm>
+          <a:off x="0" y="0"/>
+          <a:ext cx="0" cy="0"/>
+          <a:chOff x="0" y="0"/>
+          <a:chExt cx="0" cy="0"/>
+        </a:xfrm>
+      </p:grpSpPr>
+      <mc:AlternateContent xmlns:mc="http://schemas.openxmlformats.org/markup-compatibility/2006">
+        <mc:Choice xmlns:a14="http://schemas.microsoft.com/office/drawing/2010/main" Requires="a14">
+          <p:sp>
+            <p:nvSpPr>
+              <p:cNvPr id="2" name="Textplatzhalter 1"/>
+              <p:cNvSpPr>
+                <a:spLocks noGrp="1"/>
+              </p:cNvSpPr>
+              <p:nvPr>
+                <p:ph type="body" sz="quarter" idx="10"/>
+              </p:nvPr>
+            </p:nvSpPr>
+            <p:spPr/>
+            <p:txBody>
+              <a:bodyPr/>
+              <a:lstStyle/>
+              <a:p>
+                <a:r>
+                  <a:rPr lang="en-US" dirty="0" smtClean="0"/>
+                  <a:t>Only cache lines </a:t>
+                </a:r>
+                <a:r>
+                  <a:rPr lang="en-US" dirty="0" smtClean="0">
+                    <a:solidFill>
+                      <a:srgbClr val="FF0000"/>
+                    </a:solidFill>
+                  </a:rPr>
+                  <a:t>(with/in???) </a:t>
+                </a:r>
+                <a:r>
+                  <a:rPr lang="en-US" dirty="0" smtClean="0"/>
+                  <a:t>a specific pattern are monitored</a:t>
+                </a:r>
+              </a:p>
+              <a:p>
+                <a:pPr lvl="1"/>
+                <a:r>
+                  <a:rPr lang="en-US" dirty="0" smtClean="0"/>
+                  <a:t>Cache weakness</a:t>
+                </a:r>
+              </a:p>
+              <a:p>
+                <a:r>
+                  <a:rPr lang="en-US" dirty="0" smtClean="0"/>
+                  <a:t>Intersection: Two lookup tables yield more precise information:</a:t>
+                </a:r>
+                <a:endParaRPr lang="en-US" i="1" dirty="0" smtClean="0">
+                  <a:latin typeface="Cambria Math" charset="0"/>
+                </a:endParaRPr>
+              </a:p>
+              <a:p>
+                <a:pPr lvl="1"/>
+                <a14:m>
+                  <m:oMath xmlns:m="http://schemas.openxmlformats.org/officeDocument/2006/math">
+                    <m:sSub>
+                      <m:sSubPr>
+                        <m:ctrlPr>
+                          <a:rPr lang="en-US" i="1" smtClean="0">
+                            <a:latin typeface="Cambria Math" charset="0"/>
+                          </a:rPr>
+                        </m:ctrlPr>
+                      </m:sSubPr>
+                      <m:e>
+                        <m:r>
+                          <a:rPr lang="de-DE" b="0" i="1" smtClean="0">
+                            <a:latin typeface="Cambria Math" charset="0"/>
+                          </a:rPr>
+                          <m:t>𝑆</m:t>
+                        </m:r>
+                      </m:e>
+                      <m:sub>
+                        <m:r>
+                          <a:rPr lang="de-DE" b="0" i="1" smtClean="0">
+                            <a:latin typeface="Cambria Math" charset="0"/>
+                          </a:rPr>
+                          <m:t>1</m:t>
+                        </m:r>
+                      </m:sub>
+                    </m:sSub>
+                    <m:r>
+                      <a:rPr lang="de-DE" b="0" i="1" smtClean="0">
+                        <a:latin typeface="Cambria Math" charset="0"/>
+                      </a:rPr>
+                      <m:t>=</m:t>
+                    </m:r>
+                    <m:d>
+                      <m:dPr>
+                        <m:begChr m:val="{"/>
+                        <m:endChr m:val="}"/>
+                        <m:ctrlPr>
+                          <a:rPr lang="de-DE" b="0" i="1" smtClean="0">
+                            <a:latin typeface="Cambria Math" charset="0"/>
+                          </a:rPr>
+                        </m:ctrlPr>
+                      </m:dPr>
+                      <m:e>
+                        <m:r>
+                          <a:rPr lang="de-DE" b="0" i="1" smtClean="0">
+                            <a:latin typeface="Cambria Math" charset="0"/>
+                          </a:rPr>
+                          <m:t>0, 1, 2, 3, 4, 5, 6, 7, 8</m:t>
+                        </m:r>
+                      </m:e>
+                    </m:d>
+                  </m:oMath>
+                </a14:m>
+                <a:endParaRPr lang="de-DE" b="0" dirty="0" smtClean="0"/>
+              </a:p>
+              <a:p>
+                <a:pPr lvl="1"/>
+                <a14:m>
+                  <m:oMath xmlns:m="http://schemas.openxmlformats.org/officeDocument/2006/math">
+                    <m:sSub>
+                      <m:sSubPr>
+                        <m:ctrlPr>
+                          <a:rPr lang="en-US" i="1">
+                            <a:latin typeface="Cambria Math" charset="0"/>
+                          </a:rPr>
+                        </m:ctrlPr>
+                      </m:sSubPr>
+                      <m:e>
+                        <m:r>
+                          <a:rPr lang="de-DE" i="1">
+                            <a:latin typeface="Cambria Math" charset="0"/>
+                          </a:rPr>
+                          <m:t>𝑆</m:t>
+                        </m:r>
+                      </m:e>
+                      <m:sub>
+                        <m:r>
+                          <a:rPr lang="de-DE" b="0" i="1" smtClean="0">
+                            <a:latin typeface="Cambria Math" charset="0"/>
+                          </a:rPr>
+                          <m:t>2</m:t>
+                        </m:r>
+                      </m:sub>
+                    </m:sSub>
+                    <m:r>
+                      <a:rPr lang="de-DE" i="1">
+                        <a:latin typeface="Cambria Math" charset="0"/>
+                      </a:rPr>
+                      <m:t>=</m:t>
+                    </m:r>
+                    <m:d>
+                      <m:dPr>
+                        <m:begChr m:val="{"/>
+                        <m:endChr m:val="}"/>
+                        <m:ctrlPr>
+                          <a:rPr lang="de-DE" i="1">
+                            <a:latin typeface="Cambria Math" charset="0"/>
+                          </a:rPr>
+                        </m:ctrlPr>
+                      </m:dPr>
+                      <m:e>
+                        <m:r>
+                          <a:rPr lang="de-DE" i="1">
+                            <a:latin typeface="Cambria Math" charset="0"/>
+                          </a:rPr>
+                          <m:t>7, 8</m:t>
+                        </m:r>
+                        <m:r>
+                          <a:rPr lang="de-DE" b="0" i="1" smtClean="0">
+                            <a:latin typeface="Cambria Math" charset="0"/>
+                          </a:rPr>
+                          <m:t>, 9, 10, 11, 12, 13, 14, 15</m:t>
+                        </m:r>
+                      </m:e>
+                    </m:d>
+                  </m:oMath>
+                </a14:m>
+                <a:endParaRPr lang="de-DE" b="0" dirty="0" smtClean="0"/>
+              </a:p>
+              <a:p>
+                <a:pPr lvl="1"/>
+                <a14:m>
+                  <m:oMath xmlns:m="http://schemas.openxmlformats.org/officeDocument/2006/math">
+                    <m:r>
+                      <a:rPr lang="de-DE" i="1" smtClean="0">
+                        <a:latin typeface="Cambria Math" charset="0"/>
+                        <a:ea typeface="Cambria Math" charset="0"/>
+                        <a:cs typeface="Cambria Math" charset="0"/>
+                      </a:rPr>
+                      <m:t>⟹</m:t>
+                    </m:r>
+                    <m:d>
+                      <m:dPr>
+                        <m:begChr m:val="|"/>
+                        <m:endChr m:val="|"/>
+                        <m:ctrlPr>
+                          <a:rPr lang="hr-HR" i="1" smtClean="0">
+                            <a:latin typeface="Cambria Math" charset="0"/>
+                            <a:ea typeface="Cambria Math" charset="0"/>
+                            <a:cs typeface="Cambria Math" charset="0"/>
+                          </a:rPr>
+                        </m:ctrlPr>
+                      </m:dPr>
+                      <m:e>
+                        <m:sSub>
+                          <m:sSubPr>
+                            <m:ctrlPr>
+                              <a:rPr lang="en-US" i="1" smtClean="0">
+                                <a:latin typeface="Cambria Math" charset="0"/>
+                                <a:ea typeface="Cambria Math" charset="0"/>
+                                <a:cs typeface="Cambria Math" charset="0"/>
+                              </a:rPr>
+                            </m:ctrlPr>
+                          </m:sSubPr>
+                          <m:e>
+                            <m:r>
+                              <a:rPr lang="de-DE" b="0" i="1" smtClean="0">
+                                <a:latin typeface="Cambria Math" charset="0"/>
+                                <a:ea typeface="Cambria Math" charset="0"/>
+                                <a:cs typeface="Cambria Math" charset="0"/>
+                              </a:rPr>
+                              <m:t>𝑦</m:t>
+                            </m:r>
+                          </m:e>
+                          <m:sub>
+                            <m:r>
+                              <a:rPr lang="de-DE" b="0" i="1" smtClean="0">
+                                <a:latin typeface="Cambria Math" charset="0"/>
+                                <a:ea typeface="Cambria Math" charset="0"/>
+                                <a:cs typeface="Cambria Math" charset="0"/>
+                              </a:rPr>
+                              <m:t>𝑖</m:t>
+                            </m:r>
+                          </m:sub>
+                        </m:sSub>
+                      </m:e>
+                    </m:d>
+                    <m:r>
+                      <a:rPr lang="hr-HR" i="1" smtClean="0">
+                        <a:latin typeface="Cambria Math" charset="0"/>
+                        <a:ea typeface="Cambria Math" charset="0"/>
+                        <a:cs typeface="Cambria Math" charset="0"/>
+                      </a:rPr>
+                      <m:t>∈</m:t>
+                    </m:r>
+                    <m:sSub>
+                      <m:sSubPr>
+                        <m:ctrlPr>
+                          <a:rPr lang="en-US" i="1" smtClean="0">
+                            <a:latin typeface="Cambria Math" charset="0"/>
+                            <a:ea typeface="Cambria Math" charset="0"/>
+                            <a:cs typeface="Cambria Math" charset="0"/>
+                          </a:rPr>
+                        </m:ctrlPr>
+                      </m:sSubPr>
+                      <m:e>
+                        <m:r>
+                          <a:rPr lang="de-DE" b="0" i="1" smtClean="0">
+                            <a:latin typeface="Cambria Math" charset="0"/>
+                            <a:ea typeface="Cambria Math" charset="0"/>
+                            <a:cs typeface="Cambria Math" charset="0"/>
+                          </a:rPr>
+                          <m:t>𝑆</m:t>
+                        </m:r>
+                      </m:e>
+                      <m:sub>
+                        <m:r>
+                          <a:rPr lang="de-DE" b="0" i="1" smtClean="0">
+                            <a:latin typeface="Cambria Math" charset="0"/>
+                            <a:ea typeface="Cambria Math" charset="0"/>
+                            <a:cs typeface="Cambria Math" charset="0"/>
+                          </a:rPr>
+                          <m:t>1</m:t>
+                        </m:r>
+                      </m:sub>
+                    </m:sSub>
+                    <m:r>
+                      <a:rPr lang="en-US" i="1">
+                        <a:latin typeface="Cambria Math" charset="0"/>
+                        <a:ea typeface="Cambria Math" charset="0"/>
+                        <a:cs typeface="Cambria Math" charset="0"/>
+                      </a:rPr>
+                      <m:t>∩</m:t>
+                    </m:r>
+                    <m:sSub>
+                      <m:sSubPr>
+                        <m:ctrlPr>
+                          <a:rPr lang="en-US" i="1" smtClean="0">
+                            <a:latin typeface="Cambria Math" charset="0"/>
+                            <a:ea typeface="Cambria Math" charset="0"/>
+                            <a:cs typeface="Cambria Math" charset="0"/>
+                          </a:rPr>
+                        </m:ctrlPr>
+                      </m:sSubPr>
+                      <m:e>
+                        <m:r>
+                          <a:rPr lang="de-DE" b="0" i="1" smtClean="0">
+                            <a:latin typeface="Cambria Math" charset="0"/>
+                            <a:ea typeface="Cambria Math" charset="0"/>
+                            <a:cs typeface="Cambria Math" charset="0"/>
+                          </a:rPr>
+                          <m:t>𝑆</m:t>
+                        </m:r>
+                      </m:e>
+                      <m:sub>
+                        <m:r>
+                          <a:rPr lang="de-DE" b="0" i="1" smtClean="0">
+                            <a:latin typeface="Cambria Math" charset="0"/>
+                            <a:ea typeface="Cambria Math" charset="0"/>
+                            <a:cs typeface="Cambria Math" charset="0"/>
+                          </a:rPr>
+                          <m:t>2</m:t>
+                        </m:r>
+                      </m:sub>
+                    </m:sSub>
+                    <m:r>
+                      <a:rPr lang="de-DE" b="0" i="1" smtClean="0">
+                        <a:latin typeface="Cambria Math" charset="0"/>
+                        <a:ea typeface="Cambria Math" charset="0"/>
+                        <a:cs typeface="Cambria Math" charset="0"/>
+                      </a:rPr>
+                      <m:t>={7, 8}</m:t>
+                    </m:r>
+                  </m:oMath>
+                </a14:m>
+                <a:endParaRPr lang="en-US" dirty="0" smtClean="0"/>
+              </a:p>
+              <a:p>
+                <a:r>
+                  <a:rPr lang="en-US" dirty="0" smtClean="0"/>
+                  <a:t>Last jump: </a:t>
+                </a:r>
+                <a14:m>
+                  <m:oMath xmlns:m="http://schemas.openxmlformats.org/officeDocument/2006/math">
+                    <m:d>
+                      <m:dPr>
+                        <m:begChr m:val="{"/>
+                        <m:endChr m:val="}"/>
+                        <m:ctrlPr>
+                          <a:rPr lang="de-DE" i="1">
+                            <a:latin typeface="Cambria Math" charset="0"/>
+                          </a:rPr>
+                        </m:ctrlPr>
+                      </m:dPr>
+                      <m:e>
+                        <m:r>
+                          <a:rPr lang="de-DE" i="1">
+                            <a:latin typeface="Cambria Math" charset="0"/>
+                          </a:rPr>
+                          <m:t>5, 6, 7, 8</m:t>
+                        </m:r>
+                        <m:r>
+                          <a:rPr lang="de-DE" b="0" i="1" smtClean="0">
+                            <a:latin typeface="Cambria Math" charset="0"/>
+                          </a:rPr>
+                          <m:t>, 9</m:t>
+                        </m:r>
+                      </m:e>
+                    </m:d>
+                  </m:oMath>
+                </a14:m>
+                <a:r>
+                  <a:rPr lang="en-US" dirty="0" smtClean="0"/>
+                  <a:t> is divided over two cache lines</a:t>
+                </a:r>
+              </a:p>
+              <a:p>
+                <a:pPr lvl="1"/>
+                <a14:m>
+                  <m:oMath xmlns:m="http://schemas.openxmlformats.org/officeDocument/2006/math">
+                    <m:sSub>
+                      <m:sSubPr>
+                        <m:ctrlPr>
+                          <a:rPr lang="en-US" i="1" smtClean="0">
+                            <a:latin typeface="Cambria Math" charset="0"/>
+                          </a:rPr>
+                        </m:ctrlPr>
+                      </m:sSubPr>
+                      <m:e>
+                        <m:r>
+                          <a:rPr lang="de-DE" b="0" i="1" smtClean="0">
+                            <a:latin typeface="Cambria Math" charset="0"/>
+                          </a:rPr>
+                          <m:t>𝑇</m:t>
+                        </m:r>
+                      </m:e>
+                      <m:sub>
+                        <m:r>
+                          <a:rPr lang="de-DE" b="0" i="1" smtClean="0">
+                            <a:latin typeface="Cambria Math" charset="0"/>
+                          </a:rPr>
+                          <m:t>1</m:t>
+                        </m:r>
+                      </m:sub>
+                    </m:sSub>
+                    <m:r>
+                      <a:rPr lang="de-DE" b="0" i="1" smtClean="0">
+                        <a:latin typeface="Cambria Math" charset="0"/>
+                      </a:rPr>
+                      <m:t>=</m:t>
+                    </m:r>
+                    <m:d>
+                      <m:dPr>
+                        <m:begChr m:val="{"/>
+                        <m:endChr m:val="}"/>
+                        <m:ctrlPr>
+                          <a:rPr lang="de-DE" i="1">
+                            <a:latin typeface="Cambria Math" charset="0"/>
+                          </a:rPr>
+                        </m:ctrlPr>
+                      </m:dPr>
+                      <m:e>
+                        <m:r>
+                          <a:rPr lang="de-DE" i="1">
+                            <a:latin typeface="Cambria Math" charset="0"/>
+                          </a:rPr>
+                          <m:t>0, 1, 2, 3, 4, 5, 6, 7</m:t>
+                        </m:r>
+                      </m:e>
+                    </m:d>
+                  </m:oMath>
+                </a14:m>
+                <a:endParaRPr lang="en-US" dirty="0" smtClean="0"/>
+              </a:p>
+              <a:p>
+                <a:pPr lvl="1"/>
+                <a14:m>
+                  <m:oMath xmlns:m="http://schemas.openxmlformats.org/officeDocument/2006/math">
+                    <m:sSub>
+                      <m:sSubPr>
+                        <m:ctrlPr>
+                          <a:rPr lang="en-US" i="1">
+                            <a:latin typeface="Cambria Math" charset="0"/>
+                          </a:rPr>
+                        </m:ctrlPr>
+                      </m:sSubPr>
+                      <m:e>
+                        <m:r>
+                          <a:rPr lang="de-DE" i="1">
+                            <a:latin typeface="Cambria Math" charset="0"/>
+                          </a:rPr>
+                          <m:t>𝑇</m:t>
+                        </m:r>
+                      </m:e>
+                      <m:sub>
+                        <m:r>
+                          <a:rPr lang="de-DE" b="0" i="1" smtClean="0">
+                            <a:latin typeface="Cambria Math" charset="0"/>
+                          </a:rPr>
+                          <m:t>2</m:t>
+                        </m:r>
+                      </m:sub>
+                    </m:sSub>
+                    <m:r>
+                      <a:rPr lang="de-DE" i="1">
+                        <a:latin typeface="Cambria Math" charset="0"/>
+                      </a:rPr>
+                      <m:t>=</m:t>
+                    </m:r>
+                    <m:d>
+                      <m:dPr>
+                        <m:begChr m:val="{"/>
+                        <m:endChr m:val="}"/>
+                        <m:ctrlPr>
+                          <a:rPr lang="de-DE" i="1">
+                            <a:latin typeface="Cambria Math" charset="0"/>
+                          </a:rPr>
+                        </m:ctrlPr>
+                      </m:dPr>
+                      <m:e>
+                        <m:r>
+                          <a:rPr lang="de-DE" b="0" i="1" smtClean="0">
+                            <a:latin typeface="Cambria Math" charset="0"/>
+                          </a:rPr>
+                          <m:t>8, 9, 10, 11, 12, 13, 14, 15</m:t>
+                        </m:r>
+                      </m:e>
+                    </m:d>
+                  </m:oMath>
+                </a14:m>
+                <a:endParaRPr lang="en-US" dirty="0" smtClean="0"/>
+              </a:p>
+              <a:p>
+                <a:pPr lvl="1"/>
+                <a:r>
+                  <a:rPr lang="en-US" dirty="0" smtClean="0"/>
+                  <a:t>Binary search will always access </a:t>
+                </a:r>
+                <a14:m>
+                  <m:oMath xmlns:m="http://schemas.openxmlformats.org/officeDocument/2006/math">
+                    <m:sSub>
+                      <m:sSubPr>
+                        <m:ctrlPr>
+                          <a:rPr lang="en-US" i="1">
+                            <a:latin typeface="Cambria Math" charset="0"/>
+                          </a:rPr>
+                        </m:ctrlPr>
+                      </m:sSubPr>
+                      <m:e>
+                        <m:r>
+                          <a:rPr lang="de-DE" i="1">
+                            <a:latin typeface="Cambria Math" charset="0"/>
+                          </a:rPr>
+                          <m:t>𝑇</m:t>
+                        </m:r>
+                      </m:e>
+                      <m:sub>
+                        <m:r>
+                          <a:rPr lang="de-DE" i="1">
+                            <a:latin typeface="Cambria Math" charset="0"/>
+                          </a:rPr>
+                          <m:t>1</m:t>
+                        </m:r>
+                      </m:sub>
+                    </m:sSub>
+                  </m:oMath>
+                </a14:m>
+                <a:r>
+                  <a:rPr lang="en-US" dirty="0" smtClean="0"/>
+                  <a:t>, but </a:t>
+                </a:r>
+                <a14:m>
+                  <m:oMath xmlns:m="http://schemas.openxmlformats.org/officeDocument/2006/math">
+                    <m:sSub>
+                      <m:sSubPr>
+                        <m:ctrlPr>
+                          <a:rPr lang="en-US" i="1">
+                            <a:latin typeface="Cambria Math" charset="0"/>
+                          </a:rPr>
+                        </m:ctrlPr>
+                      </m:sSubPr>
+                      <m:e>
+                        <m:r>
+                          <a:rPr lang="de-DE" i="1">
+                            <a:latin typeface="Cambria Math" charset="0"/>
+                          </a:rPr>
+                          <m:t>𝑇</m:t>
+                        </m:r>
+                      </m:e>
+                      <m:sub>
+                        <m:r>
+                          <a:rPr lang="de-DE" b="0" i="1" smtClean="0">
+                            <a:latin typeface="Cambria Math" charset="0"/>
+                          </a:rPr>
+                          <m:t>2</m:t>
+                        </m:r>
+                      </m:sub>
+                    </m:sSub>
+                  </m:oMath>
+                </a14:m>
+                <a:r>
+                  <a:rPr lang="en-US" dirty="0" smtClean="0"/>
+                  <a:t> only if </a:t>
+                </a:r>
+                <a14:m>
+                  <m:oMath xmlns:m="http://schemas.openxmlformats.org/officeDocument/2006/math">
+                    <m:d>
+                      <m:dPr>
+                        <m:begChr m:val="|"/>
+                        <m:endChr m:val="|"/>
+                        <m:ctrlPr>
+                          <a:rPr lang="hr-HR" i="1">
+                            <a:latin typeface="Cambria Math" charset="0"/>
+                            <a:ea typeface="Cambria Math" charset="0"/>
+                            <a:cs typeface="Cambria Math" charset="0"/>
+                          </a:rPr>
+                        </m:ctrlPr>
+                      </m:dPr>
+                      <m:e>
+                        <m:sSub>
+                          <m:sSubPr>
+                            <m:ctrlPr>
+                              <a:rPr lang="en-US" i="1">
+                                <a:latin typeface="Cambria Math" charset="0"/>
+                                <a:ea typeface="Cambria Math" charset="0"/>
+                                <a:cs typeface="Cambria Math" charset="0"/>
+                              </a:rPr>
+                            </m:ctrlPr>
+                          </m:sSubPr>
+                          <m:e>
+                            <m:r>
+                              <a:rPr lang="de-DE" i="1">
+                                <a:latin typeface="Cambria Math" charset="0"/>
+                                <a:ea typeface="Cambria Math" charset="0"/>
+                                <a:cs typeface="Cambria Math" charset="0"/>
+                              </a:rPr>
+                              <m:t>𝑦</m:t>
+                            </m:r>
+                          </m:e>
+                          <m:sub>
+                            <m:r>
+                              <a:rPr lang="de-DE" i="1">
+                                <a:latin typeface="Cambria Math" charset="0"/>
+                                <a:ea typeface="Cambria Math" charset="0"/>
+                                <a:cs typeface="Cambria Math" charset="0"/>
+                              </a:rPr>
+                              <m:t>𝑖</m:t>
+                            </m:r>
+                          </m:sub>
+                        </m:sSub>
+                      </m:e>
+                    </m:d>
+                    <m:r>
+                      <a:rPr lang="de-DE" i="1">
+                        <a:latin typeface="Cambria Math" charset="0"/>
+                        <a:ea typeface="Cambria Math" charset="0"/>
+                        <a:cs typeface="Cambria Math" charset="0"/>
+                      </a:rPr>
+                      <m:t>∈</m:t>
+                    </m:r>
+                    <m:r>
+                      <a:rPr lang="de-DE" b="0" i="1" smtClean="0">
+                        <a:latin typeface="Cambria Math" charset="0"/>
+                        <a:ea typeface="Cambria Math" charset="0"/>
+                        <a:cs typeface="Cambria Math" charset="0"/>
+                      </a:rPr>
+                      <m:t>𝑆</m:t>
+                    </m:r>
+                    <m:r>
+                      <a:rPr lang="de-DE" b="0" i="1" smtClean="0">
+                        <a:latin typeface="Cambria Math" charset="0"/>
+                        <a:ea typeface="Cambria Math" charset="0"/>
+                        <a:cs typeface="Cambria Math" charset="0"/>
+                      </a:rPr>
+                      <m:t>={8, 9}</m:t>
+                    </m:r>
+                  </m:oMath>
+                </a14:m>
+                <a:endParaRPr lang="en-US" dirty="0" smtClean="0"/>
+              </a:p>
+            </p:txBody>
+          </p:sp>
+        </mc:Choice>
+        <mc:Fallback>
+          <p:sp>
+            <p:nvSpPr>
+              <p:cNvPr id="2" name="Textplatzhalter 1"/>
+              <p:cNvSpPr>
+                <a:spLocks noGrp="1" noRot="1" noChangeAspect="1" noMove="1" noResize="1" noEditPoints="1" noAdjustHandles="1" noChangeArrowheads="1" noChangeShapeType="1" noTextEdit="1"/>
+              </p:cNvSpPr>
+              <p:nvPr>
+                <p:ph type="body" sz="quarter" idx="10"/>
+              </p:nvPr>
+            </p:nvSpPr>
+            <p:spPr>
+              <a:blipFill rotWithShape="0">
+                <a:blip r:embed="rId2"/>
+                <a:stretch>
+                  <a:fillRect l="-944" t="-779" r="-472"/>
+                </a:stretch>
+              </a:blipFill>
+            </p:spPr>
+            <p:txBody>
+              <a:bodyPr/>
+              <a:lstStyle/>
+              <a:p>
+                <a:r>
+                  <a:rPr lang="de-DE">
+                    <a:noFill/>
+                  </a:rPr>
+                  <a:t> </a:t>
+                </a:r>
+              </a:p>
+            </p:txBody>
+          </p:sp>
+        </mc:Fallback>
+      </mc:AlternateContent>
+      <p:sp>
+        <p:nvSpPr>
+          <p:cNvPr id="3" name="Titel 2"/>
+          <p:cNvSpPr>
+            <a:spLocks noGrp="1"/>
+          </p:cNvSpPr>
+          <p:nvPr>
+            <p:ph type="title"/>
+          </p:nvPr>
+        </p:nvSpPr>
+        <p:spPr/>
+        <p:txBody>
+          <a:bodyPr/>
+          <a:lstStyle/>
+          <a:p>
+            <a:r>
+              <a:rPr lang="de-DE" dirty="0" err="1" smtClean="0"/>
+              <a:t>Flush+Reload</a:t>
+            </a:r>
+            <a:r>
+              <a:rPr lang="de-DE" dirty="0" smtClean="0"/>
+              <a:t> Cache </a:t>
+            </a:r>
+            <a:r>
+              <a:rPr lang="de-DE" dirty="0" err="1" smtClean="0"/>
+              <a:t>Attack</a:t>
+            </a:r>
+            <a:r>
+              <a:rPr lang="de-DE" dirty="0" smtClean="0"/>
+              <a:t/>
+            </a:r>
+            <a:br>
+              <a:rPr lang="de-DE" dirty="0" smtClean="0"/>
+            </a:br>
+            <a:r>
+              <a:rPr lang="de-DE" sz="2800" b="0" dirty="0" err="1" smtClean="0"/>
+              <a:t>Overview</a:t>
+            </a:r>
+            <a:r>
+              <a:rPr lang="de-DE" sz="2800" b="0" dirty="0" smtClean="0"/>
+              <a:t> II</a:t>
+            </a:r>
+            <a:endParaRPr lang="de-DE" dirty="0"/>
+          </a:p>
+        </p:txBody>
+      </p:sp>
+    </p:spTree>
+    <p:extLst>
+      <p:ext uri="{BB962C8B-B14F-4D97-AF65-F5344CB8AC3E}">
+        <p14:creationId xmlns:p14="http://schemas.microsoft.com/office/powerpoint/2010/main" val="494747498"/>
+      </p:ext>
+    </p:extLst>
+  </p:cSld>
+  <p:clrMapOvr>
+    <a:masterClrMapping/>
+  </p:clrMapOvr>
+  <p:transition/>
+  <p:timing>
+    <p:tnLst>
+      <p:par>
+        <p:cTn id="1" dur="indefinite" restart="never" nodeType="tmRoot"/>
+      </p:par>
+    </p:tnLst>
+  </p:timing>
+</p:sld>
+</file>
+
+<file path=ppt/slides/slide22.xml><?xml version="1.0" encoding="utf-8"?>
+<p:sld xmlns:a="http://schemas.openxmlformats.org/drawingml/2006/main" xmlns:r="http://schemas.openxmlformats.org/officeDocument/2006/relationships" xmlns:p="http://schemas.openxmlformats.org/presentationml/2006/main">
+  <p:cSld>
+    <p:spTree>
+      <p:nvGrpSpPr>
+        <p:cNvPr id="1" name=""/>
+        <p:cNvGrpSpPr/>
+        <p:nvPr/>
+      </p:nvGrpSpPr>
+      <p:grpSpPr>
+        <a:xfrm>
+          <a:off x="0" y="0"/>
+          <a:ext cx="0" cy="0"/>
+          <a:chOff x="0" y="0"/>
+          <a:chExt cx="0" cy="0"/>
+        </a:xfrm>
+      </p:grpSpPr>
+      <p:sp>
+        <p:nvSpPr>
+          <p:cNvPr id="2" name="Textplatzhalter 1"/>
+          <p:cNvSpPr>
+            <a:spLocks noGrp="1"/>
+          </p:cNvSpPr>
+          <p:nvPr>
+            <p:ph type="body" sz="quarter" idx="10"/>
+          </p:nvPr>
+        </p:nvSpPr>
+        <p:spPr/>
+        <p:txBody>
+          <a:bodyPr numCol="2"/>
+          <a:lstStyle/>
+          <a:p>
+            <a:pPr marL="0" indent="0">
+              <a:buNone/>
+            </a:pPr>
+            <a:endParaRPr lang="de-DE" dirty="0"/>
+          </a:p>
+        </p:txBody>
+      </p:sp>
+      <p:sp>
+        <p:nvSpPr>
+          <p:cNvPr id="3" name="Titel 2"/>
+          <p:cNvSpPr>
+            <a:spLocks noGrp="1"/>
+          </p:cNvSpPr>
+          <p:nvPr>
+            <p:ph type="title"/>
+          </p:nvPr>
+        </p:nvSpPr>
+        <p:spPr/>
+        <p:txBody>
+          <a:bodyPr/>
+          <a:lstStyle/>
+          <a:p>
+            <a:r>
+              <a:rPr lang="de-DE" dirty="0" err="1"/>
+              <a:t>Flush+Reload</a:t>
+            </a:r>
+            <a:r>
+              <a:rPr lang="de-DE" dirty="0"/>
+              <a:t> Cache </a:t>
+            </a:r>
+            <a:r>
+              <a:rPr lang="de-DE" dirty="0" err="1"/>
+              <a:t>Attack</a:t>
+            </a:r>
+            <a:r>
+              <a:rPr lang="de-DE" dirty="0"/>
+              <a:t/>
+            </a:r>
+            <a:br>
+              <a:rPr lang="de-DE" dirty="0"/>
+            </a:br>
+            <a:r>
+              <a:rPr lang="de-DE" sz="2800" b="0" dirty="0" smtClean="0"/>
+              <a:t>on CDT </a:t>
+            </a:r>
+            <a:r>
+              <a:rPr lang="de-DE" sz="2800" b="0" dirty="0" err="1" smtClean="0"/>
+              <a:t>sampling</a:t>
+            </a:r>
+            <a:endParaRPr lang="de-DE" dirty="0"/>
+          </a:p>
+        </p:txBody>
+      </p:sp>
+      <mc:AlternateContent xmlns:mc="http://schemas.openxmlformats.org/markup-compatibility/2006">
+        <mc:Choice xmlns:a14="http://schemas.microsoft.com/office/drawing/2010/main" Requires="a14">
+          <p:graphicFrame>
+            <p:nvGraphicFramePr>
+              <p:cNvPr id="4" name="Tabelle 3"/>
+              <p:cNvGraphicFramePr>
+                <a:graphicFrameLocks noGrp="1"/>
+              </p:cNvGraphicFramePr>
+              <p:nvPr>
+                <p:extLst>
+                  <p:ext uri="{D42A27DB-BD31-4B8C-83A1-F6EECF244321}">
+                    <p14:modId xmlns:p14="http://schemas.microsoft.com/office/powerpoint/2010/main" val="1392342928"/>
+                  </p:ext>
+                </p:extLst>
+              </p:nvPr>
+            </p:nvGraphicFramePr>
+            <p:xfrm>
+              <a:off x="358775" y="1310326"/>
+              <a:ext cx="8400522" cy="2206007"/>
+            </p:xfrm>
+            <a:graphic>
+              <a:graphicData uri="http://schemas.openxmlformats.org/drawingml/2006/table">
+                <a:tbl>
+                  <a:tblPr firstRow="1" bandRow="1">
+                    <a:tableStyleId>{7E9639D4-E3E2-4D34-9284-5A2195B3D0D7}</a:tableStyleId>
+                  </a:tblPr>
+                  <a:tblGrid>
+                    <a:gridCol w="4200261"/>
+                    <a:gridCol w="4200261"/>
+                  </a:tblGrid>
+                  <a:tr h="585267">
+                    <a:tc>
+                      <a:txBody>
+                        <a:bodyPr/>
+                        <a:lstStyle/>
+                        <a:p>
+                          <a:r>
+                            <a:rPr lang="de-DE" sz="2400" dirty="0" err="1" smtClean="0">
+                              <a:latin typeface="Arial" charset="0"/>
+                              <a:ea typeface="Arial" charset="0"/>
+                              <a:cs typeface="Arial" charset="0"/>
+                            </a:rPr>
+                            <a:t>Perfect</a:t>
+                          </a:r>
+                          <a:r>
+                            <a:rPr lang="de-DE" sz="2400" dirty="0" smtClean="0">
+                              <a:latin typeface="Arial" charset="0"/>
+                              <a:ea typeface="Arial" charset="0"/>
+                              <a:cs typeface="Arial" charset="0"/>
+                            </a:rPr>
+                            <a:t> Side</a:t>
+                          </a:r>
+                          <a:r>
+                            <a:rPr lang="de-DE" sz="2400" baseline="0" dirty="0" smtClean="0">
+                              <a:latin typeface="Arial" charset="0"/>
+                              <a:ea typeface="Arial" charset="0"/>
+                              <a:cs typeface="Arial" charset="0"/>
+                            </a:rPr>
+                            <a:t>-Channel</a:t>
+                          </a:r>
+                          <a:endParaRPr lang="de-DE" sz="2400" dirty="0">
+                            <a:latin typeface="Arial" charset="0"/>
+                            <a:ea typeface="Arial" charset="0"/>
+                            <a:cs typeface="Arial" charset="0"/>
+                          </a:endParaRPr>
+                        </a:p>
+                      </a:txBody>
+                      <a:tcPr/>
+                    </a:tc>
+                    <a:tc>
+                      <a:txBody>
+                        <a:bodyPr/>
+                        <a:lstStyle/>
+                        <a:p>
+                          <a:r>
+                            <a:rPr lang="de-DE" sz="2400" dirty="0" smtClean="0">
+                              <a:latin typeface="Arial" charset="0"/>
+                              <a:ea typeface="Arial" charset="0"/>
+                              <a:cs typeface="Arial" charset="0"/>
+                            </a:rPr>
+                            <a:t>i5-3470</a:t>
+                          </a:r>
+                          <a:endParaRPr lang="de-DE" sz="2400" dirty="0">
+                            <a:latin typeface="Arial" charset="0"/>
+                            <a:ea typeface="Arial" charset="0"/>
+                            <a:cs typeface="Arial" charset="0"/>
+                          </a:endParaRPr>
+                        </a:p>
+                      </a:txBody>
+                      <a:tcPr/>
+                    </a:tc>
+                  </a:tr>
+                  <a:tr h="585267">
+                    <a:tc>
+                      <a:txBody>
+                        <a:bodyPr/>
+                        <a:lstStyle/>
+                        <a:p>
+                          <a:r>
+                            <a:rPr lang="de-DE" sz="2400" dirty="0" smtClean="0">
+                              <a:latin typeface="Arial" charset="0"/>
+                              <a:ea typeface="Arial" charset="0"/>
+                              <a:cs typeface="Arial" charset="0"/>
+                            </a:rPr>
+                            <a:t>8 </a:t>
+                          </a:r>
+                          <a:r>
+                            <a:rPr lang="de-DE" sz="2400" dirty="0" err="1" smtClean="0">
+                              <a:latin typeface="Arial" charset="0"/>
+                              <a:ea typeface="Arial" charset="0"/>
+                              <a:cs typeface="Arial" charset="0"/>
+                            </a:rPr>
+                            <a:t>cache</a:t>
+                          </a:r>
+                          <a:r>
+                            <a:rPr lang="de-DE" sz="2400" baseline="0" dirty="0" smtClean="0">
+                              <a:latin typeface="Arial" charset="0"/>
+                              <a:ea typeface="Arial" charset="0"/>
+                              <a:cs typeface="Arial" charset="0"/>
+                            </a:rPr>
+                            <a:t> </a:t>
+                          </a:r>
+                          <a:r>
+                            <a:rPr lang="de-DE" sz="2400" baseline="0" dirty="0" err="1" smtClean="0">
+                              <a:latin typeface="Arial" charset="0"/>
+                              <a:ea typeface="Arial" charset="0"/>
+                              <a:cs typeface="Arial" charset="0"/>
+                            </a:rPr>
+                            <a:t>weaknesses</a:t>
+                          </a:r>
+                          <a:endParaRPr lang="de-DE" sz="2400" dirty="0">
+                            <a:latin typeface="Arial" charset="0"/>
+                            <a:ea typeface="Arial" charset="0"/>
+                            <a:cs typeface="Arial" charset="0"/>
+                          </a:endParaRPr>
+                        </a:p>
+                      </a:txBody>
+                      <a:tcPr>
+                        <a:lnR w="12700" cap="flat" cmpd="sng" algn="ctr">
+                          <a:solidFill>
+                            <a:schemeClr val="tx1"/>
+                          </a:solidFill>
+                          <a:prstDash val="solid"/>
+                          <a:round/>
+                          <a:headEnd type="none" w="med" len="med"/>
+                          <a:tailEnd type="none" w="med" len="med"/>
+                        </a:lnR>
+                      </a:tcPr>
+                    </a:tc>
+                    <a:tc>
+                      <a:txBody>
+                        <a:bodyPr/>
+                        <a:lstStyle/>
+                        <a:p>
+                          <a:r>
+                            <a:rPr lang="de-DE" sz="2400" dirty="0" smtClean="0">
+                              <a:latin typeface="Arial" charset="0"/>
+                              <a:ea typeface="Arial" charset="0"/>
+                              <a:cs typeface="Arial" charset="0"/>
+                            </a:rPr>
+                            <a:t>1 </a:t>
+                          </a:r>
+                          <a:r>
+                            <a:rPr lang="de-DE" sz="2400" dirty="0" err="1" smtClean="0">
+                              <a:latin typeface="Arial" charset="0"/>
+                              <a:ea typeface="Arial" charset="0"/>
+                              <a:cs typeface="Arial" charset="0"/>
+                            </a:rPr>
+                            <a:t>cache</a:t>
+                          </a:r>
+                          <a:r>
+                            <a:rPr lang="de-DE" sz="2400" dirty="0" smtClean="0">
+                              <a:latin typeface="Arial" charset="0"/>
+                              <a:ea typeface="Arial" charset="0"/>
+                              <a:cs typeface="Arial" charset="0"/>
+                            </a:rPr>
+                            <a:t> </a:t>
+                          </a:r>
+                          <a:r>
+                            <a:rPr lang="de-DE" sz="2400" dirty="0" err="1" smtClean="0">
+                              <a:latin typeface="Arial" charset="0"/>
+                              <a:ea typeface="Arial" charset="0"/>
+                              <a:cs typeface="Arial" charset="0"/>
+                            </a:rPr>
+                            <a:t>weakness</a:t>
+                          </a:r>
+                          <a:endParaRPr lang="de-DE" sz="2400" dirty="0">
+                            <a:latin typeface="Arial" charset="0"/>
+                            <a:ea typeface="Arial" charset="0"/>
+                            <a:cs typeface="Arial" charset="0"/>
+                          </a:endParaRPr>
+                        </a:p>
+                      </a:txBody>
+                      <a:tcPr>
+                        <a:lnL w="12700" cap="flat" cmpd="sng" algn="ctr">
+                          <a:solidFill>
+                            <a:schemeClr val="tx1"/>
+                          </a:solidFill>
+                          <a:prstDash val="solid"/>
+                          <a:round/>
+                          <a:headEnd type="none" w="med" len="med"/>
+                          <a:tailEnd type="none" w="med" len="med"/>
+                        </a:lnL>
+                      </a:tcPr>
+                    </a:tc>
+                  </a:tr>
+                  <a:tr h="1035473">
+                    <a:tc>
+                      <a:txBody>
+                        <a:bodyPr/>
+                        <a:lstStyle/>
+                        <a:p>
+                          <a:r>
+                            <a:rPr lang="de-DE" sz="2400" dirty="0" smtClean="0">
+                              <a:latin typeface="Arial" charset="0"/>
+                              <a:ea typeface="Arial" charset="0"/>
+                              <a:cs typeface="Arial" charset="0"/>
+                            </a:rPr>
+                            <a:t>Success rate </a:t>
+                          </a:r>
+                          <a:r>
+                            <a:rPr lang="de-DE" sz="2400" dirty="0" err="1" smtClean="0">
+                              <a:latin typeface="Arial" charset="0"/>
+                              <a:ea typeface="Arial" charset="0"/>
+                              <a:cs typeface="Arial" charset="0"/>
+                            </a:rPr>
+                            <a:t>rises</a:t>
+                          </a:r>
+                          <a:r>
+                            <a:rPr lang="de-DE" sz="2400" dirty="0" smtClean="0">
+                              <a:latin typeface="Arial" charset="0"/>
+                              <a:ea typeface="Arial" charset="0"/>
+                              <a:cs typeface="Arial" charset="0"/>
+                            </a:rPr>
+                            <a:t> </a:t>
+                          </a:r>
+                          <a:r>
+                            <a:rPr lang="de-DE" sz="2400" dirty="0" err="1" smtClean="0">
+                              <a:latin typeface="Arial" charset="0"/>
+                              <a:ea typeface="Arial" charset="0"/>
+                              <a:cs typeface="Arial" charset="0"/>
+                            </a:rPr>
+                            <a:t>with</a:t>
+                          </a:r>
+                          <a:r>
+                            <a:rPr lang="de-DE" sz="2400" dirty="0" smtClean="0">
+                              <a:latin typeface="Arial" charset="0"/>
+                              <a:ea typeface="Arial" charset="0"/>
+                              <a:cs typeface="Arial" charset="0"/>
+                            </a:rPr>
+                            <a:t> </a:t>
+                          </a:r>
+                          <a:r>
+                            <a:rPr lang="de-DE" sz="2400" dirty="0" err="1" smtClean="0">
+                              <a:latin typeface="Arial" charset="0"/>
+                              <a:ea typeface="Arial" charset="0"/>
+                              <a:cs typeface="Arial" charset="0"/>
+                            </a:rPr>
+                            <a:t>number</a:t>
+                          </a:r>
+                          <a:r>
+                            <a:rPr lang="de-DE" sz="2400" dirty="0" smtClean="0">
+                              <a:latin typeface="Arial" charset="0"/>
+                              <a:ea typeface="Arial" charset="0"/>
+                              <a:cs typeface="Arial" charset="0"/>
+                            </a:rPr>
+                            <a:t> </a:t>
+                          </a:r>
+                          <a:r>
+                            <a:rPr lang="de-DE" sz="2400" dirty="0" err="1" smtClean="0">
+                              <a:latin typeface="Arial" charset="0"/>
+                              <a:ea typeface="Arial" charset="0"/>
+                              <a:cs typeface="Arial" charset="0"/>
+                            </a:rPr>
+                            <a:t>of</a:t>
+                          </a:r>
+                          <a:r>
+                            <a:rPr lang="de-DE" sz="2400" dirty="0" smtClean="0">
+                              <a:latin typeface="Arial" charset="0"/>
+                              <a:ea typeface="Arial" charset="0"/>
+                              <a:cs typeface="Arial" charset="0"/>
+                            </a:rPr>
+                            <a:t> </a:t>
+                          </a:r>
+                          <a:r>
+                            <a:rPr lang="de-DE" sz="2400" dirty="0" err="1" smtClean="0">
+                              <a:latin typeface="Arial" charset="0"/>
+                              <a:ea typeface="Arial" charset="0"/>
+                              <a:cs typeface="Arial" charset="0"/>
+                            </a:rPr>
+                            <a:t>samples</a:t>
+                          </a:r>
+                          <a:r>
+                            <a:rPr lang="de-DE" sz="2400" dirty="0" smtClean="0">
+                              <a:latin typeface="Arial" charset="0"/>
+                              <a:ea typeface="Arial" charset="0"/>
+                              <a:cs typeface="Arial" charset="0"/>
+                            </a:rPr>
+                            <a:t> </a:t>
+                          </a:r>
+                          <a14:m>
+                            <m:oMath xmlns:m="http://schemas.openxmlformats.org/officeDocument/2006/math">
+                              <m:r>
+                                <a:rPr lang="de-DE" sz="2400" smtClean="0">
+                                  <a:latin typeface="Arial" charset="0"/>
+                                  <a:ea typeface="Arial" charset="0"/>
+                                  <a:cs typeface="Arial" charset="0"/>
+                                </a:rPr>
+                                <m:t>𝑁</m:t>
+                              </m:r>
+                            </m:oMath>
+                          </a14:m>
+                          <a:endParaRPr lang="de-DE" sz="2400" dirty="0">
+                            <a:latin typeface="Arial" charset="0"/>
+                            <a:ea typeface="Arial" charset="0"/>
+                            <a:cs typeface="Arial" charset="0"/>
+                          </a:endParaRPr>
+                        </a:p>
+                      </a:txBody>
+                      <a:tcPr>
+                        <a:lnR w="12700" cap="flat" cmpd="sng" algn="ctr">
+                          <a:solidFill>
+                            <a:schemeClr val="tx1"/>
+                          </a:solidFill>
+                          <a:prstDash val="solid"/>
+                          <a:round/>
+                          <a:headEnd type="none" w="med" len="med"/>
+                          <a:tailEnd type="none" w="med" len="med"/>
+                        </a:lnR>
+                      </a:tcPr>
+                    </a:tc>
+                    <a:tc>
+                      <a:txBody>
+                        <a:bodyPr/>
+                        <a:lstStyle/>
+                        <a:p>
+                          <a:r>
+                            <a:rPr lang="de-DE" sz="2400" dirty="0" err="1" smtClean="0">
+                              <a:latin typeface="Arial" charset="0"/>
+                              <a:ea typeface="Arial" charset="0"/>
+                              <a:cs typeface="Arial" charset="0"/>
+                            </a:rPr>
+                            <a:t>Success</a:t>
+                          </a:r>
+                          <a:r>
+                            <a:rPr lang="de-DE" sz="2400" dirty="0" smtClean="0">
+                              <a:latin typeface="Arial" charset="0"/>
+                              <a:ea typeface="Arial" charset="0"/>
+                              <a:cs typeface="Arial" charset="0"/>
+                            </a:rPr>
+                            <a:t>: 46/50 </a:t>
+                          </a:r>
+                          <a:r>
+                            <a:rPr lang="de-DE" sz="2400" dirty="0" err="1" smtClean="0">
+                              <a:latin typeface="Arial" charset="0"/>
+                              <a:ea typeface="Arial" charset="0"/>
+                              <a:cs typeface="Arial" charset="0"/>
+                            </a:rPr>
+                            <a:t>tries</a:t>
+                          </a:r>
+                          <a:endParaRPr lang="de-DE" sz="2400" dirty="0" smtClean="0">
+                            <a:latin typeface="Arial" charset="0"/>
+                            <a:ea typeface="Arial" charset="0"/>
+                            <a:cs typeface="Arial" charset="0"/>
+                          </a:endParaRPr>
+                        </a:p>
+                        <a:p>
+                          <a:r>
+                            <a:rPr lang="de-DE" sz="2400" dirty="0" err="1" smtClean="0">
+                              <a:latin typeface="Arial" charset="0"/>
+                              <a:ea typeface="Arial" charset="0"/>
+                              <a:cs typeface="Arial" charset="0"/>
+                            </a:rPr>
+                            <a:t>Signatures</a:t>
+                          </a:r>
+                          <a:r>
+                            <a:rPr lang="de-DE" sz="2400" baseline="0" dirty="0" smtClean="0">
+                              <a:latin typeface="Arial" charset="0"/>
+                              <a:ea typeface="Arial" charset="0"/>
+                              <a:cs typeface="Arial" charset="0"/>
+                            </a:rPr>
+                            <a:t> </a:t>
+                          </a:r>
+                          <a:r>
+                            <a:rPr lang="de-DE" sz="2400" baseline="0" dirty="0" err="1" smtClean="0">
+                              <a:latin typeface="Arial" charset="0"/>
+                              <a:ea typeface="Arial" charset="0"/>
+                              <a:cs typeface="Arial" charset="0"/>
+                            </a:rPr>
+                            <a:t>needed</a:t>
+                          </a:r>
+                          <a:r>
+                            <a:rPr lang="de-DE" sz="2400" baseline="0" dirty="0" smtClean="0">
+                              <a:latin typeface="Arial" charset="0"/>
+                              <a:ea typeface="Arial" charset="0"/>
+                              <a:cs typeface="Arial" charset="0"/>
+                            </a:rPr>
+                            <a:t>: </a:t>
+                          </a:r>
+                          <a:r>
+                            <a:rPr lang="de-DE" sz="2400" baseline="0" dirty="0" smtClean="0">
+                              <a:latin typeface="Arial" charset="0"/>
+                              <a:ea typeface="Arial" charset="0"/>
+                              <a:cs typeface="Arial" charset="0"/>
+                            </a:rPr>
+                            <a:t>∅</a:t>
+                          </a:r>
+                          <a:r>
+                            <a:rPr lang="de-DE" sz="2400" baseline="0" dirty="0" smtClean="0">
+                              <a:latin typeface="Arial" charset="0"/>
+                              <a:ea typeface="Arial" charset="0"/>
+                              <a:cs typeface="Arial" charset="0"/>
+                            </a:rPr>
+                            <a:t>3438</a:t>
+                          </a:r>
+                          <a:endParaRPr lang="de-DE" sz="2400" dirty="0">
+                            <a:latin typeface="Arial" charset="0"/>
+                            <a:ea typeface="Arial" charset="0"/>
+                            <a:cs typeface="Arial" charset="0"/>
+                          </a:endParaRPr>
+                        </a:p>
+                      </a:txBody>
+                      <a:tcPr>
+                        <a:lnL w="12700" cap="flat" cmpd="sng" algn="ctr">
+                          <a:solidFill>
+                            <a:schemeClr val="tx1"/>
+                          </a:solidFill>
+                          <a:prstDash val="solid"/>
+                          <a:round/>
+                          <a:headEnd type="none" w="med" len="med"/>
+                          <a:tailEnd type="none" w="med" len="med"/>
+                        </a:lnL>
+                      </a:tcPr>
+                    </a:tc>
+                  </a:tr>
+                </a:tbl>
+              </a:graphicData>
+            </a:graphic>
+          </p:graphicFrame>
+        </mc:Choice>
+        <mc:Fallback>
+          <p:graphicFrame>
+            <p:nvGraphicFramePr>
+              <p:cNvPr id="4" name="Tabelle 3"/>
+              <p:cNvGraphicFramePr>
+                <a:graphicFrameLocks noGrp="1"/>
+              </p:cNvGraphicFramePr>
+              <p:nvPr>
+                <p:extLst>
+                  <p:ext uri="{D42A27DB-BD31-4B8C-83A1-F6EECF244321}">
+                    <p14:modId xmlns:p14="http://schemas.microsoft.com/office/powerpoint/2010/main" val="1392342928"/>
+                  </p:ext>
+                </p:extLst>
+              </p:nvPr>
+            </p:nvGraphicFramePr>
+            <p:xfrm>
+              <a:off x="358775" y="1310326"/>
+              <a:ext cx="8400522" cy="2206007"/>
+            </p:xfrm>
+            <a:graphic>
+              <a:graphicData uri="http://schemas.openxmlformats.org/drawingml/2006/table">
+                <a:tbl>
+                  <a:tblPr firstRow="1" bandRow="1">
+                    <a:tableStyleId>{7E9639D4-E3E2-4D34-9284-5A2195B3D0D7}</a:tableStyleId>
+                  </a:tblPr>
+                  <a:tblGrid>
+                    <a:gridCol w="4200261"/>
+                    <a:gridCol w="4200261"/>
+                  </a:tblGrid>
+                  <a:tr h="585267">
+                    <a:tc>
+                      <a:txBody>
+                        <a:bodyPr/>
+                        <a:lstStyle/>
+                        <a:p>
+                          <a:r>
+                            <a:rPr lang="de-DE" sz="2400" dirty="0" err="1" smtClean="0">
+                              <a:latin typeface="Arial" charset="0"/>
+                              <a:ea typeface="Arial" charset="0"/>
+                              <a:cs typeface="Arial" charset="0"/>
+                            </a:rPr>
+                            <a:t>Perfect</a:t>
+                          </a:r>
+                          <a:r>
+                            <a:rPr lang="de-DE" sz="2400" dirty="0" smtClean="0">
+                              <a:latin typeface="Arial" charset="0"/>
+                              <a:ea typeface="Arial" charset="0"/>
+                              <a:cs typeface="Arial" charset="0"/>
+                            </a:rPr>
+                            <a:t> Side</a:t>
+                          </a:r>
+                          <a:r>
+                            <a:rPr lang="de-DE" sz="2400" baseline="0" dirty="0" smtClean="0">
+                              <a:latin typeface="Arial" charset="0"/>
+                              <a:ea typeface="Arial" charset="0"/>
+                              <a:cs typeface="Arial" charset="0"/>
+                            </a:rPr>
+                            <a:t>-Channel</a:t>
+                          </a:r>
+                          <a:endParaRPr lang="de-DE" sz="2400" dirty="0">
+                            <a:latin typeface="Arial" charset="0"/>
+                            <a:ea typeface="Arial" charset="0"/>
+                            <a:cs typeface="Arial" charset="0"/>
+                          </a:endParaRPr>
+                        </a:p>
+                      </a:txBody>
+                      <a:tcPr/>
+                    </a:tc>
+                    <a:tc>
+                      <a:txBody>
+                        <a:bodyPr/>
+                        <a:lstStyle/>
+                        <a:p>
+                          <a:r>
+                            <a:rPr lang="de-DE" sz="2400" dirty="0" smtClean="0">
+                              <a:latin typeface="Arial" charset="0"/>
+                              <a:ea typeface="Arial" charset="0"/>
+                              <a:cs typeface="Arial" charset="0"/>
+                            </a:rPr>
+                            <a:t>i5-3470</a:t>
+                          </a:r>
+                          <a:endParaRPr lang="de-DE" sz="2400" dirty="0">
+                            <a:latin typeface="Arial" charset="0"/>
+                            <a:ea typeface="Arial" charset="0"/>
+                            <a:cs typeface="Arial" charset="0"/>
+                          </a:endParaRPr>
+                        </a:p>
+                      </a:txBody>
+                      <a:tcPr/>
+                    </a:tc>
+                  </a:tr>
+                  <a:tr h="585267">
+                    <a:tc>
+                      <a:txBody>
+                        <a:bodyPr/>
+                        <a:lstStyle/>
+                        <a:p>
+                          <a:r>
+                            <a:rPr lang="de-DE" sz="2400" dirty="0" smtClean="0">
+                              <a:latin typeface="Arial" charset="0"/>
+                              <a:ea typeface="Arial" charset="0"/>
+                              <a:cs typeface="Arial" charset="0"/>
+                            </a:rPr>
+                            <a:t>8 </a:t>
+                          </a:r>
+                          <a:r>
+                            <a:rPr lang="de-DE" sz="2400" dirty="0" err="1" smtClean="0">
+                              <a:latin typeface="Arial" charset="0"/>
+                              <a:ea typeface="Arial" charset="0"/>
+                              <a:cs typeface="Arial" charset="0"/>
+                            </a:rPr>
+                            <a:t>cache</a:t>
+                          </a:r>
+                          <a:r>
+                            <a:rPr lang="de-DE" sz="2400" baseline="0" dirty="0" smtClean="0">
+                              <a:latin typeface="Arial" charset="0"/>
+                              <a:ea typeface="Arial" charset="0"/>
+                              <a:cs typeface="Arial" charset="0"/>
+                            </a:rPr>
+                            <a:t> </a:t>
+                          </a:r>
+                          <a:r>
+                            <a:rPr lang="de-DE" sz="2400" baseline="0" dirty="0" err="1" smtClean="0">
+                              <a:latin typeface="Arial" charset="0"/>
+                              <a:ea typeface="Arial" charset="0"/>
+                              <a:cs typeface="Arial" charset="0"/>
+                            </a:rPr>
+                            <a:t>weaknesses</a:t>
+                          </a:r>
+                          <a:endParaRPr lang="de-DE" sz="2400" dirty="0">
+                            <a:latin typeface="Arial" charset="0"/>
+                            <a:ea typeface="Arial" charset="0"/>
+                            <a:cs typeface="Arial" charset="0"/>
+                          </a:endParaRPr>
+                        </a:p>
+                      </a:txBody>
+                      <a:tcPr>
+                        <a:lnR w="12700" cap="flat" cmpd="sng" algn="ctr">
+                          <a:solidFill>
+                            <a:schemeClr val="tx1"/>
+                          </a:solidFill>
+                          <a:prstDash val="solid"/>
+                          <a:round/>
+                          <a:headEnd type="none" w="med" len="med"/>
+                          <a:tailEnd type="none" w="med" len="med"/>
+                        </a:lnR>
+                      </a:tcPr>
+                    </a:tc>
+                    <a:tc>
+                      <a:txBody>
+                        <a:bodyPr/>
+                        <a:lstStyle/>
+                        <a:p>
+                          <a:r>
+                            <a:rPr lang="de-DE" sz="2400" dirty="0" smtClean="0">
+                              <a:latin typeface="Arial" charset="0"/>
+                              <a:ea typeface="Arial" charset="0"/>
+                              <a:cs typeface="Arial" charset="0"/>
+                            </a:rPr>
+                            <a:t>1 </a:t>
+                          </a:r>
+                          <a:r>
+                            <a:rPr lang="de-DE" sz="2400" dirty="0" err="1" smtClean="0">
+                              <a:latin typeface="Arial" charset="0"/>
+                              <a:ea typeface="Arial" charset="0"/>
+                              <a:cs typeface="Arial" charset="0"/>
+                            </a:rPr>
+                            <a:t>cache</a:t>
+                          </a:r>
+                          <a:r>
+                            <a:rPr lang="de-DE" sz="2400" dirty="0" smtClean="0">
+                              <a:latin typeface="Arial" charset="0"/>
+                              <a:ea typeface="Arial" charset="0"/>
+                              <a:cs typeface="Arial" charset="0"/>
+                            </a:rPr>
+                            <a:t> </a:t>
+                          </a:r>
+                          <a:r>
+                            <a:rPr lang="de-DE" sz="2400" dirty="0" err="1" smtClean="0">
+                              <a:latin typeface="Arial" charset="0"/>
+                              <a:ea typeface="Arial" charset="0"/>
+                              <a:cs typeface="Arial" charset="0"/>
+                            </a:rPr>
+                            <a:t>weakness</a:t>
+                          </a:r>
+                          <a:endParaRPr lang="de-DE" sz="2400" dirty="0">
+                            <a:latin typeface="Arial" charset="0"/>
+                            <a:ea typeface="Arial" charset="0"/>
+                            <a:cs typeface="Arial" charset="0"/>
+                          </a:endParaRPr>
+                        </a:p>
+                      </a:txBody>
+                      <a:tcPr>
+                        <a:lnL w="12700" cap="flat" cmpd="sng" algn="ctr">
+                          <a:solidFill>
+                            <a:schemeClr val="tx1"/>
+                          </a:solidFill>
+                          <a:prstDash val="solid"/>
+                          <a:round/>
+                          <a:headEnd type="none" w="med" len="med"/>
+                          <a:tailEnd type="none" w="med" len="med"/>
+                        </a:lnL>
+                      </a:tcPr>
+                    </a:tc>
+                  </a:tr>
+                  <a:tr h="1035473">
+                    <a:tc>
+                      <a:txBody>
+                        <a:bodyPr/>
+                        <a:lstStyle/>
+                        <a:p>
+                          <a:endParaRPr lang="de-DE"/>
+                        </a:p>
+                      </a:txBody>
+                      <a:tcPr>
+                        <a:lnR w="12700" cap="flat" cmpd="sng" algn="ctr">
+                          <a:solidFill>
+                            <a:schemeClr val="tx1"/>
+                          </a:solidFill>
+                          <a:prstDash val="solid"/>
+                          <a:round/>
+                          <a:headEnd type="none" w="med" len="med"/>
+                          <a:tailEnd type="none" w="med" len="med"/>
+                        </a:lnR>
+                        <a:blipFill rotWithShape="0">
+                          <a:blip r:embed="rId2"/>
+                          <a:stretch>
+                            <a:fillRect t="-117059" r="-100145" b="-1176"/>
+                          </a:stretch>
+                        </a:blipFill>
+                      </a:tcPr>
+                    </a:tc>
+                    <a:tc>
+                      <a:txBody>
+                        <a:bodyPr/>
+                        <a:lstStyle/>
+                        <a:p>
+                          <a:r>
+                            <a:rPr lang="de-DE" sz="2400" dirty="0" err="1" smtClean="0">
+                              <a:latin typeface="Arial" charset="0"/>
+                              <a:ea typeface="Arial" charset="0"/>
+                              <a:cs typeface="Arial" charset="0"/>
+                            </a:rPr>
+                            <a:t>Success</a:t>
+                          </a:r>
+                          <a:r>
+                            <a:rPr lang="de-DE" sz="2400" dirty="0" smtClean="0">
+                              <a:latin typeface="Arial" charset="0"/>
+                              <a:ea typeface="Arial" charset="0"/>
+                              <a:cs typeface="Arial" charset="0"/>
+                            </a:rPr>
+                            <a:t>: 46/50 </a:t>
+                          </a:r>
+                          <a:r>
+                            <a:rPr lang="de-DE" sz="2400" dirty="0" err="1" smtClean="0">
+                              <a:latin typeface="Arial" charset="0"/>
+                              <a:ea typeface="Arial" charset="0"/>
+                              <a:cs typeface="Arial" charset="0"/>
+                            </a:rPr>
+                            <a:t>tries</a:t>
+                          </a:r>
+                          <a:endParaRPr lang="de-DE" sz="2400" dirty="0" smtClean="0">
+                            <a:latin typeface="Arial" charset="0"/>
+                            <a:ea typeface="Arial" charset="0"/>
+                            <a:cs typeface="Arial" charset="0"/>
+                          </a:endParaRPr>
+                        </a:p>
+                        <a:p>
+                          <a:r>
+                            <a:rPr lang="de-DE" sz="2400" dirty="0" err="1" smtClean="0">
+                              <a:latin typeface="Arial" charset="0"/>
+                              <a:ea typeface="Arial" charset="0"/>
+                              <a:cs typeface="Arial" charset="0"/>
+                            </a:rPr>
+                            <a:t>Signatures</a:t>
+                          </a:r>
+                          <a:r>
+                            <a:rPr lang="de-DE" sz="2400" baseline="0" dirty="0" smtClean="0">
+                              <a:latin typeface="Arial" charset="0"/>
+                              <a:ea typeface="Arial" charset="0"/>
+                              <a:cs typeface="Arial" charset="0"/>
+                            </a:rPr>
+                            <a:t> </a:t>
+                          </a:r>
+                          <a:r>
+                            <a:rPr lang="de-DE" sz="2400" baseline="0" dirty="0" err="1" smtClean="0">
+                              <a:latin typeface="Arial" charset="0"/>
+                              <a:ea typeface="Arial" charset="0"/>
+                              <a:cs typeface="Arial" charset="0"/>
+                            </a:rPr>
+                            <a:t>needed</a:t>
+                          </a:r>
+                          <a:r>
+                            <a:rPr lang="de-DE" sz="2400" baseline="0" dirty="0" smtClean="0">
+                              <a:latin typeface="Arial" charset="0"/>
+                              <a:ea typeface="Arial" charset="0"/>
+                              <a:cs typeface="Arial" charset="0"/>
+                            </a:rPr>
+                            <a:t>: </a:t>
+                          </a:r>
+                          <a:r>
+                            <a:rPr lang="de-DE" sz="2400" baseline="0" dirty="0" smtClean="0">
+                              <a:latin typeface="Arial" charset="0"/>
+                              <a:ea typeface="Arial" charset="0"/>
+                              <a:cs typeface="Arial" charset="0"/>
+                            </a:rPr>
+                            <a:t>∅</a:t>
+                          </a:r>
+                          <a:r>
+                            <a:rPr lang="de-DE" sz="2400" baseline="0" dirty="0" smtClean="0">
+                              <a:latin typeface="Arial" charset="0"/>
+                              <a:ea typeface="Arial" charset="0"/>
+                              <a:cs typeface="Arial" charset="0"/>
+                            </a:rPr>
+                            <a:t>3438</a:t>
+                          </a:r>
+                          <a:endParaRPr lang="de-DE" sz="2400" dirty="0">
+                            <a:latin typeface="Arial" charset="0"/>
+                            <a:ea typeface="Arial" charset="0"/>
+                            <a:cs typeface="Arial" charset="0"/>
+                          </a:endParaRPr>
+                        </a:p>
+                      </a:txBody>
+                      <a:tcPr>
+                        <a:lnL w="12700" cap="flat" cmpd="sng" algn="ctr">
+                          <a:solidFill>
+                            <a:schemeClr val="tx1"/>
+                          </a:solidFill>
+                          <a:prstDash val="solid"/>
+                          <a:round/>
+                          <a:headEnd type="none" w="med" len="med"/>
+                          <a:tailEnd type="none" w="med" len="med"/>
+                        </a:lnL>
+                      </a:tcPr>
+                    </a:tc>
+                  </a:tr>
+                </a:tbl>
+              </a:graphicData>
+            </a:graphic>
+          </p:graphicFrame>
+        </mc:Fallback>
+      </mc:AlternateContent>
+      <p:pic>
+        <p:nvPicPr>
+          <p:cNvPr id="5" name="Picture 4"/>
+          <p:cNvPicPr>
+            <a:picLocks noChangeAspect="1" noChangeArrowheads="1"/>
+          </p:cNvPicPr>
+          <p:nvPr/>
+        </p:nvPicPr>
+        <p:blipFill>
+          <a:blip r:embed="rId3">
+            <a:extLst>
+              <a:ext uri="{28A0092B-C50C-407E-A947-70E740481C1C}">
+                <a14:useLocalDpi xmlns:a14="http://schemas.microsoft.com/office/drawing/2010/main" val="0"/>
+              </a:ext>
+            </a:extLst>
+          </a:blip>
+          <a:srcRect/>
+          <a:stretch>
+            <a:fillRect/>
+          </a:stretch>
+        </p:blipFill>
+        <p:spPr bwMode="auto">
+          <a:xfrm>
+            <a:off x="358775" y="3746499"/>
+            <a:ext cx="8400522" cy="2534790"/>
+          </a:xfrm>
+          <a:prstGeom prst="rect">
+            <a:avLst/>
+          </a:prstGeom>
+          <a:noFill/>
+          <a:ln>
+            <a:noFill/>
+          </a:ln>
+          <a:effectLst/>
+          <a:extLst>
+            <a:ext uri="{909E8E84-426E-40DD-AFC4-6F175D3DCCD1}">
+              <a14:hiddenFill xmlns:a14="http://schemas.microsoft.com/office/drawing/2010/main">
+                <a:blipFill dpi="0" rotWithShape="0">
+                  <a:blip/>
+                  <a:srcRect/>
+                  <a:stretch>
+                    <a:fillRect/>
+                  </a:stretch>
+                </a:blipFill>
+              </a14:hiddenFill>
+            </a:ext>
+            <a:ext uri="{91240B29-F687-4F45-9708-019B960494DF}">
+              <a14:hiddenLine xmlns:a14="http://schemas.microsoft.com/office/drawing/2010/main" w="9525" cap="flat">
+                <a:solidFill>
+                  <a:srgbClr val="3465A4"/>
+                </a:solidFill>
+                <a:round/>
+                <a:headEnd/>
+                <a:tailEnd/>
+              </a14:hiddenLine>
+            </a:ext>
+            <a:ext uri="{AF507438-7753-43E0-B8FC-AC1667EBCBE1}">
+              <a14:hiddenEffects xmlns:a14="http://schemas.microsoft.com/office/drawing/2010/main">
+                <a:effectLst>
+                  <a:outerShdw blurRad="63500" dist="38099" dir="2700000" algn="ctr" rotWithShape="0">
+                    <a:srgbClr val="000000">
+                      <a:alpha val="74998"/>
+                    </a:srgbClr>
+                  </a:outerShdw>
+                </a:effectLst>
+              </a14:hiddenEffects>
+            </a:ext>
+          </a:extLst>
+        </p:spPr>
+      </p:pic>
+    </p:spTree>
+    <p:extLst>
+      <p:ext uri="{BB962C8B-B14F-4D97-AF65-F5344CB8AC3E}">
+        <p14:creationId xmlns:p14="http://schemas.microsoft.com/office/powerpoint/2010/main" val="1878842925"/>
+      </p:ext>
+    </p:extLst>
+  </p:cSld>
+  <p:clrMapOvr>
+    <a:masterClrMapping/>
+  </p:clrMapOvr>
+  <p:transition/>
+  <p:timing>
+    <p:tnLst>
+      <p:par>
+        <p:cTn id="1" dur="indefinite" restart="never" nodeType="tmRoot"/>
+      </p:par>
+    </p:tnLst>
+  </p:timing>
+</p:sld>
+</file>
+
+<file path=ppt/slides/slide23.xml><?xml version="1.0" encoding="utf-8"?>
+<p:sld xmlns:a="http://schemas.openxmlformats.org/drawingml/2006/main" xmlns:r="http://schemas.openxmlformats.org/officeDocument/2006/relationships" xmlns:p="http://schemas.openxmlformats.org/presentationml/2006/main">
+  <p:cSld>
+    <p:spTree>
+      <p:nvGrpSpPr>
+        <p:cNvPr id="1" name=""/>
+        <p:cNvGrpSpPr/>
+        <p:nvPr/>
+      </p:nvGrpSpPr>
+      <p:grpSpPr>
+        <a:xfrm>
+          <a:off x="0" y="0"/>
+          <a:ext cx="0" cy="0"/>
+          <a:chOff x="0" y="0"/>
+          <a:chExt cx="0" cy="0"/>
+        </a:xfrm>
+      </p:grpSpPr>
+      <p:sp>
+        <p:nvSpPr>
+          <p:cNvPr id="2" name="Textplatzhalter 1"/>
+          <p:cNvSpPr>
+            <a:spLocks noGrp="1"/>
+          </p:cNvSpPr>
+          <p:nvPr>
+            <p:ph type="body" sz="quarter" idx="10"/>
+          </p:nvPr>
+        </p:nvSpPr>
+        <p:spPr/>
+        <p:txBody>
+          <a:bodyPr numCol="2"/>
+          <a:lstStyle/>
+          <a:p>
+            <a:pPr marL="0" indent="0">
+              <a:buNone/>
+            </a:pPr>
+            <a:endParaRPr lang="de-DE" dirty="0"/>
+          </a:p>
+        </p:txBody>
+      </p:sp>
+      <p:sp>
+        <p:nvSpPr>
+          <p:cNvPr id="3" name="Titel 2"/>
+          <p:cNvSpPr>
+            <a:spLocks noGrp="1"/>
+          </p:cNvSpPr>
+          <p:nvPr>
+            <p:ph type="title"/>
+          </p:nvPr>
+        </p:nvSpPr>
+        <p:spPr/>
+        <p:txBody>
+          <a:bodyPr/>
+          <a:lstStyle/>
+          <a:p>
+            <a:r>
+              <a:rPr lang="de-DE" dirty="0" err="1"/>
+              <a:t>Flush+Reload</a:t>
+            </a:r>
+            <a:r>
+              <a:rPr lang="de-DE" dirty="0"/>
+              <a:t> Cache </a:t>
+            </a:r>
+            <a:r>
+              <a:rPr lang="de-DE" dirty="0" err="1"/>
+              <a:t>Attack</a:t>
+            </a:r>
+            <a:r>
+              <a:rPr lang="de-DE" dirty="0"/>
+              <a:t/>
+            </a:r>
+            <a:br>
+              <a:rPr lang="de-DE" dirty="0"/>
+            </a:br>
+            <a:r>
+              <a:rPr lang="de-DE" sz="2800" b="0" dirty="0" smtClean="0"/>
+              <a:t>on </a:t>
+            </a:r>
+            <a:r>
+              <a:rPr lang="de-DE" sz="2800" b="0" dirty="0" err="1" smtClean="0"/>
+              <a:t>Rejection</a:t>
+            </a:r>
+            <a:r>
+              <a:rPr lang="de-DE" sz="2800" b="0" dirty="0" smtClean="0"/>
+              <a:t> </a:t>
+            </a:r>
+            <a:r>
+              <a:rPr lang="de-DE" sz="2800" b="0" dirty="0" err="1" smtClean="0"/>
+              <a:t>sampling</a:t>
+            </a:r>
+            <a:endParaRPr lang="de-DE" dirty="0"/>
+          </a:p>
+        </p:txBody>
+      </p:sp>
+      <p:graphicFrame>
+        <p:nvGraphicFramePr>
+          <p:cNvPr id="4" name="Tabelle 3"/>
+          <p:cNvGraphicFramePr>
+            <a:graphicFrameLocks noGrp="1"/>
+          </p:cNvGraphicFramePr>
+          <p:nvPr>
+            <p:extLst>
+              <p:ext uri="{D42A27DB-BD31-4B8C-83A1-F6EECF244321}">
+                <p14:modId xmlns:p14="http://schemas.microsoft.com/office/powerpoint/2010/main" val="926288998"/>
+              </p:ext>
+            </p:extLst>
+          </p:nvPr>
+        </p:nvGraphicFramePr>
+        <p:xfrm>
+          <a:off x="370681" y="1323026"/>
+          <a:ext cx="8400522" cy="2809460"/>
+        </p:xfrm>
+        <a:graphic>
+          <a:graphicData uri="http://schemas.openxmlformats.org/drawingml/2006/table">
+            <a:tbl>
+              <a:tblPr firstRow="1" bandRow="1">
+                <a:tableStyleId>{7E9639D4-E3E2-4D34-9284-5A2195B3D0D7}</a:tableStyleId>
+              </a:tblPr>
+              <a:tblGrid>
+                <a:gridCol w="4200261"/>
+                <a:gridCol w="4200261"/>
+              </a:tblGrid>
+              <a:tr h="585267">
+                <a:tc>
+                  <a:txBody>
+                    <a:bodyPr/>
+                    <a:lstStyle/>
+                    <a:p>
+                      <a:r>
+                        <a:rPr lang="de-DE" sz="2400" dirty="0" err="1" smtClean="0">
+                          <a:latin typeface="Arial" charset="0"/>
+                          <a:ea typeface="Arial" charset="0"/>
+                          <a:cs typeface="Arial" charset="0"/>
+                        </a:rPr>
+                        <a:t>Perfect</a:t>
+                      </a:r>
+                      <a:r>
+                        <a:rPr lang="de-DE" sz="2400" dirty="0" smtClean="0">
+                          <a:latin typeface="Arial" charset="0"/>
+                          <a:ea typeface="Arial" charset="0"/>
+                          <a:cs typeface="Arial" charset="0"/>
+                        </a:rPr>
+                        <a:t> Side</a:t>
+                      </a:r>
+                      <a:r>
+                        <a:rPr lang="de-DE" sz="2400" baseline="0" dirty="0" smtClean="0">
+                          <a:latin typeface="Arial" charset="0"/>
+                          <a:ea typeface="Arial" charset="0"/>
+                          <a:cs typeface="Arial" charset="0"/>
+                        </a:rPr>
+                        <a:t>-Channel</a:t>
+                      </a:r>
+                      <a:endParaRPr lang="de-DE" sz="2400" dirty="0">
+                        <a:latin typeface="Arial" charset="0"/>
+                        <a:ea typeface="Arial" charset="0"/>
+                        <a:cs typeface="Arial" charset="0"/>
+                      </a:endParaRPr>
+                    </a:p>
+                  </a:txBody>
+                  <a:tcPr/>
+                </a:tc>
+                <a:tc>
+                  <a:txBody>
+                    <a:bodyPr/>
+                    <a:lstStyle/>
+                    <a:p>
+                      <a:r>
+                        <a:rPr lang="de-DE" sz="2400" dirty="0" smtClean="0">
+                          <a:latin typeface="Arial" charset="0"/>
+                          <a:ea typeface="Arial" charset="0"/>
+                          <a:cs typeface="Arial" charset="0"/>
+                        </a:rPr>
+                        <a:t>i7-5650U</a:t>
+                      </a:r>
+                      <a:endParaRPr lang="de-DE" sz="2400" dirty="0">
+                        <a:latin typeface="Arial" charset="0"/>
+                        <a:ea typeface="Arial" charset="0"/>
+                        <a:cs typeface="Arial" charset="0"/>
+                      </a:endParaRPr>
+                    </a:p>
+                  </a:txBody>
+                  <a:tcPr/>
+                </a:tc>
+              </a:tr>
+              <a:tr h="585267">
+                <a:tc>
+                  <a:txBody>
+                    <a:bodyPr/>
+                    <a:lstStyle/>
+                    <a:p>
+                      <a:r>
+                        <a:rPr lang="de-DE" sz="2400" dirty="0" smtClean="0">
+                          <a:latin typeface="Arial" charset="0"/>
+                          <a:ea typeface="Arial" charset="0"/>
+                          <a:cs typeface="Arial" charset="0"/>
+                        </a:rPr>
+                        <a:t>Checks </a:t>
+                      </a:r>
+                      <a:r>
+                        <a:rPr lang="de-DE" sz="2400" dirty="0" err="1" smtClean="0">
+                          <a:latin typeface="Arial" charset="0"/>
+                          <a:ea typeface="Arial" charset="0"/>
+                          <a:cs typeface="Arial" charset="0"/>
+                        </a:rPr>
+                        <a:t>for</a:t>
+                      </a:r>
+                      <a:r>
+                        <a:rPr lang="de-DE" sz="2400" dirty="0" smtClean="0">
+                          <a:latin typeface="Arial" charset="0"/>
+                          <a:ea typeface="Arial" charset="0"/>
+                          <a:cs typeface="Arial" charset="0"/>
+                        </a:rPr>
+                        <a:t> </a:t>
+                      </a:r>
+                      <a:r>
+                        <a:rPr lang="de-DE" sz="2400" dirty="0" err="1" smtClean="0">
+                          <a:latin typeface="Arial" charset="0"/>
+                          <a:ea typeface="Arial" charset="0"/>
+                          <a:cs typeface="Arial" charset="0"/>
+                        </a:rPr>
+                        <a:t>table</a:t>
+                      </a:r>
+                      <a:r>
+                        <a:rPr lang="de-DE" sz="2400" dirty="0" smtClean="0">
+                          <a:latin typeface="Arial" charset="0"/>
+                          <a:ea typeface="Arial" charset="0"/>
+                          <a:cs typeface="Arial" charset="0"/>
+                        </a:rPr>
+                        <a:t> </a:t>
+                      </a:r>
+                      <a:r>
+                        <a:rPr lang="de-DE" sz="2400" dirty="0" err="1" smtClean="0">
+                          <a:latin typeface="Arial" charset="0"/>
+                          <a:ea typeface="Arial" charset="0"/>
+                          <a:cs typeface="Arial" charset="0"/>
+                        </a:rPr>
+                        <a:t>access</a:t>
+                      </a:r>
+                      <a:r>
+                        <a:rPr lang="de-DE" sz="2400" dirty="0" smtClean="0">
+                          <a:latin typeface="Arial" charset="0"/>
+                          <a:ea typeface="Arial" charset="0"/>
+                          <a:cs typeface="Arial" charset="0"/>
+                        </a:rPr>
+                        <a:t> in </a:t>
+                      </a:r>
+                      <a:r>
+                        <a:rPr lang="de-DE" sz="2400" dirty="0" err="1" smtClean="0">
+                          <a:latin typeface="Arial" charset="0"/>
+                          <a:ea typeface="Arial" charset="0"/>
+                          <a:cs typeface="Arial" charset="0"/>
+                        </a:rPr>
+                        <a:t>cache</a:t>
+                      </a:r>
+                      <a:r>
+                        <a:rPr lang="de-DE" sz="2400" dirty="0" smtClean="0">
+                          <a:latin typeface="Arial" charset="0"/>
+                          <a:ea typeface="Arial" charset="0"/>
+                          <a:cs typeface="Arial" charset="0"/>
+                        </a:rPr>
+                        <a:t>, </a:t>
+                      </a:r>
+                      <a:r>
+                        <a:rPr lang="de-DE" sz="2400" dirty="0" err="1" smtClean="0">
+                          <a:latin typeface="Arial" charset="0"/>
+                          <a:ea typeface="Arial" charset="0"/>
+                          <a:cs typeface="Arial" charset="0"/>
+                        </a:rPr>
+                        <a:t>only</a:t>
+                      </a:r>
+                      <a:r>
+                        <a:rPr lang="de-DE" sz="2400" dirty="0" smtClean="0">
+                          <a:latin typeface="Arial" charset="0"/>
+                          <a:ea typeface="Arial" charset="0"/>
+                          <a:cs typeface="Arial" charset="0"/>
+                        </a:rPr>
+                        <a:t> </a:t>
+                      </a:r>
+                      <a:r>
+                        <a:rPr lang="de-DE" sz="2400" dirty="0" err="1" smtClean="0">
+                          <a:latin typeface="Arial" charset="0"/>
+                          <a:ea typeface="Arial" charset="0"/>
+                          <a:cs typeface="Arial" charset="0"/>
+                        </a:rPr>
+                        <a:t>performed</a:t>
+                      </a:r>
+                      <a:r>
+                        <a:rPr lang="de-DE" sz="2400" dirty="0" smtClean="0">
+                          <a:latin typeface="Arial" charset="0"/>
+                          <a:ea typeface="Arial" charset="0"/>
+                          <a:cs typeface="Arial" charset="0"/>
+                        </a:rPr>
+                        <a:t> </a:t>
+                      </a:r>
+                      <a:r>
+                        <a:rPr lang="de-DE" sz="2400" dirty="0" err="1" smtClean="0">
+                          <a:latin typeface="Arial" charset="0"/>
+                          <a:ea typeface="Arial" charset="0"/>
+                          <a:cs typeface="Arial" charset="0"/>
+                        </a:rPr>
+                        <a:t>for</a:t>
+                      </a:r>
+                      <a:r>
+                        <a:rPr lang="de-DE" sz="2400" dirty="0" smtClean="0">
+                          <a:latin typeface="Arial" charset="0"/>
+                          <a:ea typeface="Arial" charset="0"/>
+                          <a:cs typeface="Arial" charset="0"/>
+                        </a:rPr>
+                        <a:t> </a:t>
+                      </a:r>
+                      <a:r>
+                        <a:rPr lang="de-DE" sz="2400" dirty="0" err="1" smtClean="0">
+                          <a:latin typeface="Arial" charset="0"/>
+                          <a:ea typeface="Arial" charset="0"/>
+                          <a:cs typeface="Arial" charset="0"/>
+                        </a:rPr>
+                        <a:t>one</a:t>
+                      </a:r>
+                      <a:r>
+                        <a:rPr lang="de-DE" sz="2400" dirty="0" smtClean="0">
+                          <a:latin typeface="Arial" charset="0"/>
+                          <a:ea typeface="Arial" charset="0"/>
+                          <a:cs typeface="Arial" charset="0"/>
+                        </a:rPr>
+                        <a:t> sample</a:t>
+                      </a:r>
+                      <a:endParaRPr lang="de-DE" sz="2400" dirty="0">
+                        <a:latin typeface="Arial" charset="0"/>
+                        <a:ea typeface="Arial" charset="0"/>
+                        <a:cs typeface="Arial" charset="0"/>
+                      </a:endParaRPr>
+                    </a:p>
+                  </a:txBody>
+                  <a:tcPr>
+                    <a:lnR w="12700" cap="flat" cmpd="sng" algn="ctr">
+                      <a:solidFill>
+                        <a:schemeClr val="tx1"/>
+                      </a:solidFill>
+                      <a:prstDash val="solid"/>
+                      <a:round/>
+                      <a:headEnd type="none" w="med" len="med"/>
+                      <a:tailEnd type="none" w="med" len="med"/>
+                    </a:lnR>
+                  </a:tcPr>
+                </a:tc>
+                <a:tc>
+                  <a:txBody>
+                    <a:bodyPr/>
+                    <a:lstStyle/>
+                    <a:p>
+                      <a:r>
+                        <a:rPr lang="de-DE" sz="2400" dirty="0" smtClean="0">
+                          <a:latin typeface="Arial" charset="0"/>
+                          <a:ea typeface="Arial" charset="0"/>
+                          <a:cs typeface="Arial" charset="0"/>
+                        </a:rPr>
+                        <a:t>3</a:t>
+                      </a:r>
+                      <a:r>
+                        <a:rPr lang="de-DE" sz="2400" baseline="0" dirty="0" smtClean="0">
+                          <a:latin typeface="Arial" charset="0"/>
+                          <a:ea typeface="Arial" charset="0"/>
+                          <a:cs typeface="Arial" charset="0"/>
+                        </a:rPr>
+                        <a:t> </a:t>
+                      </a:r>
+                      <a:r>
+                        <a:rPr lang="de-DE" sz="2400" baseline="0" dirty="0" err="1" smtClean="0">
+                          <a:latin typeface="Arial" charset="0"/>
+                          <a:ea typeface="Arial" charset="0"/>
+                          <a:cs typeface="Arial" charset="0"/>
+                        </a:rPr>
+                        <a:t>of</a:t>
+                      </a:r>
+                      <a:r>
+                        <a:rPr lang="de-DE" sz="2400" baseline="0" dirty="0" smtClean="0">
+                          <a:latin typeface="Arial" charset="0"/>
+                          <a:ea typeface="Arial" charset="0"/>
+                          <a:cs typeface="Arial" charset="0"/>
+                        </a:rPr>
+                        <a:t> </a:t>
+                      </a:r>
+                      <a:r>
+                        <a:rPr lang="de-DE" sz="2400" dirty="0" smtClean="0">
+                          <a:latin typeface="Arial" charset="0"/>
+                          <a:ea typeface="Arial" charset="0"/>
+                          <a:cs typeface="Arial" charset="0"/>
+                        </a:rPr>
+                        <a:t>6 </a:t>
+                      </a:r>
+                      <a:r>
+                        <a:rPr lang="de-DE" sz="2400" dirty="0" err="1" smtClean="0">
+                          <a:latin typeface="Arial" charset="0"/>
+                          <a:ea typeface="Arial" charset="0"/>
+                          <a:cs typeface="Arial" charset="0"/>
+                        </a:rPr>
+                        <a:t>cache</a:t>
+                      </a:r>
+                      <a:r>
+                        <a:rPr lang="de-DE" sz="2400" baseline="0" dirty="0" smtClean="0">
+                          <a:latin typeface="Arial" charset="0"/>
+                          <a:ea typeface="Arial" charset="0"/>
+                          <a:cs typeface="Arial" charset="0"/>
+                        </a:rPr>
+                        <a:t> </a:t>
+                      </a:r>
+                      <a:r>
+                        <a:rPr lang="de-DE" sz="2400" baseline="0" dirty="0" err="1" smtClean="0">
+                          <a:latin typeface="Arial" charset="0"/>
+                          <a:ea typeface="Arial" charset="0"/>
+                          <a:cs typeface="Arial" charset="0"/>
+                        </a:rPr>
+                        <a:t>lines</a:t>
+                      </a:r>
+                      <a:r>
+                        <a:rPr lang="de-DE" sz="2400" baseline="0" dirty="0" smtClean="0">
+                          <a:latin typeface="Arial" charset="0"/>
+                          <a:ea typeface="Arial" charset="0"/>
+                          <a:cs typeface="Arial" charset="0"/>
+                        </a:rPr>
+                        <a:t> </a:t>
+                      </a:r>
+                      <a:r>
+                        <a:rPr lang="de-DE" sz="2400" baseline="0" dirty="0" err="1" smtClean="0">
+                          <a:latin typeface="Arial" charset="0"/>
+                          <a:ea typeface="Arial" charset="0"/>
+                          <a:cs typeface="Arial" charset="0"/>
+                        </a:rPr>
+                        <a:t>monitored</a:t>
+                      </a:r>
+                      <a:endParaRPr lang="de-DE" sz="2400" dirty="0">
+                        <a:latin typeface="Arial" charset="0"/>
+                        <a:ea typeface="Arial" charset="0"/>
+                        <a:cs typeface="Arial" charset="0"/>
+                      </a:endParaRPr>
+                    </a:p>
+                  </a:txBody>
+                  <a:tcPr>
+                    <a:lnL w="12700" cap="flat" cmpd="sng" algn="ctr">
+                      <a:solidFill>
+                        <a:schemeClr val="tx1"/>
+                      </a:solidFill>
+                      <a:prstDash val="solid"/>
+                      <a:round/>
+                      <a:headEnd type="none" w="med" len="med"/>
+                      <a:tailEnd type="none" w="med" len="med"/>
+                    </a:lnL>
+                  </a:tcPr>
+                </a:tc>
+              </a:tr>
+              <a:tr h="1035473">
+                <a:tc>
+                  <a:txBody>
+                    <a:bodyPr/>
+                    <a:lstStyle/>
+                    <a:p>
+                      <a:r>
+                        <a:rPr lang="de-DE" sz="2400" dirty="0" smtClean="0">
+                          <a:latin typeface="Arial" charset="0"/>
+                          <a:ea typeface="Arial" charset="0"/>
+                          <a:cs typeface="Arial" charset="0"/>
+                        </a:rPr>
+                        <a:t>100% </a:t>
+                      </a:r>
+                      <a:r>
+                        <a:rPr lang="de-DE" sz="2400" dirty="0" err="1" smtClean="0">
+                          <a:latin typeface="Arial" charset="0"/>
+                          <a:ea typeface="Arial" charset="0"/>
+                          <a:cs typeface="Arial" charset="0"/>
+                        </a:rPr>
+                        <a:t>successfull</a:t>
+                      </a:r>
+                      <a:endParaRPr lang="de-DE" sz="2400" dirty="0">
+                        <a:latin typeface="Arial" charset="0"/>
+                        <a:ea typeface="Arial" charset="0"/>
+                        <a:cs typeface="Arial" charset="0"/>
+                      </a:endParaRPr>
+                    </a:p>
+                  </a:txBody>
+                  <a:tcPr>
+                    <a:lnR w="12700" cap="flat" cmpd="sng" algn="ctr">
+                      <a:solidFill>
+                        <a:schemeClr val="tx1"/>
+                      </a:solidFill>
+                      <a:prstDash val="solid"/>
+                      <a:round/>
+                      <a:headEnd type="none" w="med" len="med"/>
+                      <a:tailEnd type="none" w="med" len="med"/>
+                    </a:lnR>
+                  </a:tcPr>
+                </a:tc>
+                <a:tc>
+                  <a:txBody>
+                    <a:bodyPr/>
+                    <a:lstStyle/>
+                    <a:p>
+                      <a:r>
+                        <a:rPr lang="de-DE" sz="2400" dirty="0" err="1" smtClean="0">
+                          <a:latin typeface="Arial" charset="0"/>
+                          <a:ea typeface="Arial" charset="0"/>
+                          <a:cs typeface="Arial" charset="0"/>
+                        </a:rPr>
+                        <a:t>Success</a:t>
+                      </a:r>
+                      <a:r>
+                        <a:rPr lang="de-DE" sz="2400" dirty="0" smtClean="0">
+                          <a:latin typeface="Arial" charset="0"/>
+                          <a:ea typeface="Arial" charset="0"/>
+                          <a:cs typeface="Arial" charset="0"/>
+                        </a:rPr>
+                        <a:t>: 44</a:t>
+                      </a:r>
+                      <a:r>
+                        <a:rPr lang="de-DE" sz="2400" baseline="0" dirty="0" smtClean="0">
+                          <a:latin typeface="Arial" charset="0"/>
+                          <a:ea typeface="Arial" charset="0"/>
+                          <a:cs typeface="Arial" charset="0"/>
+                        </a:rPr>
+                        <a:t> </a:t>
+                      </a:r>
+                      <a:r>
+                        <a:rPr lang="de-DE" sz="2400" baseline="0" dirty="0" err="1" smtClean="0">
+                          <a:latin typeface="Arial" charset="0"/>
+                          <a:ea typeface="Arial" charset="0"/>
+                          <a:cs typeface="Arial" charset="0"/>
+                        </a:rPr>
+                        <a:t>of</a:t>
+                      </a:r>
+                      <a:r>
+                        <a:rPr lang="de-DE" sz="2400" baseline="0" dirty="0" smtClean="0">
+                          <a:latin typeface="Arial" charset="0"/>
+                          <a:ea typeface="Arial" charset="0"/>
+                          <a:cs typeface="Arial" charset="0"/>
+                        </a:rPr>
+                        <a:t> </a:t>
+                      </a:r>
+                      <a:r>
+                        <a:rPr lang="de-DE" sz="2400" dirty="0" smtClean="0">
+                          <a:latin typeface="Arial" charset="0"/>
+                          <a:ea typeface="Arial" charset="0"/>
+                          <a:cs typeface="Arial" charset="0"/>
+                        </a:rPr>
+                        <a:t>50 </a:t>
+                      </a:r>
+                      <a:r>
+                        <a:rPr lang="de-DE" sz="2400" dirty="0" err="1" smtClean="0">
+                          <a:latin typeface="Arial" charset="0"/>
+                          <a:ea typeface="Arial" charset="0"/>
+                          <a:cs typeface="Arial" charset="0"/>
+                        </a:rPr>
+                        <a:t>tries</a:t>
+                      </a:r>
+                      <a:endParaRPr lang="de-DE" sz="2400" dirty="0" smtClean="0">
+                        <a:latin typeface="Arial" charset="0"/>
+                        <a:ea typeface="Arial" charset="0"/>
+                        <a:cs typeface="Arial" charset="0"/>
+                      </a:endParaRPr>
+                    </a:p>
+                    <a:p>
+                      <a:r>
+                        <a:rPr lang="de-DE" sz="2400" dirty="0" err="1" smtClean="0">
+                          <a:latin typeface="Arial" charset="0"/>
+                          <a:ea typeface="Arial" charset="0"/>
+                          <a:cs typeface="Arial" charset="0"/>
+                        </a:rPr>
+                        <a:t>Signatures</a:t>
+                      </a:r>
+                      <a:r>
+                        <a:rPr lang="de-DE" sz="2400" baseline="0" dirty="0" smtClean="0">
+                          <a:latin typeface="Arial" charset="0"/>
+                          <a:ea typeface="Arial" charset="0"/>
+                          <a:cs typeface="Arial" charset="0"/>
+                        </a:rPr>
+                        <a:t> </a:t>
+                      </a:r>
+                      <a:r>
+                        <a:rPr lang="de-DE" sz="2400" baseline="0" dirty="0" err="1" smtClean="0">
+                          <a:latin typeface="Arial" charset="0"/>
+                          <a:ea typeface="Arial" charset="0"/>
+                          <a:cs typeface="Arial" charset="0"/>
+                        </a:rPr>
+                        <a:t>needed</a:t>
+                      </a:r>
+                      <a:r>
+                        <a:rPr lang="de-DE" sz="2400" baseline="0" dirty="0" smtClean="0">
+                          <a:latin typeface="Arial" charset="0"/>
+                          <a:ea typeface="Arial" charset="0"/>
+                          <a:cs typeface="Arial" charset="0"/>
+                        </a:rPr>
+                        <a:t>: ∅3294</a:t>
+                      </a:r>
+                      <a:endParaRPr lang="de-DE" sz="2400" dirty="0">
+                        <a:latin typeface="Arial" charset="0"/>
+                        <a:ea typeface="Arial" charset="0"/>
+                        <a:cs typeface="Arial" charset="0"/>
+                      </a:endParaRPr>
+                    </a:p>
+                  </a:txBody>
+                  <a:tcPr>
+                    <a:lnL w="12700" cap="flat" cmpd="sng" algn="ctr">
+                      <a:solidFill>
+                        <a:schemeClr val="tx1"/>
+                      </a:solidFill>
+                      <a:prstDash val="solid"/>
+                      <a:round/>
+                      <a:headEnd type="none" w="med" len="med"/>
+                      <a:tailEnd type="none" w="med" len="med"/>
+                    </a:lnL>
+                  </a:tcPr>
+                </a:tc>
+              </a:tr>
+            </a:tbl>
+          </a:graphicData>
+        </a:graphic>
+      </p:graphicFrame>
+      <p:pic>
+        <p:nvPicPr>
+          <p:cNvPr id="6" name="Picture 4"/>
+          <p:cNvPicPr>
+            <a:picLocks noChangeAspect="1" noChangeArrowheads="1"/>
+          </p:cNvPicPr>
+          <p:nvPr/>
+        </p:nvPicPr>
+        <p:blipFill>
+          <a:blip r:embed="rId2">
+            <a:extLst>
+              <a:ext uri="{28A0092B-C50C-407E-A947-70E740481C1C}">
+                <a14:useLocalDpi xmlns:a14="http://schemas.microsoft.com/office/drawing/2010/main" val="0"/>
+              </a:ext>
+            </a:extLst>
+          </a:blip>
+          <a:srcRect/>
+          <a:stretch>
+            <a:fillRect/>
+          </a:stretch>
+        </p:blipFill>
+        <p:spPr bwMode="auto">
+          <a:xfrm>
+            <a:off x="358775" y="4362652"/>
+            <a:ext cx="8424335" cy="2511829"/>
+          </a:xfrm>
+          <a:prstGeom prst="rect">
+            <a:avLst/>
+          </a:prstGeom>
+          <a:noFill/>
+          <a:ln>
+            <a:noFill/>
+          </a:ln>
+          <a:effectLst/>
+          <a:extLst>
+            <a:ext uri="{909E8E84-426E-40DD-AFC4-6F175D3DCCD1}">
+              <a14:hiddenFill xmlns:a14="http://schemas.microsoft.com/office/drawing/2010/main">
+                <a:blipFill dpi="0" rotWithShape="0">
+                  <a:blip/>
+                  <a:srcRect/>
+                  <a:stretch>
+                    <a:fillRect/>
+                  </a:stretch>
+                </a:blipFill>
+              </a14:hiddenFill>
+            </a:ext>
+            <a:ext uri="{91240B29-F687-4F45-9708-019B960494DF}">
+              <a14:hiddenLine xmlns:a14="http://schemas.microsoft.com/office/drawing/2010/main" w="9525" cap="flat">
+                <a:solidFill>
+                  <a:srgbClr val="3465A4"/>
+                </a:solidFill>
+                <a:round/>
+                <a:headEnd/>
+                <a:tailEnd/>
+              </a14:hiddenLine>
+            </a:ext>
+            <a:ext uri="{AF507438-7753-43E0-B8FC-AC1667EBCBE1}">
+              <a14:hiddenEffects xmlns:a14="http://schemas.microsoft.com/office/drawing/2010/main">
+                <a:effectLst>
+                  <a:outerShdw blurRad="63500" dist="38099" dir="2700000" algn="ctr" rotWithShape="0">
+                    <a:srgbClr val="000000">
+                      <a:alpha val="74998"/>
+                    </a:srgbClr>
+                  </a:outerShdw>
+                </a:effectLst>
+              </a14:hiddenEffects>
+            </a:ext>
+          </a:extLst>
+        </p:spPr>
+      </p:pic>
+    </p:spTree>
+    <p:extLst>
+      <p:ext uri="{BB962C8B-B14F-4D97-AF65-F5344CB8AC3E}">
+        <p14:creationId xmlns:p14="http://schemas.microsoft.com/office/powerpoint/2010/main" val="1115829338"/>
+      </p:ext>
+    </p:extLst>
+  </p:cSld>
+  <p:clrMapOvr>
+    <a:masterClrMapping/>
+  </p:clrMapOvr>
+  <p:transition/>
+  <p:timing>
+    <p:tnLst>
+      <p:par>
+        <p:cTn id="1" dur="indefinite" restart="never" nodeType="tmRoot"/>
+      </p:par>
+    </p:tnLst>
+  </p:timing>
+</p:sld>
+</file>
+
+<file path=ppt/slides/slide24.xml><?xml version="1.0" encoding="utf-8"?>
 <p:sld xmlns:a="http://schemas.openxmlformats.org/drawingml/2006/main" xmlns:r="http://schemas.openxmlformats.org/officeDocument/2006/relationships" xmlns:p="http://schemas.openxmlformats.org/presentationml/2006/main">
   <p:cSld>
     <p:bg>
@@ -6712,149 +10175,6 @@
 </p:sld>
 </file>
 
-<file path=ppt/slides/slide2.xml><?xml version="1.0" encoding="utf-8"?>
-<p:sld xmlns:a="http://schemas.openxmlformats.org/drawingml/2006/main" xmlns:r="http://schemas.openxmlformats.org/officeDocument/2006/relationships" xmlns:p="http://schemas.openxmlformats.org/presentationml/2006/main">
-  <p:cSld>
-    <p:bg>
-      <p:bgPr>
-        <a:solidFill>
-          <a:srgbClr val="E7E7E7"/>
-        </a:solidFill>
-        <a:effectLst/>
-      </p:bgPr>
-    </p:bg>
-    <p:spTree>
-      <p:nvGrpSpPr>
-        <p:cNvPr id="1" name=""/>
-        <p:cNvGrpSpPr/>
-        <p:nvPr/>
-      </p:nvGrpSpPr>
-      <p:grpSpPr>
-        <a:xfrm>
-          <a:off x="0" y="0"/>
-          <a:ext cx="0" cy="0"/>
-          <a:chOff x="0" y="0"/>
-          <a:chExt cx="0" cy="0"/>
-        </a:xfrm>
-      </p:grpSpPr>
-      <p:sp>
-        <p:nvSpPr>
-          <p:cNvPr id="2" name="Textplatzhalter 1"/>
-          <p:cNvSpPr>
-            <a:spLocks noGrp="1"/>
-          </p:cNvSpPr>
-          <p:nvPr>
-            <p:ph type="body" sz="quarter" idx="10"/>
-          </p:nvPr>
-        </p:nvSpPr>
-        <p:spPr/>
-        <p:txBody>
-          <a:bodyPr/>
-          <a:lstStyle/>
-          <a:p>
-            <a:r>
-              <a:rPr lang="en-US" dirty="0"/>
-              <a:t>Todays digital infrastructure is based on public-key </a:t>
-            </a:r>
-            <a:r>
-              <a:rPr lang="en-US" dirty="0" smtClean="0"/>
-              <a:t>crypto</a:t>
-            </a:r>
-          </a:p>
-          <a:p>
-            <a:r>
-              <a:rPr lang="en-US" dirty="0" smtClean="0"/>
-              <a:t>Current public-key crypto vulnerable to quantum computing</a:t>
-            </a:r>
-          </a:p>
-          <a:p>
-            <a:pPr lvl="1"/>
-            <a:r>
-              <a:rPr lang="en-US" dirty="0" smtClean="0"/>
-              <a:t>Shor’s algorithm for prime factorization and discrete logarithms</a:t>
-            </a:r>
-          </a:p>
-          <a:p>
-            <a:r>
-              <a:rPr lang="en-US" dirty="0" smtClean="0"/>
-              <a:t>Quantum computers might become feasible in near future</a:t>
-            </a:r>
-          </a:p>
-          <a:p>
-            <a:r>
-              <a:rPr lang="en-US" dirty="0" smtClean="0"/>
-              <a:t>Urgent need for post-quantum crypto</a:t>
-            </a:r>
-          </a:p>
-          <a:p>
-            <a:r>
-              <a:rPr lang="en-US" dirty="0" smtClean="0"/>
-              <a:t>Lattice-based crypto is one possible solution</a:t>
-            </a:r>
-          </a:p>
-          <a:p>
-            <a:pPr lvl="1"/>
-            <a:r>
-              <a:rPr lang="en-US" dirty="0" smtClean="0"/>
-              <a:t>Currently most promising one, as it is pretty efficient</a:t>
-            </a:r>
-          </a:p>
-          <a:p>
-            <a:r>
-              <a:rPr lang="en-US" dirty="0" smtClean="0"/>
-              <a:t>Side-Channel attack resistance is important for future implementations</a:t>
-            </a:r>
-          </a:p>
-          <a:p>
-            <a:pPr lvl="1"/>
-            <a:endParaRPr lang="en-US" dirty="0" smtClean="0"/>
-          </a:p>
-        </p:txBody>
-      </p:sp>
-      <p:sp>
-        <p:nvSpPr>
-          <p:cNvPr id="3" name="Titel 2"/>
-          <p:cNvSpPr>
-            <a:spLocks noGrp="1"/>
-          </p:cNvSpPr>
-          <p:nvPr>
-            <p:ph type="title"/>
-          </p:nvPr>
-        </p:nvSpPr>
-        <p:spPr/>
-        <p:txBody>
-          <a:bodyPr/>
-          <a:lstStyle/>
-          <a:p>
-            <a:r>
-              <a:rPr lang="de-DE" dirty="0" smtClean="0"/>
-              <a:t>WHAT?!?</a:t>
-            </a:r>
-            <a:endParaRPr lang="de-DE" dirty="0"/>
-          </a:p>
-        </p:txBody>
-      </p:sp>
-    </p:spTree>
-    <p:extLst>
-      <p:ext uri="{BB962C8B-B14F-4D97-AF65-F5344CB8AC3E}">
-        <p14:creationId xmlns:p14="http://schemas.microsoft.com/office/powerpoint/2010/main" val="1241315664"/>
-      </p:ext>
-    </p:extLst>
-  </p:cSld>
-  <p:clrMapOvr>
-    <a:masterClrMapping/>
-  </p:clrMapOvr>
-  <p:transition/>
-  <p:timing>
-    <p:tnLst>
-      <p:par>
-        <p:cTn id="1" dur="indefinite" restart="never" nodeType="tmRoot"/>
-      </p:par>
-    </p:tnLst>
-  </p:timing>
-</p:sld>
-</file>
-
 <file path=ppt/slides/slide3.xml><?xml version="1.0" encoding="utf-8"?>
 <p:sld xmlns:a="http://schemas.openxmlformats.org/drawingml/2006/main" xmlns:r="http://schemas.openxmlformats.org/officeDocument/2006/relationships" xmlns:p="http://schemas.openxmlformats.org/presentationml/2006/main">
   <p:cSld>
@@ -6908,11 +10228,7 @@
           <a:p>
             <a:r>
               <a:rPr lang="en-US" dirty="0" smtClean="0"/>
-              <a:t>BLISS </a:t>
-            </a:r>
-            <a:r>
-              <a:rPr lang="en-US" dirty="0" smtClean="0"/>
-              <a:t>(</a:t>
+              <a:t>BLISS (</a:t>
             </a:r>
             <a:r>
               <a:rPr lang="en-US" b="1" dirty="0" smtClean="0"/>
@@ -6959,18 +10275,22 @@
             <a:pPr lvl="1"/>
             <a:r>
               <a:rPr lang="en-US" dirty="0" smtClean="0"/>
-              <a:t>Sampling algorithms</a:t>
+              <a:t>Sampling</a:t>
             </a:r>
           </a:p>
           <a:p>
             <a:pPr lvl="1"/>
             <a:r>
+              <a:rPr lang="en-US" dirty="0" err="1" smtClean="0"/>
+              <a:t>Flush+Reload</a:t>
+            </a:r>
+            <a:r>
               <a:rPr lang="en-US" dirty="0" smtClean="0"/>
-              <a:t>Cache </a:t>
+              <a:t> </a:t>
             </a:r>
             <a:r>
               <a:rPr lang="en-US" dirty="0" smtClean="0"/>
-              <a:t>attacks</a:t>
+              <a:t>Cache attack</a:t>
             </a:r>
             <a:endParaRPr lang="en-US" dirty="0" smtClean="0"/>
           </a:p>
@@ -7912,8 +11232,8 @@
           <a:chExt cx="0" cy="0"/>
         </a:xfrm>
       </p:grpSpPr>
-      <mc:AlternateContent xmlns:mc="http://schemas.openxmlformats.org/markup-compatibility/2006">
-        <mc:Choice xmlns:a14="http://schemas.microsoft.com/office/drawing/2010/main" Requires="a14">
+      <mc:AlternateContent xmlns:mc="http://schemas.openxmlformats.org/markup-compatibility/2006" xmlns:a14="http://schemas.microsoft.com/office/drawing/2010/main">
+        <mc:Choice Requires="a14">
           <p:sp>
             <p:nvSpPr>
               <p:cNvPr id="2" name="Textplatzhalter 1"/>
@@ -8287,11 +11607,7 @@
                 </a:r>
                 <a:r>
                   <a:rPr lang="en-US" dirty="0" smtClean="0"/>
-                  <a:t> </a:t>
-                </a:r>
-                <a:r>
-                  <a:rPr lang="en-US" dirty="0" smtClean="0"/>
-                  <a:t>discrete Gaussian distribution</a:t>
+                  <a:t> discrete Gaussian distribution</a:t>
                 </a:r>
               </a:p>
               <a:p>
@@ -8304,13 +11620,8 @@
                 <a:pPr lvl="1"/>
                 <a:r>
                   <a:rPr lang="en-US" dirty="0" smtClean="0"/>
-                  <a:t>Key </a:t>
-                </a:r>
-                <a:r>
-                  <a:rPr lang="en-US" dirty="0" smtClean="0"/>
-                  <a:t>Generation (not shown)</a:t>
-                </a:r>
-                <a:endParaRPr lang="en-US" dirty="0" smtClean="0"/>
+                  <a:t>Key Generation (not shown)</a:t>
+                </a:r>
               </a:p>
               <a:p>
                 <a:pPr lvl="1"/>
@@ -8318,7 +11629,6 @@
                   <a:rPr lang="en-US" dirty="0" smtClean="0"/>
                   <a:t>Encryption (shortened)</a:t>
                 </a:r>
-                <a:endParaRPr lang="en-US" dirty="0" smtClean="0"/>
               </a:p>
               <a:p>
                 <a:pPr lvl="1"/>
@@ -8331,7 +11641,7 @@
             </p:txBody>
           </p:sp>
         </mc:Choice>
-        <mc:Fallback>
+        <mc:Fallback xmlns="">
           <p:sp>
             <p:nvSpPr>
               <p:cNvPr id="2" name="Textplatzhalter 1"/>
@@ -8441,8 +11751,8 @@
           <a:chExt cx="0" cy="0"/>
         </a:xfrm>
       </p:grpSpPr>
-      <mc:AlternateContent xmlns:mc="http://schemas.openxmlformats.org/markup-compatibility/2006">
-        <mc:Choice xmlns:a14="http://schemas.microsoft.com/office/drawing/2010/main" Requires="a14">
+      <mc:AlternateContent xmlns:mc="http://schemas.openxmlformats.org/markup-compatibility/2006" xmlns:a14="http://schemas.microsoft.com/office/drawing/2010/main">
+        <mc:Choice Requires="a14">
           <p:sp>
             <p:nvSpPr>
               <p:cNvPr id="2" name="Textplatzhalter 1"/>
@@ -8732,7 +12042,7 @@
             </p:txBody>
           </p:sp>
         </mc:Choice>
-        <mc:Fallback>
+        <mc:Fallback xmlns="">
           <p:sp>
             <p:nvSpPr>
               <p:cNvPr id="2" name="Textplatzhalter 1"/>
@@ -9812,8 +13122,8 @@
           <a:chExt cx="0" cy="0"/>
         </a:xfrm>
       </p:grpSpPr>
-      <mc:AlternateContent xmlns:mc="http://schemas.openxmlformats.org/markup-compatibility/2006">
-        <mc:Choice xmlns:a14="http://schemas.microsoft.com/office/drawing/2010/main" Requires="a14">
+      <mc:AlternateContent xmlns:mc="http://schemas.openxmlformats.org/markup-compatibility/2006" xmlns:a14="http://schemas.microsoft.com/office/drawing/2010/main">
+        <mc:Choice Requires="a14">
           <p:sp>
             <p:nvSpPr>
               <p:cNvPr id="2" name="Textplatzhalter 1"/>
@@ -9984,13 +13294,7 @@
                       <a:rPr lang="de-DE" b="1" i="1" smtClean="0">
                         <a:latin typeface="Cambria Math" charset="0"/>
                       </a:rPr>
-                      <m:t>′</m:t>
-                    </m:r>
-                    <m:r>
-                      <a:rPr lang="de-DE" b="1" i="1" smtClean="0">
-                        <a:latin typeface="Cambria Math" charset="0"/>
-                      </a:rPr>
-                      <m:t>′</m:t>
+                      <m:t>′′</m:t>
                     </m:r>
                   </m:oMath>
                 </a14:m>
@@ -10527,7 +13831,7 @@
             </p:txBody>
           </p:sp>
         </mc:Choice>
-        <mc:Fallback>
+        <mc:Fallback xmlns="">
           <p:sp>
             <p:nvSpPr>
               <p:cNvPr id="2" name="Textplatzhalter 1"/>

--- a/presentation/Julian.pptx
+++ b/presentation/Julian.pptx
@@ -268,7 +268,7 @@
           <a:p>
             <a:fld id="{B602ADCE-79F3-4149-97EB-E4B2C723408B}" type="datetimeFigureOut">
               <a:rPr lang="de-DE" smtClean="0"/>
-              <a:t>21.07.16</a:t>
+              <a:t>22.07.16</a:t>
             </a:fld>
             <a:endParaRPr lang="de-DE"/>
           </a:p>
@@ -446,7 +446,7 @@
             <a:fld id="{BB93A34B-99EF-4508-AC98-725F0CC829C5}" type="datetimeFigureOut">
               <a:rPr lang="de-DE"/>
               <a:pPr/>
-              <a:t>21.07.16</a:t>
+              <a:t>22.07.16</a:t>
             </a:fld>
             <a:endParaRPr lang="de-DE"/>
           </a:p>
@@ -3839,6 +3839,16 @@
         </p:nvPicPr>
         <p:blipFill>
           <a:blip r:embed="rId3">
+            <a:clrChange>
+              <a:clrFrom>
+                <a:srgbClr val="FFFFFF"/>
+              </a:clrFrom>
+              <a:clrTo>
+                <a:srgbClr val="FFFFFF">
+                  <a:alpha val="0"/>
+                </a:srgbClr>
+              </a:clrTo>
+            </a:clrChange>
             <a:extLst>
               <a:ext uri="{28A0092B-C50C-407E-A947-70E740481C1C}">
                 <a14:useLocalDpi xmlns:a14="http://schemas.microsoft.com/office/drawing/2010/main" val="0"/>
@@ -4768,6 +4778,16 @@
         </p:nvPicPr>
         <p:blipFill>
           <a:blip r:embed="rId3">
+            <a:clrChange>
+              <a:clrFrom>
+                <a:srgbClr val="FFFFFF"/>
+              </a:clrFrom>
+              <a:clrTo>
+                <a:srgbClr val="FFFFFF">
+                  <a:alpha val="0"/>
+                </a:srgbClr>
+              </a:clrTo>
+            </a:clrChange>
             <a:extLst>
               <a:ext uri="{28A0092B-C50C-407E-A947-70E740481C1C}">
                 <a14:useLocalDpi xmlns:a14="http://schemas.microsoft.com/office/drawing/2010/main" val="0"/>
@@ -4942,6 +4962,16 @@
         </p:nvPicPr>
         <p:blipFill>
           <a:blip r:embed="rId2">
+            <a:clrChange>
+              <a:clrFrom>
+                <a:srgbClr val="FFFFFF"/>
+              </a:clrFrom>
+              <a:clrTo>
+                <a:srgbClr val="FFFFFF">
+                  <a:alpha val="0"/>
+                </a:srgbClr>
+              </a:clrTo>
+            </a:clrChange>
             <a:extLst>
               <a:ext uri="{28A0092B-C50C-407E-A947-70E740481C1C}">
                 <a14:useLocalDpi xmlns:a14="http://schemas.microsoft.com/office/drawing/2010/main" val="0"/>
@@ -5188,6 +5218,16 @@
         </p:nvPicPr>
         <p:blipFill>
           <a:blip r:embed="rId3">
+            <a:clrChange>
+              <a:clrFrom>
+                <a:srgbClr val="FFFFFF"/>
+              </a:clrFrom>
+              <a:clrTo>
+                <a:srgbClr val="FFFFFF">
+                  <a:alpha val="0"/>
+                </a:srgbClr>
+              </a:clrTo>
+            </a:clrChange>
             <a:extLst>
               <a:ext uri="{28A0092B-C50C-407E-A947-70E740481C1C}">
                 <a14:useLocalDpi xmlns:a14="http://schemas.microsoft.com/office/drawing/2010/main" val="0"/>
@@ -5451,6 +5491,16 @@
         </p:nvPicPr>
         <p:blipFill>
           <a:blip r:embed="rId3">
+            <a:clrChange>
+              <a:clrFrom>
+                <a:srgbClr val="FFFFFF"/>
+              </a:clrFrom>
+              <a:clrTo>
+                <a:srgbClr val="FFFFFF">
+                  <a:alpha val="0"/>
+                </a:srgbClr>
+              </a:clrTo>
+            </a:clrChange>
             <a:extLst>
               <a:ext uri="{28A0092B-C50C-407E-A947-70E740481C1C}">
                 <a14:useLocalDpi xmlns:a14="http://schemas.microsoft.com/office/drawing/2010/main" val="0"/>
@@ -5701,6 +5751,16 @@
         </p:nvPicPr>
         <p:blipFill>
           <a:blip r:embed="rId3">
+            <a:clrChange>
+              <a:clrFrom>
+                <a:srgbClr val="FFFFFF"/>
+              </a:clrFrom>
+              <a:clrTo>
+                <a:srgbClr val="FFFFFF">
+                  <a:alpha val="0"/>
+                </a:srgbClr>
+              </a:clrTo>
+            </a:clrChange>
             <a:extLst>
               <a:ext uri="{28A0092B-C50C-407E-A947-70E740481C1C}">
                 <a14:useLocalDpi xmlns:a14="http://schemas.microsoft.com/office/drawing/2010/main" val="0"/>
@@ -5752,62 +5812,130 @@
           <a:chExt cx="0" cy="0"/>
         </a:xfrm>
       </p:grpSpPr>
-      <p:sp>
-        <p:nvSpPr>
-          <p:cNvPr id="2" name="Textplatzhalter 1"/>
-          <p:cNvSpPr>
-            <a:spLocks noGrp="1"/>
-          </p:cNvSpPr>
-          <p:nvPr>
-            <p:ph type="body" sz="quarter" idx="10"/>
-          </p:nvPr>
-        </p:nvSpPr>
-        <p:spPr/>
-        <p:txBody>
-          <a:bodyPr/>
-          <a:lstStyle/>
-          <a:p>
-            <a:pPr>
-              <a:lnSpc>
-                <a:spcPct val="100000"/>
-              </a:lnSpc>
-              <a:spcBef>
-                <a:spcPts val="488"/>
-              </a:spcBef>
-              <a:buClr>
-                <a:srgbClr val="003560"/>
-              </a:buClr>
-              <a:buFont typeface="Wingdings" charset="2"/>
-              <a:buChar char=""/>
-            </a:pPr>
-            <a:r>
-              <a:rPr lang="de-DE" altLang="de-DE" dirty="0" smtClean="0"/>
-              <a:t>BLISS-I</a:t>
-            </a:r>
-            <a:r>
-              <a:rPr lang="de-DE" altLang="de-DE" dirty="0"/>
-              <a:t>: </a:t>
-            </a:r>
-            <a:r>
-              <a:rPr lang="de-DE" altLang="de-DE" dirty="0" err="1"/>
-              <a:t>Securitiy</a:t>
-            </a:r>
-            <a:r>
-              <a:rPr lang="de-DE" altLang="de-DE" dirty="0"/>
-              <a:t> </a:t>
-            </a:r>
-            <a:r>
-              <a:rPr lang="de-DE" altLang="de-DE" dirty="0" err="1"/>
-              <a:t>lambda</a:t>
-            </a:r>
-            <a:r>
-              <a:rPr lang="de-DE" altLang="de-DE" dirty="0"/>
-              <a:t> = 128Bit</a:t>
-            </a:r>
-            <a:endParaRPr lang="de-DE" altLang="de-DE" dirty="0"/>
-          </a:p>
-        </p:txBody>
-      </p:sp>
+      <mc:AlternateContent xmlns:mc="http://schemas.openxmlformats.org/markup-compatibility/2006" xmlns:a14="http://schemas.microsoft.com/office/drawing/2010/main">
+        <mc:Choice Requires="a14">
+          <p:sp>
+            <p:nvSpPr>
+              <p:cNvPr id="2" name="Textplatzhalter 1"/>
+              <p:cNvSpPr>
+                <a:spLocks noGrp="1"/>
+              </p:cNvSpPr>
+              <p:nvPr>
+                <p:ph type="body" sz="quarter" idx="10"/>
+              </p:nvPr>
+            </p:nvSpPr>
+            <p:spPr/>
+            <p:txBody>
+              <a:bodyPr/>
+              <a:lstStyle/>
+              <a:p>
+                <a:pPr>
+                  <a:lnSpc>
+                    <a:spcPct val="100000"/>
+                  </a:lnSpc>
+                  <a:spcBef>
+                    <a:spcPts val="488"/>
+                  </a:spcBef>
+                  <a:buClr>
+                    <a:srgbClr val="003560"/>
+                  </a:buClr>
+                  <a:buFont typeface="Wingdings" charset="2"/>
+                  <a:buChar char=""/>
+                </a:pPr>
+                <a:r>
+                  <a:rPr lang="en-US" altLang="de-DE" dirty="0" smtClean="0"/>
+                  <a:t>Signature scheme based on lattice problem</a:t>
+                </a:r>
+              </a:p>
+              <a:p>
+                <a:pPr>
+                  <a:lnSpc>
+                    <a:spcPct val="100000"/>
+                  </a:lnSpc>
+                  <a:spcBef>
+                    <a:spcPts val="488"/>
+                  </a:spcBef>
+                  <a:buClr>
+                    <a:srgbClr val="003560"/>
+                  </a:buClr>
+                  <a:buFont typeface="Wingdings" charset="2"/>
+                  <a:buChar char=""/>
+                </a:pPr>
+                <a:r>
+                  <a:rPr lang="en-US" altLang="de-DE" dirty="0" smtClean="0"/>
+                  <a:t>BLISS-I</a:t>
+                </a:r>
+                <a:r>
+                  <a:rPr lang="en-US" altLang="de-DE" dirty="0"/>
+                  <a:t>: </a:t>
+                </a:r>
+                <a:r>
+                  <a:rPr lang="en-US" altLang="de-DE" dirty="0" smtClean="0"/>
+                  <a:t>Security </a:t>
+                </a:r>
+                <a14:m>
+                  <m:oMath xmlns:m="http://schemas.openxmlformats.org/officeDocument/2006/math">
+                    <m:r>
+                      <a:rPr lang="en-US" altLang="de-DE" i="1" smtClean="0">
+                        <a:latin typeface="Cambria Math" charset="0"/>
+                        <a:ea typeface="Cambria Math" charset="0"/>
+                        <a:cs typeface="Cambria Math" charset="0"/>
+                      </a:rPr>
+                      <m:t>𝜆</m:t>
+                    </m:r>
+                    <m:r>
+                      <a:rPr lang="en-US" altLang="de-DE" b="0" i="1" smtClean="0">
+                        <a:latin typeface="Cambria Math" charset="0"/>
+                        <a:ea typeface="Cambria Math" charset="0"/>
+                        <a:cs typeface="Cambria Math" charset="0"/>
+                      </a:rPr>
+                      <m:t>=128</m:t>
+                    </m:r>
+                  </m:oMath>
+                </a14:m>
+                <a:r>
+                  <a:rPr lang="en-US" altLang="de-DE" dirty="0" smtClean="0"/>
+                  <a:t> Bit</a:t>
+                </a:r>
+                <a:endParaRPr lang="en-US" altLang="de-DE" dirty="0"/>
+              </a:p>
+            </p:txBody>
+          </p:sp>
+        </mc:Choice>
+        <mc:Fallback xmlns="">
+          <p:sp>
+            <p:nvSpPr>
+              <p:cNvPr id="2" name="Textplatzhalter 1"/>
+              <p:cNvSpPr>
+                <a:spLocks noGrp="1" noRot="1" noChangeAspect="1" noMove="1" noResize="1" noEditPoints="1" noAdjustHandles="1" noChangeArrowheads="1" noChangeShapeType="1" noTextEdit="1"/>
+              </p:cNvSpPr>
+              <p:nvPr>
+                <p:ph type="body" sz="quarter" idx="10"/>
+              </p:nvPr>
+            </p:nvSpPr>
+            <p:spPr>
+              <a:blipFill rotWithShape="0">
+                <a:blip r:embed="rId2"/>
+                <a:stretch>
+                  <a:fillRect l="-944" t="-779"/>
+                </a:stretch>
+              </a:blipFill>
+            </p:spPr>
+            <p:txBody>
+              <a:bodyPr/>
+              <a:lstStyle/>
+              <a:p>
+                <a:r>
+                  <a:rPr lang="de-DE">
+                    <a:noFill/>
+                  </a:rPr>
+                  <a:t> </a:t>
+                </a:r>
+              </a:p>
+            </p:txBody>
+          </p:sp>
+        </mc:Fallback>
+      </mc:AlternateContent>
       <p:sp>
         <p:nvSpPr>
           <p:cNvPr id="3" name="Titel 2"/>
@@ -5873,248 +6001,305 @@
           <a:chExt cx="0" cy="0"/>
         </a:xfrm>
       </p:grpSpPr>
-      <p:sp>
-        <p:nvSpPr>
-          <p:cNvPr id="2" name="Textplatzhalter 1"/>
-          <p:cNvSpPr>
-            <a:spLocks noGrp="1"/>
-          </p:cNvSpPr>
-          <p:nvPr>
-            <p:ph type="body" sz="quarter" idx="10"/>
-          </p:nvPr>
-        </p:nvSpPr>
-        <p:spPr/>
-        <p:txBody>
-          <a:bodyPr/>
-          <a:lstStyle/>
-          <a:p>
-            <a:pPr indent="-376238">
-              <a:spcBef>
-                <a:spcPts val="488"/>
-              </a:spcBef>
-              <a:buClr>
-                <a:srgbClr val="003560"/>
-              </a:buClr>
-              <a:buFont typeface="Wingdings" charset="2"/>
-              <a:buChar char=""/>
-              <a:tabLst>
-                <a:tab pos="449263" algn="l"/>
-                <a:tab pos="898525" algn="l"/>
-                <a:tab pos="1347788" algn="l"/>
-                <a:tab pos="1797050" algn="l"/>
-                <a:tab pos="2246313" algn="l"/>
-                <a:tab pos="2695575" algn="l"/>
-                <a:tab pos="3144838" algn="l"/>
-                <a:tab pos="3594100" algn="l"/>
-                <a:tab pos="4043363" algn="l"/>
-                <a:tab pos="4492625" algn="l"/>
-                <a:tab pos="4941888" algn="l"/>
-                <a:tab pos="5391150" algn="l"/>
-                <a:tab pos="5840413" algn="l"/>
-                <a:tab pos="6289675" algn="l"/>
-                <a:tab pos="6738938" algn="l"/>
-                <a:tab pos="7188200" algn="l"/>
-                <a:tab pos="7637463" algn="l"/>
-                <a:tab pos="8086725" algn="l"/>
-                <a:tab pos="8535988" algn="l"/>
-                <a:tab pos="8985250" algn="l"/>
-              </a:tabLst>
-            </a:pPr>
-            <a:r>
-              <a:rPr lang="en-US" altLang="de-DE" dirty="0">
-                <a:latin typeface="Arial" charset="0"/>
-                <a:ea typeface="Noto Sans CJK SC Regular" charset="0"/>
-                <a:cs typeface="Noto Sans CJK SC Regular" charset="0"/>
-              </a:rPr>
-              <a:t>For cryptographic applications: Discrete Gaussian distribution needed</a:t>
-            </a:r>
-          </a:p>
-          <a:p>
-            <a:pPr indent="-376238">
-              <a:spcBef>
-                <a:spcPts val="488"/>
-              </a:spcBef>
-              <a:buClr>
-                <a:srgbClr val="003560"/>
-              </a:buClr>
-              <a:buFont typeface="Wingdings" charset="2"/>
-              <a:buChar char=""/>
-              <a:tabLst>
-                <a:tab pos="449263" algn="l"/>
-                <a:tab pos="898525" algn="l"/>
-                <a:tab pos="1347788" algn="l"/>
-                <a:tab pos="1797050" algn="l"/>
-                <a:tab pos="2246313" algn="l"/>
-                <a:tab pos="2695575" algn="l"/>
-                <a:tab pos="3144838" algn="l"/>
-                <a:tab pos="3594100" algn="l"/>
-                <a:tab pos="4043363" algn="l"/>
-                <a:tab pos="4492625" algn="l"/>
-                <a:tab pos="4941888" algn="l"/>
-                <a:tab pos="5391150" algn="l"/>
-                <a:tab pos="5840413" algn="l"/>
-                <a:tab pos="6289675" algn="l"/>
-                <a:tab pos="6738938" algn="l"/>
-                <a:tab pos="7188200" algn="l"/>
-                <a:tab pos="7637463" algn="l"/>
-                <a:tab pos="8086725" algn="l"/>
-                <a:tab pos="8535988" algn="l"/>
-                <a:tab pos="8985250" algn="l"/>
-              </a:tabLst>
-            </a:pPr>
-            <a:r>
-              <a:rPr lang="en-US" altLang="de-DE" dirty="0">
-                <a:latin typeface="Arial" charset="0"/>
-                <a:ea typeface="Noto Sans CJK SC Regular" charset="0"/>
-                <a:cs typeface="Noto Sans CJK SC Regular" charset="0"/>
-              </a:rPr>
-              <a:t>Efficient algorithms needed to sample discrete Gaussians</a:t>
-            </a:r>
-          </a:p>
-          <a:p>
-            <a:pPr indent="-376238">
-              <a:spcBef>
-                <a:spcPts val="488"/>
-              </a:spcBef>
-              <a:buClr>
-                <a:srgbClr val="003560"/>
-              </a:buClr>
-              <a:buFont typeface="Wingdings" charset="2"/>
-              <a:buChar char=""/>
-              <a:tabLst>
-                <a:tab pos="449263" algn="l"/>
-                <a:tab pos="898525" algn="l"/>
-                <a:tab pos="1347788" algn="l"/>
-                <a:tab pos="1797050" algn="l"/>
-                <a:tab pos="2246313" algn="l"/>
-                <a:tab pos="2695575" algn="l"/>
-                <a:tab pos="3144838" algn="l"/>
-                <a:tab pos="3594100" algn="l"/>
-                <a:tab pos="4043363" algn="l"/>
-                <a:tab pos="4492625" algn="l"/>
-                <a:tab pos="4941888" algn="l"/>
-                <a:tab pos="5391150" algn="l"/>
-                <a:tab pos="5840413" algn="l"/>
-                <a:tab pos="6289675" algn="l"/>
-                <a:tab pos="6738938" algn="l"/>
-                <a:tab pos="7188200" algn="l"/>
-                <a:tab pos="7637463" algn="l"/>
-                <a:tab pos="8086725" algn="l"/>
-                <a:tab pos="8535988" algn="l"/>
-                <a:tab pos="8985250" algn="l"/>
-              </a:tabLst>
-            </a:pPr>
-            <a:r>
-              <a:rPr lang="en-US" altLang="de-DE" dirty="0">
-                <a:latin typeface="Arial" charset="0"/>
-                <a:ea typeface="Noto Sans CJK SC Regular" charset="0"/>
-                <a:cs typeface="Noto Sans CJK SC Regular" charset="0"/>
-              </a:rPr>
-              <a:t>Convert uniformly random bits into non-uniformly bits distributed according to target distribution</a:t>
-            </a:r>
-          </a:p>
-          <a:p>
-            <a:pPr indent="-376238">
-              <a:spcBef>
-                <a:spcPts val="488"/>
-              </a:spcBef>
-              <a:buClr>
-                <a:srgbClr val="003560"/>
-              </a:buClr>
-              <a:buFont typeface="Wingdings" charset="2"/>
-              <a:buChar char=""/>
-              <a:tabLst>
-                <a:tab pos="449263" algn="l"/>
-                <a:tab pos="898525" algn="l"/>
-                <a:tab pos="1347788" algn="l"/>
-                <a:tab pos="1797050" algn="l"/>
-                <a:tab pos="2246313" algn="l"/>
-                <a:tab pos="2695575" algn="l"/>
-                <a:tab pos="3144838" algn="l"/>
-                <a:tab pos="3594100" algn="l"/>
-                <a:tab pos="4043363" algn="l"/>
-                <a:tab pos="4492625" algn="l"/>
-                <a:tab pos="4941888" algn="l"/>
-                <a:tab pos="5391150" algn="l"/>
-                <a:tab pos="5840413" algn="l"/>
-                <a:tab pos="6289675" algn="l"/>
-                <a:tab pos="6738938" algn="l"/>
-                <a:tab pos="7188200" algn="l"/>
-                <a:tab pos="7637463" algn="l"/>
-                <a:tab pos="8086725" algn="l"/>
-                <a:tab pos="8535988" algn="l"/>
-                <a:tab pos="8985250" algn="l"/>
-              </a:tabLst>
-            </a:pPr>
-            <a:r>
-              <a:rPr lang="en-US" altLang="de-DE" dirty="0" err="1" smtClean="0">
-                <a:latin typeface="Arial" charset="0"/>
-                <a:ea typeface="Noto Sans CJK SC Regular" charset="0"/>
-                <a:cs typeface="Noto Sans CJK SC Regular" charset="0"/>
-              </a:rPr>
-              <a:t>Tailcut</a:t>
-            </a:r>
-            <a:r>
-              <a:rPr lang="en-US" altLang="de-DE" dirty="0" smtClean="0">
-                <a:latin typeface="Arial" charset="0"/>
-                <a:ea typeface="Noto Sans CJK SC Regular" charset="0"/>
-                <a:cs typeface="Noto Sans CJK SC Regular" charset="0"/>
-              </a:rPr>
-              <a:t> </a:t>
-            </a:r>
-            <a:r>
-              <a:rPr lang="en-US" altLang="de-DE" dirty="0">
-                <a:latin typeface="Arial" charset="0"/>
-                <a:ea typeface="Noto Sans CJK SC Regular" charset="0"/>
-                <a:cs typeface="Noto Sans CJK SC Regular" charset="0"/>
-              </a:rPr>
-              <a:t>tau: Ignore „tail“-part of distribution</a:t>
-            </a:r>
-          </a:p>
-          <a:p>
-            <a:pPr indent="-376238">
-              <a:spcBef>
-                <a:spcPts val="488"/>
-              </a:spcBef>
-              <a:buClr>
-                <a:srgbClr val="003560"/>
-              </a:buClr>
-              <a:buFont typeface="Wingdings" charset="2"/>
-              <a:buChar char=""/>
-              <a:tabLst>
-                <a:tab pos="449263" algn="l"/>
-                <a:tab pos="898525" algn="l"/>
-                <a:tab pos="1347788" algn="l"/>
-                <a:tab pos="1797050" algn="l"/>
-                <a:tab pos="2246313" algn="l"/>
-                <a:tab pos="2695575" algn="l"/>
-                <a:tab pos="3144838" algn="l"/>
-                <a:tab pos="3594100" algn="l"/>
-                <a:tab pos="4043363" algn="l"/>
-                <a:tab pos="4492625" algn="l"/>
-                <a:tab pos="4941888" algn="l"/>
-                <a:tab pos="5391150" algn="l"/>
-                <a:tab pos="5840413" algn="l"/>
-                <a:tab pos="6289675" algn="l"/>
-                <a:tab pos="6738938" algn="l"/>
-                <a:tab pos="7188200" algn="l"/>
-                <a:tab pos="7637463" algn="l"/>
-                <a:tab pos="8086725" algn="l"/>
-                <a:tab pos="8535988" algn="l"/>
-                <a:tab pos="8985250" algn="l"/>
-              </a:tabLst>
-            </a:pPr>
-            <a:endParaRPr lang="en-US" altLang="de-DE" dirty="0">
-              <a:latin typeface="Arial" charset="0"/>
-              <a:ea typeface="Noto Sans CJK SC Regular" charset="0"/>
-              <a:cs typeface="Noto Sans CJK SC Regular" charset="0"/>
-            </a:endParaRPr>
-          </a:p>
-          <a:p>
-            <a:endParaRPr lang="de-DE" dirty="0"/>
-          </a:p>
-        </p:txBody>
-      </p:sp>
+      <mc:AlternateContent xmlns:mc="http://schemas.openxmlformats.org/markup-compatibility/2006" xmlns:a14="http://schemas.microsoft.com/office/drawing/2010/main">
+        <mc:Choice Requires="a14">
+          <p:sp>
+            <p:nvSpPr>
+              <p:cNvPr id="2" name="Textplatzhalter 1"/>
+              <p:cNvSpPr>
+                <a:spLocks noGrp="1"/>
+              </p:cNvSpPr>
+              <p:nvPr>
+                <p:ph type="body" sz="quarter" idx="10"/>
+              </p:nvPr>
+            </p:nvSpPr>
+            <p:spPr/>
+            <p:txBody>
+              <a:bodyPr/>
+              <a:lstStyle/>
+              <a:p>
+                <a:pPr indent="-376238">
+                  <a:spcBef>
+                    <a:spcPts val="488"/>
+                  </a:spcBef>
+                  <a:buClr>
+                    <a:srgbClr val="003560"/>
+                  </a:buClr>
+                  <a:buFont typeface="Wingdings" charset="2"/>
+                  <a:buChar char=""/>
+                  <a:tabLst>
+                    <a:tab pos="449263" algn="l"/>
+                    <a:tab pos="898525" algn="l"/>
+                    <a:tab pos="1347788" algn="l"/>
+                    <a:tab pos="1797050" algn="l"/>
+                    <a:tab pos="2246313" algn="l"/>
+                    <a:tab pos="2695575" algn="l"/>
+                    <a:tab pos="3144838" algn="l"/>
+                    <a:tab pos="3594100" algn="l"/>
+                    <a:tab pos="4043363" algn="l"/>
+                    <a:tab pos="4492625" algn="l"/>
+                    <a:tab pos="4941888" algn="l"/>
+                    <a:tab pos="5391150" algn="l"/>
+                    <a:tab pos="5840413" algn="l"/>
+                    <a:tab pos="6289675" algn="l"/>
+                    <a:tab pos="6738938" algn="l"/>
+                    <a:tab pos="7188200" algn="l"/>
+                    <a:tab pos="7637463" algn="l"/>
+                    <a:tab pos="8086725" algn="l"/>
+                    <a:tab pos="8535988" algn="l"/>
+                    <a:tab pos="8985250" algn="l"/>
+                  </a:tabLst>
+                </a:pPr>
+                <a:r>
+                  <a:rPr lang="en-US" altLang="de-DE" dirty="0">
+                    <a:latin typeface="Arial" charset="0"/>
+                    <a:ea typeface="Noto Sans CJK SC Regular" charset="0"/>
+                    <a:cs typeface="Noto Sans CJK SC Regular" charset="0"/>
+                  </a:rPr>
+                  <a:t>For cryptographic applications: Discrete Gaussian distribution needed</a:t>
+                </a:r>
+              </a:p>
+              <a:p>
+                <a:pPr indent="-376238">
+                  <a:spcBef>
+                    <a:spcPts val="488"/>
+                  </a:spcBef>
+                  <a:buClr>
+                    <a:srgbClr val="003560"/>
+                  </a:buClr>
+                  <a:buFont typeface="Wingdings" charset="2"/>
+                  <a:buChar char=""/>
+                  <a:tabLst>
+                    <a:tab pos="449263" algn="l"/>
+                    <a:tab pos="898525" algn="l"/>
+                    <a:tab pos="1347788" algn="l"/>
+                    <a:tab pos="1797050" algn="l"/>
+                    <a:tab pos="2246313" algn="l"/>
+                    <a:tab pos="2695575" algn="l"/>
+                    <a:tab pos="3144838" algn="l"/>
+                    <a:tab pos="3594100" algn="l"/>
+                    <a:tab pos="4043363" algn="l"/>
+                    <a:tab pos="4492625" algn="l"/>
+                    <a:tab pos="4941888" algn="l"/>
+                    <a:tab pos="5391150" algn="l"/>
+                    <a:tab pos="5840413" algn="l"/>
+                    <a:tab pos="6289675" algn="l"/>
+                    <a:tab pos="6738938" algn="l"/>
+                    <a:tab pos="7188200" algn="l"/>
+                    <a:tab pos="7637463" algn="l"/>
+                    <a:tab pos="8086725" algn="l"/>
+                    <a:tab pos="8535988" algn="l"/>
+                    <a:tab pos="8985250" algn="l"/>
+                  </a:tabLst>
+                </a:pPr>
+                <a:r>
+                  <a:rPr lang="en-US" altLang="de-DE" dirty="0">
+                    <a:latin typeface="Arial" charset="0"/>
+                    <a:ea typeface="Noto Sans CJK SC Regular" charset="0"/>
+                    <a:cs typeface="Noto Sans CJK SC Regular" charset="0"/>
+                  </a:rPr>
+                  <a:t>Efficient algorithms needed to sample discrete Gaussians</a:t>
+                </a:r>
+              </a:p>
+              <a:p>
+                <a:pPr indent="-376238">
+                  <a:spcBef>
+                    <a:spcPts val="488"/>
+                  </a:spcBef>
+                  <a:buClr>
+                    <a:srgbClr val="003560"/>
+                  </a:buClr>
+                  <a:buFont typeface="Wingdings" charset="2"/>
+                  <a:buChar char=""/>
+                  <a:tabLst>
+                    <a:tab pos="449263" algn="l"/>
+                    <a:tab pos="898525" algn="l"/>
+                    <a:tab pos="1347788" algn="l"/>
+                    <a:tab pos="1797050" algn="l"/>
+                    <a:tab pos="2246313" algn="l"/>
+                    <a:tab pos="2695575" algn="l"/>
+                    <a:tab pos="3144838" algn="l"/>
+                    <a:tab pos="3594100" algn="l"/>
+                    <a:tab pos="4043363" algn="l"/>
+                    <a:tab pos="4492625" algn="l"/>
+                    <a:tab pos="4941888" algn="l"/>
+                    <a:tab pos="5391150" algn="l"/>
+                    <a:tab pos="5840413" algn="l"/>
+                    <a:tab pos="6289675" algn="l"/>
+                    <a:tab pos="6738938" algn="l"/>
+                    <a:tab pos="7188200" algn="l"/>
+                    <a:tab pos="7637463" algn="l"/>
+                    <a:tab pos="8086725" algn="l"/>
+                    <a:tab pos="8535988" algn="l"/>
+                    <a:tab pos="8985250" algn="l"/>
+                  </a:tabLst>
+                </a:pPr>
+                <a:r>
+                  <a:rPr lang="en-US" altLang="de-DE" dirty="0">
+                    <a:latin typeface="Arial" charset="0"/>
+                    <a:ea typeface="Noto Sans CJK SC Regular" charset="0"/>
+                    <a:cs typeface="Noto Sans CJK SC Regular" charset="0"/>
+                  </a:rPr>
+                  <a:t>Convert uniformly random bits into non-uniformly bits distributed according to target distribution</a:t>
+                </a:r>
+              </a:p>
+              <a:p>
+                <a:pPr indent="-376238">
+                  <a:spcBef>
+                    <a:spcPts val="488"/>
+                  </a:spcBef>
+                  <a:buClr>
+                    <a:srgbClr val="003560"/>
+                  </a:buClr>
+                  <a:buFont typeface="Wingdings" charset="2"/>
+                  <a:buChar char=""/>
+                  <a:tabLst>
+                    <a:tab pos="449263" algn="l"/>
+                    <a:tab pos="898525" algn="l"/>
+                    <a:tab pos="1347788" algn="l"/>
+                    <a:tab pos="1797050" algn="l"/>
+                    <a:tab pos="2246313" algn="l"/>
+                    <a:tab pos="2695575" algn="l"/>
+                    <a:tab pos="3144838" algn="l"/>
+                    <a:tab pos="3594100" algn="l"/>
+                    <a:tab pos="4043363" algn="l"/>
+                    <a:tab pos="4492625" algn="l"/>
+                    <a:tab pos="4941888" algn="l"/>
+                    <a:tab pos="5391150" algn="l"/>
+                    <a:tab pos="5840413" algn="l"/>
+                    <a:tab pos="6289675" algn="l"/>
+                    <a:tab pos="6738938" algn="l"/>
+                    <a:tab pos="7188200" algn="l"/>
+                    <a:tab pos="7637463" algn="l"/>
+                    <a:tab pos="8086725" algn="l"/>
+                    <a:tab pos="8535988" algn="l"/>
+                    <a:tab pos="8985250" algn="l"/>
+                  </a:tabLst>
+                </a:pPr>
+                <a:r>
+                  <a:rPr lang="en-US" altLang="de-DE" dirty="0" err="1" smtClean="0">
+                    <a:latin typeface="Arial" charset="0"/>
+                    <a:ea typeface="Noto Sans CJK SC Regular" charset="0"/>
+                    <a:cs typeface="Noto Sans CJK SC Regular" charset="0"/>
+                  </a:rPr>
+                  <a:t>Tailcut</a:t>
+                </a:r>
+                <a:r>
+                  <a:rPr lang="en-US" altLang="de-DE" dirty="0" smtClean="0">
+                    <a:latin typeface="Arial" charset="0"/>
+                    <a:ea typeface="Noto Sans CJK SC Regular" charset="0"/>
+                    <a:cs typeface="Noto Sans CJK SC Regular" charset="0"/>
+                  </a:rPr>
+                  <a:t> </a:t>
+                </a:r>
+                <a14:m>
+                  <m:oMath xmlns:m="http://schemas.openxmlformats.org/officeDocument/2006/math">
+                    <m:r>
+                      <a:rPr lang="en-US" altLang="de-DE" i="1" smtClean="0">
+                        <a:latin typeface="Cambria Math" charset="0"/>
+                        <a:ea typeface="Cambria Math" charset="0"/>
+                        <a:cs typeface="Cambria Math" charset="0"/>
+                      </a:rPr>
+                      <m:t>𝜏</m:t>
+                    </m:r>
+                  </m:oMath>
+                </a14:m>
+                <a:r>
+                  <a:rPr lang="en-US" altLang="de-DE" dirty="0" smtClean="0">
+                    <a:latin typeface="Arial" charset="0"/>
+                    <a:ea typeface="Noto Sans CJK SC Regular" charset="0"/>
+                    <a:cs typeface="Noto Sans CJK SC Regular" charset="0"/>
+                  </a:rPr>
+                  <a:t>: </a:t>
+                </a:r>
+                <a:r>
+                  <a:rPr lang="en-US" altLang="de-DE" dirty="0">
+                    <a:latin typeface="Arial" charset="0"/>
+                    <a:ea typeface="Noto Sans CJK SC Regular" charset="0"/>
+                    <a:cs typeface="Noto Sans CJK SC Regular" charset="0"/>
+                  </a:rPr>
+                  <a:t>Ignore „tail“-part of distribution</a:t>
+                </a:r>
+              </a:p>
+              <a:p>
+                <a:pPr indent="-376238">
+                  <a:spcBef>
+                    <a:spcPts val="488"/>
+                  </a:spcBef>
+                  <a:buClr>
+                    <a:srgbClr val="003560"/>
+                  </a:buClr>
+                  <a:buFont typeface="Wingdings" charset="2"/>
+                  <a:buChar char=""/>
+                  <a:tabLst>
+                    <a:tab pos="449263" algn="l"/>
+                    <a:tab pos="898525" algn="l"/>
+                    <a:tab pos="1347788" algn="l"/>
+                    <a:tab pos="1797050" algn="l"/>
+                    <a:tab pos="2246313" algn="l"/>
+                    <a:tab pos="2695575" algn="l"/>
+                    <a:tab pos="3144838" algn="l"/>
+                    <a:tab pos="3594100" algn="l"/>
+                    <a:tab pos="4043363" algn="l"/>
+                    <a:tab pos="4492625" algn="l"/>
+                    <a:tab pos="4941888" algn="l"/>
+                    <a:tab pos="5391150" algn="l"/>
+                    <a:tab pos="5840413" algn="l"/>
+                    <a:tab pos="6289675" algn="l"/>
+                    <a:tab pos="6738938" algn="l"/>
+                    <a:tab pos="7188200" algn="l"/>
+                    <a:tab pos="7637463" algn="l"/>
+                    <a:tab pos="8086725" algn="l"/>
+                    <a:tab pos="8535988" algn="l"/>
+                    <a:tab pos="8985250" algn="l"/>
+                  </a:tabLst>
+                </a:pPr>
+                <a:endParaRPr lang="en-US" altLang="de-DE" dirty="0">
+                  <a:latin typeface="Arial" charset="0"/>
+                  <a:ea typeface="Noto Sans CJK SC Regular" charset="0"/>
+                  <a:cs typeface="Noto Sans CJK SC Regular" charset="0"/>
+                </a:endParaRPr>
+              </a:p>
+              <a:p>
+                <a:endParaRPr lang="de-DE" dirty="0"/>
+              </a:p>
+            </p:txBody>
+          </p:sp>
+        </mc:Choice>
+        <mc:Fallback xmlns="">
+          <p:sp>
+            <p:nvSpPr>
+              <p:cNvPr id="2" name="Textplatzhalter 1"/>
+              <p:cNvSpPr>
+                <a:spLocks noGrp="1" noRot="1" noChangeAspect="1" noMove="1" noResize="1" noEditPoints="1" noAdjustHandles="1" noChangeArrowheads="1" noChangeShapeType="1" noTextEdit="1"/>
+              </p:cNvSpPr>
+              <p:nvPr>
+                <p:ph type="body" sz="quarter" idx="10"/>
+              </p:nvPr>
+            </p:nvSpPr>
+            <p:spPr>
+              <a:blipFill rotWithShape="0">
+                <a:blip r:embed="rId2"/>
+                <a:stretch>
+                  <a:fillRect l="-944" t="-779"/>
+                </a:stretch>
+              </a:blipFill>
+            </p:spPr>
+            <p:txBody>
+              <a:bodyPr/>
+              <a:lstStyle/>
+              <a:p>
+                <a:r>
+                  <a:rPr lang="de-DE">
+                    <a:noFill/>
+                  </a:rPr>
+                  <a:t> </a:t>
+                </a:r>
+              </a:p>
+            </p:txBody>
+          </p:sp>
+        </mc:Fallback>
+      </mc:AlternateContent>
       <p:sp>
         <p:nvSpPr>
           <p:cNvPr id="3" name="Titel 2"/>
@@ -6170,7 +6355,17 @@
           <p:nvPr/>
         </p:nvPicPr>
         <p:blipFill>
-          <a:blip r:embed="rId2">
+          <a:blip r:embed="rId3">
+            <a:clrChange>
+              <a:clrFrom>
+                <a:srgbClr val="FFFFFF"/>
+              </a:clrFrom>
+              <a:clrTo>
+                <a:srgbClr val="FFFFFF">
+                  <a:alpha val="0"/>
+                </a:srgbClr>
+              </a:clrTo>
+            </a:clrChange>
             <a:extLst>
               <a:ext uri="{28A0092B-C50C-407E-A947-70E740481C1C}">
                 <a14:useLocalDpi xmlns:a14="http://schemas.microsoft.com/office/drawing/2010/main" val="0"/>
@@ -6184,8 +6379,8 @@
         </p:blipFill>
         <p:spPr bwMode="auto">
           <a:xfrm>
-            <a:off x="1951422" y="3852639"/>
-            <a:ext cx="6177780" cy="3175327"/>
+            <a:off x="1561240" y="3477297"/>
+            <a:ext cx="6958145" cy="3576428"/>
           </a:xfrm>
           <a:prstGeom prst="rect">
             <a:avLst/>
@@ -6262,8 +6457,8 @@
           <a:chExt cx="0" cy="0"/>
         </a:xfrm>
       </p:grpSpPr>
-      <mc:AlternateContent xmlns:mc="http://schemas.openxmlformats.org/markup-compatibility/2006">
-        <mc:Choice xmlns:a14="http://schemas.microsoft.com/office/drawing/2010/main" Requires="a14">
+      <mc:AlternateContent xmlns:mc="http://schemas.openxmlformats.org/markup-compatibility/2006" xmlns:a14="http://schemas.microsoft.com/office/drawing/2010/main">
+        <mc:Choice Requires="a14">
           <p:sp>
             <p:nvSpPr>
               <p:cNvPr id="2" name="Textplatzhalter 1"/>
@@ -6414,7 +6609,7 @@
             </p:txBody>
           </p:sp>
         </mc:Choice>
-        <mc:Fallback>
+        <mc:Fallback xmlns="">
           <p:sp>
             <p:nvSpPr>
               <p:cNvPr id="2" name="Textplatzhalter 1"/>
@@ -6513,8 +6708,8 @@
           <a:chExt cx="0" cy="0"/>
         </a:xfrm>
       </p:grpSpPr>
-      <mc:AlternateContent xmlns:mc="http://schemas.openxmlformats.org/markup-compatibility/2006">
-        <mc:Choice xmlns:a14="http://schemas.microsoft.com/office/drawing/2010/main" Requires="a14">
+      <mc:AlternateContent xmlns:mc="http://schemas.openxmlformats.org/markup-compatibility/2006" xmlns:a14="http://schemas.microsoft.com/office/drawing/2010/main">
+        <mc:Choice Requires="a14">
           <p:sp>
             <p:nvSpPr>
               <p:cNvPr id="2" name="Textplatzhalter 1"/>
@@ -6593,7 +6788,7 @@
             </p:txBody>
           </p:sp>
         </mc:Choice>
-        <mc:Fallback>
+        <mc:Fallback xmlns="">
           <p:sp>
             <p:nvSpPr>
               <p:cNvPr id="2" name="Textplatzhalter 1"/>
@@ -6738,7 +6933,15 @@
             <a:pPr lvl="1"/>
             <a:r>
               <a:rPr lang="en-US" dirty="0" smtClean="0"/>
-              <a:t>Shor’s algorithm for prime factorization and discrete logarithms</a:t>
+              <a:t>Shor’s algorithm </a:t>
+            </a:r>
+            <a:r>
+              <a:rPr lang="en-US" dirty="0" smtClean="0"/>
+              <a:t>[1] for </a:t>
+            </a:r>
+            <a:r>
+              <a:rPr lang="en-US" dirty="0" smtClean="0"/>
+              <a:t>prime factorization and discrete logarithms</a:t>
             </a:r>
           </a:p>
           <a:p>
@@ -6771,10 +6974,41 @@
               <a:rPr lang="en-US" dirty="0" smtClean="0"/>
               <a:t>Side-Channel attack resistance is important for future implementations</a:t>
             </a:r>
+          </a:p>
+          <a:p>
+            <a:pPr lvl="1"/>
+            <a:r>
+              <a:rPr lang="en-US" dirty="0" smtClean="0"/>
+              <a:t>E.g., Internet of things: attacker has physical access to devices</a:t>
+            </a:r>
+          </a:p>
+          <a:p>
+            <a:pPr lvl="1"/>
+            <a:endParaRPr lang="en-US" dirty="0"/>
           </a:p>
           <a:p>
             <a:pPr lvl="1"/>
             <a:endParaRPr lang="en-US" dirty="0" smtClean="0"/>
+          </a:p>
+          <a:p>
+            <a:pPr lvl="1"/>
+            <a:endParaRPr lang="en-US" dirty="0"/>
+          </a:p>
+          <a:p>
+            <a:pPr marL="63500" indent="0">
+              <a:buNone/>
+            </a:pPr>
+            <a:endParaRPr lang="en-US" sz="1100" dirty="0" smtClean="0"/>
+          </a:p>
+          <a:p>
+            <a:pPr marL="63500" indent="0">
+              <a:buNone/>
+            </a:pPr>
+            <a:r>
+              <a:rPr lang="en-US" sz="1100" dirty="0" smtClean="0"/>
+              <a:t>[1] “Polynomial-Time Algorithms for Prime Factorization and Discrete Logarithms on a Quantum Computer”; Peter W. Shor; October 1997</a:t>
+            </a:r>
+            <a:endParaRPr lang="en-US" sz="1100" dirty="0" smtClean="0"/>
           </a:p>
         </p:txBody>
       </p:sp>
@@ -6873,15 +7107,7 @@
           <a:p>
             <a:r>
               <a:rPr lang="en-US" dirty="0" smtClean="0"/>
-              <a:t>Reload flushed memory lines and compare </a:t>
-            </a:r>
-            <a:r>
-              <a:rPr lang="en-US" dirty="0" err="1" smtClean="0"/>
-              <a:t>accesstime</a:t>
-            </a:r>
-            <a:r>
-              <a:rPr lang="en-US" dirty="0" smtClean="0"/>
-              <a:t> to reference value</a:t>
+              <a:t>Reload flushed memory lines and compare access time to reference value</a:t>
             </a:r>
           </a:p>
           <a:p>
@@ -7001,8 +7227,8 @@
           <a:chExt cx="0" cy="0"/>
         </a:xfrm>
       </p:grpSpPr>
-      <mc:AlternateContent xmlns:mc="http://schemas.openxmlformats.org/markup-compatibility/2006">
-        <mc:Choice xmlns:a14="http://schemas.microsoft.com/office/drawing/2010/main" Requires="a14">
+      <mc:AlternateContent xmlns:mc="http://schemas.openxmlformats.org/markup-compatibility/2006" xmlns:a14="http://schemas.microsoft.com/office/drawing/2010/main">
+        <mc:Choice Requires="a14">
           <p:sp>
             <p:nvSpPr>
               <p:cNvPr id="2" name="Textplatzhalter 1"/>
@@ -7020,19 +7246,15 @@
               <a:p>
                 <a:r>
                   <a:rPr lang="en-US" dirty="0" smtClean="0"/>
-                  <a:t>Only cache lines </a:t>
-                </a:r>
-                <a:r>
-                  <a:rPr lang="en-US" dirty="0" smtClean="0">
-                    <a:solidFill>
-                      <a:srgbClr val="FF0000"/>
-                    </a:solidFill>
-                  </a:rPr>
-                  <a:t>(with/in???) </a:t>
+                  <a:t>Only cache </a:t>
+                </a:r>
+                <a:r>
+                  <a:rPr lang="en-US" dirty="0"/>
+                  <a:t>lines </a:t>
                 </a:r>
                 <a:r>
                   <a:rPr lang="en-US" dirty="0" smtClean="0"/>
-                  <a:t>a specific pattern are monitored</a:t>
+                  <a:t>with a specific pattern are monitored</a:t>
                 </a:r>
               </a:p>
               <a:p>
@@ -7627,7 +7849,7 @@
             </p:txBody>
           </p:sp>
         </mc:Choice>
-        <mc:Fallback>
+        <mc:Fallback xmlns="">
           <p:sp>
             <p:nvSpPr>
               <p:cNvPr id="2" name="Textplatzhalter 1"/>
@@ -7813,8 +8035,8 @@
           </a:p>
         </p:txBody>
       </p:sp>
-      <mc:AlternateContent xmlns:mc="http://schemas.openxmlformats.org/markup-compatibility/2006">
-        <mc:Choice xmlns:a14="http://schemas.microsoft.com/office/drawing/2010/main" Requires="a14">
+      <mc:AlternateContent xmlns:mc="http://schemas.openxmlformats.org/markup-compatibility/2006" xmlns:a14="http://schemas.microsoft.com/office/drawing/2010/main">
+        <mc:Choice Requires="a14">
           <p:graphicFrame>
             <p:nvGraphicFramePr>
               <p:cNvPr id="4" name="Tabelle 3"/>
@@ -8117,7 +8339,7 @@
                             <m:oMath xmlns:m="http://schemas.openxmlformats.org/officeDocument/2006/math">
                               <m:r>
                                 <a:rPr lang="de-DE" sz="2400" smtClean="0">
-                                  <a:latin typeface="Arial" charset="0"/>
+                                  <a:latin typeface="Cambria Math" charset="0"/>
                                   <a:ea typeface="Arial" charset="0"/>
                                   <a:cs typeface="Arial" charset="0"/>
                                 </a:rPr>
@@ -8210,23 +8432,7 @@
                               <a:ea typeface="Arial" charset="0"/>
                               <a:cs typeface="Arial" charset="0"/>
                             </a:rPr>
-                            <a:t>: </a:t>
-                          </a:r>
-                          <a:r>
-                            <a:rPr lang="de-DE" sz="2400" baseline="0" dirty="0" smtClean="0">
-                              <a:latin typeface="Arial" charset="0"/>
-                              <a:ea typeface="Arial" charset="0"/>
-                              <a:cs typeface="Arial" charset="0"/>
-                            </a:rPr>
-                            <a:t>∅</a:t>
-                          </a:r>
-                          <a:r>
-                            <a:rPr lang="de-DE" sz="2400" baseline="0" dirty="0" smtClean="0">
-                              <a:latin typeface="Arial" charset="0"/>
-                              <a:ea typeface="Arial" charset="0"/>
-                              <a:cs typeface="Arial" charset="0"/>
-                            </a:rPr>
-                            <a:t>3438</a:t>
+                            <a:t>: ∅3438</a:t>
                           </a:r>
                           <a:endParaRPr lang="de-DE" sz="2400" dirty="0">
                             <a:latin typeface="Arial" charset="0"/>
@@ -8253,7 +8459,7 @@
             </a:graphic>
           </p:graphicFrame>
         </mc:Choice>
-        <mc:Fallback>
+        <mc:Fallback xmlns="">
           <p:graphicFrame>
             <p:nvGraphicFramePr>
               <p:cNvPr id="4" name="Tabelle 3"/>
@@ -10286,13 +10492,8 @@
             </a:r>
             <a:r>
               <a:rPr lang="en-US" dirty="0" smtClean="0"/>
-              <a:t> </a:t>
-            </a:r>
-            <a:r>
-              <a:rPr lang="en-US" dirty="0" smtClean="0"/>
-              <a:t>Cache attack</a:t>
-            </a:r>
-            <a:endParaRPr lang="en-US" dirty="0" smtClean="0"/>
+              <a:t> Cache attack</a:t>
+            </a:r>
           </a:p>
         </p:txBody>
       </p:sp>
@@ -10392,8 +10593,8 @@
           <a:chExt cx="0" cy="0"/>
         </a:xfrm>
       </p:grpSpPr>
-      <mc:AlternateContent xmlns:mc="http://schemas.openxmlformats.org/markup-compatibility/2006" xmlns:a14="http://schemas.microsoft.com/office/drawing/2010/main">
-        <mc:Choice Requires="a14">
+      <mc:AlternateContent xmlns:mc="http://schemas.openxmlformats.org/markup-compatibility/2006">
+        <mc:Choice xmlns:a14="http://schemas.microsoft.com/office/drawing/2010/main" Requires="a14">
           <p:sp>
             <p:nvSpPr>
               <p:cNvPr id="2" name="Textplatzhalter 1"/>
@@ -10724,7 +10925,7 @@
             </p:txBody>
           </p:sp>
         </mc:Choice>
-        <mc:Fallback xmlns="">
+        <mc:Fallback>
           <p:sp>
             <p:nvSpPr>
               <p:cNvPr id="2" name="Textplatzhalter 1"/>
@@ -11232,8 +11433,8 @@
           <a:chExt cx="0" cy="0"/>
         </a:xfrm>
       </p:grpSpPr>
-      <mc:AlternateContent xmlns:mc="http://schemas.openxmlformats.org/markup-compatibility/2006" xmlns:a14="http://schemas.microsoft.com/office/drawing/2010/main">
-        <mc:Choice Requires="a14">
+      <mc:AlternateContent xmlns:mc="http://schemas.openxmlformats.org/markup-compatibility/2006">
+        <mc:Choice xmlns:a14="http://schemas.microsoft.com/office/drawing/2010/main" Requires="a14">
           <p:sp>
             <p:nvSpPr>
               <p:cNvPr id="2" name="Textplatzhalter 1"/>
@@ -11416,6 +11617,11 @@
                         </m:r>
                         <m:r>
                           <a:rPr lang="de-DE" b="0" i="1" smtClean="0">
+                            <a:solidFill>
+                              <a:schemeClr val="bg1">
+                                <a:lumMod val="65000"/>
+                              </a:schemeClr>
+                            </a:solidFill>
                             <a:latin typeface="Cambria Math" charset="0"/>
                             <a:ea typeface="Cambria Math" charset="0"/>
                             <a:cs typeface="Cambria Math" charset="0"/>
@@ -11426,21 +11632,11 @@
                     </m:d>
                   </m:oMath>
                 </a14:m>
-                <a:r>
-                  <a:rPr lang="en-US" dirty="0" smtClean="0"/>
-                  <a:t>, polynomial </a:t>
-                </a:r>
-                <a14:m>
-                  <m:oMath xmlns:m="http://schemas.openxmlformats.org/officeDocument/2006/math">
-                    <m:r>
-                      <a:rPr lang="de-DE" b="1" i="1" smtClean="0">
-                        <a:latin typeface="Cambria Math" charset="0"/>
-                      </a:rPr>
-                      <m:t>𝒈</m:t>
-                    </m:r>
-                  </m:oMath>
-                </a14:m>
-                <a:endParaRPr lang="en-US" b="1" dirty="0" smtClean="0"/>
+                <a:endParaRPr lang="de-DE" b="0" i="1" dirty="0" smtClean="0">
+                  <a:latin typeface="Cambria Math" charset="0"/>
+                  <a:ea typeface="Cambria Math" charset="0"/>
+                  <a:cs typeface="Cambria Math" charset="0"/>
+                </a:endParaRPr>
               </a:p>
               <a:p>
                 <a:pPr lvl="1"/>
@@ -11584,36 +11780,13 @@
                 <a:endParaRPr lang="en-US" dirty="0" smtClean="0"/>
               </a:p>
               <a:p>
-                <a:pPr lvl="1"/>
-                <a14:m>
-                  <m:oMath xmlns:m="http://schemas.openxmlformats.org/officeDocument/2006/math">
-                    <m:r>
-                      <a:rPr lang="de-DE" i="1">
-                        <a:latin typeface="Cambria Math" charset="0"/>
-                        <a:ea typeface="Cambria Math" charset="0"/>
-                        <a:cs typeface="Cambria Math" charset="0"/>
-                      </a:rPr>
-                      <m:t>𝜎</m:t>
-                    </m:r>
-                  </m:oMath>
-                </a14:m>
                 <a:r>
                   <a:rPr lang="en-US" dirty="0" smtClean="0"/>
-                  <a:t>: Standard deviation of </a:t>
-                </a:r>
-                <a:r>
-                  <a:rPr lang="en-US" dirty="0"/>
-                  <a:t>a</a:t>
+                  <a:t>Three </a:t>
                 </a:r>
                 <a:r>
                   <a:rPr lang="en-US" dirty="0" smtClean="0"/>
-                  <a:t> discrete Gaussian distribution</a:t>
-                </a:r>
-              </a:p>
-              <a:p>
-                <a:r>
-                  <a:rPr lang="en-US" dirty="0" smtClean="0"/>
-                  <a:t>Three main operations:</a:t>
+                  <a:t>main operations:</a:t>
                 </a:r>
               </a:p>
               <a:p>
@@ -11634,14 +11807,92 @@
                 <a:pPr lvl="1"/>
                 <a:r>
                   <a:rPr lang="en-US" dirty="0" smtClean="0"/>
-                  <a:t>Decryption (main focus)</a:t>
-                </a:r>
+                  <a:t>Decryption (main focus</a:t>
+                </a:r>
+                <a:r>
+                  <a:rPr lang="en-US" dirty="0" smtClean="0"/>
+                  <a:t>)</a:t>
+                </a:r>
+              </a:p>
+              <a:p>
+                <a:pPr lvl="1"/>
                 <a:endParaRPr lang="en-US" dirty="0"/>
+              </a:p>
+              <a:p>
+                <a:pPr lvl="1"/>
+                <a:endParaRPr lang="en-US" dirty="0" smtClean="0"/>
+              </a:p>
+              <a:p>
+                <a:endParaRPr lang="en-US" dirty="0" smtClean="0"/>
+              </a:p>
+              <a:p>
+                <a:pPr lvl="1"/>
+                <a:endParaRPr lang="en-US" dirty="0" smtClean="0"/>
+              </a:p>
+              <a:p>
+                <a:pPr lvl="1"/>
+                <a:endParaRPr lang="en-US" dirty="0" smtClean="0"/>
+              </a:p>
+              <a:p>
+                <a:pPr marL="63500" indent="0">
+                  <a:buNone/>
+                </a:pPr>
+                <a:endParaRPr lang="en-US" sz="1100" dirty="0" smtClean="0"/>
+              </a:p>
+              <a:p>
+                <a:pPr marL="63500" indent="0">
+                  <a:buNone/>
+                </a:pPr>
+                <a:r>
+                  <a:rPr lang="en-US" sz="1100" dirty="0" smtClean="0"/>
+                  <a:t>[2] “On Ideal Lattices and Learning with Errors Over Rings”; </a:t>
+                </a:r>
+                <a:r>
+                  <a:rPr lang="de-DE" sz="1100" dirty="0" smtClean="0"/>
+                  <a:t>Vadim </a:t>
+                </a:r>
+                <a:r>
+                  <a:rPr lang="de-DE" sz="1100" dirty="0" err="1" smtClean="0"/>
+                  <a:t>Lyubashevsky</a:t>
+                </a:r>
+                <a:r>
+                  <a:rPr lang="de-DE" sz="1100" dirty="0" smtClean="0"/>
+                  <a:t>, Chris </a:t>
+                </a:r>
+                <a:r>
+                  <a:rPr lang="de-DE" sz="1100" dirty="0" err="1" smtClean="0"/>
+                  <a:t>Peikert</a:t>
+                </a:r>
+                <a:r>
+                  <a:rPr lang="de-DE" sz="1100" dirty="0" smtClean="0"/>
+                  <a:t>, </a:t>
+                </a:r>
+                <a:r>
+                  <a:rPr lang="de-DE" sz="1100" dirty="0" err="1" smtClean="0"/>
+                  <a:t>Oded</a:t>
+                </a:r>
+                <a:r>
+                  <a:rPr lang="de-DE" sz="1100" dirty="0" smtClean="0"/>
+                  <a:t> </a:t>
+                </a:r>
+                <a:r>
+                  <a:rPr lang="de-DE" sz="1100" dirty="0" err="1" smtClean="0"/>
+                  <a:t>Regev</a:t>
+                </a:r>
+                <a:r>
+                  <a:rPr lang="de-DE" sz="1100" dirty="0"/>
+                  <a:t>;</a:t>
+                </a:r>
+                <a:r>
+                  <a:rPr lang="de-DE" sz="1100" dirty="0" smtClean="0"/>
+                  <a:t> 2012</a:t>
+                </a:r>
+                <a:endParaRPr lang="en-US" sz="1100" dirty="0" smtClean="0"/>
               </a:p>
             </p:txBody>
           </p:sp>
         </mc:Choice>
-        <mc:Fallback xmlns="">
+        <mc:Fallback>
           <p:sp>
             <p:nvSpPr>
               <p:cNvPr id="2" name="Textplatzhalter 1"/>
@@ -11656,7 +11907,7 @@
               <a:blipFill rotWithShape="0">
                 <a:blip r:embed="rId2"/>
                 <a:stretch>
-                  <a:fillRect l="-944" t="-890"/>
+                  <a:fillRect l="-944" t="-890" b="-2113"/>
                 </a:stretch>
               </a:blipFill>
             </p:spPr>
@@ -11697,6 +11948,10 @@
             <a:r>
               <a:rPr lang="de-DE" dirty="0" err="1" smtClean="0"/>
               <a:t>Scheme</a:t>
+            </a:r>
+            <a:r>
+              <a:rPr lang="de-DE" dirty="0" smtClean="0"/>
+              <a:t> [2]</a:t>
             </a:r>
             <a:r>
               <a:rPr lang="de-DE" dirty="0" smtClean="0"/>
@@ -13122,8 +13377,8 @@
           <a:chExt cx="0" cy="0"/>
         </a:xfrm>
       </p:grpSpPr>
-      <mc:AlternateContent xmlns:mc="http://schemas.openxmlformats.org/markup-compatibility/2006" xmlns:a14="http://schemas.microsoft.com/office/drawing/2010/main">
-        <mc:Choice Requires="a14">
+      <mc:AlternateContent xmlns:mc="http://schemas.openxmlformats.org/markup-compatibility/2006">
+        <mc:Choice xmlns:a14="http://schemas.microsoft.com/office/drawing/2010/main" Requires="a14">
           <p:sp>
             <p:nvSpPr>
               <p:cNvPr id="2" name="Textplatzhalter 1"/>
@@ -13164,60 +13419,6 @@
                   <a:t>scheme</a:t>
                 </a:r>
                 <a:endParaRPr lang="de-DE" dirty="0" smtClean="0"/>
-              </a:p>
-              <a:p>
-                <a:r>
-                  <a:rPr lang="de-DE" dirty="0" smtClean="0"/>
-                  <a:t>All </a:t>
-                </a:r>
-                <a:r>
-                  <a:rPr lang="de-DE" dirty="0" err="1" smtClean="0"/>
-                  <a:t>operations</a:t>
-                </a:r>
-                <a:r>
-                  <a:rPr lang="de-DE" dirty="0" smtClean="0"/>
-                  <a:t> in NTT </a:t>
-                </a:r>
-                <a:r>
-                  <a:rPr lang="de-DE" dirty="0" err="1" smtClean="0"/>
-                  <a:t>domain</a:t>
-                </a:r>
-                <a:r>
-                  <a:rPr lang="de-DE" dirty="0" smtClean="0"/>
-                  <a:t> (</a:t>
-                </a:r>
-                <a:r>
-                  <a:rPr lang="de-DE" b="1" dirty="0" err="1" smtClean="0"/>
-                  <a:t>N</a:t>
-                </a:r>
-                <a:r>
-                  <a:rPr lang="de-DE" dirty="0" err="1" smtClean="0"/>
-                  <a:t>umber</a:t>
-                </a:r>
-                <a:r>
-                  <a:rPr lang="de-DE" dirty="0" smtClean="0"/>
-                  <a:t> </a:t>
-                </a:r>
-                <a:r>
-                  <a:rPr lang="de-DE" b="1" dirty="0" err="1" smtClean="0"/>
-                  <a:t>T</a:t>
-                </a:r>
-                <a:r>
-                  <a:rPr lang="de-DE" dirty="0" err="1" smtClean="0"/>
-                  <a:t>heoretic</a:t>
-                </a:r>
-                <a:r>
-                  <a:rPr lang="de-DE" dirty="0" smtClean="0"/>
-                  <a:t> </a:t>
-                </a:r>
-                <a:r>
-                  <a:rPr lang="de-DE" b="1" dirty="0" smtClean="0"/>
-                  <a:t>T</a:t>
-                </a:r>
-                <a:r>
-                  <a:rPr lang="de-DE" dirty="0" smtClean="0"/>
-                  <a:t>ransform)</a:t>
-                </a:r>
               </a:p>
               <a:p>
                 <a:r>
@@ -13694,17 +13895,17 @@
                       <m:sSub>
                         <m:sSubPr>
                           <m:ctrlPr>
-                            <a:rPr lang="en-US" b="0" i="1" smtClean="0">
+                            <a:rPr lang="en-US" i="1" smtClean="0">
                               <a:latin typeface="Cambria Math" charset="0"/>
                             </a:rPr>
                           </m:ctrlPr>
                         </m:sSubPr>
                         <m:e>
                           <m:r>
-                            <a:rPr lang="de-DE" b="1" i="1" smtClean="0">
+                            <a:rPr lang="de-DE" b="0" i="1" smtClean="0">
                               <a:latin typeface="Cambria Math" charset="0"/>
                             </a:rPr>
-                            <m:t>𝒔</m:t>
+                            <m:t>𝑠</m:t>
                           </m:r>
                         </m:e>
                         <m:sub>
@@ -13744,10 +13945,10 @@
                         </m:sSubPr>
                         <m:e>
                           <m:r>
-                            <a:rPr lang="de-DE" b="1" i="1" smtClean="0">
+                            <a:rPr lang="de-DE" b="0" i="1" smtClean="0">
                               <a:latin typeface="Cambria Math" charset="0"/>
                             </a:rPr>
-                            <m:t>𝒎</m:t>
+                            <m:t>𝑚</m:t>
                           </m:r>
                         </m:e>
                         <m:sub>
@@ -13799,10 +14000,10 @@
                         </m:sSubPr>
                         <m:e>
                           <m:r>
-                            <a:rPr lang="de-DE" b="1" i="1" smtClean="0">
+                            <a:rPr lang="de-DE" b="0" i="1" smtClean="0">
                               <a:latin typeface="Cambria Math" charset="0"/>
                             </a:rPr>
-                            <m:t>𝒎</m:t>
+                            <m:t>𝑚</m:t>
                           </m:r>
                         </m:e>
                         <m:sub>
@@ -13823,15 +14024,80 @@
                     </m:oMath>
                   </m:oMathPara>
                 </a14:m>
-                <a:endParaRPr lang="de-DE" b="1" dirty="0" smtClean="0"/>
-              </a:p>
-              <a:p>
-                <a:endParaRPr lang="de-DE" dirty="0"/>
+                <a:endParaRPr lang="en-US" sz="1100" dirty="0" smtClean="0"/>
+              </a:p>
+              <a:p>
+                <a:pPr marL="0" indent="0" algn="ctr">
+                  <a:buNone/>
+                </a:pPr>
+                <a:endParaRPr lang="en-US" sz="1800" dirty="0"/>
+              </a:p>
+              <a:p>
+                <a:pPr marL="63500" indent="0">
+                  <a:buNone/>
+                </a:pPr>
+                <a:r>
+                  <a:rPr lang="en-US" sz="1100" dirty="0" smtClean="0"/>
+                  <a:t>[3] “A masked ring-LWE implementation”; </a:t>
+                </a:r>
+                <a:r>
+                  <a:rPr lang="de-DE" sz="1100" dirty="0"/>
+                  <a:t>Oscar </a:t>
+                </a:r>
+                <a:r>
+                  <a:rPr lang="de-DE" sz="1100" dirty="0" err="1"/>
+                  <a:t>Reparaz</a:t>
+                </a:r>
+                <a:r>
+                  <a:rPr lang="de-DE" sz="1100" dirty="0"/>
+                  <a:t>, </a:t>
+                </a:r>
+                <a:r>
+                  <a:rPr lang="de-DE" sz="1100" dirty="0" err="1"/>
+                  <a:t>Sujoy</a:t>
+                </a:r>
+                <a:r>
+                  <a:rPr lang="de-DE" sz="1100" dirty="0"/>
+                  <a:t> </a:t>
+                </a:r>
+                <a:r>
+                  <a:rPr lang="de-DE" sz="1100" dirty="0" err="1"/>
+                  <a:t>Sinha</a:t>
+                </a:r>
+                <a:r>
+                  <a:rPr lang="de-DE" sz="1100" dirty="0"/>
+                  <a:t> Roy, Frederik </a:t>
+                </a:r>
+                <a:r>
+                  <a:rPr lang="de-DE" sz="1100" dirty="0" err="1" smtClean="0"/>
+                  <a:t>Vercauteren</a:t>
+                </a:r>
+                <a:r>
+                  <a:rPr lang="de-DE" sz="1100" dirty="0"/>
+                  <a:t>,</a:t>
+                </a:r>
+                <a:r>
+                  <a:rPr lang="de-DE" sz="1100" dirty="0" smtClean="0"/>
+                  <a:t> </a:t>
+                </a:r>
+                <a:r>
+                  <a:rPr lang="de-DE" sz="1100" dirty="0"/>
+                  <a:t>Ingrid </a:t>
+                </a:r>
+                <a:r>
+                  <a:rPr lang="de-DE" sz="1100" dirty="0" err="1" smtClean="0"/>
+                  <a:t>Verbauwhede</a:t>
+                </a:r>
+                <a:r>
+                  <a:rPr lang="de-DE" sz="1100" dirty="0" smtClean="0"/>
+                  <a:t>; 2015</a:t>
+                </a:r>
+                <a:endParaRPr lang="de-DE" sz="1100" dirty="0"/>
               </a:p>
             </p:txBody>
           </p:sp>
         </mc:Choice>
-        <mc:Fallback xmlns="">
+        <mc:Fallback>
           <p:sp>
             <p:nvSpPr>
               <p:cNvPr id="2" name="Textplatzhalter 1"/>
@@ -13846,7 +14112,7 @@
               <a:blipFill rotWithShape="0">
                 <a:blip r:embed="rId2"/>
                 <a:stretch>
-                  <a:fillRect l="-944" t="-779" b="-11680"/>
+                  <a:fillRect l="-944" t="-779" b="-3671"/>
                 </a:stretch>
               </a:blipFill>
             </p:spPr>
@@ -13913,12 +14179,8 @@
               <a:t> </a:t>
             </a:r>
             <a:r>
-              <a:rPr lang="de-DE" dirty="0"/>
-              <a:t>D</a:t>
-            </a:r>
-            <a:r>
               <a:rPr lang="de-DE" dirty="0" smtClean="0"/>
-              <a:t>ecoder</a:t>
+              <a:t>Decoder [3]</a:t>
             </a:r>
             <a:r>
               <a:rPr lang="de-DE" dirty="0"/>
@@ -13937,7 +14199,7 @@
       </p:sp>
       <p:pic>
         <p:nvPicPr>
-          <p:cNvPr id="4" name="Bild 3"/>
+          <p:cNvPr id="6" name="Bild 5"/>
           <p:cNvPicPr>
             <a:picLocks noChangeAspect="1"/>
           </p:cNvPicPr>
@@ -13945,6 +14207,16 @@
         </p:nvPicPr>
         <p:blipFill>
           <a:blip r:embed="rId3">
+            <a:clrChange>
+              <a:clrFrom>
+                <a:srgbClr val="FFFFFF"/>
+              </a:clrFrom>
+              <a:clrTo>
+                <a:srgbClr val="FFFFFF">
+                  <a:alpha val="0"/>
+                </a:srgbClr>
+              </a:clrTo>
+            </a:clrChange>
             <a:extLst>
               <a:ext uri="{28A0092B-C50C-407E-A947-70E740481C1C}">
                 <a14:useLocalDpi xmlns:a14="http://schemas.microsoft.com/office/drawing/2010/main" val="0"/>
@@ -13957,8 +14229,8 @@
         </p:blipFill>
         <p:spPr>
           <a:xfrm>
-            <a:off x="1372474" y="3515838"/>
-            <a:ext cx="7335676" cy="2839002"/>
+            <a:off x="2095759" y="3010336"/>
+            <a:ext cx="5889106" cy="3023075"/>
           </a:xfrm>
           <a:prstGeom prst="rect">
             <a:avLst/>

--- a/presentation/Julian.pptx
+++ b/presentation/Julian.pptx
@@ -6,10 +6,10 @@
     <p:sldMasterId id="2147483661" r:id="rId2"/>
   </p:sldMasterIdLst>
   <p:notesMasterIdLst>
-    <p:notesMasterId r:id="rId27"/>
+    <p:notesMasterId r:id="rId26"/>
   </p:notesMasterIdLst>
   <p:handoutMasterIdLst>
-    <p:handoutMasterId r:id="rId28"/>
+    <p:handoutMasterId r:id="rId27"/>
   </p:handoutMasterIdLst>
   <p:sldIdLst>
     <p:sldId id="256" r:id="rId3"/>
@@ -26,16 +26,15 @@
     <p:sldId id="324" r:id="rId14"/>
     <p:sldId id="325" r:id="rId15"/>
     <p:sldId id="326" r:id="rId16"/>
-    <p:sldId id="327" r:id="rId17"/>
-    <p:sldId id="329" r:id="rId18"/>
-    <p:sldId id="330" r:id="rId19"/>
-    <p:sldId id="331" r:id="rId20"/>
-    <p:sldId id="332" r:id="rId21"/>
-    <p:sldId id="333" r:id="rId22"/>
-    <p:sldId id="334" r:id="rId23"/>
-    <p:sldId id="335" r:id="rId24"/>
-    <p:sldId id="336" r:id="rId25"/>
-    <p:sldId id="311" r:id="rId26"/>
+    <p:sldId id="329" r:id="rId17"/>
+    <p:sldId id="330" r:id="rId18"/>
+    <p:sldId id="331" r:id="rId19"/>
+    <p:sldId id="332" r:id="rId20"/>
+    <p:sldId id="333" r:id="rId21"/>
+    <p:sldId id="334" r:id="rId22"/>
+    <p:sldId id="335" r:id="rId23"/>
+    <p:sldId id="336" r:id="rId24"/>
+    <p:sldId id="311" r:id="rId25"/>
   </p:sldIdLst>
   <p:sldSz cx="10080625" cy="7561263"/>
   <p:notesSz cx="6858000" cy="9144000"/>
@@ -268,7 +267,7 @@
           <a:p>
             <a:fld id="{B602ADCE-79F3-4149-97EB-E4B2C723408B}" type="datetimeFigureOut">
               <a:rPr lang="de-DE" smtClean="0"/>
-              <a:t>22.07.16</a:t>
+              <a:t>25.07.16</a:t>
             </a:fld>
             <a:endParaRPr lang="de-DE"/>
           </a:p>
@@ -446,7 +445,7 @@
             <a:fld id="{BB93A34B-99EF-4508-AC98-725F0CC829C5}" type="datetimeFigureOut">
               <a:rPr lang="de-DE"/>
               <a:pPr/>
-              <a:t>22.07.16</a:t>
+              <a:t>25.07.16</a:t>
             </a:fld>
             <a:endParaRPr lang="de-DE"/>
           </a:p>
@@ -5552,140 +5551,360 @@
           <a:chExt cx="0" cy="0"/>
         </a:xfrm>
       </p:grpSpPr>
-      <mc:AlternateContent xmlns:mc="http://schemas.openxmlformats.org/markup-compatibility/2006" xmlns:a14="http://schemas.microsoft.com/office/drawing/2010/main">
-        <mc:Choice Requires="a14">
-          <p:sp>
-            <p:nvSpPr>
-              <p:cNvPr id="2" name="Textplatzhalter 1"/>
-              <p:cNvSpPr>
-                <a:spLocks noGrp="1"/>
-              </p:cNvSpPr>
-              <p:nvPr>
-                <p:ph type="body" sz="quarter" idx="10"/>
-              </p:nvPr>
-            </p:nvSpPr>
-            <p:spPr>
-              <a:xfrm>
-                <a:off x="358775" y="1310326"/>
-                <a:ext cx="9039750" cy="5477825"/>
-              </a:xfrm>
-            </p:spPr>
-            <p:txBody>
-              <a:bodyPr/>
-              <a:lstStyle/>
-              <a:p>
-                <a:r>
-                  <a:rPr lang="en-US" dirty="0" smtClean="0"/>
-                  <a:t>1st-order DPA (left) and 2nd-order DPA (right),  masking on</a:t>
-                </a:r>
-              </a:p>
-              <a:p>
-                <a:endParaRPr lang="en-US" dirty="0"/>
-              </a:p>
-              <a:p>
-                <a:endParaRPr lang="en-US" dirty="0" smtClean="0"/>
-              </a:p>
-              <a:p>
-                <a:endParaRPr lang="en-US" dirty="0"/>
-              </a:p>
-              <a:p>
-                <a:endParaRPr lang="en-US" dirty="0" smtClean="0"/>
-              </a:p>
-              <a:p>
-                <a:endParaRPr lang="en-US" dirty="0"/>
-              </a:p>
-              <a:p>
-                <a:endParaRPr lang="en-US" dirty="0" smtClean="0"/>
-              </a:p>
-              <a:p>
-                <a:endParaRPr lang="en-US" dirty="0"/>
-              </a:p>
-              <a:p>
-                <a:endParaRPr lang="en-US" dirty="0" smtClean="0"/>
-              </a:p>
-              <a:p>
-                <a:endParaRPr lang="en-US" dirty="0"/>
-              </a:p>
-              <a:p>
-                <a14:m>
-                  <m:oMath xmlns:m="http://schemas.openxmlformats.org/officeDocument/2006/math">
-                    <m:r>
-                      <a:rPr lang="en-US" b="0" i="1" smtClean="0">
-                        <a:latin typeface="Cambria Math" charset="0"/>
-                      </a:rPr>
-                      <m:t>𝑎</m:t>
-                    </m:r>
-                    <m:r>
-                      <a:rPr lang="en-US" b="0" i="1" smtClean="0">
-                        <a:latin typeface="Cambria Math" charset="0"/>
-                      </a:rPr>
-                      <m:t>′</m:t>
-                    </m:r>
-                  </m:oMath>
-                </a14:m>
-                <a:r>
-                  <a:rPr lang="en-US" dirty="0" smtClean="0"/>
-                  <a:t> can be seen in red</a:t>
-                </a:r>
-              </a:p>
-              <a:p>
-                <a:r>
-                  <a:rPr lang="en-US" dirty="0" smtClean="0"/>
-                  <a:t>Second-order DPA is successful, while first-order DPA is not</a:t>
-                </a:r>
-              </a:p>
-              <a:p>
-                <a:pPr lvl="1"/>
-                <a:r>
-                  <a:rPr lang="en-US" dirty="0" smtClean="0"/>
-                  <a:t>Assures that the setting is correct</a:t>
-                </a:r>
-              </a:p>
-              <a:p>
-                <a:pPr lvl="1"/>
-                <a:endParaRPr lang="en-US" dirty="0"/>
-              </a:p>
-            </p:txBody>
-          </p:sp>
-        </mc:Choice>
-        <mc:Fallback xmlns="">
-          <p:sp>
-            <p:nvSpPr>
-              <p:cNvPr id="2" name="Textplatzhalter 1"/>
-              <p:cNvSpPr>
-                <a:spLocks noGrp="1" noRot="1" noChangeAspect="1" noMove="1" noResize="1" noEditPoints="1" noAdjustHandles="1" noChangeArrowheads="1" noChangeShapeType="1" noTextEdit="1"/>
-              </p:cNvSpPr>
-              <p:nvPr>
-                <p:ph type="body" sz="quarter" idx="10"/>
-              </p:nvPr>
-            </p:nvSpPr>
-            <p:spPr>
-              <a:xfrm>
-                <a:off x="358775" y="1310326"/>
-                <a:ext cx="9039750" cy="5477825"/>
-              </a:xfrm>
-              <a:blipFill rotWithShape="0">
-                <a:blip r:embed="rId2"/>
-                <a:stretch>
-                  <a:fillRect l="-944" t="-779" b="-5228"/>
-                </a:stretch>
-              </a:blipFill>
-            </p:spPr>
-            <p:txBody>
-              <a:bodyPr/>
-              <a:lstStyle/>
-              <a:p>
-                <a:r>
-                  <a:rPr lang="de-DE">
-                    <a:noFill/>
-                  </a:rPr>
-                  <a:t> </a:t>
-                </a:r>
-              </a:p>
-            </p:txBody>
-          </p:sp>
-        </mc:Fallback>
-      </mc:AlternateContent>
+      <p:sp>
+        <p:nvSpPr>
+          <p:cNvPr id="2" name="Textplatzhalter 1"/>
+          <p:cNvSpPr>
+            <a:spLocks noGrp="1"/>
+          </p:cNvSpPr>
+          <p:nvPr>
+            <p:ph type="body" sz="quarter" idx="10"/>
+          </p:nvPr>
+        </p:nvSpPr>
+        <p:spPr/>
+        <p:txBody>
+          <a:bodyPr/>
+          <a:lstStyle/>
+          <a:p>
+            <a:pPr>
+              <a:lnSpc>
+                <a:spcPct val="100000"/>
+              </a:lnSpc>
+              <a:spcBef>
+                <a:spcPts val="488"/>
+              </a:spcBef>
+              <a:buClr>
+                <a:srgbClr val="003560"/>
+              </a:buClr>
+              <a:buFont typeface="Wingdings" charset="2"/>
+              <a:buChar char=""/>
+            </a:pPr>
+            <a:r>
+              <a:rPr lang="en-US" altLang="de-DE" dirty="0" smtClean="0"/>
+              <a:t>Post-quantum signature scheme proposed in 2013</a:t>
+            </a:r>
+          </a:p>
+          <a:p>
+            <a:pPr>
+              <a:lnSpc>
+                <a:spcPct val="100000"/>
+              </a:lnSpc>
+              <a:spcBef>
+                <a:spcPts val="488"/>
+              </a:spcBef>
+              <a:buClr>
+                <a:srgbClr val="003560"/>
+              </a:buClr>
+              <a:buFont typeface="Wingdings" charset="2"/>
+              <a:buChar char=""/>
+            </a:pPr>
+            <a:r>
+              <a:rPr lang="en-US" altLang="de-DE" dirty="0" smtClean="0"/>
+              <a:t>Based on generalized Short Integer Solution Problem</a:t>
+            </a:r>
+          </a:p>
+          <a:p>
+            <a:pPr>
+              <a:lnSpc>
+                <a:spcPct val="100000"/>
+              </a:lnSpc>
+              <a:spcBef>
+                <a:spcPts val="488"/>
+              </a:spcBef>
+              <a:buClr>
+                <a:srgbClr val="003560"/>
+              </a:buClr>
+              <a:buFont typeface="Wingdings" charset="2"/>
+              <a:buChar char=""/>
+            </a:pPr>
+            <a:r>
+              <a:rPr lang="en-US" altLang="de-DE" dirty="0" smtClean="0"/>
+              <a:t>Random numbers according to Gaussian distribution</a:t>
+            </a:r>
+          </a:p>
+          <a:p>
+            <a:pPr>
+              <a:lnSpc>
+                <a:spcPct val="100000"/>
+              </a:lnSpc>
+              <a:spcBef>
+                <a:spcPts val="488"/>
+              </a:spcBef>
+              <a:buClr>
+                <a:srgbClr val="003560"/>
+              </a:buClr>
+              <a:buFont typeface="Wingdings" charset="2"/>
+              <a:buChar char=""/>
+            </a:pPr>
+            <a:r>
+              <a:rPr lang="en-US" altLang="de-DE" dirty="0" smtClean="0"/>
+              <a:t>Candidate for NIST standardization [4]</a:t>
+            </a:r>
+          </a:p>
+          <a:p>
+            <a:pPr marL="819150" lvl="2" indent="-377825">
+              <a:spcBef>
+                <a:spcPts val="488"/>
+              </a:spcBef>
+              <a:buClr>
+                <a:srgbClr val="003560"/>
+              </a:buClr>
+              <a:buFont typeface="Wingdings" charset="2"/>
+              <a:buChar char=""/>
+            </a:pPr>
+            <a:r>
+              <a:rPr lang="en-US" altLang="de-DE" dirty="0" smtClean="0"/>
+              <a:t>Outperforming </a:t>
+            </a:r>
+            <a:r>
+              <a:rPr lang="en-US" altLang="de-DE" dirty="0"/>
+              <a:t>RSA and ECC on </a:t>
+            </a:r>
+            <a:r>
+              <a:rPr lang="en-US" altLang="de-DE" dirty="0" smtClean="0"/>
+              <a:t>microcontrollers</a:t>
+            </a:r>
+          </a:p>
+          <a:p>
+            <a:pPr marL="819150" lvl="2" indent="-377825">
+              <a:spcBef>
+                <a:spcPts val="488"/>
+              </a:spcBef>
+              <a:buClr>
+                <a:srgbClr val="003560"/>
+              </a:buClr>
+              <a:buFont typeface="Wingdings" charset="2"/>
+              <a:buChar char=""/>
+            </a:pPr>
+            <a:r>
+              <a:rPr lang="en-US" altLang="de-DE" dirty="0" smtClean="0"/>
+              <a:t>Smallest </a:t>
+            </a:r>
+            <a:r>
+              <a:rPr lang="en-US" altLang="de-DE" dirty="0"/>
+              <a:t>signature size</a:t>
+            </a:r>
+          </a:p>
+          <a:p>
+            <a:pPr>
+              <a:lnSpc>
+                <a:spcPct val="100000"/>
+              </a:lnSpc>
+              <a:spcBef>
+                <a:spcPts val="488"/>
+              </a:spcBef>
+              <a:buClr>
+                <a:srgbClr val="003560"/>
+              </a:buClr>
+              <a:buFont typeface="Wingdings" charset="2"/>
+              <a:buChar char=""/>
+            </a:pPr>
+            <a:r>
+              <a:rPr lang="en-US" altLang="de-DE" dirty="0" smtClean="0"/>
+              <a:t>BLISS-I („Optimized for speed“): Security level of 128 Bit</a:t>
+            </a:r>
+          </a:p>
+          <a:p>
+            <a:pPr>
+              <a:lnSpc>
+                <a:spcPct val="100000"/>
+              </a:lnSpc>
+              <a:spcBef>
+                <a:spcPts val="488"/>
+              </a:spcBef>
+              <a:buClr>
+                <a:srgbClr val="003560"/>
+              </a:buClr>
+              <a:buFont typeface="Wingdings" charset="2"/>
+              <a:buChar char=""/>
+            </a:pPr>
+            <a:r>
+              <a:rPr lang="en-US" altLang="de-DE" dirty="0" smtClean="0"/>
+              <a:t>Used in open source </a:t>
+            </a:r>
+            <a:r>
+              <a:rPr lang="en-US" altLang="de-DE" dirty="0" err="1" smtClean="0"/>
+              <a:t>IPSec</a:t>
+            </a:r>
+            <a:r>
+              <a:rPr lang="en-US" altLang="de-DE" dirty="0" smtClean="0"/>
+              <a:t> VPN Solution </a:t>
+            </a:r>
+            <a:r>
+              <a:rPr lang="en-US" altLang="de-DE" dirty="0" err="1" smtClean="0"/>
+              <a:t>Strongswan</a:t>
+            </a:r>
+            <a:endParaRPr lang="en-US" altLang="de-DE" dirty="0" smtClean="0"/>
+          </a:p>
+          <a:p>
+            <a:pPr>
+              <a:lnSpc>
+                <a:spcPct val="100000"/>
+              </a:lnSpc>
+              <a:spcBef>
+                <a:spcPts val="488"/>
+              </a:spcBef>
+              <a:buClr>
+                <a:srgbClr val="003560"/>
+              </a:buClr>
+              <a:buFont typeface="Wingdings" charset="2"/>
+              <a:buChar char=""/>
+            </a:pPr>
+            <a:endParaRPr lang="en-US" altLang="de-DE" dirty="0"/>
+          </a:p>
+          <a:p>
+            <a:pPr>
+              <a:lnSpc>
+                <a:spcPct val="100000"/>
+              </a:lnSpc>
+              <a:spcBef>
+                <a:spcPts val="488"/>
+              </a:spcBef>
+              <a:buClr>
+                <a:srgbClr val="003560"/>
+              </a:buClr>
+              <a:buFont typeface="Wingdings" charset="2"/>
+              <a:buChar char=""/>
+            </a:pPr>
+            <a:endParaRPr lang="en-US" altLang="de-DE" dirty="0" smtClean="0"/>
+          </a:p>
+          <a:p>
+            <a:pPr marL="63500" indent="0">
+              <a:buClr>
+                <a:srgbClr val="003560"/>
+              </a:buClr>
+              <a:buNone/>
+            </a:pPr>
+            <a:endParaRPr lang="de-DE" altLang="de-DE" sz="1100" dirty="0" smtClean="0"/>
+          </a:p>
+          <a:p>
+            <a:pPr marL="63500" indent="0">
+              <a:buClr>
+                <a:srgbClr val="003560"/>
+              </a:buClr>
+              <a:buNone/>
+            </a:pPr>
+            <a:endParaRPr lang="de-DE" altLang="de-DE" sz="1100" dirty="0"/>
+          </a:p>
+          <a:p>
+            <a:pPr marL="63500" indent="0">
+              <a:buClr>
+                <a:srgbClr val="003560"/>
+              </a:buClr>
+              <a:buNone/>
+            </a:pPr>
+            <a:endParaRPr lang="de-DE" altLang="de-DE" sz="1100" dirty="0" smtClean="0"/>
+          </a:p>
+          <a:p>
+            <a:pPr marL="63500" indent="0">
+              <a:buClr>
+                <a:srgbClr val="003560"/>
+              </a:buClr>
+              <a:buNone/>
+            </a:pPr>
+            <a:endParaRPr lang="de-DE" altLang="de-DE" sz="1100" dirty="0"/>
+          </a:p>
+          <a:p>
+            <a:pPr marL="63500" indent="0">
+              <a:buClr>
+                <a:srgbClr val="003560"/>
+              </a:buClr>
+              <a:buNone/>
+            </a:pPr>
+            <a:endParaRPr lang="de-DE" altLang="de-DE" sz="1100" dirty="0" smtClean="0"/>
+          </a:p>
+          <a:p>
+            <a:pPr marL="63500" indent="0">
+              <a:buClr>
+                <a:srgbClr val="003560"/>
+              </a:buClr>
+              <a:buNone/>
+            </a:pPr>
+            <a:endParaRPr lang="de-DE" altLang="de-DE" sz="1100" dirty="0"/>
+          </a:p>
+          <a:p>
+            <a:pPr marL="63500" indent="0">
+              <a:buClr>
+                <a:srgbClr val="003560"/>
+              </a:buClr>
+              <a:buNone/>
+            </a:pPr>
+            <a:r>
+              <a:rPr lang="de-DE" altLang="de-DE" sz="1100" dirty="0" smtClean="0"/>
+              <a:t>[4] „</a:t>
+            </a:r>
+            <a:r>
+              <a:rPr lang="de-DE" altLang="de-DE" sz="1100" dirty="0" err="1"/>
+              <a:t>Practical</a:t>
+            </a:r>
+            <a:r>
+              <a:rPr lang="de-DE" altLang="de-DE" sz="1100" dirty="0"/>
+              <a:t> </a:t>
+            </a:r>
+            <a:r>
+              <a:rPr lang="de-DE" altLang="de-DE" sz="1100" dirty="0" err="1"/>
+              <a:t>Lattice-based</a:t>
+            </a:r>
+            <a:r>
+              <a:rPr lang="de-DE" altLang="de-DE" sz="1100" dirty="0"/>
+              <a:t> Digital </a:t>
+            </a:r>
+            <a:r>
+              <a:rPr lang="de-DE" altLang="de-DE" sz="1100" dirty="0" err="1"/>
+              <a:t>Signature</a:t>
+            </a:r>
+            <a:r>
+              <a:rPr lang="de-DE" altLang="de-DE" sz="1100" dirty="0"/>
+              <a:t> </a:t>
+            </a:r>
+            <a:r>
+              <a:rPr lang="de-DE" altLang="de-DE" sz="1100" dirty="0" err="1"/>
+              <a:t>Schemes</a:t>
+            </a:r>
+            <a:r>
+              <a:rPr lang="de-DE" altLang="de-DE" sz="1100" dirty="0" smtClean="0"/>
+              <a:t>“; </a:t>
+            </a:r>
+            <a:r>
+              <a:rPr lang="de-DE" altLang="de-DE" sz="1100" dirty="0"/>
+              <a:t>J. </a:t>
+            </a:r>
+            <a:r>
+              <a:rPr lang="de-DE" altLang="de-DE" sz="1100" dirty="0"/>
+              <a:t>Howe, T. </a:t>
+            </a:r>
+            <a:r>
+              <a:rPr lang="de-DE" altLang="de-DE" sz="1100" dirty="0" err="1"/>
+              <a:t>Pöppelmann</a:t>
+            </a:r>
+            <a:r>
+              <a:rPr lang="de-DE" altLang="de-DE" sz="1100" dirty="0"/>
+              <a:t>, M. O’Neill, E. </a:t>
+            </a:r>
+            <a:r>
+              <a:rPr lang="de-DE" altLang="de-DE" sz="1100" dirty="0"/>
+              <a:t>O’Sullivan, T. </a:t>
+            </a:r>
+            <a:r>
+              <a:rPr lang="de-DE" altLang="de-DE" sz="1100" dirty="0" err="1" smtClean="0"/>
+              <a:t>Güneysu</a:t>
+            </a:r>
+            <a:r>
+              <a:rPr lang="de-DE" altLang="de-DE" sz="1100" dirty="0"/>
+              <a:t>;</a:t>
+            </a:r>
+            <a:r>
+              <a:rPr lang="de-DE" altLang="de-DE" sz="1100" dirty="0" smtClean="0"/>
+              <a:t> </a:t>
+            </a:r>
+            <a:r>
+              <a:rPr lang="de-DE" altLang="de-DE" sz="1100" dirty="0"/>
+              <a:t>2015</a:t>
+            </a:r>
+            <a:endParaRPr lang="de-DE" altLang="de-DE" sz="1100" dirty="0"/>
+          </a:p>
+        </p:txBody>
+      </p:sp>
       <p:sp>
         <p:nvSpPr>
           <p:cNvPr id="3" name="Titel 2"/>
@@ -5696,95 +5915,34 @@
             <p:ph type="title"/>
           </p:nvPr>
         </p:nvSpPr>
-        <p:spPr>
-          <a:xfrm>
-            <a:off x="122548" y="-101598"/>
-            <a:ext cx="9059552" cy="1008667"/>
-          </a:xfrm>
-        </p:spPr>
+        <p:spPr/>
         <p:txBody>
           <a:bodyPr/>
           <a:lstStyle/>
           <a:p>
             <a:r>
-              <a:rPr lang="de-DE" dirty="0" err="1"/>
-              <a:t>Masking</a:t>
-            </a:r>
-            <a:r>
-              <a:rPr lang="de-DE" dirty="0"/>
-              <a:t> </a:t>
-            </a:r>
-            <a:r>
-              <a:rPr lang="de-DE" dirty="0" err="1"/>
-              <a:t>Using</a:t>
-            </a:r>
-            <a:r>
-              <a:rPr lang="de-DE" dirty="0"/>
-              <a:t> a </a:t>
-            </a:r>
-            <a:r>
-              <a:rPr lang="de-DE" dirty="0" err="1"/>
-              <a:t>Masked</a:t>
-            </a:r>
-            <a:r>
-              <a:rPr lang="de-DE" dirty="0"/>
-              <a:t> Decoder</a:t>
+              <a:rPr lang="en-US" dirty="0" smtClean="0"/>
+              <a:t>BLISS</a:t>
+            </a:r>
+            <a:r>
+              <a:rPr lang="en-US" dirty="0"/>
+              <a:t/>
             </a:r>
             <a:br>
-              <a:rPr lang="de-DE" dirty="0"/>
+              <a:rPr lang="en-US" dirty="0"/>
             </a:br>
             <a:r>
-              <a:rPr lang="de-DE" sz="2800" b="0" dirty="0" smtClean="0"/>
-              <a:t>Evaluation III</a:t>
-            </a:r>
-            <a:endParaRPr lang="de-DE" dirty="0"/>
+              <a:rPr lang="de-DE" sz="2800" b="0" dirty="0" err="1" smtClean="0"/>
+              <a:t>Overview</a:t>
+            </a:r>
+            <a:endParaRPr lang="de-DE" sz="2800" dirty="0"/>
           </a:p>
         </p:txBody>
       </p:sp>
-      <p:pic>
-        <p:nvPicPr>
-          <p:cNvPr id="4" name="Bild 3"/>
-          <p:cNvPicPr>
-            <a:picLocks noChangeAspect="1"/>
-          </p:cNvPicPr>
-          <p:nvPr/>
-        </p:nvPicPr>
-        <p:blipFill>
-          <a:blip r:embed="rId3">
-            <a:clrChange>
-              <a:clrFrom>
-                <a:srgbClr val="FFFFFF"/>
-              </a:clrFrom>
-              <a:clrTo>
-                <a:srgbClr val="FFFFFF">
-                  <a:alpha val="0"/>
-                </a:srgbClr>
-              </a:clrTo>
-            </a:clrChange>
-            <a:extLst>
-              <a:ext uri="{28A0092B-C50C-407E-A947-70E740481C1C}">
-                <a14:useLocalDpi xmlns:a14="http://schemas.microsoft.com/office/drawing/2010/main" val="0"/>
-              </a:ext>
-            </a:extLst>
-          </a:blip>
-          <a:stretch>
-            <a:fillRect/>
-          </a:stretch>
-        </p:blipFill>
-        <p:spPr>
-          <a:xfrm>
-            <a:off x="1514926" y="1993900"/>
-            <a:ext cx="7050773" cy="3459600"/>
-          </a:xfrm>
-          <a:prstGeom prst="rect">
-            <a:avLst/>
-          </a:prstGeom>
-        </p:spPr>
-      </p:pic>
     </p:spTree>
     <p:extLst>
       <p:ext uri="{BB962C8B-B14F-4D97-AF65-F5344CB8AC3E}">
-        <p14:creationId xmlns:p14="http://schemas.microsoft.com/office/powerpoint/2010/main" val="463234341"/>
+        <p14:creationId xmlns:p14="http://schemas.microsoft.com/office/powerpoint/2010/main" val="1426647251"/>
       </p:ext>
     </p:extLst>
   </p:cSld>
@@ -5812,197 +5970,8 @@
           <a:chExt cx="0" cy="0"/>
         </a:xfrm>
       </p:grpSpPr>
-      <mc:AlternateContent xmlns:mc="http://schemas.openxmlformats.org/markup-compatibility/2006" xmlns:a14="http://schemas.microsoft.com/office/drawing/2010/main">
-        <mc:Choice Requires="a14">
-          <p:sp>
-            <p:nvSpPr>
-              <p:cNvPr id="2" name="Textplatzhalter 1"/>
-              <p:cNvSpPr>
-                <a:spLocks noGrp="1"/>
-              </p:cNvSpPr>
-              <p:nvPr>
-                <p:ph type="body" sz="quarter" idx="10"/>
-              </p:nvPr>
-            </p:nvSpPr>
-            <p:spPr/>
-            <p:txBody>
-              <a:bodyPr/>
-              <a:lstStyle/>
-              <a:p>
-                <a:pPr>
-                  <a:lnSpc>
-                    <a:spcPct val="100000"/>
-                  </a:lnSpc>
-                  <a:spcBef>
-                    <a:spcPts val="488"/>
-                  </a:spcBef>
-                  <a:buClr>
-                    <a:srgbClr val="003560"/>
-                  </a:buClr>
-                  <a:buFont typeface="Wingdings" charset="2"/>
-                  <a:buChar char=""/>
-                </a:pPr>
-                <a:r>
-                  <a:rPr lang="en-US" altLang="de-DE" dirty="0" smtClean="0"/>
-                  <a:t>Signature scheme based on lattice problem</a:t>
-                </a:r>
-              </a:p>
-              <a:p>
-                <a:pPr>
-                  <a:lnSpc>
-                    <a:spcPct val="100000"/>
-                  </a:lnSpc>
-                  <a:spcBef>
-                    <a:spcPts val="488"/>
-                  </a:spcBef>
-                  <a:buClr>
-                    <a:srgbClr val="003560"/>
-                  </a:buClr>
-                  <a:buFont typeface="Wingdings" charset="2"/>
-                  <a:buChar char=""/>
-                </a:pPr>
-                <a:r>
-                  <a:rPr lang="en-US" altLang="de-DE" dirty="0" smtClean="0"/>
-                  <a:t>BLISS-I</a:t>
-                </a:r>
-                <a:r>
-                  <a:rPr lang="en-US" altLang="de-DE" dirty="0"/>
-                  <a:t>: </a:t>
-                </a:r>
-                <a:r>
-                  <a:rPr lang="en-US" altLang="de-DE" dirty="0" smtClean="0"/>
-                  <a:t>Security </a:t>
-                </a:r>
-                <a14:m>
-                  <m:oMath xmlns:m="http://schemas.openxmlformats.org/officeDocument/2006/math">
-                    <m:r>
-                      <a:rPr lang="en-US" altLang="de-DE" i="1" smtClean="0">
-                        <a:latin typeface="Cambria Math" charset="0"/>
-                        <a:ea typeface="Cambria Math" charset="0"/>
-                        <a:cs typeface="Cambria Math" charset="0"/>
-                      </a:rPr>
-                      <m:t>𝜆</m:t>
-                    </m:r>
-                    <m:r>
-                      <a:rPr lang="en-US" altLang="de-DE" b="0" i="1" smtClean="0">
-                        <a:latin typeface="Cambria Math" charset="0"/>
-                        <a:ea typeface="Cambria Math" charset="0"/>
-                        <a:cs typeface="Cambria Math" charset="0"/>
-                      </a:rPr>
-                      <m:t>=128</m:t>
-                    </m:r>
-                  </m:oMath>
-                </a14:m>
-                <a:r>
-                  <a:rPr lang="en-US" altLang="de-DE" dirty="0" smtClean="0"/>
-                  <a:t> Bit</a:t>
-                </a:r>
-                <a:endParaRPr lang="en-US" altLang="de-DE" dirty="0"/>
-              </a:p>
-            </p:txBody>
-          </p:sp>
-        </mc:Choice>
-        <mc:Fallback xmlns="">
-          <p:sp>
-            <p:nvSpPr>
-              <p:cNvPr id="2" name="Textplatzhalter 1"/>
-              <p:cNvSpPr>
-                <a:spLocks noGrp="1" noRot="1" noChangeAspect="1" noMove="1" noResize="1" noEditPoints="1" noAdjustHandles="1" noChangeArrowheads="1" noChangeShapeType="1" noTextEdit="1"/>
-              </p:cNvSpPr>
-              <p:nvPr>
-                <p:ph type="body" sz="quarter" idx="10"/>
-              </p:nvPr>
-            </p:nvSpPr>
-            <p:spPr>
-              <a:blipFill rotWithShape="0">
-                <a:blip r:embed="rId2"/>
-                <a:stretch>
-                  <a:fillRect l="-944" t="-779"/>
-                </a:stretch>
-              </a:blipFill>
-            </p:spPr>
-            <p:txBody>
-              <a:bodyPr/>
-              <a:lstStyle/>
-              <a:p>
-                <a:r>
-                  <a:rPr lang="de-DE">
-                    <a:noFill/>
-                  </a:rPr>
-                  <a:t> </a:t>
-                </a:r>
-              </a:p>
-            </p:txBody>
-          </p:sp>
-        </mc:Fallback>
-      </mc:AlternateContent>
-      <p:sp>
-        <p:nvSpPr>
-          <p:cNvPr id="3" name="Titel 2"/>
-          <p:cNvSpPr>
-            <a:spLocks noGrp="1"/>
-          </p:cNvSpPr>
-          <p:nvPr>
-            <p:ph type="title"/>
-          </p:nvPr>
-        </p:nvSpPr>
-        <p:spPr/>
-        <p:txBody>
-          <a:bodyPr/>
-          <a:lstStyle/>
-          <a:p>
-            <a:r>
-              <a:rPr lang="en-US" dirty="0" smtClean="0"/>
-              <a:t>BLISS</a:t>
-            </a:r>
-            <a:r>
-              <a:rPr lang="en-US" dirty="0"/>
-              <a:t/>
-            </a:r>
-            <a:br>
-              <a:rPr lang="en-US" dirty="0"/>
-            </a:br>
-            <a:r>
-              <a:rPr lang="de-DE" sz="2800" b="0" dirty="0" err="1" smtClean="0"/>
-              <a:t>Overview</a:t>
-            </a:r>
-            <a:endParaRPr lang="de-DE" sz="2800" dirty="0"/>
-          </a:p>
-        </p:txBody>
-      </p:sp>
-    </p:spTree>
-    <p:extLst>
-      <p:ext uri="{BB962C8B-B14F-4D97-AF65-F5344CB8AC3E}">
-        <p14:creationId xmlns:p14="http://schemas.microsoft.com/office/powerpoint/2010/main" val="1426647251"/>
-      </p:ext>
-    </p:extLst>
-  </p:cSld>
-  <p:clrMapOvr>
-    <a:masterClrMapping/>
-  </p:clrMapOvr>
-  <p:transition/>
-</p:sld>
-</file>
-
-<file path=ppt/slides/slide17.xml><?xml version="1.0" encoding="utf-8"?>
-<p:sld xmlns:a="http://schemas.openxmlformats.org/drawingml/2006/main" xmlns:r="http://schemas.openxmlformats.org/officeDocument/2006/relationships" xmlns:p="http://schemas.openxmlformats.org/presentationml/2006/main">
-  <p:cSld>
-    <p:spTree>
-      <p:nvGrpSpPr>
-        <p:cNvPr id="1" name=""/>
-        <p:cNvGrpSpPr/>
-        <p:nvPr/>
-      </p:nvGrpSpPr>
-      <p:grpSpPr>
-        <a:xfrm>
-          <a:off x="0" y="0"/>
-          <a:ext cx="0" cy="0"/>
-          <a:chOff x="0" y="0"/>
-          <a:chExt cx="0" cy="0"/>
-        </a:xfrm>
-      </p:grpSpPr>
-      <mc:AlternateContent xmlns:mc="http://schemas.openxmlformats.org/markup-compatibility/2006" xmlns:a14="http://schemas.microsoft.com/office/drawing/2010/main">
-        <mc:Choice Requires="a14">
+      <mc:AlternateContent xmlns:mc="http://schemas.openxmlformats.org/markup-compatibility/2006">
+        <mc:Choice xmlns:a14="http://schemas.microsoft.com/office/drawing/2010/main" Requires="a14">
           <p:sp>
             <p:nvSpPr>
               <p:cNvPr id="2" name="Textplatzhalter 1"/>
@@ -6056,7 +6025,15 @@
                     <a:ea typeface="Noto Sans CJK SC Regular" charset="0"/>
                     <a:cs typeface="Noto Sans CJK SC Regular" charset="0"/>
                   </a:rPr>
-                  <a:t>For cryptographic applications: Discrete Gaussian distribution needed</a:t>
+                  <a:t>For cryptographic applications: Discrete Gaussian distribution </a:t>
+                </a:r>
+                <a:r>
+                  <a:rPr lang="en-US" altLang="de-DE" dirty="0" smtClean="0">
+                    <a:latin typeface="Arial" charset="0"/>
+                    <a:ea typeface="Noto Sans CJK SC Regular" charset="0"/>
+                    <a:cs typeface="Noto Sans CJK SC Regular" charset="0"/>
+                  </a:rPr>
+                  <a:t>needed</a:t>
                 </a:r>
               </a:p>
               <a:p>
@@ -6093,13 +6070,30 @@
                   </a:tabLst>
                 </a:pPr>
                 <a:r>
-                  <a:rPr lang="en-US" altLang="de-DE" dirty="0">
+                  <a:rPr lang="en-US" altLang="de-DE" dirty="0" smtClean="0">
                     <a:latin typeface="Arial" charset="0"/>
                     <a:ea typeface="Noto Sans CJK SC Regular" charset="0"/>
                     <a:cs typeface="Noto Sans CJK SC Regular" charset="0"/>
                   </a:rPr>
-                  <a:t>Efficient algorithms needed to sample discrete Gaussians</a:t>
-                </a:r>
+                  <a:t>Defined by standard deviation </a:t>
+                </a:r>
+                <a14:m>
+                  <m:oMath xmlns:m="http://schemas.openxmlformats.org/officeDocument/2006/math">
+                    <m:r>
+                      <a:rPr lang="en-US" altLang="de-DE" i="1" smtClean="0">
+                        <a:latin typeface="Cambria Math" charset="0"/>
+                        <a:ea typeface="Cambria Math" charset="0"/>
+                        <a:cs typeface="Cambria Math" charset="0"/>
+                      </a:rPr>
+                      <m:t>𝜎</m:t>
+                    </m:r>
+                  </m:oMath>
+                </a14:m>
+                <a:endParaRPr lang="en-US" altLang="de-DE" dirty="0">
+                  <a:latin typeface="Arial" charset="0"/>
+                  <a:ea typeface="Noto Sans CJK SC Regular" charset="0"/>
+                  <a:cs typeface="Noto Sans CJK SC Regular" charset="0"/>
+                </a:endParaRPr>
               </a:p>
               <a:p>
                 <a:pPr indent="-376238">
@@ -6140,8 +6134,63 @@
                     <a:ea typeface="Noto Sans CJK SC Regular" charset="0"/>
                     <a:cs typeface="Noto Sans CJK SC Regular" charset="0"/>
                   </a:rPr>
-                  <a:t>Convert uniformly random bits into non-uniformly bits distributed according to target distribution</a:t>
-                </a:r>
+                  <a:t>Efficient algorithms needed to sample discrete Gaussians</a:t>
+                </a:r>
+              </a:p>
+              <a:p>
+                <a:pPr indent="-376238">
+                  <a:spcBef>
+                    <a:spcPts val="488"/>
+                  </a:spcBef>
+                  <a:buClr>
+                    <a:srgbClr val="003560"/>
+                  </a:buClr>
+                  <a:buFont typeface="Wingdings" charset="2"/>
+                  <a:buChar char=""/>
+                  <a:tabLst>
+                    <a:tab pos="449263" algn="l"/>
+                    <a:tab pos="898525" algn="l"/>
+                    <a:tab pos="1347788" algn="l"/>
+                    <a:tab pos="1797050" algn="l"/>
+                    <a:tab pos="2246313" algn="l"/>
+                    <a:tab pos="2695575" algn="l"/>
+                    <a:tab pos="3144838" algn="l"/>
+                    <a:tab pos="3594100" algn="l"/>
+                    <a:tab pos="4043363" algn="l"/>
+                    <a:tab pos="4492625" algn="l"/>
+                    <a:tab pos="4941888" algn="l"/>
+                    <a:tab pos="5391150" algn="l"/>
+                    <a:tab pos="5840413" algn="l"/>
+                    <a:tab pos="6289675" algn="l"/>
+                    <a:tab pos="6738938" algn="l"/>
+                    <a:tab pos="7188200" algn="l"/>
+                    <a:tab pos="7637463" algn="l"/>
+                    <a:tab pos="8086725" algn="l"/>
+                    <a:tab pos="8535988" algn="l"/>
+                    <a:tab pos="8985250" algn="l"/>
+                  </a:tabLst>
+                </a:pPr>
+                <a:r>
+                  <a:rPr lang="en-US" altLang="de-DE" dirty="0">
+                    <a:latin typeface="Arial" charset="0"/>
+                    <a:ea typeface="Noto Sans CJK SC Regular" charset="0"/>
+                    <a:cs typeface="Noto Sans CJK SC Regular" charset="0"/>
+                  </a:rPr>
+                  <a:t>Convert uniformly random bits into non-uniformly bits distributed according to target </a:t>
+                </a:r>
+                <a:r>
+                  <a:rPr lang="en-US" altLang="de-DE" dirty="0" smtClean="0">
+                    <a:latin typeface="Arial" charset="0"/>
+                    <a:ea typeface="Noto Sans CJK SC Regular" charset="0"/>
+                    <a:cs typeface="Noto Sans CJK SC Regular" charset="0"/>
+                  </a:rPr>
+                  <a:t>distribution</a:t>
+                </a:r>
+                <a:endParaRPr lang="en-US" altLang="de-DE" dirty="0">
+                  <a:latin typeface="Arial" charset="0"/>
+                  <a:ea typeface="Noto Sans CJK SC Regular" charset="0"/>
+                  <a:cs typeface="Noto Sans CJK SC Regular" charset="0"/>
+                </a:endParaRPr>
               </a:p>
               <a:p>
                 <a:pPr indent="-376238">
@@ -6266,7 +6315,7 @@
             </p:txBody>
           </p:sp>
         </mc:Choice>
-        <mc:Fallback xmlns="">
+        <mc:Fallback>
           <p:sp>
             <p:nvSpPr>
               <p:cNvPr id="2" name="Textplatzhalter 1"/>
@@ -6379,8 +6428,8 @@
         </p:blipFill>
         <p:spPr bwMode="auto">
           <a:xfrm>
-            <a:off x="1561240" y="3477297"/>
-            <a:ext cx="6958145" cy="3576428"/>
+            <a:off x="2056970" y="3986899"/>
+            <a:ext cx="5966685" cy="3066826"/>
           </a:xfrm>
           <a:prstGeom prst="rect">
             <a:avLst/>
@@ -6440,7 +6489,7 @@
 </p:sld>
 </file>
 
-<file path=ppt/slides/slide18.xml><?xml version="1.0" encoding="utf-8"?>
+<file path=ppt/slides/slide17.xml><?xml version="1.0" encoding="utf-8"?>
 <p:sld xmlns:a="http://schemas.openxmlformats.org/drawingml/2006/main" xmlns:r="http://schemas.openxmlformats.org/officeDocument/2006/relationships" xmlns:p="http://schemas.openxmlformats.org/presentationml/2006/main">
   <p:cSld>
     <p:spTree>
@@ -6691,7 +6740,7 @@
 </p:sld>
 </file>
 
-<file path=ppt/slides/slide19.xml><?xml version="1.0" encoding="utf-8"?>
+<file path=ppt/slides/slide18.xml><?xml version="1.0" encoding="utf-8"?>
 <p:sld xmlns:a="http://schemas.openxmlformats.org/drawingml/2006/main" xmlns:r="http://schemas.openxmlformats.org/officeDocument/2006/relationships" xmlns:p="http://schemas.openxmlformats.org/presentationml/2006/main">
   <p:cSld>
     <p:spTree>
@@ -6708,8 +6757,8 @@
           <a:chExt cx="0" cy="0"/>
         </a:xfrm>
       </p:grpSpPr>
-      <mc:AlternateContent xmlns:mc="http://schemas.openxmlformats.org/markup-compatibility/2006" xmlns:a14="http://schemas.microsoft.com/office/drawing/2010/main">
-        <mc:Choice Requires="a14">
+      <mc:AlternateContent xmlns:mc="http://schemas.openxmlformats.org/markup-compatibility/2006">
+        <mc:Choice xmlns:a14="http://schemas.microsoft.com/office/drawing/2010/main" Requires="a14">
           <p:sp>
             <p:nvSpPr>
               <p:cNvPr id="2" name="Textplatzhalter 1"/>
@@ -6741,22 +6790,59 @@
                 </a14:m>
                 <a:r>
                   <a:rPr lang="en-US" dirty="0" smtClean="0"/>
-                  <a:t> uniformly at random</a:t>
+                  <a:t> </a:t>
+                </a:r>
+                <a:r>
+                  <a:rPr lang="en-US" dirty="0" smtClean="0"/>
+                  <a:t>and </a:t>
+                </a:r>
+                <a14:m>
+                  <m:oMath xmlns:m="http://schemas.openxmlformats.org/officeDocument/2006/math">
+                    <m:r>
+                      <a:rPr lang="de-DE" b="0" i="1" smtClean="0">
+                        <a:latin typeface="Cambria Math" charset="0"/>
+                      </a:rPr>
+                      <m:t>𝑟</m:t>
+                    </m:r>
+                  </m:oMath>
+                </a14:m>
+                <a:r>
+                  <a:rPr lang="en-US" dirty="0" smtClean="0"/>
+                  <a:t> uniformly </a:t>
+                </a:r>
+                <a:r>
+                  <a:rPr lang="en-US" dirty="0" smtClean="0"/>
+                  <a:t>at random</a:t>
                 </a:r>
               </a:p>
               <a:p>
                 <a:r>
                   <a:rPr lang="en-US" dirty="0" smtClean="0"/>
-                  <a:t>Reject, if 2</a:t>
-                </a:r>
-                <a:r>
-                  <a:rPr lang="en-US" baseline="30000" dirty="0" smtClean="0"/>
-                  <a:t>nd</a:t>
-                </a:r>
+                  <a:t>Reject, if </a:t>
+                </a:r>
+                <a14:m>
+                  <m:oMath xmlns:m="http://schemas.openxmlformats.org/officeDocument/2006/math">
+                    <m:r>
+                      <a:rPr lang="de-DE" i="1">
+                        <a:latin typeface="Cambria Math" charset="0"/>
+                      </a:rPr>
+                      <m:t>𝑟</m:t>
+                    </m:r>
+                  </m:oMath>
+                </a14:m>
                 <a:r>
                   <a:rPr lang="en-US" dirty="0" smtClean="0"/>
-                  <a:t> random value exceeds expected probability</a:t>
-                </a:r>
+                  <a:t> exceeds </a:t>
+                </a:r>
+                <a:r>
+                  <a:rPr lang="en-US" dirty="0" smtClean="0"/>
+                  <a:t>expected </a:t>
+                </a:r>
+                <a:r>
+                  <a:rPr lang="en-US" dirty="0" smtClean="0"/>
+                  <a:t>cumulative probability</a:t>
+                </a:r>
+                <a:endParaRPr lang="en-US" dirty="0" smtClean="0"/>
               </a:p>
               <a:p>
                 <a:r>
@@ -6788,7 +6874,7 @@
             </p:txBody>
           </p:sp>
         </mc:Choice>
-        <mc:Fallback xmlns="">
+        <mc:Fallback>
           <p:sp>
             <p:nvSpPr>
               <p:cNvPr id="2" name="Textplatzhalter 1"/>
@@ -6871,6 +6957,170 @@
     <a:masterClrMapping/>
   </p:clrMapOvr>
   <p:transition/>
+</p:sld>
+</file>
+
+<file path=ppt/slides/slide19.xml><?xml version="1.0" encoding="utf-8"?>
+<p:sld xmlns:a="http://schemas.openxmlformats.org/drawingml/2006/main" xmlns:r="http://schemas.openxmlformats.org/officeDocument/2006/relationships" xmlns:p="http://schemas.openxmlformats.org/presentationml/2006/main">
+  <p:cSld>
+    <p:spTree>
+      <p:nvGrpSpPr>
+        <p:cNvPr id="1" name=""/>
+        <p:cNvGrpSpPr/>
+        <p:nvPr/>
+      </p:nvGrpSpPr>
+      <p:grpSpPr>
+        <a:xfrm>
+          <a:off x="0" y="0"/>
+          <a:ext cx="0" cy="0"/>
+          <a:chOff x="0" y="0"/>
+          <a:chExt cx="0" cy="0"/>
+        </a:xfrm>
+      </p:grpSpPr>
+      <p:sp>
+        <p:nvSpPr>
+          <p:cNvPr id="2" name="Textplatzhalter 1"/>
+          <p:cNvSpPr>
+            <a:spLocks noGrp="1"/>
+          </p:cNvSpPr>
+          <p:nvPr>
+            <p:ph type="body" sz="quarter" idx="10"/>
+          </p:nvPr>
+        </p:nvSpPr>
+        <p:spPr/>
+        <p:txBody>
+          <a:bodyPr/>
+          <a:lstStyle/>
+          <a:p>
+            <a:r>
+              <a:rPr lang="en-US" dirty="0" smtClean="0"/>
+              <a:t>Cache timing attack</a:t>
+            </a:r>
+          </a:p>
+          <a:p>
+            <a:r>
+              <a:rPr lang="en-US" dirty="0" smtClean="0"/>
+              <a:t>Flush </a:t>
+            </a:r>
+            <a:r>
+              <a:rPr lang="en-US" dirty="0" smtClean="0"/>
+              <a:t>memory lines from cache with </a:t>
+            </a:r>
+            <a:r>
+              <a:rPr lang="en-US" dirty="0" err="1" smtClean="0"/>
+              <a:t>clflush</a:t>
+            </a:r>
+            <a:endParaRPr lang="en-US" dirty="0" smtClean="0"/>
+          </a:p>
+          <a:p>
+            <a:r>
+              <a:rPr lang="en-US" dirty="0" smtClean="0"/>
+              <a:t>Wait for user processes</a:t>
+            </a:r>
+          </a:p>
+          <a:p>
+            <a:r>
+              <a:rPr lang="en-US" dirty="0" smtClean="0"/>
+              <a:t>Reload flushed memory lines and compare access time to reference value</a:t>
+            </a:r>
+          </a:p>
+          <a:p>
+            <a:r>
+              <a:rPr lang="en-US" dirty="0" smtClean="0"/>
+              <a:t>Fast access means:</a:t>
+            </a:r>
+          </a:p>
+          <a:p>
+            <a:pPr lvl="1"/>
+            <a:r>
+              <a:rPr lang="en-US" dirty="0" smtClean="0"/>
+              <a:t>Memory line has been cached</a:t>
+            </a:r>
+          </a:p>
+          <a:p>
+            <a:pPr lvl="1"/>
+            <a:r>
+              <a:rPr lang="en-US" dirty="0" smtClean="0"/>
+              <a:t>User process accessed that memory line</a:t>
+            </a:r>
+          </a:p>
+          <a:p>
+            <a:r>
+              <a:rPr lang="en-US" dirty="0" smtClean="0"/>
+              <a:t>Problem: Cache line contains multiple entries</a:t>
+            </a:r>
+            <a:r>
+              <a:rPr lang="is-IS" dirty="0" smtClean="0"/>
+              <a:t>…</a:t>
+            </a:r>
+            <a:endParaRPr lang="en-US" dirty="0" smtClean="0"/>
+          </a:p>
+        </p:txBody>
+      </p:sp>
+      <p:sp>
+        <p:nvSpPr>
+          <p:cNvPr id="3" name="Titel 2"/>
+          <p:cNvSpPr>
+            <a:spLocks noGrp="1"/>
+          </p:cNvSpPr>
+          <p:nvPr>
+            <p:ph type="title"/>
+          </p:nvPr>
+        </p:nvSpPr>
+        <p:spPr/>
+        <p:txBody>
+          <a:bodyPr/>
+          <a:lstStyle/>
+          <a:p>
+            <a:r>
+              <a:rPr lang="de-DE" dirty="0" err="1" smtClean="0"/>
+              <a:t>Flush+Reload</a:t>
+            </a:r>
+            <a:r>
+              <a:rPr lang="de-DE" dirty="0" smtClean="0"/>
+              <a:t> Cache </a:t>
+            </a:r>
+            <a:r>
+              <a:rPr lang="de-DE" dirty="0" err="1" smtClean="0"/>
+              <a:t>Attack</a:t>
+            </a:r>
+            <a:r>
+              <a:rPr lang="de-DE" dirty="0" smtClean="0"/>
+              <a:t/>
+            </a:r>
+            <a:br>
+              <a:rPr lang="de-DE" dirty="0" smtClean="0"/>
+            </a:br>
+            <a:r>
+              <a:rPr lang="de-DE" sz="2800" b="0" dirty="0" err="1" smtClean="0"/>
+              <a:t>Overview</a:t>
+            </a:r>
+            <a:r>
+              <a:rPr lang="de-DE" sz="2800" b="0" dirty="0" smtClean="0"/>
+              <a:t> I</a:t>
+            </a:r>
+            <a:endParaRPr lang="de-DE" dirty="0"/>
+          </a:p>
+        </p:txBody>
+      </p:sp>
+    </p:spTree>
+    <p:extLst>
+      <p:ext uri="{BB962C8B-B14F-4D97-AF65-F5344CB8AC3E}">
+        <p14:creationId xmlns:p14="http://schemas.microsoft.com/office/powerpoint/2010/main" val="12889323"/>
+      </p:ext>
+    </p:extLst>
+  </p:cSld>
+  <p:clrMapOvr>
+    <a:masterClrMapping/>
+  </p:clrMapOvr>
+  <p:transition/>
+  <p:timing>
+    <p:tnLst>
+      <p:par>
+        <p:cTn id="1" dur="indefinite" restart="never" nodeType="tmRoot"/>
+      </p:par>
+    </p:tnLst>
+  </p:timing>
 </p:sld>
 </file>
 
@@ -6933,15 +7183,7 @@
             <a:pPr lvl="1"/>
             <a:r>
               <a:rPr lang="en-US" dirty="0" smtClean="0"/>
-              <a:t>Shor’s algorithm </a:t>
-            </a:r>
-            <a:r>
-              <a:rPr lang="en-US" dirty="0" smtClean="0"/>
-              <a:t>[1] for </a:t>
-            </a:r>
-            <a:r>
-              <a:rPr lang="en-US" dirty="0" smtClean="0"/>
-              <a:t>prime factorization and discrete logarithms</a:t>
+              <a:t>Shor’s algorithm [1] for prime factorization and discrete logarithms</a:t>
             </a:r>
           </a:p>
           <a:p>
@@ -7008,7 +7250,6 @@
               <a:rPr lang="en-US" sz="1100" dirty="0" smtClean="0"/>
               <a:t>[1] “Polynomial-Time Algorithms for Prime Factorization and Discrete Logarithms on a Quantum Computer”; Peter W. Shor; October 1997</a:t>
             </a:r>
-            <a:endParaRPr lang="en-US" sz="1100" dirty="0" smtClean="0"/>
           </a:p>
         </p:txBody>
       </p:sp>
@@ -7057,160 +7298,6 @@
 </file>
 
 <file path=ppt/slides/slide20.xml><?xml version="1.0" encoding="utf-8"?>
-<p:sld xmlns:a="http://schemas.openxmlformats.org/drawingml/2006/main" xmlns:r="http://schemas.openxmlformats.org/officeDocument/2006/relationships" xmlns:p="http://schemas.openxmlformats.org/presentationml/2006/main">
-  <p:cSld>
-    <p:spTree>
-      <p:nvGrpSpPr>
-        <p:cNvPr id="1" name=""/>
-        <p:cNvGrpSpPr/>
-        <p:nvPr/>
-      </p:nvGrpSpPr>
-      <p:grpSpPr>
-        <a:xfrm>
-          <a:off x="0" y="0"/>
-          <a:ext cx="0" cy="0"/>
-          <a:chOff x="0" y="0"/>
-          <a:chExt cx="0" cy="0"/>
-        </a:xfrm>
-      </p:grpSpPr>
-      <p:sp>
-        <p:nvSpPr>
-          <p:cNvPr id="2" name="Textplatzhalter 1"/>
-          <p:cNvSpPr>
-            <a:spLocks noGrp="1"/>
-          </p:cNvSpPr>
-          <p:nvPr>
-            <p:ph type="body" sz="quarter" idx="10"/>
-          </p:nvPr>
-        </p:nvSpPr>
-        <p:spPr/>
-        <p:txBody>
-          <a:bodyPr/>
-          <a:lstStyle/>
-          <a:p>
-            <a:r>
-              <a:rPr lang="en-US" dirty="0" smtClean="0"/>
-              <a:t>Flush memory lines from cache with </a:t>
-            </a:r>
-            <a:r>
-              <a:rPr lang="en-US" dirty="0" err="1" smtClean="0"/>
-              <a:t>clflush</a:t>
-            </a:r>
-            <a:endParaRPr lang="en-US" dirty="0" smtClean="0"/>
-          </a:p>
-          <a:p>
-            <a:r>
-              <a:rPr lang="en-US" dirty="0" smtClean="0"/>
-              <a:t>Wait for user processes</a:t>
-            </a:r>
-          </a:p>
-          <a:p>
-            <a:r>
-              <a:rPr lang="en-US" dirty="0" smtClean="0"/>
-              <a:t>Reload flushed memory lines and compare access time to reference value</a:t>
-            </a:r>
-          </a:p>
-          <a:p>
-            <a:r>
-              <a:rPr lang="en-US" dirty="0" smtClean="0"/>
-              <a:t>Fast access means:</a:t>
-            </a:r>
-          </a:p>
-          <a:p>
-            <a:pPr lvl="1"/>
-            <a:r>
-              <a:rPr lang="en-US" dirty="0" smtClean="0"/>
-              <a:t>Memory line has been cached</a:t>
-            </a:r>
-          </a:p>
-          <a:p>
-            <a:pPr lvl="1"/>
-            <a:r>
-              <a:rPr lang="en-US" dirty="0" smtClean="0"/>
-              <a:t>User process accessed that memory line</a:t>
-            </a:r>
-          </a:p>
-          <a:p>
-            <a:r>
-              <a:rPr lang="en-US" dirty="0" smtClean="0"/>
-              <a:t>Problem: Cache line contains multiple entries</a:t>
-            </a:r>
-            <a:r>
-              <a:rPr lang="is-IS" dirty="0" smtClean="0"/>
-              <a:t>…</a:t>
-            </a:r>
-            <a:endParaRPr lang="en-US" dirty="0" smtClean="0"/>
-          </a:p>
-        </p:txBody>
-      </p:sp>
-      <p:sp>
-        <p:nvSpPr>
-          <p:cNvPr id="3" name="Titel 2"/>
-          <p:cNvSpPr>
-            <a:spLocks noGrp="1"/>
-          </p:cNvSpPr>
-          <p:nvPr>
-            <p:ph type="title"/>
-          </p:nvPr>
-        </p:nvSpPr>
-        <p:spPr/>
-        <p:txBody>
-          <a:bodyPr/>
-          <a:lstStyle/>
-          <a:p>
-            <a:r>
-              <a:rPr lang="de-DE" dirty="0" err="1" smtClean="0"/>
-              <a:t>Flush+Reload</a:t>
-            </a:r>
-            <a:r>
-              <a:rPr lang="de-DE" dirty="0" smtClean="0"/>
-              <a:t> Cache </a:t>
-            </a:r>
-            <a:r>
-              <a:rPr lang="de-DE" dirty="0" err="1" smtClean="0"/>
-              <a:t>Attack</a:t>
-            </a:r>
-            <a:r>
-              <a:rPr lang="de-DE" dirty="0" smtClean="0"/>
-              <a:t/>
-            </a:r>
-            <a:br>
-              <a:rPr lang="de-DE" dirty="0" smtClean="0"/>
-            </a:br>
-            <a:r>
-              <a:rPr lang="de-DE" sz="2800" b="0" dirty="0" err="1" smtClean="0"/>
-              <a:t>Overview</a:t>
-            </a:r>
-            <a:r>
-              <a:rPr lang="de-DE" sz="2800" b="0" dirty="0" smtClean="0"/>
-              <a:t> I</a:t>
-            </a:r>
-            <a:endParaRPr lang="de-DE" dirty="0"/>
-          </a:p>
-        </p:txBody>
-      </p:sp>
-    </p:spTree>
-    <p:extLst>
-      <p:ext uri="{BB962C8B-B14F-4D97-AF65-F5344CB8AC3E}">
-        <p14:creationId xmlns:p14="http://schemas.microsoft.com/office/powerpoint/2010/main" val="12889323"/>
-      </p:ext>
-    </p:extLst>
-  </p:cSld>
-  <p:clrMapOvr>
-    <a:masterClrMapping/>
-  </p:clrMapOvr>
-  <p:transition/>
-  <p:timing>
-    <p:tnLst>
-      <p:par>
-        <p:cTn id="1" dur="indefinite" restart="never" nodeType="tmRoot"/>
-      </p:par>
-    </p:tnLst>
-  </p:timing>
-</p:sld>
-</file>
-
-<file path=ppt/slides/slide21.xml><?xml version="1.0" encoding="utf-8"?>
 <p:sld xmlns:a="http://schemas.openxmlformats.org/drawingml/2006/main" xmlns:r="http://schemas.openxmlformats.org/officeDocument/2006/relationships" xmlns:p="http://schemas.openxmlformats.org/presentationml/2006/main">
   <p:cSld>
     <p:spTree>
@@ -7950,7 +8037,7 @@
 </p:sld>
 </file>
 
-<file path=ppt/slides/slide22.xml><?xml version="1.0" encoding="utf-8"?>
+<file path=ppt/slides/slide21.xml><?xml version="1.0" encoding="utf-8"?>
 <p:sld xmlns:a="http://schemas.openxmlformats.org/drawingml/2006/main" xmlns:r="http://schemas.openxmlformats.org/officeDocument/2006/relationships" xmlns:p="http://schemas.openxmlformats.org/presentationml/2006/main">
   <p:cSld>
     <p:spTree>
@@ -8801,76 +8888,2271 @@
           </p:graphicFrame>
         </mc:Fallback>
       </mc:AlternateContent>
-      <p:pic>
-        <p:nvPicPr>
-          <p:cNvPr id="5" name="Picture 4"/>
-          <p:cNvPicPr>
-            <a:picLocks noChangeAspect="1" noChangeArrowheads="1"/>
-          </p:cNvPicPr>
-          <p:nvPr/>
-        </p:nvPicPr>
-        <p:blipFill>
-          <a:blip r:embed="rId3">
-            <a:extLst>
-              <a:ext uri="{28A0092B-C50C-407E-A947-70E740481C1C}">
-                <a14:useLocalDpi xmlns:a14="http://schemas.microsoft.com/office/drawing/2010/main" val="0"/>
-              </a:ext>
-            </a:extLst>
-          </a:blip>
-          <a:srcRect/>
-          <a:stretch>
-            <a:fillRect/>
-          </a:stretch>
-        </p:blipFill>
-        <p:spPr bwMode="auto">
-          <a:xfrm>
-            <a:off x="358775" y="3746499"/>
-            <a:ext cx="8400522" cy="2534790"/>
-          </a:xfrm>
-          <a:prstGeom prst="rect">
-            <a:avLst/>
-          </a:prstGeom>
-          <a:noFill/>
-          <a:ln>
-            <a:noFill/>
-          </a:ln>
-          <a:effectLst/>
-          <a:extLst>
-            <a:ext uri="{909E8E84-426E-40DD-AFC4-6F175D3DCCD1}">
-              <a14:hiddenFill xmlns:a14="http://schemas.microsoft.com/office/drawing/2010/main">
-                <a:blipFill dpi="0" rotWithShape="0">
-                  <a:blip/>
-                  <a:srcRect/>
-                  <a:stretch>
-                    <a:fillRect/>
-                  </a:stretch>
-                </a:blipFill>
-              </a14:hiddenFill>
-            </a:ext>
-            <a:ext uri="{91240B29-F687-4F45-9708-019B960494DF}">
-              <a14:hiddenLine xmlns:a14="http://schemas.microsoft.com/office/drawing/2010/main" w="9525" cap="flat">
-                <a:solidFill>
-                  <a:srgbClr val="3465A4"/>
-                </a:solidFill>
-                <a:round/>
-                <a:headEnd/>
-                <a:tailEnd/>
-              </a14:hiddenLine>
-            </a:ext>
-            <a:ext uri="{AF507438-7753-43E0-B8FC-AC1667EBCBE1}">
-              <a14:hiddenEffects xmlns:a14="http://schemas.microsoft.com/office/drawing/2010/main">
-                <a:effectLst>
-                  <a:outerShdw blurRad="63500" dist="38099" dir="2700000" algn="ctr" rotWithShape="0">
-                    <a:srgbClr val="000000">
-                      <a:alpha val="74998"/>
-                    </a:srgbClr>
-                  </a:outerShdw>
-                </a:effectLst>
-              </a14:hiddenEffects>
-            </a:ext>
-          </a:extLst>
-        </p:spPr>
-      </p:pic>
+      <mc:AlternateContent xmlns:mc="http://schemas.openxmlformats.org/markup-compatibility/2006">
+        <mc:Choice xmlns:a14="http://schemas.microsoft.com/office/drawing/2010/main" Requires="a14">
+          <p:graphicFrame>
+            <p:nvGraphicFramePr>
+              <p:cNvPr id="6" name="Tabelle 5"/>
+              <p:cNvGraphicFramePr>
+                <a:graphicFrameLocks noGrp="1"/>
+              </p:cNvGraphicFramePr>
+              <p:nvPr>
+                <p:extLst>
+                  <p:ext uri="{D42A27DB-BD31-4B8C-83A1-F6EECF244321}">
+                    <p14:modId xmlns:p14="http://schemas.microsoft.com/office/powerpoint/2010/main" val="1568142312"/>
+                  </p:ext>
+                </p:extLst>
+              </p:nvPr>
+            </p:nvGraphicFramePr>
+            <p:xfrm>
+              <a:off x="358775" y="3704869"/>
+              <a:ext cx="8400524" cy="2894745"/>
+            </p:xfrm>
+            <a:graphic>
+              <a:graphicData uri="http://schemas.openxmlformats.org/drawingml/2006/table">
+                <a:tbl>
+                  <a:tblPr firstRow="1" bandRow="1">
+                    <a:tableStyleId>{7E9639D4-E3E2-4D34-9284-5A2195B3D0D7}</a:tableStyleId>
+                  </a:tblPr>
+                  <a:tblGrid>
+                    <a:gridCol w="2100131"/>
+                    <a:gridCol w="2100131"/>
+                    <a:gridCol w="2100131"/>
+                    <a:gridCol w="2100131"/>
+                  </a:tblGrid>
+                  <a:tr h="413535">
+                    <a:tc>
+                      <a:txBody>
+                        <a:bodyPr/>
+                        <a:lstStyle/>
+                        <a:p>
+                          <a:pPr algn="ctr"/>
+                          <a:r>
+                            <a:rPr lang="de-DE" dirty="0" smtClean="0">
+                              <a:latin typeface="Arial" charset="0"/>
+                              <a:ea typeface="Arial" charset="0"/>
+                              <a:cs typeface="Arial" charset="0"/>
+                            </a:rPr>
+                            <a:t>Parameter Set</a:t>
+                          </a:r>
+                          <a:endParaRPr lang="de-DE" dirty="0">
+                            <a:latin typeface="Arial" charset="0"/>
+                            <a:ea typeface="Arial" charset="0"/>
+                            <a:cs typeface="Arial" charset="0"/>
+                          </a:endParaRPr>
+                        </a:p>
+                      </a:txBody>
+                      <a:tcPr>
+                        <a:lnR w="12700" cap="flat" cmpd="sng" algn="ctr">
+                          <a:solidFill>
+                            <a:schemeClr val="tx1"/>
+                          </a:solidFill>
+                          <a:prstDash val="solid"/>
+                          <a:round/>
+                          <a:headEnd type="none" w="med" len="med"/>
+                          <a:tailEnd type="none" w="med" len="med"/>
+                        </a:lnR>
+                      </a:tcPr>
+                    </a:tc>
+                    <a:tc>
+                      <a:txBody>
+                        <a:bodyPr/>
+                        <a:lstStyle/>
+                        <a:p>
+                          <a:pPr algn="ctr"/>
+                          <a14:m>
+                            <m:oMathPara xmlns:m="http://schemas.openxmlformats.org/officeDocument/2006/math">
+                              <m:oMathParaPr>
+                                <m:jc m:val="centerGroup"/>
+                              </m:oMathParaPr>
+                              <m:oMath xmlns:m="http://schemas.openxmlformats.org/officeDocument/2006/math">
+                                <m:r>
+                                  <a:rPr lang="de-DE" b="1" i="1" smtClean="0">
+                                    <a:latin typeface="Cambria Math" charset="0"/>
+                                    <a:ea typeface="Arial" charset="0"/>
+                                    <a:cs typeface="Arial" charset="0"/>
+                                  </a:rPr>
+                                  <m:t>𝒎</m:t>
+                                </m:r>
+                              </m:oMath>
+                            </m:oMathPara>
+                          </a14:m>
+                          <a:endParaRPr lang="de-DE" b="1" dirty="0" smtClean="0">
+                            <a:latin typeface="Arial" charset="0"/>
+                            <a:ea typeface="Arial" charset="0"/>
+                            <a:cs typeface="Arial" charset="0"/>
+                          </a:endParaRPr>
+                        </a:p>
+                      </a:txBody>
+                      <a:tcPr>
+                        <a:lnL w="12700" cap="flat" cmpd="sng" algn="ctr">
+                          <a:solidFill>
+                            <a:schemeClr val="tx1"/>
+                          </a:solidFill>
+                          <a:prstDash val="solid"/>
+                          <a:round/>
+                          <a:headEnd type="none" w="med" len="med"/>
+                          <a:tailEnd type="none" w="med" len="med"/>
+                        </a:lnL>
+                        <a:lnR w="12700" cap="flat" cmpd="sng" algn="ctr">
+                          <a:solidFill>
+                            <a:schemeClr val="tx1"/>
+                          </a:solidFill>
+                          <a:prstDash val="solid"/>
+                          <a:round/>
+                          <a:headEnd type="none" w="med" len="med"/>
+                          <a:tailEnd type="none" w="med" len="med"/>
+                        </a:lnR>
+                      </a:tcPr>
+                    </a:tc>
+                    <a:tc>
+                      <a:txBody>
+                        <a:bodyPr/>
+                        <a:lstStyle/>
+                        <a:p>
+                          <a:pPr algn="ctr"/>
+                          <a14:m>
+                            <m:oMathPara xmlns:m="http://schemas.openxmlformats.org/officeDocument/2006/math">
+                              <m:oMathParaPr>
+                                <m:jc m:val="centerGroup"/>
+                              </m:oMathParaPr>
+                              <m:oMath xmlns:m="http://schemas.openxmlformats.org/officeDocument/2006/math">
+                                <m:sSub>
+                                  <m:sSubPr>
+                                    <m:ctrlPr>
+                                      <a:rPr lang="en-US" i="1" smtClean="0">
+                                        <a:latin typeface="Cambria Math" charset="0"/>
+                                        <a:ea typeface="Arial" charset="0"/>
+                                        <a:cs typeface="Arial" charset="0"/>
+                                      </a:rPr>
+                                    </m:ctrlPr>
+                                  </m:sSubPr>
+                                  <m:e>
+                                    <m:r>
+                                      <a:rPr lang="de-DE" b="1" i="1" smtClean="0">
+                                        <a:latin typeface="Cambria Math" charset="0"/>
+                                        <a:ea typeface="Arial" charset="0"/>
+                                        <a:cs typeface="Arial" charset="0"/>
+                                      </a:rPr>
+                                      <m:t>𝒑</m:t>
+                                    </m:r>
+                                  </m:e>
+                                  <m:sub>
+                                    <m:r>
+                                      <a:rPr lang="de-DE" b="1" i="1" smtClean="0">
+                                        <a:latin typeface="Cambria Math" charset="0"/>
+                                        <a:ea typeface="Arial" charset="0"/>
+                                        <a:cs typeface="Arial" charset="0"/>
+                                      </a:rPr>
+                                      <m:t>𝒔𝒖𝒄𝒄𝒆𝒔𝒔</m:t>
+                                    </m:r>
+                                  </m:sub>
+                                </m:sSub>
+                              </m:oMath>
+                            </m:oMathPara>
+                          </a14:m>
+                          <a:endParaRPr lang="de-DE" dirty="0">
+                            <a:latin typeface="Arial" charset="0"/>
+                            <a:ea typeface="Arial" charset="0"/>
+                            <a:cs typeface="Arial" charset="0"/>
+                          </a:endParaRPr>
+                        </a:p>
+                      </a:txBody>
+                      <a:tcPr>
+                        <a:lnL w="12700" cap="flat" cmpd="sng" algn="ctr">
+                          <a:solidFill>
+                            <a:schemeClr val="tx1"/>
+                          </a:solidFill>
+                          <a:prstDash val="solid"/>
+                          <a:round/>
+                          <a:headEnd type="none" w="med" len="med"/>
+                          <a:tailEnd type="none" w="med" len="med"/>
+                        </a:lnL>
+                        <a:lnR w="12700" cap="flat" cmpd="sng" algn="ctr">
+                          <a:solidFill>
+                            <a:schemeClr val="tx1"/>
+                          </a:solidFill>
+                          <a:prstDash val="solid"/>
+                          <a:round/>
+                          <a:headEnd type="none" w="med" len="med"/>
+                          <a:tailEnd type="none" w="med" len="med"/>
+                        </a:lnR>
+                      </a:tcPr>
+                    </a:tc>
+                    <a:tc>
+                      <a:txBody>
+                        <a:bodyPr/>
+                        <a:lstStyle/>
+                        <a:p>
+                          <a:pPr algn="ctr"/>
+                          <a14:m>
+                            <m:oMathPara xmlns:m="http://schemas.openxmlformats.org/officeDocument/2006/math">
+                              <m:oMathParaPr>
+                                <m:jc m:val="centerGroup"/>
+                              </m:oMathParaPr>
+                              <m:oMath xmlns:m="http://schemas.openxmlformats.org/officeDocument/2006/math">
+                                <m:acc>
+                                  <m:accPr>
+                                    <m:chr m:val="̅"/>
+                                    <m:ctrlPr>
+                                      <a:rPr lang="de-DE" i="1" smtClean="0">
+                                        <a:latin typeface="Cambria Math" charset="0"/>
+                                        <a:ea typeface="Arial" charset="0"/>
+                                        <a:cs typeface="Arial" charset="0"/>
+                                      </a:rPr>
+                                    </m:ctrlPr>
+                                  </m:accPr>
+                                  <m:e>
+                                    <m:r>
+                                      <a:rPr lang="de-DE" b="1" i="1" smtClean="0">
+                                        <a:latin typeface="Cambria Math" charset="0"/>
+                                        <a:ea typeface="Arial" charset="0"/>
+                                        <a:cs typeface="Arial" charset="0"/>
+                                      </a:rPr>
+                                      <m:t>𝑵</m:t>
+                                    </m:r>
+                                  </m:e>
+                                </m:acc>
+                              </m:oMath>
+                            </m:oMathPara>
+                          </a14:m>
+                          <a:endParaRPr lang="de-DE" dirty="0">
+                            <a:latin typeface="Arial" charset="0"/>
+                            <a:ea typeface="Arial" charset="0"/>
+                            <a:cs typeface="Arial" charset="0"/>
+                          </a:endParaRPr>
+                        </a:p>
+                      </a:txBody>
+                      <a:tcPr>
+                        <a:lnL w="12700" cap="flat" cmpd="sng" algn="ctr">
+                          <a:solidFill>
+                            <a:schemeClr val="tx1"/>
+                          </a:solidFill>
+                          <a:prstDash val="solid"/>
+                          <a:round/>
+                          <a:headEnd type="none" w="med" len="med"/>
+                          <a:tailEnd type="none" w="med" len="med"/>
+                        </a:lnL>
+                      </a:tcPr>
+                    </a:tc>
+                  </a:tr>
+                  <a:tr h="413535">
+                    <a:tc rowSpan="6">
+                      <a:txBody>
+                        <a:bodyPr/>
+                        <a:lstStyle/>
+                        <a:p>
+                          <a:pPr algn="ctr"/>
+                          <a:endParaRPr lang="de-DE" dirty="0" smtClean="0">
+                            <a:latin typeface="Arial" charset="0"/>
+                            <a:ea typeface="Arial" charset="0"/>
+                            <a:cs typeface="Arial" charset="0"/>
+                          </a:endParaRPr>
+                        </a:p>
+                        <a:p>
+                          <a:pPr algn="ctr"/>
+                          <a:endParaRPr lang="de-DE" b="0" i="1" dirty="0" smtClean="0">
+                            <a:latin typeface="Cambria Math" charset="0"/>
+                            <a:ea typeface="Arial" charset="0"/>
+                            <a:cs typeface="Arial" charset="0"/>
+                          </a:endParaRPr>
+                        </a:p>
+                        <a:p>
+                          <a:pPr algn="ctr"/>
+                          <a14:m>
+                            <m:oMathPara xmlns:m="http://schemas.openxmlformats.org/officeDocument/2006/math">
+                              <m:oMathParaPr>
+                                <m:jc m:val="centerGroup"/>
+                              </m:oMathParaPr>
+                              <m:oMath xmlns:m="http://schemas.openxmlformats.org/officeDocument/2006/math">
+                                <m:r>
+                                  <a:rPr lang="de-DE" b="0" i="1" smtClean="0">
+                                    <a:latin typeface="Cambria Math" charset="0"/>
+                                    <a:ea typeface="Arial" charset="0"/>
+                                    <a:cs typeface="Arial" charset="0"/>
+                                  </a:rPr>
+                                  <m:t>𝐵𝐿𝐼𝑆𝑆</m:t>
+                                </m:r>
+                                <m:r>
+                                  <a:rPr lang="de-DE" b="0" i="1" smtClean="0">
+                                    <a:latin typeface="Cambria Math" charset="0"/>
+                                    <a:ea typeface="Arial" charset="0"/>
+                                    <a:cs typeface="Arial" charset="0"/>
+                                  </a:rPr>
+                                  <m:t>−</m:t>
+                                </m:r>
+                                <m:r>
+                                  <a:rPr lang="de-DE" b="0" i="1" smtClean="0">
+                                    <a:latin typeface="Cambria Math" charset="0"/>
+                                    <a:ea typeface="Arial" charset="0"/>
+                                    <a:cs typeface="Arial" charset="0"/>
+                                  </a:rPr>
+                                  <m:t>𝐼</m:t>
+                                </m:r>
+                              </m:oMath>
+                            </m:oMathPara>
+                          </a14:m>
+                          <a:endParaRPr lang="de-DE" b="0" dirty="0" smtClean="0">
+                            <a:latin typeface="Arial" charset="0"/>
+                            <a:ea typeface="Arial" charset="0"/>
+                            <a:cs typeface="Arial" charset="0"/>
+                          </a:endParaRPr>
+                        </a:p>
+                        <a:p>
+                          <a:pPr algn="ctr"/>
+                          <a14:m>
+                            <m:oMathPara xmlns:m="http://schemas.openxmlformats.org/officeDocument/2006/math">
+                              <m:oMathParaPr>
+                                <m:jc m:val="centerGroup"/>
+                              </m:oMathParaPr>
+                              <m:oMath xmlns:m="http://schemas.openxmlformats.org/officeDocument/2006/math">
+                                <m:r>
+                                  <a:rPr lang="de-DE" b="0" i="1" smtClean="0">
+                                    <a:latin typeface="Cambria Math" charset="0"/>
+                                    <a:ea typeface="Arial" charset="0"/>
+                                    <a:cs typeface="Arial" charset="0"/>
+                                  </a:rPr>
+                                  <m:t>𝑛</m:t>
+                                </m:r>
+                                <m:r>
+                                  <a:rPr lang="de-DE" b="0" i="1" smtClean="0">
+                                    <a:latin typeface="Cambria Math" charset="0"/>
+                                    <a:ea typeface="Arial" charset="0"/>
+                                    <a:cs typeface="Arial" charset="0"/>
+                                  </a:rPr>
+                                  <m:t>=512</m:t>
+                                </m:r>
+                              </m:oMath>
+                            </m:oMathPara>
+                          </a14:m>
+                          <a:endParaRPr lang="de-DE" b="0" dirty="0" smtClean="0">
+                            <a:latin typeface="Arial" charset="0"/>
+                            <a:ea typeface="Arial" charset="0"/>
+                            <a:cs typeface="Arial" charset="0"/>
+                          </a:endParaRPr>
+                        </a:p>
+                        <a:p>
+                          <a:pPr algn="ctr"/>
+                          <a14:m>
+                            <m:oMathPara xmlns:m="http://schemas.openxmlformats.org/officeDocument/2006/math">
+                              <m:oMathParaPr>
+                                <m:jc m:val="centerGroup"/>
+                              </m:oMathParaPr>
+                              <m:oMath xmlns:m="http://schemas.openxmlformats.org/officeDocument/2006/math">
+                                <m:r>
+                                  <a:rPr lang="de-DE" i="1" smtClean="0">
+                                    <a:latin typeface="Cambria Math" charset="0"/>
+                                    <a:ea typeface="Cambria Math" charset="0"/>
+                                    <a:cs typeface="Cambria Math" charset="0"/>
+                                  </a:rPr>
+                                  <m:t>𝜎</m:t>
+                                </m:r>
+                                <m:r>
+                                  <a:rPr lang="de-DE" b="0" i="1" smtClean="0">
+                                    <a:latin typeface="Cambria Math" charset="0"/>
+                                    <a:ea typeface="Cambria Math" charset="0"/>
+                                    <a:cs typeface="Cambria Math" charset="0"/>
+                                  </a:rPr>
+                                  <m:t>=215</m:t>
+                                </m:r>
+                              </m:oMath>
+                            </m:oMathPara>
+                          </a14:m>
+                          <a:endParaRPr lang="de-DE" b="0" dirty="0" smtClean="0">
+                            <a:latin typeface="Arial" charset="0"/>
+                            <a:ea typeface="Cambria Math" charset="0"/>
+                            <a:cs typeface="Cambria Math" charset="0"/>
+                          </a:endParaRPr>
+                        </a:p>
+                      </a:txBody>
+                      <a:tcPr>
+                        <a:lnR w="12700" cap="flat" cmpd="sng" algn="ctr">
+                          <a:solidFill>
+                            <a:schemeClr val="tx1"/>
+                          </a:solidFill>
+                          <a:prstDash val="solid"/>
+                          <a:round/>
+                          <a:headEnd type="none" w="med" len="med"/>
+                          <a:tailEnd type="none" w="med" len="med"/>
+                        </a:lnR>
+                      </a:tcPr>
+                    </a:tc>
+                    <a:tc>
+                      <a:txBody>
+                        <a:bodyPr/>
+                        <a:lstStyle/>
+                        <a:p>
+                          <a:pPr algn="ctr"/>
+                          <a:r>
+                            <a:rPr lang="de-DE" dirty="0" smtClean="0">
+                              <a:latin typeface="Arial" charset="0"/>
+                              <a:ea typeface="Arial" charset="0"/>
+                              <a:cs typeface="Arial" charset="0"/>
+                            </a:rPr>
+                            <a:t>512</a:t>
+                          </a:r>
+                          <a:endParaRPr lang="de-DE" dirty="0">
+                            <a:latin typeface="Arial" charset="0"/>
+                            <a:ea typeface="Arial" charset="0"/>
+                            <a:cs typeface="Arial" charset="0"/>
+                          </a:endParaRPr>
+                        </a:p>
+                      </a:txBody>
+                      <a:tcPr>
+                        <a:lnL w="12700" cap="flat" cmpd="sng" algn="ctr">
+                          <a:solidFill>
+                            <a:schemeClr val="tx1"/>
+                          </a:solidFill>
+                          <a:prstDash val="solid"/>
+                          <a:round/>
+                          <a:headEnd type="none" w="med" len="med"/>
+                          <a:tailEnd type="none" w="med" len="med"/>
+                        </a:lnL>
+                        <a:lnR w="12700" cap="flat" cmpd="sng" algn="ctr">
+                          <a:solidFill>
+                            <a:schemeClr val="tx1"/>
+                          </a:solidFill>
+                          <a:prstDash val="solid"/>
+                          <a:round/>
+                          <a:headEnd type="none" w="med" len="med"/>
+                          <a:tailEnd type="none" w="med" len="med"/>
+                        </a:lnR>
+                      </a:tcPr>
+                    </a:tc>
+                    <a:tc>
+                      <a:txBody>
+                        <a:bodyPr/>
+                        <a:lstStyle/>
+                        <a:p>
+                          <a:pPr algn="ctr"/>
+                          <a:r>
+                            <a:rPr lang="de-DE" dirty="0" smtClean="0">
+                              <a:latin typeface="Arial" charset="0"/>
+                              <a:ea typeface="Arial" charset="0"/>
+                              <a:cs typeface="Arial" charset="0"/>
+                            </a:rPr>
+                            <a:t>0.655</a:t>
+                          </a:r>
+                          <a:endParaRPr lang="de-DE" dirty="0">
+                            <a:latin typeface="Arial" charset="0"/>
+                            <a:ea typeface="Arial" charset="0"/>
+                            <a:cs typeface="Arial" charset="0"/>
+                          </a:endParaRPr>
+                        </a:p>
+                      </a:txBody>
+                      <a:tcPr>
+                        <a:lnL w="12700" cap="flat" cmpd="sng" algn="ctr">
+                          <a:solidFill>
+                            <a:schemeClr val="tx1"/>
+                          </a:solidFill>
+                          <a:prstDash val="solid"/>
+                          <a:round/>
+                          <a:headEnd type="none" w="med" len="med"/>
+                          <a:tailEnd type="none" w="med" len="med"/>
+                        </a:lnL>
+                        <a:lnR w="12700" cap="flat" cmpd="sng" algn="ctr">
+                          <a:solidFill>
+                            <a:schemeClr val="tx1"/>
+                          </a:solidFill>
+                          <a:prstDash val="solid"/>
+                          <a:round/>
+                          <a:headEnd type="none" w="med" len="med"/>
+                          <a:tailEnd type="none" w="med" len="med"/>
+                        </a:lnR>
+                      </a:tcPr>
+                    </a:tc>
+                    <a:tc>
+                      <a:txBody>
+                        <a:bodyPr/>
+                        <a:lstStyle/>
+                        <a:p>
+                          <a:pPr algn="ctr"/>
+                          <a:r>
+                            <a:rPr lang="de-DE" dirty="0" smtClean="0">
+                              <a:latin typeface="Arial" charset="0"/>
+                              <a:ea typeface="Arial" charset="0"/>
+                              <a:cs typeface="Arial" charset="0"/>
+                            </a:rPr>
+                            <a:t>441</a:t>
+                          </a:r>
+                          <a:endParaRPr lang="de-DE" dirty="0">
+                            <a:latin typeface="Arial" charset="0"/>
+                            <a:ea typeface="Arial" charset="0"/>
+                            <a:cs typeface="Arial" charset="0"/>
+                          </a:endParaRPr>
+                        </a:p>
+                      </a:txBody>
+                      <a:tcPr>
+                        <a:lnL w="12700" cap="flat" cmpd="sng" algn="ctr">
+                          <a:solidFill>
+                            <a:schemeClr val="tx1"/>
+                          </a:solidFill>
+                          <a:prstDash val="solid"/>
+                          <a:round/>
+                          <a:headEnd type="none" w="med" len="med"/>
+                          <a:tailEnd type="none" w="med" len="med"/>
+                        </a:lnL>
+                      </a:tcPr>
+                    </a:tc>
+                  </a:tr>
+                  <a:tr h="413535">
+                    <a:tc vMerge="1">
+                      <a:txBody>
+                        <a:bodyPr/>
+                        <a:lstStyle/>
+                        <a:p>
+                          <a:pPr algn="ctr"/>
+                          <a:endParaRPr lang="de-DE" dirty="0">
+                            <a:latin typeface="Arial" charset="0"/>
+                            <a:ea typeface="Arial" charset="0"/>
+                            <a:cs typeface="Arial" charset="0"/>
+                          </a:endParaRPr>
+                        </a:p>
+                      </a:txBody>
+                      <a:tcPr>
+                        <a:lnR w="12700" cap="flat" cmpd="sng" algn="ctr">
+                          <a:solidFill>
+                            <a:schemeClr val="tx1"/>
+                          </a:solidFill>
+                          <a:prstDash val="solid"/>
+                          <a:round/>
+                          <a:headEnd type="none" w="med" len="med"/>
+                          <a:tailEnd type="none" w="med" len="med"/>
+                        </a:lnR>
+                      </a:tcPr>
+                    </a:tc>
+                    <a:tc>
+                      <a:txBody>
+                        <a:bodyPr/>
+                        <a:lstStyle/>
+                        <a:p>
+                          <a:pPr algn="ctr"/>
+                          <a:r>
+                            <a:rPr lang="de-DE" dirty="0" smtClean="0">
+                              <a:latin typeface="Arial" charset="0"/>
+                              <a:ea typeface="Arial" charset="0"/>
+                              <a:cs typeface="Arial" charset="0"/>
+                            </a:rPr>
+                            <a:t>513</a:t>
+                          </a:r>
+                          <a:endParaRPr lang="de-DE" dirty="0">
+                            <a:latin typeface="Arial" charset="0"/>
+                            <a:ea typeface="Arial" charset="0"/>
+                            <a:cs typeface="Arial" charset="0"/>
+                          </a:endParaRPr>
+                        </a:p>
+                      </a:txBody>
+                      <a:tcPr>
+                        <a:lnL w="12700" cap="flat" cmpd="sng" algn="ctr">
+                          <a:solidFill>
+                            <a:schemeClr val="tx1"/>
+                          </a:solidFill>
+                          <a:prstDash val="solid"/>
+                          <a:round/>
+                          <a:headEnd type="none" w="med" len="med"/>
+                          <a:tailEnd type="none" w="med" len="med"/>
+                        </a:lnL>
+                        <a:lnR w="12700" cap="flat" cmpd="sng" algn="ctr">
+                          <a:solidFill>
+                            <a:schemeClr val="tx1"/>
+                          </a:solidFill>
+                          <a:prstDash val="solid"/>
+                          <a:round/>
+                          <a:headEnd type="none" w="med" len="med"/>
+                          <a:tailEnd type="none" w="med" len="med"/>
+                        </a:lnR>
+                      </a:tcPr>
+                    </a:tc>
+                    <a:tc>
+                      <a:txBody>
+                        <a:bodyPr/>
+                        <a:lstStyle/>
+                        <a:p>
+                          <a:pPr algn="ctr"/>
+                          <a:r>
+                            <a:rPr lang="de-DE" dirty="0" smtClean="0">
+                              <a:latin typeface="Arial" charset="0"/>
+                              <a:ea typeface="Arial" charset="0"/>
+                              <a:cs typeface="Arial" charset="0"/>
+                            </a:rPr>
+                            <a:t>0.809</a:t>
+                          </a:r>
+                          <a:endParaRPr lang="de-DE" dirty="0">
+                            <a:latin typeface="Arial" charset="0"/>
+                            <a:ea typeface="Arial" charset="0"/>
+                            <a:cs typeface="Arial" charset="0"/>
+                          </a:endParaRPr>
+                        </a:p>
+                      </a:txBody>
+                      <a:tcPr>
+                        <a:lnL w="12700" cap="flat" cmpd="sng" algn="ctr">
+                          <a:solidFill>
+                            <a:schemeClr val="tx1"/>
+                          </a:solidFill>
+                          <a:prstDash val="solid"/>
+                          <a:round/>
+                          <a:headEnd type="none" w="med" len="med"/>
+                          <a:tailEnd type="none" w="med" len="med"/>
+                        </a:lnL>
+                        <a:lnR w="12700" cap="flat" cmpd="sng" algn="ctr">
+                          <a:solidFill>
+                            <a:schemeClr val="tx1"/>
+                          </a:solidFill>
+                          <a:prstDash val="solid"/>
+                          <a:round/>
+                          <a:headEnd type="none" w="med" len="med"/>
+                          <a:tailEnd type="none" w="med" len="med"/>
+                        </a:lnR>
+                      </a:tcPr>
+                    </a:tc>
+                    <a:tc>
+                      <a:txBody>
+                        <a:bodyPr/>
+                        <a:lstStyle/>
+                        <a:p>
+                          <a:pPr algn="ctr"/>
+                          <a:r>
+                            <a:rPr lang="de-DE" dirty="0" smtClean="0">
+                              <a:latin typeface="Arial" charset="0"/>
+                              <a:ea typeface="Arial" charset="0"/>
+                              <a:cs typeface="Arial" charset="0"/>
+                            </a:rPr>
+                            <a:t>442</a:t>
+                          </a:r>
+                          <a:endParaRPr lang="de-DE" dirty="0">
+                            <a:latin typeface="Arial" charset="0"/>
+                            <a:ea typeface="Arial" charset="0"/>
+                            <a:cs typeface="Arial" charset="0"/>
+                          </a:endParaRPr>
+                        </a:p>
+                      </a:txBody>
+                      <a:tcPr>
+                        <a:lnL w="12700" cap="flat" cmpd="sng" algn="ctr">
+                          <a:solidFill>
+                            <a:schemeClr val="tx1"/>
+                          </a:solidFill>
+                          <a:prstDash val="solid"/>
+                          <a:round/>
+                          <a:headEnd type="none" w="med" len="med"/>
+                          <a:tailEnd type="none" w="med" len="med"/>
+                        </a:lnL>
+                      </a:tcPr>
+                    </a:tc>
+                  </a:tr>
+                  <a:tr h="413535">
+                    <a:tc vMerge="1">
+                      <a:txBody>
+                        <a:bodyPr/>
+                        <a:lstStyle/>
+                        <a:p>
+                          <a:pPr algn="ctr"/>
+                          <a:endParaRPr lang="de-DE" dirty="0">
+                            <a:latin typeface="Arial" charset="0"/>
+                            <a:ea typeface="Arial" charset="0"/>
+                            <a:cs typeface="Arial" charset="0"/>
+                          </a:endParaRPr>
+                        </a:p>
+                      </a:txBody>
+                      <a:tcPr>
+                        <a:lnR w="12700" cap="flat" cmpd="sng" algn="ctr">
+                          <a:solidFill>
+                            <a:schemeClr val="tx1"/>
+                          </a:solidFill>
+                          <a:prstDash val="solid"/>
+                          <a:round/>
+                          <a:headEnd type="none" w="med" len="med"/>
+                          <a:tailEnd type="none" w="med" len="med"/>
+                        </a:lnR>
+                      </a:tcPr>
+                    </a:tc>
+                    <a:tc>
+                      <a:txBody>
+                        <a:bodyPr/>
+                        <a:lstStyle/>
+                        <a:p>
+                          <a:pPr algn="ctr"/>
+                          <a:r>
+                            <a:rPr lang="de-DE" dirty="0" smtClean="0">
+                              <a:latin typeface="Arial" charset="0"/>
+                              <a:ea typeface="Arial" charset="0"/>
+                              <a:cs typeface="Arial" charset="0"/>
+                            </a:rPr>
+                            <a:t>514</a:t>
+                          </a:r>
+                          <a:endParaRPr lang="de-DE" dirty="0">
+                            <a:latin typeface="Arial" charset="0"/>
+                            <a:ea typeface="Arial" charset="0"/>
+                            <a:cs typeface="Arial" charset="0"/>
+                          </a:endParaRPr>
+                        </a:p>
+                      </a:txBody>
+                      <a:tcPr>
+                        <a:lnL w="12700" cap="flat" cmpd="sng" algn="ctr">
+                          <a:solidFill>
+                            <a:schemeClr val="tx1"/>
+                          </a:solidFill>
+                          <a:prstDash val="solid"/>
+                          <a:round/>
+                          <a:headEnd type="none" w="med" len="med"/>
+                          <a:tailEnd type="none" w="med" len="med"/>
+                        </a:lnL>
+                        <a:lnR w="12700" cap="flat" cmpd="sng" algn="ctr">
+                          <a:solidFill>
+                            <a:schemeClr val="tx1"/>
+                          </a:solidFill>
+                          <a:prstDash val="solid"/>
+                          <a:round/>
+                          <a:headEnd type="none" w="med" len="med"/>
+                          <a:tailEnd type="none" w="med" len="med"/>
+                        </a:lnR>
+                      </a:tcPr>
+                    </a:tc>
+                    <a:tc>
+                      <a:txBody>
+                        <a:bodyPr/>
+                        <a:lstStyle/>
+                        <a:p>
+                          <a:pPr algn="ctr"/>
+                          <a:r>
+                            <a:rPr lang="de-DE" dirty="0" smtClean="0">
+                              <a:latin typeface="Arial" charset="0"/>
+                              <a:ea typeface="Arial" charset="0"/>
+                              <a:cs typeface="Arial" charset="0"/>
+                            </a:rPr>
+                            <a:t>0.881</a:t>
+                          </a:r>
+                          <a:endParaRPr lang="de-DE" dirty="0">
+                            <a:latin typeface="Arial" charset="0"/>
+                            <a:ea typeface="Arial" charset="0"/>
+                            <a:cs typeface="Arial" charset="0"/>
+                          </a:endParaRPr>
+                        </a:p>
+                      </a:txBody>
+                      <a:tcPr>
+                        <a:lnL w="12700" cap="flat" cmpd="sng" algn="ctr">
+                          <a:solidFill>
+                            <a:schemeClr val="tx1"/>
+                          </a:solidFill>
+                          <a:prstDash val="solid"/>
+                          <a:round/>
+                          <a:headEnd type="none" w="med" len="med"/>
+                          <a:tailEnd type="none" w="med" len="med"/>
+                        </a:lnL>
+                        <a:lnR w="12700" cap="flat" cmpd="sng" algn="ctr">
+                          <a:solidFill>
+                            <a:schemeClr val="tx1"/>
+                          </a:solidFill>
+                          <a:prstDash val="solid"/>
+                          <a:round/>
+                          <a:headEnd type="none" w="med" len="med"/>
+                          <a:tailEnd type="none" w="med" len="med"/>
+                        </a:lnR>
+                      </a:tcPr>
+                    </a:tc>
+                    <a:tc>
+                      <a:txBody>
+                        <a:bodyPr/>
+                        <a:lstStyle/>
+                        <a:p>
+                          <a:pPr algn="ctr"/>
+                          <a:r>
+                            <a:rPr lang="de-DE" dirty="0" smtClean="0">
+                              <a:latin typeface="Arial" charset="0"/>
+                              <a:ea typeface="Arial" charset="0"/>
+                              <a:cs typeface="Arial" charset="0"/>
+                            </a:rPr>
+                            <a:t>442</a:t>
+                          </a:r>
+                          <a:endParaRPr lang="de-DE" dirty="0">
+                            <a:latin typeface="Arial" charset="0"/>
+                            <a:ea typeface="Arial" charset="0"/>
+                            <a:cs typeface="Arial" charset="0"/>
+                          </a:endParaRPr>
+                        </a:p>
+                      </a:txBody>
+                      <a:tcPr>
+                        <a:lnL w="12700" cap="flat" cmpd="sng" algn="ctr">
+                          <a:solidFill>
+                            <a:schemeClr val="tx1"/>
+                          </a:solidFill>
+                          <a:prstDash val="solid"/>
+                          <a:round/>
+                          <a:headEnd type="none" w="med" len="med"/>
+                          <a:tailEnd type="none" w="med" len="med"/>
+                        </a:lnL>
+                      </a:tcPr>
+                    </a:tc>
+                  </a:tr>
+                  <a:tr h="413535">
+                    <a:tc vMerge="1">
+                      <a:txBody>
+                        <a:bodyPr/>
+                        <a:lstStyle/>
+                        <a:p>
+                          <a:pPr algn="ctr"/>
+                          <a:endParaRPr lang="de-DE" dirty="0">
+                            <a:latin typeface="Arial" charset="0"/>
+                            <a:ea typeface="Arial" charset="0"/>
+                            <a:cs typeface="Arial" charset="0"/>
+                          </a:endParaRPr>
+                        </a:p>
+                      </a:txBody>
+                      <a:tcPr>
+                        <a:lnR w="12700" cap="flat" cmpd="sng" algn="ctr">
+                          <a:solidFill>
+                            <a:schemeClr val="tx1"/>
+                          </a:solidFill>
+                          <a:prstDash val="solid"/>
+                          <a:round/>
+                          <a:headEnd type="none" w="med" len="med"/>
+                          <a:tailEnd type="none" w="med" len="med"/>
+                        </a:lnR>
+                      </a:tcPr>
+                    </a:tc>
+                    <a:tc>
+                      <a:txBody>
+                        <a:bodyPr/>
+                        <a:lstStyle/>
+                        <a:p>
+                          <a:pPr algn="ctr"/>
+                          <a:r>
+                            <a:rPr lang="de-DE" dirty="0" smtClean="0">
+                              <a:latin typeface="Arial" charset="0"/>
+                              <a:ea typeface="Arial" charset="0"/>
+                              <a:cs typeface="Arial" charset="0"/>
+                            </a:rPr>
+                            <a:t>515</a:t>
+                          </a:r>
+                          <a:endParaRPr lang="de-DE" dirty="0">
+                            <a:latin typeface="Arial" charset="0"/>
+                            <a:ea typeface="Arial" charset="0"/>
+                            <a:cs typeface="Arial" charset="0"/>
+                          </a:endParaRPr>
+                        </a:p>
+                      </a:txBody>
+                      <a:tcPr>
+                        <a:lnL w="12700" cap="flat" cmpd="sng" algn="ctr">
+                          <a:solidFill>
+                            <a:schemeClr val="tx1"/>
+                          </a:solidFill>
+                          <a:prstDash val="solid"/>
+                          <a:round/>
+                          <a:headEnd type="none" w="med" len="med"/>
+                          <a:tailEnd type="none" w="med" len="med"/>
+                        </a:lnL>
+                        <a:lnR w="12700" cap="flat" cmpd="sng" algn="ctr">
+                          <a:solidFill>
+                            <a:schemeClr val="tx1"/>
+                          </a:solidFill>
+                          <a:prstDash val="solid"/>
+                          <a:round/>
+                          <a:headEnd type="none" w="med" len="med"/>
+                          <a:tailEnd type="none" w="med" len="med"/>
+                        </a:lnR>
+                      </a:tcPr>
+                    </a:tc>
+                    <a:tc>
+                      <a:txBody>
+                        <a:bodyPr/>
+                        <a:lstStyle/>
+                        <a:p>
+                          <a:pPr algn="ctr"/>
+                          <a:r>
+                            <a:rPr lang="de-DE" dirty="0" smtClean="0">
+                              <a:latin typeface="Arial" charset="0"/>
+                              <a:ea typeface="Arial" charset="0"/>
+                              <a:cs typeface="Arial" charset="0"/>
+                            </a:rPr>
+                            <a:t>0.925</a:t>
+                          </a:r>
+                          <a:endParaRPr lang="de-DE" dirty="0">
+                            <a:latin typeface="Arial" charset="0"/>
+                            <a:ea typeface="Arial" charset="0"/>
+                            <a:cs typeface="Arial" charset="0"/>
+                          </a:endParaRPr>
+                        </a:p>
+                      </a:txBody>
+                      <a:tcPr>
+                        <a:lnL w="12700" cap="flat" cmpd="sng" algn="ctr">
+                          <a:solidFill>
+                            <a:schemeClr val="tx1"/>
+                          </a:solidFill>
+                          <a:prstDash val="solid"/>
+                          <a:round/>
+                          <a:headEnd type="none" w="med" len="med"/>
+                          <a:tailEnd type="none" w="med" len="med"/>
+                        </a:lnL>
+                        <a:lnR w="12700" cap="flat" cmpd="sng" algn="ctr">
+                          <a:solidFill>
+                            <a:schemeClr val="tx1"/>
+                          </a:solidFill>
+                          <a:prstDash val="solid"/>
+                          <a:round/>
+                          <a:headEnd type="none" w="med" len="med"/>
+                          <a:tailEnd type="none" w="med" len="med"/>
+                        </a:lnR>
+                      </a:tcPr>
+                    </a:tc>
+                    <a:tc>
+                      <a:txBody>
+                        <a:bodyPr/>
+                        <a:lstStyle/>
+                        <a:p>
+                          <a:pPr algn="ctr"/>
+                          <a:r>
+                            <a:rPr lang="de-DE" dirty="0" smtClean="0">
+                              <a:latin typeface="Arial" charset="0"/>
+                              <a:ea typeface="Arial" charset="0"/>
+                              <a:cs typeface="Arial" charset="0"/>
+                            </a:rPr>
+                            <a:t>443</a:t>
+                          </a:r>
+                          <a:endParaRPr lang="de-DE" dirty="0">
+                            <a:latin typeface="Arial" charset="0"/>
+                            <a:ea typeface="Arial" charset="0"/>
+                            <a:cs typeface="Arial" charset="0"/>
+                          </a:endParaRPr>
+                        </a:p>
+                      </a:txBody>
+                      <a:tcPr>
+                        <a:lnL w="12700" cap="flat" cmpd="sng" algn="ctr">
+                          <a:solidFill>
+                            <a:schemeClr val="tx1"/>
+                          </a:solidFill>
+                          <a:prstDash val="solid"/>
+                          <a:round/>
+                          <a:headEnd type="none" w="med" len="med"/>
+                          <a:tailEnd type="none" w="med" len="med"/>
+                        </a:lnL>
+                      </a:tcPr>
+                    </a:tc>
+                  </a:tr>
+                  <a:tr h="413535">
+                    <a:tc vMerge="1">
+                      <a:txBody>
+                        <a:bodyPr/>
+                        <a:lstStyle/>
+                        <a:p>
+                          <a:pPr algn="ctr"/>
+                          <a:endParaRPr lang="de-DE" dirty="0">
+                            <a:latin typeface="Arial" charset="0"/>
+                            <a:ea typeface="Arial" charset="0"/>
+                            <a:cs typeface="Arial" charset="0"/>
+                          </a:endParaRPr>
+                        </a:p>
+                      </a:txBody>
+                      <a:tcPr>
+                        <a:lnR w="12700" cap="flat" cmpd="sng" algn="ctr">
+                          <a:solidFill>
+                            <a:schemeClr val="tx1"/>
+                          </a:solidFill>
+                          <a:prstDash val="solid"/>
+                          <a:round/>
+                          <a:headEnd type="none" w="med" len="med"/>
+                          <a:tailEnd type="none" w="med" len="med"/>
+                        </a:lnR>
+                      </a:tcPr>
+                    </a:tc>
+                    <a:tc>
+                      <a:txBody>
+                        <a:bodyPr/>
+                        <a:lstStyle/>
+                        <a:p>
+                          <a:pPr algn="ctr"/>
+                          <a:r>
+                            <a:rPr lang="de-DE" dirty="0" smtClean="0">
+                              <a:latin typeface="Arial" charset="0"/>
+                              <a:ea typeface="Arial" charset="0"/>
+                              <a:cs typeface="Arial" charset="0"/>
+                            </a:rPr>
+                            <a:t>516</a:t>
+                          </a:r>
+                          <a:endParaRPr lang="de-DE" dirty="0">
+                            <a:latin typeface="Arial" charset="0"/>
+                            <a:ea typeface="Arial" charset="0"/>
+                            <a:cs typeface="Arial" charset="0"/>
+                          </a:endParaRPr>
+                        </a:p>
+                      </a:txBody>
+                      <a:tcPr>
+                        <a:lnL w="12700" cap="flat" cmpd="sng" algn="ctr">
+                          <a:solidFill>
+                            <a:schemeClr val="tx1"/>
+                          </a:solidFill>
+                          <a:prstDash val="solid"/>
+                          <a:round/>
+                          <a:headEnd type="none" w="med" len="med"/>
+                          <a:tailEnd type="none" w="med" len="med"/>
+                        </a:lnL>
+                        <a:lnR w="12700" cap="flat" cmpd="sng" algn="ctr">
+                          <a:solidFill>
+                            <a:schemeClr val="tx1"/>
+                          </a:solidFill>
+                          <a:prstDash val="solid"/>
+                          <a:round/>
+                          <a:headEnd type="none" w="med" len="med"/>
+                          <a:tailEnd type="none" w="med" len="med"/>
+                        </a:lnR>
+                      </a:tcPr>
+                    </a:tc>
+                    <a:tc>
+                      <a:txBody>
+                        <a:bodyPr/>
+                        <a:lstStyle/>
+                        <a:p>
+                          <a:pPr algn="ctr"/>
+                          <a:r>
+                            <a:rPr lang="de-DE" dirty="0" smtClean="0">
+                              <a:latin typeface="Arial" charset="0"/>
+                              <a:ea typeface="Arial" charset="0"/>
+                              <a:cs typeface="Arial" charset="0"/>
+                            </a:rPr>
+                            <a:t>0.950</a:t>
+                          </a:r>
+                          <a:endParaRPr lang="de-DE" dirty="0">
+                            <a:latin typeface="Arial" charset="0"/>
+                            <a:ea typeface="Arial" charset="0"/>
+                            <a:cs typeface="Arial" charset="0"/>
+                          </a:endParaRPr>
+                        </a:p>
+                      </a:txBody>
+                      <a:tcPr>
+                        <a:lnL w="12700" cap="flat" cmpd="sng" algn="ctr">
+                          <a:solidFill>
+                            <a:schemeClr val="tx1"/>
+                          </a:solidFill>
+                          <a:prstDash val="solid"/>
+                          <a:round/>
+                          <a:headEnd type="none" w="med" len="med"/>
+                          <a:tailEnd type="none" w="med" len="med"/>
+                        </a:lnL>
+                        <a:lnR w="12700" cap="flat" cmpd="sng" algn="ctr">
+                          <a:solidFill>
+                            <a:schemeClr val="tx1"/>
+                          </a:solidFill>
+                          <a:prstDash val="solid"/>
+                          <a:round/>
+                          <a:headEnd type="none" w="med" len="med"/>
+                          <a:tailEnd type="none" w="med" len="med"/>
+                        </a:lnR>
+                      </a:tcPr>
+                    </a:tc>
+                    <a:tc>
+                      <a:txBody>
+                        <a:bodyPr/>
+                        <a:lstStyle/>
+                        <a:p>
+                          <a:pPr algn="ctr"/>
+                          <a:r>
+                            <a:rPr lang="de-DE" dirty="0" smtClean="0">
+                              <a:latin typeface="Arial" charset="0"/>
+                              <a:ea typeface="Arial" charset="0"/>
+                              <a:cs typeface="Arial" charset="0"/>
+                            </a:rPr>
+                            <a:t>446</a:t>
+                          </a:r>
+                          <a:endParaRPr lang="de-DE" dirty="0">
+                            <a:latin typeface="Arial" charset="0"/>
+                            <a:ea typeface="Arial" charset="0"/>
+                            <a:cs typeface="Arial" charset="0"/>
+                          </a:endParaRPr>
+                        </a:p>
+                      </a:txBody>
+                      <a:tcPr>
+                        <a:lnL w="12700" cap="flat" cmpd="sng" algn="ctr">
+                          <a:solidFill>
+                            <a:schemeClr val="tx1"/>
+                          </a:solidFill>
+                          <a:prstDash val="solid"/>
+                          <a:round/>
+                          <a:headEnd type="none" w="med" len="med"/>
+                          <a:tailEnd type="none" w="med" len="med"/>
+                        </a:lnL>
+                      </a:tcPr>
+                    </a:tc>
+                  </a:tr>
+                  <a:tr h="413535">
+                    <a:tc vMerge="1">
+                      <a:txBody>
+                        <a:bodyPr/>
+                        <a:lstStyle/>
+                        <a:p>
+                          <a:pPr algn="ctr"/>
+                          <a:endParaRPr lang="de-DE" dirty="0">
+                            <a:latin typeface="Arial" charset="0"/>
+                            <a:ea typeface="Arial" charset="0"/>
+                            <a:cs typeface="Arial" charset="0"/>
+                          </a:endParaRPr>
+                        </a:p>
+                      </a:txBody>
+                      <a:tcPr>
+                        <a:lnR w="12700" cap="flat" cmpd="sng" algn="ctr">
+                          <a:solidFill>
+                            <a:schemeClr val="tx1"/>
+                          </a:solidFill>
+                          <a:prstDash val="solid"/>
+                          <a:round/>
+                          <a:headEnd type="none" w="med" len="med"/>
+                          <a:tailEnd type="none" w="med" len="med"/>
+                        </a:lnR>
+                      </a:tcPr>
+                    </a:tc>
+                    <a:tc>
+                      <a:txBody>
+                        <a:bodyPr/>
+                        <a:lstStyle/>
+                        <a:p>
+                          <a:pPr algn="ctr"/>
+                          <a:r>
+                            <a:rPr lang="de-DE" dirty="0" smtClean="0">
+                              <a:latin typeface="Arial" charset="0"/>
+                              <a:ea typeface="Arial" charset="0"/>
+                              <a:cs typeface="Arial" charset="0"/>
+                            </a:rPr>
+                            <a:t>517</a:t>
+                          </a:r>
+                          <a:endParaRPr lang="de-DE" dirty="0">
+                            <a:latin typeface="Arial" charset="0"/>
+                            <a:ea typeface="Arial" charset="0"/>
+                            <a:cs typeface="Arial" charset="0"/>
+                          </a:endParaRPr>
+                        </a:p>
+                      </a:txBody>
+                      <a:tcPr>
+                        <a:lnL w="12700" cap="flat" cmpd="sng" algn="ctr">
+                          <a:solidFill>
+                            <a:schemeClr val="tx1"/>
+                          </a:solidFill>
+                          <a:prstDash val="solid"/>
+                          <a:round/>
+                          <a:headEnd type="none" w="med" len="med"/>
+                          <a:tailEnd type="none" w="med" len="med"/>
+                        </a:lnL>
+                        <a:lnR w="12700" cap="flat" cmpd="sng" algn="ctr">
+                          <a:solidFill>
+                            <a:schemeClr val="tx1"/>
+                          </a:solidFill>
+                          <a:prstDash val="solid"/>
+                          <a:round/>
+                          <a:headEnd type="none" w="med" len="med"/>
+                          <a:tailEnd type="none" w="med" len="med"/>
+                        </a:lnR>
+                      </a:tcPr>
+                    </a:tc>
+                    <a:tc>
+                      <a:txBody>
+                        <a:bodyPr/>
+                        <a:lstStyle/>
+                        <a:p>
+                          <a:pPr algn="ctr"/>
+                          <a:r>
+                            <a:rPr lang="de-DE" dirty="0" smtClean="0">
+                              <a:latin typeface="Arial" charset="0"/>
+                              <a:ea typeface="Arial" charset="0"/>
+                              <a:cs typeface="Arial" charset="0"/>
+                            </a:rPr>
+                            <a:t>0.961</a:t>
+                          </a:r>
+                          <a:endParaRPr lang="de-DE" dirty="0">
+                            <a:latin typeface="Arial" charset="0"/>
+                            <a:ea typeface="Arial" charset="0"/>
+                            <a:cs typeface="Arial" charset="0"/>
+                          </a:endParaRPr>
+                        </a:p>
+                      </a:txBody>
+                      <a:tcPr>
+                        <a:lnL w="12700" cap="flat" cmpd="sng" algn="ctr">
+                          <a:solidFill>
+                            <a:schemeClr val="tx1"/>
+                          </a:solidFill>
+                          <a:prstDash val="solid"/>
+                          <a:round/>
+                          <a:headEnd type="none" w="med" len="med"/>
+                          <a:tailEnd type="none" w="med" len="med"/>
+                        </a:lnL>
+                        <a:lnR w="12700" cap="flat" cmpd="sng" algn="ctr">
+                          <a:solidFill>
+                            <a:schemeClr val="tx1"/>
+                          </a:solidFill>
+                          <a:prstDash val="solid"/>
+                          <a:round/>
+                          <a:headEnd type="none" w="med" len="med"/>
+                          <a:tailEnd type="none" w="med" len="med"/>
+                        </a:lnR>
+                      </a:tcPr>
+                    </a:tc>
+                    <a:tc>
+                      <a:txBody>
+                        <a:bodyPr/>
+                        <a:lstStyle/>
+                        <a:p>
+                          <a:pPr algn="ctr"/>
+                          <a:r>
+                            <a:rPr lang="de-DE" dirty="0" smtClean="0">
+                              <a:latin typeface="Arial" charset="0"/>
+                              <a:ea typeface="Arial" charset="0"/>
+                              <a:cs typeface="Arial" charset="0"/>
+                            </a:rPr>
+                            <a:t>446</a:t>
+                          </a:r>
+                          <a:endParaRPr lang="de-DE" dirty="0">
+                            <a:latin typeface="Arial" charset="0"/>
+                            <a:ea typeface="Arial" charset="0"/>
+                            <a:cs typeface="Arial" charset="0"/>
+                          </a:endParaRPr>
+                        </a:p>
+                      </a:txBody>
+                      <a:tcPr>
+                        <a:lnL w="12700" cap="flat" cmpd="sng" algn="ctr">
+                          <a:solidFill>
+                            <a:schemeClr val="tx1"/>
+                          </a:solidFill>
+                          <a:prstDash val="solid"/>
+                          <a:round/>
+                          <a:headEnd type="none" w="med" len="med"/>
+                          <a:tailEnd type="none" w="med" len="med"/>
+                        </a:lnL>
+                      </a:tcPr>
+                    </a:tc>
+                  </a:tr>
+                </a:tbl>
+              </a:graphicData>
+            </a:graphic>
+          </p:graphicFrame>
+        </mc:Choice>
+        <mc:Fallback>
+          <p:graphicFrame>
+            <p:nvGraphicFramePr>
+              <p:cNvPr id="6" name="Tabelle 5"/>
+              <p:cNvGraphicFramePr>
+                <a:graphicFrameLocks noGrp="1"/>
+              </p:cNvGraphicFramePr>
+              <p:nvPr>
+                <p:extLst>
+                  <p:ext uri="{D42A27DB-BD31-4B8C-83A1-F6EECF244321}">
+                    <p14:modId xmlns:p14="http://schemas.microsoft.com/office/powerpoint/2010/main" val="1568142312"/>
+                  </p:ext>
+                </p:extLst>
+              </p:nvPr>
+            </p:nvGraphicFramePr>
+            <p:xfrm>
+              <a:off x="358775" y="3704869"/>
+              <a:ext cx="8400524" cy="2894745"/>
+            </p:xfrm>
+            <a:graphic>
+              <a:graphicData uri="http://schemas.openxmlformats.org/drawingml/2006/table">
+                <a:tbl>
+                  <a:tblPr firstRow="1" bandRow="1">
+                    <a:tableStyleId>{7E9639D4-E3E2-4D34-9284-5A2195B3D0D7}</a:tableStyleId>
+                  </a:tblPr>
+                  <a:tblGrid>
+                    <a:gridCol w="2100131"/>
+                    <a:gridCol w="2100131"/>
+                    <a:gridCol w="2100131"/>
+                    <a:gridCol w="2100131"/>
+                  </a:tblGrid>
+                  <a:tr h="413535">
+                    <a:tc>
+                      <a:txBody>
+                        <a:bodyPr/>
+                        <a:lstStyle/>
+                        <a:p>
+                          <a:pPr algn="ctr"/>
+                          <a:r>
+                            <a:rPr lang="de-DE" dirty="0" smtClean="0">
+                              <a:latin typeface="Arial" charset="0"/>
+                              <a:ea typeface="Arial" charset="0"/>
+                              <a:cs typeface="Arial" charset="0"/>
+                            </a:rPr>
+                            <a:t>Parameter Set</a:t>
+                          </a:r>
+                          <a:endParaRPr lang="de-DE" dirty="0">
+                            <a:latin typeface="Arial" charset="0"/>
+                            <a:ea typeface="Arial" charset="0"/>
+                            <a:cs typeface="Arial" charset="0"/>
+                          </a:endParaRPr>
+                        </a:p>
+                      </a:txBody>
+                      <a:tcPr>
+                        <a:lnR w="12700" cap="flat" cmpd="sng" algn="ctr">
+                          <a:solidFill>
+                            <a:schemeClr val="tx1"/>
+                          </a:solidFill>
+                          <a:prstDash val="solid"/>
+                          <a:round/>
+                          <a:headEnd type="none" w="med" len="med"/>
+                          <a:tailEnd type="none" w="med" len="med"/>
+                        </a:lnR>
+                      </a:tcPr>
+                    </a:tc>
+                    <a:tc>
+                      <a:txBody>
+                        <a:bodyPr/>
+                        <a:lstStyle/>
+                        <a:p>
+                          <a:endParaRPr lang="de-DE"/>
+                        </a:p>
+                      </a:txBody>
+                      <a:tcPr>
+                        <a:lnL w="12700" cap="flat" cmpd="sng" algn="ctr">
+                          <a:solidFill>
+                            <a:schemeClr val="tx1"/>
+                          </a:solidFill>
+                          <a:prstDash val="solid"/>
+                          <a:round/>
+                          <a:headEnd type="none" w="med" len="med"/>
+                          <a:tailEnd type="none" w="med" len="med"/>
+                        </a:lnL>
+                        <a:lnR w="12700" cap="flat" cmpd="sng" algn="ctr">
+                          <a:solidFill>
+                            <a:schemeClr val="tx1"/>
+                          </a:solidFill>
+                          <a:prstDash val="solid"/>
+                          <a:round/>
+                          <a:headEnd type="none" w="med" len="med"/>
+                          <a:tailEnd type="none" w="med" len="med"/>
+                        </a:lnR>
+                        <a:blipFill rotWithShape="0">
+                          <a:blip r:embed="rId3"/>
+                          <a:stretch>
+                            <a:fillRect l="-100000" t="-5882" r="-200290" b="-623529"/>
+                          </a:stretch>
+                        </a:blipFill>
+                      </a:tcPr>
+                    </a:tc>
+                    <a:tc>
+                      <a:txBody>
+                        <a:bodyPr/>
+                        <a:lstStyle/>
+                        <a:p>
+                          <a:endParaRPr lang="de-DE"/>
+                        </a:p>
+                      </a:txBody>
+                      <a:tcPr>
+                        <a:lnL w="12700" cap="flat" cmpd="sng" algn="ctr">
+                          <a:solidFill>
+                            <a:schemeClr val="tx1"/>
+                          </a:solidFill>
+                          <a:prstDash val="solid"/>
+                          <a:round/>
+                          <a:headEnd type="none" w="med" len="med"/>
+                          <a:tailEnd type="none" w="med" len="med"/>
+                        </a:lnL>
+                        <a:lnR w="12700" cap="flat" cmpd="sng" algn="ctr">
+                          <a:solidFill>
+                            <a:schemeClr val="tx1"/>
+                          </a:solidFill>
+                          <a:prstDash val="solid"/>
+                          <a:round/>
+                          <a:headEnd type="none" w="med" len="med"/>
+                          <a:tailEnd type="none" w="med" len="med"/>
+                        </a:lnR>
+                        <a:blipFill rotWithShape="0">
+                          <a:blip r:embed="rId3"/>
+                          <a:stretch>
+                            <a:fillRect l="-200581" t="-5882" r="-100872" b="-623529"/>
+                          </a:stretch>
+                        </a:blipFill>
+                      </a:tcPr>
+                    </a:tc>
+                    <a:tc>
+                      <a:txBody>
+                        <a:bodyPr/>
+                        <a:lstStyle/>
+                        <a:p>
+                          <a:endParaRPr lang="de-DE"/>
+                        </a:p>
+                      </a:txBody>
+                      <a:tcPr>
+                        <a:lnL w="12700" cap="flat" cmpd="sng" algn="ctr">
+                          <a:solidFill>
+                            <a:schemeClr val="tx1"/>
+                          </a:solidFill>
+                          <a:prstDash val="solid"/>
+                          <a:round/>
+                          <a:headEnd type="none" w="med" len="med"/>
+                          <a:tailEnd type="none" w="med" len="med"/>
+                        </a:lnL>
+                        <a:blipFill rotWithShape="0">
+                          <a:blip r:embed="rId3"/>
+                          <a:stretch>
+                            <a:fillRect l="-299710" t="-5882" r="-580" b="-623529"/>
+                          </a:stretch>
+                        </a:blipFill>
+                      </a:tcPr>
+                    </a:tc>
+                  </a:tr>
+                  <a:tr h="413535">
+                    <a:tc rowSpan="6">
+                      <a:txBody>
+                        <a:bodyPr/>
+                        <a:lstStyle/>
+                        <a:p>
+                          <a:endParaRPr lang="de-DE"/>
+                        </a:p>
+                      </a:txBody>
+                      <a:tcPr>
+                        <a:lnR w="12700" cap="flat" cmpd="sng" algn="ctr">
+                          <a:solidFill>
+                            <a:schemeClr val="tx1"/>
+                          </a:solidFill>
+                          <a:prstDash val="solid"/>
+                          <a:round/>
+                          <a:headEnd type="none" w="med" len="med"/>
+                          <a:tailEnd type="none" w="med" len="med"/>
+                        </a:lnR>
+                        <a:blipFill rotWithShape="0">
+                          <a:blip r:embed="rId3"/>
+                          <a:stretch>
+                            <a:fillRect t="-17647" r="-300290" b="-3922"/>
+                          </a:stretch>
+                        </a:blipFill>
+                      </a:tcPr>
+                    </a:tc>
+                    <a:tc>
+                      <a:txBody>
+                        <a:bodyPr/>
+                        <a:lstStyle/>
+                        <a:p>
+                          <a:pPr algn="ctr"/>
+                          <a:r>
+                            <a:rPr lang="de-DE" dirty="0" smtClean="0">
+                              <a:latin typeface="Arial" charset="0"/>
+                              <a:ea typeface="Arial" charset="0"/>
+                              <a:cs typeface="Arial" charset="0"/>
+                            </a:rPr>
+                            <a:t>512</a:t>
+                          </a:r>
+                          <a:endParaRPr lang="de-DE" dirty="0">
+                            <a:latin typeface="Arial" charset="0"/>
+                            <a:ea typeface="Arial" charset="0"/>
+                            <a:cs typeface="Arial" charset="0"/>
+                          </a:endParaRPr>
+                        </a:p>
+                      </a:txBody>
+                      <a:tcPr>
+                        <a:lnL w="12700" cap="flat" cmpd="sng" algn="ctr">
+                          <a:solidFill>
+                            <a:schemeClr val="tx1"/>
+                          </a:solidFill>
+                          <a:prstDash val="solid"/>
+                          <a:round/>
+                          <a:headEnd type="none" w="med" len="med"/>
+                          <a:tailEnd type="none" w="med" len="med"/>
+                        </a:lnL>
+                        <a:lnR w="12700" cap="flat" cmpd="sng" algn="ctr">
+                          <a:solidFill>
+                            <a:schemeClr val="tx1"/>
+                          </a:solidFill>
+                          <a:prstDash val="solid"/>
+                          <a:round/>
+                          <a:headEnd type="none" w="med" len="med"/>
+                          <a:tailEnd type="none" w="med" len="med"/>
+                        </a:lnR>
+                      </a:tcPr>
+                    </a:tc>
+                    <a:tc>
+                      <a:txBody>
+                        <a:bodyPr/>
+                        <a:lstStyle/>
+                        <a:p>
+                          <a:pPr algn="ctr"/>
+                          <a:r>
+                            <a:rPr lang="de-DE" dirty="0" smtClean="0">
+                              <a:latin typeface="Arial" charset="0"/>
+                              <a:ea typeface="Arial" charset="0"/>
+                              <a:cs typeface="Arial" charset="0"/>
+                            </a:rPr>
+                            <a:t>0.655</a:t>
+                          </a:r>
+                          <a:endParaRPr lang="de-DE" dirty="0">
+                            <a:latin typeface="Arial" charset="0"/>
+                            <a:ea typeface="Arial" charset="0"/>
+                            <a:cs typeface="Arial" charset="0"/>
+                          </a:endParaRPr>
+                        </a:p>
+                      </a:txBody>
+                      <a:tcPr>
+                        <a:lnL w="12700" cap="flat" cmpd="sng" algn="ctr">
+                          <a:solidFill>
+                            <a:schemeClr val="tx1"/>
+                          </a:solidFill>
+                          <a:prstDash val="solid"/>
+                          <a:round/>
+                          <a:headEnd type="none" w="med" len="med"/>
+                          <a:tailEnd type="none" w="med" len="med"/>
+                        </a:lnL>
+                        <a:lnR w="12700" cap="flat" cmpd="sng" algn="ctr">
+                          <a:solidFill>
+                            <a:schemeClr val="tx1"/>
+                          </a:solidFill>
+                          <a:prstDash val="solid"/>
+                          <a:round/>
+                          <a:headEnd type="none" w="med" len="med"/>
+                          <a:tailEnd type="none" w="med" len="med"/>
+                        </a:lnR>
+                      </a:tcPr>
+                    </a:tc>
+                    <a:tc>
+                      <a:txBody>
+                        <a:bodyPr/>
+                        <a:lstStyle/>
+                        <a:p>
+                          <a:pPr algn="ctr"/>
+                          <a:r>
+                            <a:rPr lang="de-DE" dirty="0" smtClean="0">
+                              <a:latin typeface="Arial" charset="0"/>
+                              <a:ea typeface="Arial" charset="0"/>
+                              <a:cs typeface="Arial" charset="0"/>
+                            </a:rPr>
+                            <a:t>441</a:t>
+                          </a:r>
+                          <a:endParaRPr lang="de-DE" dirty="0">
+                            <a:latin typeface="Arial" charset="0"/>
+                            <a:ea typeface="Arial" charset="0"/>
+                            <a:cs typeface="Arial" charset="0"/>
+                          </a:endParaRPr>
+                        </a:p>
+                      </a:txBody>
+                      <a:tcPr>
+                        <a:lnL w="12700" cap="flat" cmpd="sng" algn="ctr">
+                          <a:solidFill>
+                            <a:schemeClr val="tx1"/>
+                          </a:solidFill>
+                          <a:prstDash val="solid"/>
+                          <a:round/>
+                          <a:headEnd type="none" w="med" len="med"/>
+                          <a:tailEnd type="none" w="med" len="med"/>
+                        </a:lnL>
+                      </a:tcPr>
+                    </a:tc>
+                  </a:tr>
+                  <a:tr h="413535">
+                    <a:tc vMerge="1">
+                      <a:txBody>
+                        <a:bodyPr/>
+                        <a:lstStyle/>
+                        <a:p>
+                          <a:pPr algn="ctr"/>
+                          <a:endParaRPr lang="de-DE" dirty="0">
+                            <a:latin typeface="Arial" charset="0"/>
+                            <a:ea typeface="Arial" charset="0"/>
+                            <a:cs typeface="Arial" charset="0"/>
+                          </a:endParaRPr>
+                        </a:p>
+                      </a:txBody>
+                      <a:tcPr>
+                        <a:lnR w="12700" cap="flat" cmpd="sng" algn="ctr">
+                          <a:solidFill>
+                            <a:schemeClr val="tx1"/>
+                          </a:solidFill>
+                          <a:prstDash val="solid"/>
+                          <a:round/>
+                          <a:headEnd type="none" w="med" len="med"/>
+                          <a:tailEnd type="none" w="med" len="med"/>
+                        </a:lnR>
+                      </a:tcPr>
+                    </a:tc>
+                    <a:tc>
+                      <a:txBody>
+                        <a:bodyPr/>
+                        <a:lstStyle/>
+                        <a:p>
+                          <a:pPr algn="ctr"/>
+                          <a:r>
+                            <a:rPr lang="de-DE" dirty="0" smtClean="0">
+                              <a:latin typeface="Arial" charset="0"/>
+                              <a:ea typeface="Arial" charset="0"/>
+                              <a:cs typeface="Arial" charset="0"/>
+                            </a:rPr>
+                            <a:t>513</a:t>
+                          </a:r>
+                          <a:endParaRPr lang="de-DE" dirty="0">
+                            <a:latin typeface="Arial" charset="0"/>
+                            <a:ea typeface="Arial" charset="0"/>
+                            <a:cs typeface="Arial" charset="0"/>
+                          </a:endParaRPr>
+                        </a:p>
+                      </a:txBody>
+                      <a:tcPr>
+                        <a:lnL w="12700" cap="flat" cmpd="sng" algn="ctr">
+                          <a:solidFill>
+                            <a:schemeClr val="tx1"/>
+                          </a:solidFill>
+                          <a:prstDash val="solid"/>
+                          <a:round/>
+                          <a:headEnd type="none" w="med" len="med"/>
+                          <a:tailEnd type="none" w="med" len="med"/>
+                        </a:lnL>
+                        <a:lnR w="12700" cap="flat" cmpd="sng" algn="ctr">
+                          <a:solidFill>
+                            <a:schemeClr val="tx1"/>
+                          </a:solidFill>
+                          <a:prstDash val="solid"/>
+                          <a:round/>
+                          <a:headEnd type="none" w="med" len="med"/>
+                          <a:tailEnd type="none" w="med" len="med"/>
+                        </a:lnR>
+                      </a:tcPr>
+                    </a:tc>
+                    <a:tc>
+                      <a:txBody>
+                        <a:bodyPr/>
+                        <a:lstStyle/>
+                        <a:p>
+                          <a:pPr algn="ctr"/>
+                          <a:r>
+                            <a:rPr lang="de-DE" dirty="0" smtClean="0">
+                              <a:latin typeface="Arial" charset="0"/>
+                              <a:ea typeface="Arial" charset="0"/>
+                              <a:cs typeface="Arial" charset="0"/>
+                            </a:rPr>
+                            <a:t>0.809</a:t>
+                          </a:r>
+                          <a:endParaRPr lang="de-DE" dirty="0">
+                            <a:latin typeface="Arial" charset="0"/>
+                            <a:ea typeface="Arial" charset="0"/>
+                            <a:cs typeface="Arial" charset="0"/>
+                          </a:endParaRPr>
+                        </a:p>
+                      </a:txBody>
+                      <a:tcPr>
+                        <a:lnL w="12700" cap="flat" cmpd="sng" algn="ctr">
+                          <a:solidFill>
+                            <a:schemeClr val="tx1"/>
+                          </a:solidFill>
+                          <a:prstDash val="solid"/>
+                          <a:round/>
+                          <a:headEnd type="none" w="med" len="med"/>
+                          <a:tailEnd type="none" w="med" len="med"/>
+                        </a:lnL>
+                        <a:lnR w="12700" cap="flat" cmpd="sng" algn="ctr">
+                          <a:solidFill>
+                            <a:schemeClr val="tx1"/>
+                          </a:solidFill>
+                          <a:prstDash val="solid"/>
+                          <a:round/>
+                          <a:headEnd type="none" w="med" len="med"/>
+                          <a:tailEnd type="none" w="med" len="med"/>
+                        </a:lnR>
+                      </a:tcPr>
+                    </a:tc>
+                    <a:tc>
+                      <a:txBody>
+                        <a:bodyPr/>
+                        <a:lstStyle/>
+                        <a:p>
+                          <a:pPr algn="ctr"/>
+                          <a:r>
+                            <a:rPr lang="de-DE" dirty="0" smtClean="0">
+                              <a:latin typeface="Arial" charset="0"/>
+                              <a:ea typeface="Arial" charset="0"/>
+                              <a:cs typeface="Arial" charset="0"/>
+                            </a:rPr>
+                            <a:t>442</a:t>
+                          </a:r>
+                          <a:endParaRPr lang="de-DE" dirty="0">
+                            <a:latin typeface="Arial" charset="0"/>
+                            <a:ea typeface="Arial" charset="0"/>
+                            <a:cs typeface="Arial" charset="0"/>
+                          </a:endParaRPr>
+                        </a:p>
+                      </a:txBody>
+                      <a:tcPr>
+                        <a:lnL w="12700" cap="flat" cmpd="sng" algn="ctr">
+                          <a:solidFill>
+                            <a:schemeClr val="tx1"/>
+                          </a:solidFill>
+                          <a:prstDash val="solid"/>
+                          <a:round/>
+                          <a:headEnd type="none" w="med" len="med"/>
+                          <a:tailEnd type="none" w="med" len="med"/>
+                        </a:lnL>
+                      </a:tcPr>
+                    </a:tc>
+                  </a:tr>
+                  <a:tr h="413535">
+                    <a:tc vMerge="1">
+                      <a:txBody>
+                        <a:bodyPr/>
+                        <a:lstStyle/>
+                        <a:p>
+                          <a:pPr algn="ctr"/>
+                          <a:endParaRPr lang="de-DE" dirty="0">
+                            <a:latin typeface="Arial" charset="0"/>
+                            <a:ea typeface="Arial" charset="0"/>
+                            <a:cs typeface="Arial" charset="0"/>
+                          </a:endParaRPr>
+                        </a:p>
+                      </a:txBody>
+                      <a:tcPr>
+                        <a:lnR w="12700" cap="flat" cmpd="sng" algn="ctr">
+                          <a:solidFill>
+                            <a:schemeClr val="tx1"/>
+                          </a:solidFill>
+                          <a:prstDash val="solid"/>
+                          <a:round/>
+                          <a:headEnd type="none" w="med" len="med"/>
+                          <a:tailEnd type="none" w="med" len="med"/>
+                        </a:lnR>
+                      </a:tcPr>
+                    </a:tc>
+                    <a:tc>
+                      <a:txBody>
+                        <a:bodyPr/>
+                        <a:lstStyle/>
+                        <a:p>
+                          <a:pPr algn="ctr"/>
+                          <a:r>
+                            <a:rPr lang="de-DE" dirty="0" smtClean="0">
+                              <a:latin typeface="Arial" charset="0"/>
+                              <a:ea typeface="Arial" charset="0"/>
+                              <a:cs typeface="Arial" charset="0"/>
+                            </a:rPr>
+                            <a:t>514</a:t>
+                          </a:r>
+                          <a:endParaRPr lang="de-DE" dirty="0">
+                            <a:latin typeface="Arial" charset="0"/>
+                            <a:ea typeface="Arial" charset="0"/>
+                            <a:cs typeface="Arial" charset="0"/>
+                          </a:endParaRPr>
+                        </a:p>
+                      </a:txBody>
+                      <a:tcPr>
+                        <a:lnL w="12700" cap="flat" cmpd="sng" algn="ctr">
+                          <a:solidFill>
+                            <a:schemeClr val="tx1"/>
+                          </a:solidFill>
+                          <a:prstDash val="solid"/>
+                          <a:round/>
+                          <a:headEnd type="none" w="med" len="med"/>
+                          <a:tailEnd type="none" w="med" len="med"/>
+                        </a:lnL>
+                        <a:lnR w="12700" cap="flat" cmpd="sng" algn="ctr">
+                          <a:solidFill>
+                            <a:schemeClr val="tx1"/>
+                          </a:solidFill>
+                          <a:prstDash val="solid"/>
+                          <a:round/>
+                          <a:headEnd type="none" w="med" len="med"/>
+                          <a:tailEnd type="none" w="med" len="med"/>
+                        </a:lnR>
+                      </a:tcPr>
+                    </a:tc>
+                    <a:tc>
+                      <a:txBody>
+                        <a:bodyPr/>
+                        <a:lstStyle/>
+                        <a:p>
+                          <a:pPr algn="ctr"/>
+                          <a:r>
+                            <a:rPr lang="de-DE" dirty="0" smtClean="0">
+                              <a:latin typeface="Arial" charset="0"/>
+                              <a:ea typeface="Arial" charset="0"/>
+                              <a:cs typeface="Arial" charset="0"/>
+                            </a:rPr>
+                            <a:t>0.881</a:t>
+                          </a:r>
+                          <a:endParaRPr lang="de-DE" dirty="0">
+                            <a:latin typeface="Arial" charset="0"/>
+                            <a:ea typeface="Arial" charset="0"/>
+                            <a:cs typeface="Arial" charset="0"/>
+                          </a:endParaRPr>
+                        </a:p>
+                      </a:txBody>
+                      <a:tcPr>
+                        <a:lnL w="12700" cap="flat" cmpd="sng" algn="ctr">
+                          <a:solidFill>
+                            <a:schemeClr val="tx1"/>
+                          </a:solidFill>
+                          <a:prstDash val="solid"/>
+                          <a:round/>
+                          <a:headEnd type="none" w="med" len="med"/>
+                          <a:tailEnd type="none" w="med" len="med"/>
+                        </a:lnL>
+                        <a:lnR w="12700" cap="flat" cmpd="sng" algn="ctr">
+                          <a:solidFill>
+                            <a:schemeClr val="tx1"/>
+                          </a:solidFill>
+                          <a:prstDash val="solid"/>
+                          <a:round/>
+                          <a:headEnd type="none" w="med" len="med"/>
+                          <a:tailEnd type="none" w="med" len="med"/>
+                        </a:lnR>
+                      </a:tcPr>
+                    </a:tc>
+                    <a:tc>
+                      <a:txBody>
+                        <a:bodyPr/>
+                        <a:lstStyle/>
+                        <a:p>
+                          <a:pPr algn="ctr"/>
+                          <a:r>
+                            <a:rPr lang="de-DE" dirty="0" smtClean="0">
+                              <a:latin typeface="Arial" charset="0"/>
+                              <a:ea typeface="Arial" charset="0"/>
+                              <a:cs typeface="Arial" charset="0"/>
+                            </a:rPr>
+                            <a:t>442</a:t>
+                          </a:r>
+                          <a:endParaRPr lang="de-DE" dirty="0">
+                            <a:latin typeface="Arial" charset="0"/>
+                            <a:ea typeface="Arial" charset="0"/>
+                            <a:cs typeface="Arial" charset="0"/>
+                          </a:endParaRPr>
+                        </a:p>
+                      </a:txBody>
+                      <a:tcPr>
+                        <a:lnL w="12700" cap="flat" cmpd="sng" algn="ctr">
+                          <a:solidFill>
+                            <a:schemeClr val="tx1"/>
+                          </a:solidFill>
+                          <a:prstDash val="solid"/>
+                          <a:round/>
+                          <a:headEnd type="none" w="med" len="med"/>
+                          <a:tailEnd type="none" w="med" len="med"/>
+                        </a:lnL>
+                      </a:tcPr>
+                    </a:tc>
+                  </a:tr>
+                  <a:tr h="413535">
+                    <a:tc vMerge="1">
+                      <a:txBody>
+                        <a:bodyPr/>
+                        <a:lstStyle/>
+                        <a:p>
+                          <a:pPr algn="ctr"/>
+                          <a:endParaRPr lang="de-DE" dirty="0">
+                            <a:latin typeface="Arial" charset="0"/>
+                            <a:ea typeface="Arial" charset="0"/>
+                            <a:cs typeface="Arial" charset="0"/>
+                          </a:endParaRPr>
+                        </a:p>
+                      </a:txBody>
+                      <a:tcPr>
+                        <a:lnR w="12700" cap="flat" cmpd="sng" algn="ctr">
+                          <a:solidFill>
+                            <a:schemeClr val="tx1"/>
+                          </a:solidFill>
+                          <a:prstDash val="solid"/>
+                          <a:round/>
+                          <a:headEnd type="none" w="med" len="med"/>
+                          <a:tailEnd type="none" w="med" len="med"/>
+                        </a:lnR>
+                      </a:tcPr>
+                    </a:tc>
+                    <a:tc>
+                      <a:txBody>
+                        <a:bodyPr/>
+                        <a:lstStyle/>
+                        <a:p>
+                          <a:pPr algn="ctr"/>
+                          <a:r>
+                            <a:rPr lang="de-DE" dirty="0" smtClean="0">
+                              <a:latin typeface="Arial" charset="0"/>
+                              <a:ea typeface="Arial" charset="0"/>
+                              <a:cs typeface="Arial" charset="0"/>
+                            </a:rPr>
+                            <a:t>515</a:t>
+                          </a:r>
+                          <a:endParaRPr lang="de-DE" dirty="0">
+                            <a:latin typeface="Arial" charset="0"/>
+                            <a:ea typeface="Arial" charset="0"/>
+                            <a:cs typeface="Arial" charset="0"/>
+                          </a:endParaRPr>
+                        </a:p>
+                      </a:txBody>
+                      <a:tcPr>
+                        <a:lnL w="12700" cap="flat" cmpd="sng" algn="ctr">
+                          <a:solidFill>
+                            <a:schemeClr val="tx1"/>
+                          </a:solidFill>
+                          <a:prstDash val="solid"/>
+                          <a:round/>
+                          <a:headEnd type="none" w="med" len="med"/>
+                          <a:tailEnd type="none" w="med" len="med"/>
+                        </a:lnL>
+                        <a:lnR w="12700" cap="flat" cmpd="sng" algn="ctr">
+                          <a:solidFill>
+                            <a:schemeClr val="tx1"/>
+                          </a:solidFill>
+                          <a:prstDash val="solid"/>
+                          <a:round/>
+                          <a:headEnd type="none" w="med" len="med"/>
+                          <a:tailEnd type="none" w="med" len="med"/>
+                        </a:lnR>
+                      </a:tcPr>
+                    </a:tc>
+                    <a:tc>
+                      <a:txBody>
+                        <a:bodyPr/>
+                        <a:lstStyle/>
+                        <a:p>
+                          <a:pPr algn="ctr"/>
+                          <a:r>
+                            <a:rPr lang="de-DE" dirty="0" smtClean="0">
+                              <a:latin typeface="Arial" charset="0"/>
+                              <a:ea typeface="Arial" charset="0"/>
+                              <a:cs typeface="Arial" charset="0"/>
+                            </a:rPr>
+                            <a:t>0.925</a:t>
+                          </a:r>
+                          <a:endParaRPr lang="de-DE" dirty="0">
+                            <a:latin typeface="Arial" charset="0"/>
+                            <a:ea typeface="Arial" charset="0"/>
+                            <a:cs typeface="Arial" charset="0"/>
+                          </a:endParaRPr>
+                        </a:p>
+                      </a:txBody>
+                      <a:tcPr>
+                        <a:lnL w="12700" cap="flat" cmpd="sng" algn="ctr">
+                          <a:solidFill>
+                            <a:schemeClr val="tx1"/>
+                          </a:solidFill>
+                          <a:prstDash val="solid"/>
+                          <a:round/>
+                          <a:headEnd type="none" w="med" len="med"/>
+                          <a:tailEnd type="none" w="med" len="med"/>
+                        </a:lnL>
+                        <a:lnR w="12700" cap="flat" cmpd="sng" algn="ctr">
+                          <a:solidFill>
+                            <a:schemeClr val="tx1"/>
+                          </a:solidFill>
+                          <a:prstDash val="solid"/>
+                          <a:round/>
+                          <a:headEnd type="none" w="med" len="med"/>
+                          <a:tailEnd type="none" w="med" len="med"/>
+                        </a:lnR>
+                      </a:tcPr>
+                    </a:tc>
+                    <a:tc>
+                      <a:txBody>
+                        <a:bodyPr/>
+                        <a:lstStyle/>
+                        <a:p>
+                          <a:pPr algn="ctr"/>
+                          <a:r>
+                            <a:rPr lang="de-DE" dirty="0" smtClean="0">
+                              <a:latin typeface="Arial" charset="0"/>
+                              <a:ea typeface="Arial" charset="0"/>
+                              <a:cs typeface="Arial" charset="0"/>
+                            </a:rPr>
+                            <a:t>443</a:t>
+                          </a:r>
+                          <a:endParaRPr lang="de-DE" dirty="0">
+                            <a:latin typeface="Arial" charset="0"/>
+                            <a:ea typeface="Arial" charset="0"/>
+                            <a:cs typeface="Arial" charset="0"/>
+                          </a:endParaRPr>
+                        </a:p>
+                      </a:txBody>
+                      <a:tcPr>
+                        <a:lnL w="12700" cap="flat" cmpd="sng" algn="ctr">
+                          <a:solidFill>
+                            <a:schemeClr val="tx1"/>
+                          </a:solidFill>
+                          <a:prstDash val="solid"/>
+                          <a:round/>
+                          <a:headEnd type="none" w="med" len="med"/>
+                          <a:tailEnd type="none" w="med" len="med"/>
+                        </a:lnL>
+                      </a:tcPr>
+                    </a:tc>
+                  </a:tr>
+                  <a:tr h="413535">
+                    <a:tc vMerge="1">
+                      <a:txBody>
+                        <a:bodyPr/>
+                        <a:lstStyle/>
+                        <a:p>
+                          <a:pPr algn="ctr"/>
+                          <a:endParaRPr lang="de-DE" dirty="0">
+                            <a:latin typeface="Arial" charset="0"/>
+                            <a:ea typeface="Arial" charset="0"/>
+                            <a:cs typeface="Arial" charset="0"/>
+                          </a:endParaRPr>
+                        </a:p>
+                      </a:txBody>
+                      <a:tcPr>
+                        <a:lnR w="12700" cap="flat" cmpd="sng" algn="ctr">
+                          <a:solidFill>
+                            <a:schemeClr val="tx1"/>
+                          </a:solidFill>
+                          <a:prstDash val="solid"/>
+                          <a:round/>
+                          <a:headEnd type="none" w="med" len="med"/>
+                          <a:tailEnd type="none" w="med" len="med"/>
+                        </a:lnR>
+                      </a:tcPr>
+                    </a:tc>
+                    <a:tc>
+                      <a:txBody>
+                        <a:bodyPr/>
+                        <a:lstStyle/>
+                        <a:p>
+                          <a:pPr algn="ctr"/>
+                          <a:r>
+                            <a:rPr lang="de-DE" dirty="0" smtClean="0">
+                              <a:latin typeface="Arial" charset="0"/>
+                              <a:ea typeface="Arial" charset="0"/>
+                              <a:cs typeface="Arial" charset="0"/>
+                            </a:rPr>
+                            <a:t>516</a:t>
+                          </a:r>
+                          <a:endParaRPr lang="de-DE" dirty="0">
+                            <a:latin typeface="Arial" charset="0"/>
+                            <a:ea typeface="Arial" charset="0"/>
+                            <a:cs typeface="Arial" charset="0"/>
+                          </a:endParaRPr>
+                        </a:p>
+                      </a:txBody>
+                      <a:tcPr>
+                        <a:lnL w="12700" cap="flat" cmpd="sng" algn="ctr">
+                          <a:solidFill>
+                            <a:schemeClr val="tx1"/>
+                          </a:solidFill>
+                          <a:prstDash val="solid"/>
+                          <a:round/>
+                          <a:headEnd type="none" w="med" len="med"/>
+                          <a:tailEnd type="none" w="med" len="med"/>
+                        </a:lnL>
+                        <a:lnR w="12700" cap="flat" cmpd="sng" algn="ctr">
+                          <a:solidFill>
+                            <a:schemeClr val="tx1"/>
+                          </a:solidFill>
+                          <a:prstDash val="solid"/>
+                          <a:round/>
+                          <a:headEnd type="none" w="med" len="med"/>
+                          <a:tailEnd type="none" w="med" len="med"/>
+                        </a:lnR>
+                      </a:tcPr>
+                    </a:tc>
+                    <a:tc>
+                      <a:txBody>
+                        <a:bodyPr/>
+                        <a:lstStyle/>
+                        <a:p>
+                          <a:pPr algn="ctr"/>
+                          <a:r>
+                            <a:rPr lang="de-DE" dirty="0" smtClean="0">
+                              <a:latin typeface="Arial" charset="0"/>
+                              <a:ea typeface="Arial" charset="0"/>
+                              <a:cs typeface="Arial" charset="0"/>
+                            </a:rPr>
+                            <a:t>0.950</a:t>
+                          </a:r>
+                          <a:endParaRPr lang="de-DE" dirty="0">
+                            <a:latin typeface="Arial" charset="0"/>
+                            <a:ea typeface="Arial" charset="0"/>
+                            <a:cs typeface="Arial" charset="0"/>
+                          </a:endParaRPr>
+                        </a:p>
+                      </a:txBody>
+                      <a:tcPr>
+                        <a:lnL w="12700" cap="flat" cmpd="sng" algn="ctr">
+                          <a:solidFill>
+                            <a:schemeClr val="tx1"/>
+                          </a:solidFill>
+                          <a:prstDash val="solid"/>
+                          <a:round/>
+                          <a:headEnd type="none" w="med" len="med"/>
+                          <a:tailEnd type="none" w="med" len="med"/>
+                        </a:lnL>
+                        <a:lnR w="12700" cap="flat" cmpd="sng" algn="ctr">
+                          <a:solidFill>
+                            <a:schemeClr val="tx1"/>
+                          </a:solidFill>
+                          <a:prstDash val="solid"/>
+                          <a:round/>
+                          <a:headEnd type="none" w="med" len="med"/>
+                          <a:tailEnd type="none" w="med" len="med"/>
+                        </a:lnR>
+                      </a:tcPr>
+                    </a:tc>
+                    <a:tc>
+                      <a:txBody>
+                        <a:bodyPr/>
+                        <a:lstStyle/>
+                        <a:p>
+                          <a:pPr algn="ctr"/>
+                          <a:r>
+                            <a:rPr lang="de-DE" dirty="0" smtClean="0">
+                              <a:latin typeface="Arial" charset="0"/>
+                              <a:ea typeface="Arial" charset="0"/>
+                              <a:cs typeface="Arial" charset="0"/>
+                            </a:rPr>
+                            <a:t>446</a:t>
+                          </a:r>
+                          <a:endParaRPr lang="de-DE" dirty="0">
+                            <a:latin typeface="Arial" charset="0"/>
+                            <a:ea typeface="Arial" charset="0"/>
+                            <a:cs typeface="Arial" charset="0"/>
+                          </a:endParaRPr>
+                        </a:p>
+                      </a:txBody>
+                      <a:tcPr>
+                        <a:lnL w="12700" cap="flat" cmpd="sng" algn="ctr">
+                          <a:solidFill>
+                            <a:schemeClr val="tx1"/>
+                          </a:solidFill>
+                          <a:prstDash val="solid"/>
+                          <a:round/>
+                          <a:headEnd type="none" w="med" len="med"/>
+                          <a:tailEnd type="none" w="med" len="med"/>
+                        </a:lnL>
+                      </a:tcPr>
+                    </a:tc>
+                  </a:tr>
+                  <a:tr h="413535">
+                    <a:tc vMerge="1">
+                      <a:txBody>
+                        <a:bodyPr/>
+                        <a:lstStyle/>
+                        <a:p>
+                          <a:pPr algn="ctr"/>
+                          <a:endParaRPr lang="de-DE" dirty="0">
+                            <a:latin typeface="Arial" charset="0"/>
+                            <a:ea typeface="Arial" charset="0"/>
+                            <a:cs typeface="Arial" charset="0"/>
+                          </a:endParaRPr>
+                        </a:p>
+                      </a:txBody>
+                      <a:tcPr>
+                        <a:lnR w="12700" cap="flat" cmpd="sng" algn="ctr">
+                          <a:solidFill>
+                            <a:schemeClr val="tx1"/>
+                          </a:solidFill>
+                          <a:prstDash val="solid"/>
+                          <a:round/>
+                          <a:headEnd type="none" w="med" len="med"/>
+                          <a:tailEnd type="none" w="med" len="med"/>
+                        </a:lnR>
+                      </a:tcPr>
+                    </a:tc>
+                    <a:tc>
+                      <a:txBody>
+                        <a:bodyPr/>
+                        <a:lstStyle/>
+                        <a:p>
+                          <a:pPr algn="ctr"/>
+                          <a:r>
+                            <a:rPr lang="de-DE" dirty="0" smtClean="0">
+                              <a:latin typeface="Arial" charset="0"/>
+                              <a:ea typeface="Arial" charset="0"/>
+                              <a:cs typeface="Arial" charset="0"/>
+                            </a:rPr>
+                            <a:t>517</a:t>
+                          </a:r>
+                          <a:endParaRPr lang="de-DE" dirty="0">
+                            <a:latin typeface="Arial" charset="0"/>
+                            <a:ea typeface="Arial" charset="0"/>
+                            <a:cs typeface="Arial" charset="0"/>
+                          </a:endParaRPr>
+                        </a:p>
+                      </a:txBody>
+                      <a:tcPr>
+                        <a:lnL w="12700" cap="flat" cmpd="sng" algn="ctr">
+                          <a:solidFill>
+                            <a:schemeClr val="tx1"/>
+                          </a:solidFill>
+                          <a:prstDash val="solid"/>
+                          <a:round/>
+                          <a:headEnd type="none" w="med" len="med"/>
+                          <a:tailEnd type="none" w="med" len="med"/>
+                        </a:lnL>
+                        <a:lnR w="12700" cap="flat" cmpd="sng" algn="ctr">
+                          <a:solidFill>
+                            <a:schemeClr val="tx1"/>
+                          </a:solidFill>
+                          <a:prstDash val="solid"/>
+                          <a:round/>
+                          <a:headEnd type="none" w="med" len="med"/>
+                          <a:tailEnd type="none" w="med" len="med"/>
+                        </a:lnR>
+                      </a:tcPr>
+                    </a:tc>
+                    <a:tc>
+                      <a:txBody>
+                        <a:bodyPr/>
+                        <a:lstStyle/>
+                        <a:p>
+                          <a:pPr algn="ctr"/>
+                          <a:r>
+                            <a:rPr lang="de-DE" dirty="0" smtClean="0">
+                              <a:latin typeface="Arial" charset="0"/>
+                              <a:ea typeface="Arial" charset="0"/>
+                              <a:cs typeface="Arial" charset="0"/>
+                            </a:rPr>
+                            <a:t>0.961</a:t>
+                          </a:r>
+                          <a:endParaRPr lang="de-DE" dirty="0">
+                            <a:latin typeface="Arial" charset="0"/>
+                            <a:ea typeface="Arial" charset="0"/>
+                            <a:cs typeface="Arial" charset="0"/>
+                          </a:endParaRPr>
+                        </a:p>
+                      </a:txBody>
+                      <a:tcPr>
+                        <a:lnL w="12700" cap="flat" cmpd="sng" algn="ctr">
+                          <a:solidFill>
+                            <a:schemeClr val="tx1"/>
+                          </a:solidFill>
+                          <a:prstDash val="solid"/>
+                          <a:round/>
+                          <a:headEnd type="none" w="med" len="med"/>
+                          <a:tailEnd type="none" w="med" len="med"/>
+                        </a:lnL>
+                        <a:lnR w="12700" cap="flat" cmpd="sng" algn="ctr">
+                          <a:solidFill>
+                            <a:schemeClr val="tx1"/>
+                          </a:solidFill>
+                          <a:prstDash val="solid"/>
+                          <a:round/>
+                          <a:headEnd type="none" w="med" len="med"/>
+                          <a:tailEnd type="none" w="med" len="med"/>
+                        </a:lnR>
+                      </a:tcPr>
+                    </a:tc>
+                    <a:tc>
+                      <a:txBody>
+                        <a:bodyPr/>
+                        <a:lstStyle/>
+                        <a:p>
+                          <a:pPr algn="ctr"/>
+                          <a:r>
+                            <a:rPr lang="de-DE" dirty="0" smtClean="0">
+                              <a:latin typeface="Arial" charset="0"/>
+                              <a:ea typeface="Arial" charset="0"/>
+                              <a:cs typeface="Arial" charset="0"/>
+                            </a:rPr>
+                            <a:t>446</a:t>
+                          </a:r>
+                          <a:endParaRPr lang="de-DE" dirty="0">
+                            <a:latin typeface="Arial" charset="0"/>
+                            <a:ea typeface="Arial" charset="0"/>
+                            <a:cs typeface="Arial" charset="0"/>
+                          </a:endParaRPr>
+                        </a:p>
+                      </a:txBody>
+                      <a:tcPr>
+                        <a:lnL w="12700" cap="flat" cmpd="sng" algn="ctr">
+                          <a:solidFill>
+                            <a:schemeClr val="tx1"/>
+                          </a:solidFill>
+                          <a:prstDash val="solid"/>
+                          <a:round/>
+                          <a:headEnd type="none" w="med" len="med"/>
+                          <a:tailEnd type="none" w="med" len="med"/>
+                        </a:lnL>
+                      </a:tcPr>
+                    </a:tc>
+                  </a:tr>
+                </a:tbl>
+              </a:graphicData>
+            </a:graphic>
+          </p:graphicFrame>
+        </mc:Fallback>
+      </mc:AlternateContent>
     </p:spTree>
     <p:extLst>
       <p:ext uri="{BB962C8B-B14F-4D97-AF65-F5344CB8AC3E}">
@@ -8892,7 +11174,7 @@
 </p:sld>
 </file>
 
-<file path=ppt/slides/slide23.xml><?xml version="1.0" encoding="utf-8"?>
+<file path=ppt/slides/slide22.xml><?xml version="1.0" encoding="utf-8"?>
 <p:sld xmlns:a="http://schemas.openxmlformats.org/drawingml/2006/main" xmlns:r="http://schemas.openxmlformats.org/officeDocument/2006/relationships" xmlns:p="http://schemas.openxmlformats.org/presentationml/2006/main">
   <p:cSld>
     <p:spTree>
@@ -9506,76 +11788,1825 @@
           </a:graphicData>
         </a:graphic>
       </p:graphicFrame>
-      <p:pic>
-        <p:nvPicPr>
-          <p:cNvPr id="6" name="Picture 4"/>
-          <p:cNvPicPr>
-            <a:picLocks noChangeAspect="1" noChangeArrowheads="1"/>
-          </p:cNvPicPr>
-          <p:nvPr/>
-        </p:nvPicPr>
-        <p:blipFill>
-          <a:blip r:embed="rId2">
-            <a:extLst>
-              <a:ext uri="{28A0092B-C50C-407E-A947-70E740481C1C}">
-                <a14:useLocalDpi xmlns:a14="http://schemas.microsoft.com/office/drawing/2010/main" val="0"/>
-              </a:ext>
-            </a:extLst>
-          </a:blip>
-          <a:srcRect/>
-          <a:stretch>
-            <a:fillRect/>
-          </a:stretch>
-        </p:blipFill>
-        <p:spPr bwMode="auto">
-          <a:xfrm>
-            <a:off x="358775" y="4362652"/>
-            <a:ext cx="8424335" cy="2511829"/>
-          </a:xfrm>
-          <a:prstGeom prst="rect">
-            <a:avLst/>
-          </a:prstGeom>
-          <a:noFill/>
-          <a:ln>
-            <a:noFill/>
-          </a:ln>
-          <a:effectLst/>
-          <a:extLst>
-            <a:ext uri="{909E8E84-426E-40DD-AFC4-6F175D3DCCD1}">
-              <a14:hiddenFill xmlns:a14="http://schemas.microsoft.com/office/drawing/2010/main">
-                <a:blipFill dpi="0" rotWithShape="0">
-                  <a:blip/>
-                  <a:srcRect/>
-                  <a:stretch>
-                    <a:fillRect/>
-                  </a:stretch>
-                </a:blipFill>
-              </a14:hiddenFill>
-            </a:ext>
-            <a:ext uri="{91240B29-F687-4F45-9708-019B960494DF}">
-              <a14:hiddenLine xmlns:a14="http://schemas.microsoft.com/office/drawing/2010/main" w="9525" cap="flat">
-                <a:solidFill>
-                  <a:srgbClr val="3465A4"/>
-                </a:solidFill>
-                <a:round/>
-                <a:headEnd/>
-                <a:tailEnd/>
-              </a14:hiddenLine>
-            </a:ext>
-            <a:ext uri="{AF507438-7753-43E0-B8FC-AC1667EBCBE1}">
-              <a14:hiddenEffects xmlns:a14="http://schemas.microsoft.com/office/drawing/2010/main">
-                <a:effectLst>
-                  <a:outerShdw blurRad="63500" dist="38099" dir="2700000" algn="ctr" rotWithShape="0">
-                    <a:srgbClr val="000000">
-                      <a:alpha val="74998"/>
-                    </a:srgbClr>
-                  </a:outerShdw>
-                </a:effectLst>
-              </a14:hiddenEffects>
-            </a:ext>
-          </a:extLst>
-        </p:spPr>
-      </p:pic>
+      <mc:AlternateContent xmlns:mc="http://schemas.openxmlformats.org/markup-compatibility/2006">
+        <mc:Choice xmlns:a14="http://schemas.microsoft.com/office/drawing/2010/main" Requires="a14">
+          <p:graphicFrame>
+            <p:nvGraphicFramePr>
+              <p:cNvPr id="5" name="Tabelle 4"/>
+              <p:cNvGraphicFramePr>
+                <a:graphicFrameLocks noGrp="1"/>
+              </p:cNvGraphicFramePr>
+              <p:nvPr>
+                <p:extLst>
+                  <p:ext uri="{D42A27DB-BD31-4B8C-83A1-F6EECF244321}">
+                    <p14:modId xmlns:p14="http://schemas.microsoft.com/office/powerpoint/2010/main" val="459971451"/>
+                  </p:ext>
+                </p:extLst>
+              </p:nvPr>
+            </p:nvGraphicFramePr>
+            <p:xfrm>
+              <a:off x="370681" y="4271598"/>
+              <a:ext cx="8400524" cy="2377440"/>
+            </p:xfrm>
+            <a:graphic>
+              <a:graphicData uri="http://schemas.openxmlformats.org/drawingml/2006/table">
+                <a:tbl>
+                  <a:tblPr firstRow="1" bandRow="1">
+                    <a:tableStyleId>{7E9639D4-E3E2-4D34-9284-5A2195B3D0D7}</a:tableStyleId>
+                  </a:tblPr>
+                  <a:tblGrid>
+                    <a:gridCol w="2100131"/>
+                    <a:gridCol w="2100131"/>
+                    <a:gridCol w="2100131"/>
+                    <a:gridCol w="2100131"/>
+                  </a:tblGrid>
+                  <a:tr h="370840">
+                    <a:tc>
+                      <a:txBody>
+                        <a:bodyPr/>
+                        <a:lstStyle/>
+                        <a:p>
+                          <a:pPr marL="0" marR="0" indent="0" algn="ctr" defTabSz="1008035" rtl="0" eaLnBrk="1" fontAlgn="auto" latinLnBrk="0" hangingPunct="1">
+                            <a:lnSpc>
+                              <a:spcPct val="100000"/>
+                            </a:lnSpc>
+                            <a:spcBef>
+                              <a:spcPts val="0"/>
+                            </a:spcBef>
+                            <a:spcAft>
+                              <a:spcPts val="0"/>
+                            </a:spcAft>
+                            <a:buClrTx/>
+                            <a:buSzTx/>
+                            <a:buFontTx/>
+                            <a:buNone/>
+                            <a:tabLst/>
+                            <a:defRPr/>
+                          </a:pPr>
+                          <a:r>
+                            <a:rPr lang="de-DE" dirty="0" smtClean="0">
+                              <a:latin typeface="Arial" charset="0"/>
+                              <a:ea typeface="Arial" charset="0"/>
+                              <a:cs typeface="Arial" charset="0"/>
+                            </a:rPr>
+                            <a:t>Parameter Set</a:t>
+                          </a:r>
+                        </a:p>
+                      </a:txBody>
+                      <a:tcPr>
+                        <a:lnR w="12700" cap="flat" cmpd="sng" algn="ctr">
+                          <a:solidFill>
+                            <a:schemeClr val="tx1"/>
+                          </a:solidFill>
+                          <a:prstDash val="solid"/>
+                          <a:round/>
+                          <a:headEnd type="none" w="med" len="med"/>
+                          <a:tailEnd type="none" w="med" len="med"/>
+                        </a:lnR>
+                      </a:tcPr>
+                    </a:tc>
+                    <a:tc>
+                      <a:txBody>
+                        <a:bodyPr/>
+                        <a:lstStyle/>
+                        <a:p>
+                          <a:pPr algn="ctr"/>
+                          <a14:m>
+                            <m:oMathPara xmlns:m="http://schemas.openxmlformats.org/officeDocument/2006/math">
+                              <m:oMathParaPr>
+                                <m:jc m:val="centerGroup"/>
+                              </m:oMathParaPr>
+                              <m:oMath xmlns:m="http://schemas.openxmlformats.org/officeDocument/2006/math">
+                                <m:r>
+                                  <a:rPr lang="de-DE" b="1" i="1" smtClean="0">
+                                    <a:latin typeface="Cambria Math" charset="0"/>
+                                    <a:ea typeface="Arial" charset="0"/>
+                                    <a:cs typeface="Arial" charset="0"/>
+                                  </a:rPr>
+                                  <m:t>𝒎</m:t>
+                                </m:r>
+                              </m:oMath>
+                            </m:oMathPara>
+                          </a14:m>
+                          <a:endParaRPr lang="de-DE" b="1" dirty="0" smtClean="0">
+                            <a:latin typeface="Arial" charset="0"/>
+                            <a:ea typeface="Arial" charset="0"/>
+                            <a:cs typeface="Arial" charset="0"/>
+                          </a:endParaRPr>
+                        </a:p>
+                      </a:txBody>
+                      <a:tcPr>
+                        <a:lnL w="12700" cap="flat" cmpd="sng" algn="ctr">
+                          <a:solidFill>
+                            <a:schemeClr val="tx1"/>
+                          </a:solidFill>
+                          <a:prstDash val="solid"/>
+                          <a:round/>
+                          <a:headEnd type="none" w="med" len="med"/>
+                          <a:tailEnd type="none" w="med" len="med"/>
+                        </a:lnL>
+                        <a:lnR w="12700" cap="flat" cmpd="sng" algn="ctr">
+                          <a:solidFill>
+                            <a:schemeClr val="tx1"/>
+                          </a:solidFill>
+                          <a:prstDash val="solid"/>
+                          <a:round/>
+                          <a:headEnd type="none" w="med" len="med"/>
+                          <a:tailEnd type="none" w="med" len="med"/>
+                        </a:lnR>
+                      </a:tcPr>
+                    </a:tc>
+                    <a:tc>
+                      <a:txBody>
+                        <a:bodyPr/>
+                        <a:lstStyle/>
+                        <a:p>
+                          <a:pPr algn="ctr"/>
+                          <a14:m>
+                            <m:oMathPara xmlns:m="http://schemas.openxmlformats.org/officeDocument/2006/math">
+                              <m:oMathParaPr>
+                                <m:jc m:val="centerGroup"/>
+                              </m:oMathParaPr>
+                              <m:oMath xmlns:m="http://schemas.openxmlformats.org/officeDocument/2006/math">
+                                <m:sSub>
+                                  <m:sSubPr>
+                                    <m:ctrlPr>
+                                      <a:rPr lang="en-US" i="1" smtClean="0">
+                                        <a:latin typeface="Cambria Math" charset="0"/>
+                                        <a:ea typeface="Arial" charset="0"/>
+                                        <a:cs typeface="Arial" charset="0"/>
+                                      </a:rPr>
+                                    </m:ctrlPr>
+                                  </m:sSubPr>
+                                  <m:e>
+                                    <m:r>
+                                      <a:rPr lang="de-DE" b="1" i="1" smtClean="0">
+                                        <a:latin typeface="Cambria Math" charset="0"/>
+                                        <a:ea typeface="Arial" charset="0"/>
+                                        <a:cs typeface="Arial" charset="0"/>
+                                      </a:rPr>
+                                      <m:t>𝒑</m:t>
+                                    </m:r>
+                                  </m:e>
+                                  <m:sub>
+                                    <m:r>
+                                      <a:rPr lang="de-DE" b="1" i="1" smtClean="0">
+                                        <a:latin typeface="Cambria Math" charset="0"/>
+                                        <a:ea typeface="Arial" charset="0"/>
+                                        <a:cs typeface="Arial" charset="0"/>
+                                      </a:rPr>
+                                      <m:t>𝒔𝒖𝒄𝒄𝒆𝒔𝒔</m:t>
+                                    </m:r>
+                                  </m:sub>
+                                </m:sSub>
+                              </m:oMath>
+                            </m:oMathPara>
+                          </a14:m>
+                          <a:endParaRPr lang="de-DE" dirty="0">
+                            <a:latin typeface="Arial" charset="0"/>
+                            <a:ea typeface="Arial" charset="0"/>
+                            <a:cs typeface="Arial" charset="0"/>
+                          </a:endParaRPr>
+                        </a:p>
+                      </a:txBody>
+                      <a:tcPr>
+                        <a:lnL w="12700" cap="flat" cmpd="sng" algn="ctr">
+                          <a:solidFill>
+                            <a:schemeClr val="tx1"/>
+                          </a:solidFill>
+                          <a:prstDash val="solid"/>
+                          <a:round/>
+                          <a:headEnd type="none" w="med" len="med"/>
+                          <a:tailEnd type="none" w="med" len="med"/>
+                        </a:lnL>
+                        <a:lnR w="12700" cap="flat" cmpd="sng" algn="ctr">
+                          <a:solidFill>
+                            <a:schemeClr val="tx1"/>
+                          </a:solidFill>
+                          <a:prstDash val="solid"/>
+                          <a:round/>
+                          <a:headEnd type="none" w="med" len="med"/>
+                          <a:tailEnd type="none" w="med" len="med"/>
+                        </a:lnR>
+                      </a:tcPr>
+                    </a:tc>
+                    <a:tc>
+                      <a:txBody>
+                        <a:bodyPr/>
+                        <a:lstStyle/>
+                        <a:p>
+                          <a:pPr algn="ctr"/>
+                          <a14:m>
+                            <m:oMathPara xmlns:m="http://schemas.openxmlformats.org/officeDocument/2006/math">
+                              <m:oMathParaPr>
+                                <m:jc m:val="centerGroup"/>
+                              </m:oMathParaPr>
+                              <m:oMath xmlns:m="http://schemas.openxmlformats.org/officeDocument/2006/math">
+                                <m:acc>
+                                  <m:accPr>
+                                    <m:chr m:val="̅"/>
+                                    <m:ctrlPr>
+                                      <a:rPr lang="de-DE" i="1" smtClean="0">
+                                        <a:latin typeface="Cambria Math" charset="0"/>
+                                        <a:ea typeface="Arial" charset="0"/>
+                                        <a:cs typeface="Arial" charset="0"/>
+                                      </a:rPr>
+                                    </m:ctrlPr>
+                                  </m:accPr>
+                                  <m:e>
+                                    <m:r>
+                                      <a:rPr lang="de-DE" b="1" i="1" smtClean="0">
+                                        <a:latin typeface="Cambria Math" charset="0"/>
+                                        <a:ea typeface="Arial" charset="0"/>
+                                        <a:cs typeface="Arial" charset="0"/>
+                                      </a:rPr>
+                                      <m:t>𝑵</m:t>
+                                    </m:r>
+                                  </m:e>
+                                </m:acc>
+                              </m:oMath>
+                            </m:oMathPara>
+                          </a14:m>
+                          <a:endParaRPr lang="de-DE" dirty="0">
+                            <a:latin typeface="Arial" charset="0"/>
+                            <a:ea typeface="Arial" charset="0"/>
+                            <a:cs typeface="Arial" charset="0"/>
+                          </a:endParaRPr>
+                        </a:p>
+                      </a:txBody>
+                      <a:tcPr>
+                        <a:lnL w="12700" cap="flat" cmpd="sng" algn="ctr">
+                          <a:solidFill>
+                            <a:schemeClr val="tx1"/>
+                          </a:solidFill>
+                          <a:prstDash val="solid"/>
+                          <a:round/>
+                          <a:headEnd type="none" w="med" len="med"/>
+                          <a:tailEnd type="none" w="med" len="med"/>
+                        </a:lnL>
+                      </a:tcPr>
+                    </a:tc>
+                  </a:tr>
+                  <a:tr h="370840">
+                    <a:tc>
+                      <a:txBody>
+                        <a:bodyPr/>
+                        <a:lstStyle/>
+                        <a:p>
+                          <a:pPr algn="ctr"/>
+                          <a14:m>
+                            <m:oMathPara xmlns:m="http://schemas.openxmlformats.org/officeDocument/2006/math">
+                              <m:oMathParaPr>
+                                <m:jc m:val="centerGroup"/>
+                              </m:oMathParaPr>
+                              <m:oMath xmlns:m="http://schemas.openxmlformats.org/officeDocument/2006/math">
+                                <m:r>
+                                  <a:rPr lang="de-DE" b="0" i="1" smtClean="0">
+                                    <a:latin typeface="Cambria Math" charset="0"/>
+                                  </a:rPr>
+                                  <m:t>𝐵𝐿𝐼𝑆𝑆</m:t>
+                                </m:r>
+                                <m:r>
+                                  <a:rPr lang="de-DE" b="0" i="1" smtClean="0">
+                                    <a:latin typeface="Cambria Math" charset="0"/>
+                                  </a:rPr>
+                                  <m:t>−0</m:t>
+                                </m:r>
+                              </m:oMath>
+                            </m:oMathPara>
+                          </a14:m>
+                          <a:endParaRPr lang="de-DE" dirty="0"/>
+                        </a:p>
+                      </a:txBody>
+                      <a:tcPr>
+                        <a:lnR w="12700" cap="flat" cmpd="sng" algn="ctr">
+                          <a:solidFill>
+                            <a:schemeClr val="tx1"/>
+                          </a:solidFill>
+                          <a:prstDash val="solid"/>
+                          <a:round/>
+                          <a:headEnd type="none" w="med" len="med"/>
+                          <a:tailEnd type="none" w="med" len="med"/>
+                        </a:lnR>
+                      </a:tcPr>
+                    </a:tc>
+                    <a:tc>
+                      <a:txBody>
+                        <a:bodyPr/>
+                        <a:lstStyle/>
+                        <a:p>
+                          <a:pPr algn="ctr"/>
+                          <a:r>
+                            <a:rPr lang="de-DE" dirty="0" smtClean="0"/>
+                            <a:t>256</a:t>
+                          </a:r>
+                          <a:endParaRPr lang="de-DE" dirty="0"/>
+                        </a:p>
+                      </a:txBody>
+                      <a:tcPr>
+                        <a:lnL w="12700" cap="flat" cmpd="sng" algn="ctr">
+                          <a:solidFill>
+                            <a:schemeClr val="tx1"/>
+                          </a:solidFill>
+                          <a:prstDash val="solid"/>
+                          <a:round/>
+                          <a:headEnd type="none" w="med" len="med"/>
+                          <a:tailEnd type="none" w="med" len="med"/>
+                        </a:lnL>
+                        <a:lnR w="12700" cap="flat" cmpd="sng" algn="ctr">
+                          <a:solidFill>
+                            <a:schemeClr val="tx1"/>
+                          </a:solidFill>
+                          <a:prstDash val="solid"/>
+                          <a:round/>
+                          <a:headEnd type="none" w="med" len="med"/>
+                          <a:tailEnd type="none" w="med" len="med"/>
+                        </a:lnR>
+                      </a:tcPr>
+                    </a:tc>
+                    <a:tc>
+                      <a:txBody>
+                        <a:bodyPr/>
+                        <a:lstStyle/>
+                        <a:p>
+                          <a:pPr algn="ctr"/>
+                          <a:r>
+                            <a:rPr lang="de-DE" dirty="0" smtClean="0"/>
+                            <a:t>1.0</a:t>
+                          </a:r>
+                        </a:p>
+                      </a:txBody>
+                      <a:tcPr>
+                        <a:lnL w="12700" cap="flat" cmpd="sng" algn="ctr">
+                          <a:solidFill>
+                            <a:schemeClr val="tx1"/>
+                          </a:solidFill>
+                          <a:prstDash val="solid"/>
+                          <a:round/>
+                          <a:headEnd type="none" w="med" len="med"/>
+                          <a:tailEnd type="none" w="med" len="med"/>
+                        </a:lnL>
+                        <a:lnR w="12700" cap="flat" cmpd="sng" algn="ctr">
+                          <a:solidFill>
+                            <a:schemeClr val="tx1"/>
+                          </a:solidFill>
+                          <a:prstDash val="solid"/>
+                          <a:round/>
+                          <a:headEnd type="none" w="med" len="med"/>
+                          <a:tailEnd type="none" w="med" len="med"/>
+                        </a:lnR>
+                      </a:tcPr>
+                    </a:tc>
+                    <a:tc>
+                      <a:txBody>
+                        <a:bodyPr/>
+                        <a:lstStyle/>
+                        <a:p>
+                          <a:pPr algn="ctr"/>
+                          <a:r>
+                            <a:rPr lang="de-DE" dirty="0" smtClean="0"/>
+                            <a:t>1105</a:t>
+                          </a:r>
+                          <a:endParaRPr lang="de-DE" dirty="0"/>
+                        </a:p>
+                      </a:txBody>
+                      <a:tcPr>
+                        <a:lnL w="12700" cap="flat" cmpd="sng" algn="ctr">
+                          <a:solidFill>
+                            <a:schemeClr val="tx1"/>
+                          </a:solidFill>
+                          <a:prstDash val="solid"/>
+                          <a:round/>
+                          <a:headEnd type="none" w="med" len="med"/>
+                          <a:tailEnd type="none" w="med" len="med"/>
+                        </a:lnL>
+                      </a:tcPr>
+                    </a:tc>
+                  </a:tr>
+                  <a:tr h="370840">
+                    <a:tc>
+                      <a:txBody>
+                        <a:bodyPr/>
+                        <a:lstStyle/>
+                        <a:p>
+                          <a:pPr marL="0" marR="0" indent="0" algn="ctr" defTabSz="1008035" rtl="0" eaLnBrk="1" fontAlgn="auto" latinLnBrk="0" hangingPunct="1">
+                            <a:lnSpc>
+                              <a:spcPct val="100000"/>
+                            </a:lnSpc>
+                            <a:spcBef>
+                              <a:spcPts val="0"/>
+                            </a:spcBef>
+                            <a:spcAft>
+                              <a:spcPts val="0"/>
+                            </a:spcAft>
+                            <a:buClrTx/>
+                            <a:buSzTx/>
+                            <a:buFontTx/>
+                            <a:buNone/>
+                            <a:tabLst/>
+                            <a:defRPr/>
+                          </a:pPr>
+                          <a14:m>
+                            <m:oMathPara xmlns:m="http://schemas.openxmlformats.org/officeDocument/2006/math">
+                              <m:oMathParaPr>
+                                <m:jc m:val="centerGroup"/>
+                              </m:oMathParaPr>
+                              <m:oMath xmlns:m="http://schemas.openxmlformats.org/officeDocument/2006/math">
+                                <m:r>
+                                  <a:rPr lang="de-DE" b="0" i="1" smtClean="0">
+                                    <a:latin typeface="Cambria Math" charset="0"/>
+                                  </a:rPr>
+                                  <m:t>𝐵𝐿𝐼𝑆𝑆</m:t>
+                                </m:r>
+                                <m:r>
+                                  <a:rPr lang="de-DE" b="0" i="1" smtClean="0">
+                                    <a:latin typeface="Cambria Math" charset="0"/>
+                                  </a:rPr>
+                                  <m:t>−</m:t>
+                                </m:r>
+                                <m:r>
+                                  <a:rPr lang="de-DE" b="0" i="1" smtClean="0">
+                                    <a:latin typeface="Cambria Math" charset="0"/>
+                                  </a:rPr>
+                                  <m:t>𝐼</m:t>
+                                </m:r>
+                              </m:oMath>
+                            </m:oMathPara>
+                          </a14:m>
+                          <a:endParaRPr lang="de-DE" dirty="0"/>
+                        </a:p>
+                      </a:txBody>
+                      <a:tcPr>
+                        <a:lnR w="12700" cap="flat" cmpd="sng" algn="ctr">
+                          <a:solidFill>
+                            <a:schemeClr val="tx1"/>
+                          </a:solidFill>
+                          <a:prstDash val="solid"/>
+                          <a:round/>
+                          <a:headEnd type="none" w="med" len="med"/>
+                          <a:tailEnd type="none" w="med" len="med"/>
+                        </a:lnR>
+                      </a:tcPr>
+                    </a:tc>
+                    <a:tc>
+                      <a:txBody>
+                        <a:bodyPr/>
+                        <a:lstStyle/>
+                        <a:p>
+                          <a:pPr algn="ctr"/>
+                          <a:r>
+                            <a:rPr lang="de-DE" dirty="0" smtClean="0"/>
+                            <a:t>512</a:t>
+                          </a:r>
+                          <a:endParaRPr lang="de-DE" dirty="0"/>
+                        </a:p>
+                      </a:txBody>
+                      <a:tcPr>
+                        <a:lnL w="12700" cap="flat" cmpd="sng" algn="ctr">
+                          <a:solidFill>
+                            <a:schemeClr val="tx1"/>
+                          </a:solidFill>
+                          <a:prstDash val="solid"/>
+                          <a:round/>
+                          <a:headEnd type="none" w="med" len="med"/>
+                          <a:tailEnd type="none" w="med" len="med"/>
+                        </a:lnL>
+                        <a:lnR w="12700" cap="flat" cmpd="sng" algn="ctr">
+                          <a:solidFill>
+                            <a:schemeClr val="tx1"/>
+                          </a:solidFill>
+                          <a:prstDash val="solid"/>
+                          <a:round/>
+                          <a:headEnd type="none" w="med" len="med"/>
+                          <a:tailEnd type="none" w="med" len="med"/>
+                        </a:lnR>
+                      </a:tcPr>
+                    </a:tc>
+                    <a:tc>
+                      <a:txBody>
+                        <a:bodyPr/>
+                        <a:lstStyle/>
+                        <a:p>
+                          <a:pPr algn="ctr"/>
+                          <a:r>
+                            <a:rPr lang="de-DE" dirty="0" smtClean="0"/>
+                            <a:t>1.0</a:t>
+                          </a:r>
+                          <a:endParaRPr lang="de-DE" dirty="0"/>
+                        </a:p>
+                      </a:txBody>
+                      <a:tcPr>
+                        <a:lnL w="12700" cap="flat" cmpd="sng" algn="ctr">
+                          <a:solidFill>
+                            <a:schemeClr val="tx1"/>
+                          </a:solidFill>
+                          <a:prstDash val="solid"/>
+                          <a:round/>
+                          <a:headEnd type="none" w="med" len="med"/>
+                          <a:tailEnd type="none" w="med" len="med"/>
+                        </a:lnL>
+                        <a:lnR w="12700" cap="flat" cmpd="sng" algn="ctr">
+                          <a:solidFill>
+                            <a:schemeClr val="tx1"/>
+                          </a:solidFill>
+                          <a:prstDash val="solid"/>
+                          <a:round/>
+                          <a:headEnd type="none" w="med" len="med"/>
+                          <a:tailEnd type="none" w="med" len="med"/>
+                        </a:lnR>
+                      </a:tcPr>
+                    </a:tc>
+                    <a:tc>
+                      <a:txBody>
+                        <a:bodyPr/>
+                        <a:lstStyle/>
+                        <a:p>
+                          <a:pPr algn="ctr"/>
+                          <a:r>
+                            <a:rPr lang="de-DE" dirty="0" smtClean="0"/>
+                            <a:t>1671</a:t>
+                          </a:r>
+                          <a:endParaRPr lang="de-DE" dirty="0"/>
+                        </a:p>
+                      </a:txBody>
+                      <a:tcPr>
+                        <a:lnL w="12700" cap="flat" cmpd="sng" algn="ctr">
+                          <a:solidFill>
+                            <a:schemeClr val="tx1"/>
+                          </a:solidFill>
+                          <a:prstDash val="solid"/>
+                          <a:round/>
+                          <a:headEnd type="none" w="med" len="med"/>
+                          <a:tailEnd type="none" w="med" len="med"/>
+                        </a:lnL>
+                      </a:tcPr>
+                    </a:tc>
+                  </a:tr>
+                  <a:tr h="370840">
+                    <a:tc>
+                      <a:txBody>
+                        <a:bodyPr/>
+                        <a:lstStyle/>
+                        <a:p>
+                          <a:pPr marL="0" marR="0" indent="0" algn="ctr" defTabSz="1008035" rtl="0" eaLnBrk="1" fontAlgn="auto" latinLnBrk="0" hangingPunct="1">
+                            <a:lnSpc>
+                              <a:spcPct val="100000"/>
+                            </a:lnSpc>
+                            <a:spcBef>
+                              <a:spcPts val="0"/>
+                            </a:spcBef>
+                            <a:spcAft>
+                              <a:spcPts val="0"/>
+                            </a:spcAft>
+                            <a:buClrTx/>
+                            <a:buSzTx/>
+                            <a:buFontTx/>
+                            <a:buNone/>
+                            <a:tabLst/>
+                            <a:defRPr/>
+                          </a:pPr>
+                          <a14:m>
+                            <m:oMathPara xmlns:m="http://schemas.openxmlformats.org/officeDocument/2006/math">
+                              <m:oMathParaPr>
+                                <m:jc m:val="centerGroup"/>
+                              </m:oMathParaPr>
+                              <m:oMath xmlns:m="http://schemas.openxmlformats.org/officeDocument/2006/math">
+                                <m:r>
+                                  <a:rPr lang="de-DE" b="0" i="1" smtClean="0">
+                                    <a:latin typeface="Cambria Math" charset="0"/>
+                                  </a:rPr>
+                                  <m:t>𝐵𝐿𝐼𝑆𝑆</m:t>
+                                </m:r>
+                                <m:r>
+                                  <a:rPr lang="de-DE" b="0" i="1" smtClean="0">
+                                    <a:latin typeface="Cambria Math" charset="0"/>
+                                  </a:rPr>
+                                  <m:t>−</m:t>
+                                </m:r>
+                                <m:r>
+                                  <a:rPr lang="de-DE" b="0" i="1" smtClean="0">
+                                    <a:latin typeface="Cambria Math" charset="0"/>
+                                  </a:rPr>
+                                  <m:t>𝐼𝐼</m:t>
+                                </m:r>
+                              </m:oMath>
+                            </m:oMathPara>
+                          </a14:m>
+                          <a:endParaRPr lang="de-DE" dirty="0"/>
+                        </a:p>
+                      </a:txBody>
+                      <a:tcPr>
+                        <a:lnR w="12700" cap="flat" cmpd="sng" algn="ctr">
+                          <a:solidFill>
+                            <a:schemeClr val="tx1"/>
+                          </a:solidFill>
+                          <a:prstDash val="solid"/>
+                          <a:round/>
+                          <a:headEnd type="none" w="med" len="med"/>
+                          <a:tailEnd type="none" w="med" len="med"/>
+                        </a:lnR>
+                      </a:tcPr>
+                    </a:tc>
+                    <a:tc>
+                      <a:txBody>
+                        <a:bodyPr/>
+                        <a:lstStyle/>
+                        <a:p>
+                          <a:pPr algn="ctr"/>
+                          <a:r>
+                            <a:rPr lang="de-DE" dirty="0" smtClean="0"/>
+                            <a:t>512</a:t>
+                          </a:r>
+                          <a:endParaRPr lang="de-DE" dirty="0"/>
+                        </a:p>
+                      </a:txBody>
+                      <a:tcPr>
+                        <a:lnL w="12700" cap="flat" cmpd="sng" algn="ctr">
+                          <a:solidFill>
+                            <a:schemeClr val="tx1"/>
+                          </a:solidFill>
+                          <a:prstDash val="solid"/>
+                          <a:round/>
+                          <a:headEnd type="none" w="med" len="med"/>
+                          <a:tailEnd type="none" w="med" len="med"/>
+                        </a:lnL>
+                        <a:lnR w="12700" cap="flat" cmpd="sng" algn="ctr">
+                          <a:solidFill>
+                            <a:schemeClr val="tx1"/>
+                          </a:solidFill>
+                          <a:prstDash val="solid"/>
+                          <a:round/>
+                          <a:headEnd type="none" w="med" len="med"/>
+                          <a:tailEnd type="none" w="med" len="med"/>
+                        </a:lnR>
+                      </a:tcPr>
+                    </a:tc>
+                    <a:tc>
+                      <a:txBody>
+                        <a:bodyPr/>
+                        <a:lstStyle/>
+                        <a:p>
+                          <a:pPr algn="ctr"/>
+                          <a:r>
+                            <a:rPr lang="de-DE" dirty="0" smtClean="0"/>
+                            <a:t>1.0</a:t>
+                          </a:r>
+                          <a:endParaRPr lang="de-DE" dirty="0"/>
+                        </a:p>
+                      </a:txBody>
+                      <a:tcPr>
+                        <a:lnL w="12700" cap="flat" cmpd="sng" algn="ctr">
+                          <a:solidFill>
+                            <a:schemeClr val="tx1"/>
+                          </a:solidFill>
+                          <a:prstDash val="solid"/>
+                          <a:round/>
+                          <a:headEnd type="none" w="med" len="med"/>
+                          <a:tailEnd type="none" w="med" len="med"/>
+                        </a:lnL>
+                        <a:lnR w="12700" cap="flat" cmpd="sng" algn="ctr">
+                          <a:solidFill>
+                            <a:schemeClr val="tx1"/>
+                          </a:solidFill>
+                          <a:prstDash val="solid"/>
+                          <a:round/>
+                          <a:headEnd type="none" w="med" len="med"/>
+                          <a:tailEnd type="none" w="med" len="med"/>
+                        </a:lnR>
+                      </a:tcPr>
+                    </a:tc>
+                    <a:tc>
+                      <a:txBody>
+                        <a:bodyPr/>
+                        <a:lstStyle/>
+                        <a:p>
+                          <a:pPr algn="ctr"/>
+                          <a:r>
+                            <a:rPr lang="de-DE" dirty="0" smtClean="0"/>
+                            <a:t>824</a:t>
+                          </a:r>
+                          <a:endParaRPr lang="de-DE" dirty="0"/>
+                        </a:p>
+                      </a:txBody>
+                      <a:tcPr>
+                        <a:lnL w="12700" cap="flat" cmpd="sng" algn="ctr">
+                          <a:solidFill>
+                            <a:schemeClr val="tx1"/>
+                          </a:solidFill>
+                          <a:prstDash val="solid"/>
+                          <a:round/>
+                          <a:headEnd type="none" w="med" len="med"/>
+                          <a:tailEnd type="none" w="med" len="med"/>
+                        </a:lnL>
+                      </a:tcPr>
+                    </a:tc>
+                  </a:tr>
+                  <a:tr h="370840">
+                    <a:tc>
+                      <a:txBody>
+                        <a:bodyPr/>
+                        <a:lstStyle/>
+                        <a:p>
+                          <a:pPr marL="0" marR="0" indent="0" algn="ctr" defTabSz="1008035" rtl="0" eaLnBrk="1" fontAlgn="auto" latinLnBrk="0" hangingPunct="1">
+                            <a:lnSpc>
+                              <a:spcPct val="100000"/>
+                            </a:lnSpc>
+                            <a:spcBef>
+                              <a:spcPts val="0"/>
+                            </a:spcBef>
+                            <a:spcAft>
+                              <a:spcPts val="0"/>
+                            </a:spcAft>
+                            <a:buClrTx/>
+                            <a:buSzTx/>
+                            <a:buFontTx/>
+                            <a:buNone/>
+                            <a:tabLst/>
+                            <a:defRPr/>
+                          </a:pPr>
+                          <a14:m>
+                            <m:oMathPara xmlns:m="http://schemas.openxmlformats.org/officeDocument/2006/math">
+                              <m:oMathParaPr>
+                                <m:jc m:val="centerGroup"/>
+                              </m:oMathParaPr>
+                              <m:oMath xmlns:m="http://schemas.openxmlformats.org/officeDocument/2006/math">
+                                <m:r>
+                                  <a:rPr lang="de-DE" b="0" i="1" smtClean="0">
+                                    <a:latin typeface="Cambria Math" charset="0"/>
+                                  </a:rPr>
+                                  <m:t>𝐵𝐿𝐼𝑆𝑆</m:t>
+                                </m:r>
+                                <m:r>
+                                  <a:rPr lang="de-DE" b="0" i="1" smtClean="0">
+                                    <a:latin typeface="Cambria Math" charset="0"/>
+                                  </a:rPr>
+                                  <m:t>−</m:t>
+                                </m:r>
+                                <m:r>
+                                  <a:rPr lang="de-DE" b="0" i="1" smtClean="0">
+                                    <a:latin typeface="Cambria Math" charset="0"/>
+                                  </a:rPr>
+                                  <m:t>𝐼𝐼𝐼</m:t>
+                                </m:r>
+                              </m:oMath>
+                            </m:oMathPara>
+                          </a14:m>
+                          <a:endParaRPr lang="de-DE" dirty="0"/>
+                        </a:p>
+                      </a:txBody>
+                      <a:tcPr>
+                        <a:lnR w="12700" cap="flat" cmpd="sng" algn="ctr">
+                          <a:solidFill>
+                            <a:schemeClr val="tx1"/>
+                          </a:solidFill>
+                          <a:prstDash val="solid"/>
+                          <a:round/>
+                          <a:headEnd type="none" w="med" len="med"/>
+                          <a:tailEnd type="none" w="med" len="med"/>
+                        </a:lnR>
+                      </a:tcPr>
+                    </a:tc>
+                    <a:tc>
+                      <a:txBody>
+                        <a:bodyPr/>
+                        <a:lstStyle/>
+                        <a:p>
+                          <a:pPr algn="ctr"/>
+                          <a:r>
+                            <a:rPr lang="de-DE" dirty="0" smtClean="0"/>
+                            <a:t>512</a:t>
+                          </a:r>
+                          <a:endParaRPr lang="de-DE" dirty="0"/>
+                        </a:p>
+                      </a:txBody>
+                      <a:tcPr>
+                        <a:lnL w="12700" cap="flat" cmpd="sng" algn="ctr">
+                          <a:solidFill>
+                            <a:schemeClr val="tx1"/>
+                          </a:solidFill>
+                          <a:prstDash val="solid"/>
+                          <a:round/>
+                          <a:headEnd type="none" w="med" len="med"/>
+                          <a:tailEnd type="none" w="med" len="med"/>
+                        </a:lnL>
+                        <a:lnR w="12700" cap="flat" cmpd="sng" algn="ctr">
+                          <a:solidFill>
+                            <a:schemeClr val="tx1"/>
+                          </a:solidFill>
+                          <a:prstDash val="solid"/>
+                          <a:round/>
+                          <a:headEnd type="none" w="med" len="med"/>
+                          <a:tailEnd type="none" w="med" len="med"/>
+                        </a:lnR>
+                      </a:tcPr>
+                    </a:tc>
+                    <a:tc>
+                      <a:txBody>
+                        <a:bodyPr/>
+                        <a:lstStyle/>
+                        <a:p>
+                          <a:pPr algn="ctr"/>
+                          <a:r>
+                            <a:rPr lang="de-DE" dirty="0" smtClean="0"/>
+                            <a:t>1.0</a:t>
+                          </a:r>
+                          <a:endParaRPr lang="de-DE" dirty="0"/>
+                        </a:p>
+                      </a:txBody>
+                      <a:tcPr>
+                        <a:lnL w="12700" cap="flat" cmpd="sng" algn="ctr">
+                          <a:solidFill>
+                            <a:schemeClr val="tx1"/>
+                          </a:solidFill>
+                          <a:prstDash val="solid"/>
+                          <a:round/>
+                          <a:headEnd type="none" w="med" len="med"/>
+                          <a:tailEnd type="none" w="med" len="med"/>
+                        </a:lnL>
+                        <a:lnR w="12700" cap="flat" cmpd="sng" algn="ctr">
+                          <a:solidFill>
+                            <a:schemeClr val="tx1"/>
+                          </a:solidFill>
+                          <a:prstDash val="solid"/>
+                          <a:round/>
+                          <a:headEnd type="none" w="med" len="med"/>
+                          <a:tailEnd type="none" w="med" len="med"/>
+                        </a:lnR>
+                      </a:tcPr>
+                    </a:tc>
+                    <a:tc>
+                      <a:txBody>
+                        <a:bodyPr/>
+                        <a:lstStyle/>
+                        <a:p>
+                          <a:pPr algn="ctr"/>
+                          <a:r>
+                            <a:rPr lang="de-DE" dirty="0" smtClean="0"/>
+                            <a:t>3018</a:t>
+                          </a:r>
+                          <a:endParaRPr lang="de-DE" dirty="0"/>
+                        </a:p>
+                      </a:txBody>
+                      <a:tcPr>
+                        <a:lnL w="12700" cap="flat" cmpd="sng" algn="ctr">
+                          <a:solidFill>
+                            <a:schemeClr val="tx1"/>
+                          </a:solidFill>
+                          <a:prstDash val="solid"/>
+                          <a:round/>
+                          <a:headEnd type="none" w="med" len="med"/>
+                          <a:tailEnd type="none" w="med" len="med"/>
+                        </a:lnL>
+                      </a:tcPr>
+                    </a:tc>
+                  </a:tr>
+                  <a:tr h="370840">
+                    <a:tc>
+                      <a:txBody>
+                        <a:bodyPr/>
+                        <a:lstStyle/>
+                        <a:p>
+                          <a:pPr marL="0" marR="0" indent="0" algn="ctr" defTabSz="1008035" rtl="0" eaLnBrk="1" fontAlgn="auto" latinLnBrk="0" hangingPunct="1">
+                            <a:lnSpc>
+                              <a:spcPct val="100000"/>
+                            </a:lnSpc>
+                            <a:spcBef>
+                              <a:spcPts val="0"/>
+                            </a:spcBef>
+                            <a:spcAft>
+                              <a:spcPts val="0"/>
+                            </a:spcAft>
+                            <a:buClrTx/>
+                            <a:buSzTx/>
+                            <a:buFontTx/>
+                            <a:buNone/>
+                            <a:tabLst/>
+                            <a:defRPr/>
+                          </a:pPr>
+                          <a14:m>
+                            <m:oMathPara xmlns:m="http://schemas.openxmlformats.org/officeDocument/2006/math">
+                              <m:oMathParaPr>
+                                <m:jc m:val="centerGroup"/>
+                              </m:oMathParaPr>
+                              <m:oMath xmlns:m="http://schemas.openxmlformats.org/officeDocument/2006/math">
+                                <m:r>
+                                  <a:rPr lang="de-DE" b="0" i="1" smtClean="0">
+                                    <a:latin typeface="Cambria Math" charset="0"/>
+                                  </a:rPr>
+                                  <m:t>𝐵𝐿𝐼𝑆𝑆</m:t>
+                                </m:r>
+                                <m:r>
+                                  <a:rPr lang="de-DE" b="0" i="1" smtClean="0">
+                                    <a:latin typeface="Cambria Math" charset="0"/>
+                                  </a:rPr>
+                                  <m:t>−</m:t>
+                                </m:r>
+                                <m:r>
+                                  <a:rPr lang="de-DE" b="0" i="1" smtClean="0">
+                                    <a:latin typeface="Cambria Math" charset="0"/>
+                                  </a:rPr>
+                                  <m:t>𝐼𝑉</m:t>
+                                </m:r>
+                              </m:oMath>
+                            </m:oMathPara>
+                          </a14:m>
+                          <a:endParaRPr lang="de-DE" dirty="0"/>
+                        </a:p>
+                      </a:txBody>
+                      <a:tcPr>
+                        <a:lnR w="12700" cap="flat" cmpd="sng" algn="ctr">
+                          <a:solidFill>
+                            <a:schemeClr val="tx1"/>
+                          </a:solidFill>
+                          <a:prstDash val="solid"/>
+                          <a:round/>
+                          <a:headEnd type="none" w="med" len="med"/>
+                          <a:tailEnd type="none" w="med" len="med"/>
+                        </a:lnR>
+                      </a:tcPr>
+                    </a:tc>
+                    <a:tc>
+                      <a:txBody>
+                        <a:bodyPr/>
+                        <a:lstStyle/>
+                        <a:p>
+                          <a:pPr algn="ctr"/>
+                          <a:r>
+                            <a:rPr lang="de-DE" dirty="0" smtClean="0"/>
+                            <a:t>512</a:t>
+                          </a:r>
+                          <a:endParaRPr lang="de-DE" dirty="0"/>
+                        </a:p>
+                      </a:txBody>
+                      <a:tcPr>
+                        <a:lnL w="12700" cap="flat" cmpd="sng" algn="ctr">
+                          <a:solidFill>
+                            <a:schemeClr val="tx1"/>
+                          </a:solidFill>
+                          <a:prstDash val="solid"/>
+                          <a:round/>
+                          <a:headEnd type="none" w="med" len="med"/>
+                          <a:tailEnd type="none" w="med" len="med"/>
+                        </a:lnL>
+                        <a:lnR w="12700" cap="flat" cmpd="sng" algn="ctr">
+                          <a:solidFill>
+                            <a:schemeClr val="tx1"/>
+                          </a:solidFill>
+                          <a:prstDash val="solid"/>
+                          <a:round/>
+                          <a:headEnd type="none" w="med" len="med"/>
+                          <a:tailEnd type="none" w="med" len="med"/>
+                        </a:lnR>
+                      </a:tcPr>
+                    </a:tc>
+                    <a:tc>
+                      <a:txBody>
+                        <a:bodyPr/>
+                        <a:lstStyle/>
+                        <a:p>
+                          <a:pPr algn="ctr"/>
+                          <a:r>
+                            <a:rPr lang="de-DE" dirty="0" smtClean="0"/>
+                            <a:t>1.0</a:t>
+                          </a:r>
+                          <a:endParaRPr lang="de-DE" dirty="0"/>
+                        </a:p>
+                      </a:txBody>
+                      <a:tcPr>
+                        <a:lnL w="12700" cap="flat" cmpd="sng" algn="ctr">
+                          <a:solidFill>
+                            <a:schemeClr val="tx1"/>
+                          </a:solidFill>
+                          <a:prstDash val="solid"/>
+                          <a:round/>
+                          <a:headEnd type="none" w="med" len="med"/>
+                          <a:tailEnd type="none" w="med" len="med"/>
+                        </a:lnL>
+                        <a:lnR w="12700" cap="flat" cmpd="sng" algn="ctr">
+                          <a:solidFill>
+                            <a:schemeClr val="tx1"/>
+                          </a:solidFill>
+                          <a:prstDash val="solid"/>
+                          <a:round/>
+                          <a:headEnd type="none" w="med" len="med"/>
+                          <a:tailEnd type="none" w="med" len="med"/>
+                        </a:lnR>
+                      </a:tcPr>
+                    </a:tc>
+                    <a:tc>
+                      <a:txBody>
+                        <a:bodyPr/>
+                        <a:lstStyle/>
+                        <a:p>
+                          <a:pPr algn="ctr"/>
+                          <a:r>
+                            <a:rPr lang="de-DE" dirty="0" smtClean="0"/>
+                            <a:t>4223</a:t>
+                          </a:r>
+                          <a:endParaRPr lang="de-DE" dirty="0"/>
+                        </a:p>
+                      </a:txBody>
+                      <a:tcPr>
+                        <a:lnL w="12700" cap="flat" cmpd="sng" algn="ctr">
+                          <a:solidFill>
+                            <a:schemeClr val="tx1"/>
+                          </a:solidFill>
+                          <a:prstDash val="solid"/>
+                          <a:round/>
+                          <a:headEnd type="none" w="med" len="med"/>
+                          <a:tailEnd type="none" w="med" len="med"/>
+                        </a:lnL>
+                      </a:tcPr>
+                    </a:tc>
+                  </a:tr>
+                </a:tbl>
+              </a:graphicData>
+            </a:graphic>
+          </p:graphicFrame>
+        </mc:Choice>
+        <mc:Fallback>
+          <p:graphicFrame>
+            <p:nvGraphicFramePr>
+              <p:cNvPr id="5" name="Tabelle 4"/>
+              <p:cNvGraphicFramePr>
+                <a:graphicFrameLocks noGrp="1"/>
+              </p:cNvGraphicFramePr>
+              <p:nvPr>
+                <p:extLst>
+                  <p:ext uri="{D42A27DB-BD31-4B8C-83A1-F6EECF244321}">
+                    <p14:modId xmlns:p14="http://schemas.microsoft.com/office/powerpoint/2010/main" val="459971451"/>
+                  </p:ext>
+                </p:extLst>
+              </p:nvPr>
+            </p:nvGraphicFramePr>
+            <p:xfrm>
+              <a:off x="370681" y="4271598"/>
+              <a:ext cx="8400524" cy="2377440"/>
+            </p:xfrm>
+            <a:graphic>
+              <a:graphicData uri="http://schemas.openxmlformats.org/drawingml/2006/table">
+                <a:tbl>
+                  <a:tblPr firstRow="1" bandRow="1">
+                    <a:tableStyleId>{7E9639D4-E3E2-4D34-9284-5A2195B3D0D7}</a:tableStyleId>
+                  </a:tblPr>
+                  <a:tblGrid>
+                    <a:gridCol w="2100131"/>
+                    <a:gridCol w="2100131"/>
+                    <a:gridCol w="2100131"/>
+                    <a:gridCol w="2100131"/>
+                  </a:tblGrid>
+                  <a:tr h="396240">
+                    <a:tc>
+                      <a:txBody>
+                        <a:bodyPr/>
+                        <a:lstStyle/>
+                        <a:p>
+                          <a:pPr marL="0" marR="0" indent="0" algn="ctr" defTabSz="1008035" rtl="0" eaLnBrk="1" fontAlgn="auto" latinLnBrk="0" hangingPunct="1">
+                            <a:lnSpc>
+                              <a:spcPct val="100000"/>
+                            </a:lnSpc>
+                            <a:spcBef>
+                              <a:spcPts val="0"/>
+                            </a:spcBef>
+                            <a:spcAft>
+                              <a:spcPts val="0"/>
+                            </a:spcAft>
+                            <a:buClrTx/>
+                            <a:buSzTx/>
+                            <a:buFontTx/>
+                            <a:buNone/>
+                            <a:tabLst/>
+                            <a:defRPr/>
+                          </a:pPr>
+                          <a:r>
+                            <a:rPr lang="de-DE" dirty="0" smtClean="0">
+                              <a:latin typeface="Arial" charset="0"/>
+                              <a:ea typeface="Arial" charset="0"/>
+                              <a:cs typeface="Arial" charset="0"/>
+                            </a:rPr>
+                            <a:t>Parameter Set</a:t>
+                          </a:r>
+                        </a:p>
+                      </a:txBody>
+                      <a:tcPr>
+                        <a:lnR w="12700" cap="flat" cmpd="sng" algn="ctr">
+                          <a:solidFill>
+                            <a:schemeClr val="tx1"/>
+                          </a:solidFill>
+                          <a:prstDash val="solid"/>
+                          <a:round/>
+                          <a:headEnd type="none" w="med" len="med"/>
+                          <a:tailEnd type="none" w="med" len="med"/>
+                        </a:lnR>
+                      </a:tcPr>
+                    </a:tc>
+                    <a:tc>
+                      <a:txBody>
+                        <a:bodyPr/>
+                        <a:lstStyle/>
+                        <a:p>
+                          <a:endParaRPr lang="de-DE"/>
+                        </a:p>
+                      </a:txBody>
+                      <a:tcPr>
+                        <a:lnL w="12700" cap="flat" cmpd="sng" algn="ctr">
+                          <a:solidFill>
+                            <a:schemeClr val="tx1"/>
+                          </a:solidFill>
+                          <a:prstDash val="solid"/>
+                          <a:round/>
+                          <a:headEnd type="none" w="med" len="med"/>
+                          <a:tailEnd type="none" w="med" len="med"/>
+                        </a:lnL>
+                        <a:lnR w="12700" cap="flat" cmpd="sng" algn="ctr">
+                          <a:solidFill>
+                            <a:schemeClr val="tx1"/>
+                          </a:solidFill>
+                          <a:prstDash val="solid"/>
+                          <a:round/>
+                          <a:headEnd type="none" w="med" len="med"/>
+                          <a:tailEnd type="none" w="med" len="med"/>
+                        </a:lnR>
+                        <a:blipFill rotWithShape="0">
+                          <a:blip r:embed="rId2"/>
+                          <a:stretch>
+                            <a:fillRect l="-100000" t="-6154" r="-200290" b="-529231"/>
+                          </a:stretch>
+                        </a:blipFill>
+                      </a:tcPr>
+                    </a:tc>
+                    <a:tc>
+                      <a:txBody>
+                        <a:bodyPr/>
+                        <a:lstStyle/>
+                        <a:p>
+                          <a:endParaRPr lang="de-DE"/>
+                        </a:p>
+                      </a:txBody>
+                      <a:tcPr>
+                        <a:lnL w="12700" cap="flat" cmpd="sng" algn="ctr">
+                          <a:solidFill>
+                            <a:schemeClr val="tx1"/>
+                          </a:solidFill>
+                          <a:prstDash val="solid"/>
+                          <a:round/>
+                          <a:headEnd type="none" w="med" len="med"/>
+                          <a:tailEnd type="none" w="med" len="med"/>
+                        </a:lnL>
+                        <a:lnR w="12700" cap="flat" cmpd="sng" algn="ctr">
+                          <a:solidFill>
+                            <a:schemeClr val="tx1"/>
+                          </a:solidFill>
+                          <a:prstDash val="solid"/>
+                          <a:round/>
+                          <a:headEnd type="none" w="med" len="med"/>
+                          <a:tailEnd type="none" w="med" len="med"/>
+                        </a:lnR>
+                        <a:blipFill rotWithShape="0">
+                          <a:blip r:embed="rId2"/>
+                          <a:stretch>
+                            <a:fillRect l="-200581" t="-6154" r="-100872" b="-529231"/>
+                          </a:stretch>
+                        </a:blipFill>
+                      </a:tcPr>
+                    </a:tc>
+                    <a:tc>
+                      <a:txBody>
+                        <a:bodyPr/>
+                        <a:lstStyle/>
+                        <a:p>
+                          <a:endParaRPr lang="de-DE"/>
+                        </a:p>
+                      </a:txBody>
+                      <a:tcPr>
+                        <a:lnL w="12700" cap="flat" cmpd="sng" algn="ctr">
+                          <a:solidFill>
+                            <a:schemeClr val="tx1"/>
+                          </a:solidFill>
+                          <a:prstDash val="solid"/>
+                          <a:round/>
+                          <a:headEnd type="none" w="med" len="med"/>
+                          <a:tailEnd type="none" w="med" len="med"/>
+                        </a:lnL>
+                        <a:blipFill rotWithShape="0">
+                          <a:blip r:embed="rId2"/>
+                          <a:stretch>
+                            <a:fillRect l="-299710" t="-6154" r="-580" b="-529231"/>
+                          </a:stretch>
+                        </a:blipFill>
+                      </a:tcPr>
+                    </a:tc>
+                  </a:tr>
+                  <a:tr h="396240">
+                    <a:tc>
+                      <a:txBody>
+                        <a:bodyPr/>
+                        <a:lstStyle/>
+                        <a:p>
+                          <a:endParaRPr lang="de-DE"/>
+                        </a:p>
+                      </a:txBody>
+                      <a:tcPr>
+                        <a:lnR w="12700" cap="flat" cmpd="sng" algn="ctr">
+                          <a:solidFill>
+                            <a:schemeClr val="tx1"/>
+                          </a:solidFill>
+                          <a:prstDash val="solid"/>
+                          <a:round/>
+                          <a:headEnd type="none" w="med" len="med"/>
+                          <a:tailEnd type="none" w="med" len="med"/>
+                        </a:lnR>
+                        <a:blipFill rotWithShape="0">
+                          <a:blip r:embed="rId2"/>
+                          <a:stretch>
+                            <a:fillRect t="-106154" r="-300290" b="-429231"/>
+                          </a:stretch>
+                        </a:blipFill>
+                      </a:tcPr>
+                    </a:tc>
+                    <a:tc>
+                      <a:txBody>
+                        <a:bodyPr/>
+                        <a:lstStyle/>
+                        <a:p>
+                          <a:pPr algn="ctr"/>
+                          <a:r>
+                            <a:rPr lang="de-DE" dirty="0" smtClean="0"/>
+                            <a:t>256</a:t>
+                          </a:r>
+                          <a:endParaRPr lang="de-DE" dirty="0"/>
+                        </a:p>
+                      </a:txBody>
+                      <a:tcPr>
+                        <a:lnL w="12700" cap="flat" cmpd="sng" algn="ctr">
+                          <a:solidFill>
+                            <a:schemeClr val="tx1"/>
+                          </a:solidFill>
+                          <a:prstDash val="solid"/>
+                          <a:round/>
+                          <a:headEnd type="none" w="med" len="med"/>
+                          <a:tailEnd type="none" w="med" len="med"/>
+                        </a:lnL>
+                        <a:lnR w="12700" cap="flat" cmpd="sng" algn="ctr">
+                          <a:solidFill>
+                            <a:schemeClr val="tx1"/>
+                          </a:solidFill>
+                          <a:prstDash val="solid"/>
+                          <a:round/>
+                          <a:headEnd type="none" w="med" len="med"/>
+                          <a:tailEnd type="none" w="med" len="med"/>
+                        </a:lnR>
+                      </a:tcPr>
+                    </a:tc>
+                    <a:tc>
+                      <a:txBody>
+                        <a:bodyPr/>
+                        <a:lstStyle/>
+                        <a:p>
+                          <a:pPr algn="ctr"/>
+                          <a:r>
+                            <a:rPr lang="de-DE" dirty="0" smtClean="0"/>
+                            <a:t>1.0</a:t>
+                          </a:r>
+                        </a:p>
+                      </a:txBody>
+                      <a:tcPr>
+                        <a:lnL w="12700" cap="flat" cmpd="sng" algn="ctr">
+                          <a:solidFill>
+                            <a:schemeClr val="tx1"/>
+                          </a:solidFill>
+                          <a:prstDash val="solid"/>
+                          <a:round/>
+                          <a:headEnd type="none" w="med" len="med"/>
+                          <a:tailEnd type="none" w="med" len="med"/>
+                        </a:lnL>
+                        <a:lnR w="12700" cap="flat" cmpd="sng" algn="ctr">
+                          <a:solidFill>
+                            <a:schemeClr val="tx1"/>
+                          </a:solidFill>
+                          <a:prstDash val="solid"/>
+                          <a:round/>
+                          <a:headEnd type="none" w="med" len="med"/>
+                          <a:tailEnd type="none" w="med" len="med"/>
+                        </a:lnR>
+                      </a:tcPr>
+                    </a:tc>
+                    <a:tc>
+                      <a:txBody>
+                        <a:bodyPr/>
+                        <a:lstStyle/>
+                        <a:p>
+                          <a:pPr algn="ctr"/>
+                          <a:r>
+                            <a:rPr lang="de-DE" dirty="0" smtClean="0"/>
+                            <a:t>1105</a:t>
+                          </a:r>
+                          <a:endParaRPr lang="de-DE" dirty="0"/>
+                        </a:p>
+                      </a:txBody>
+                      <a:tcPr>
+                        <a:lnL w="12700" cap="flat" cmpd="sng" algn="ctr">
+                          <a:solidFill>
+                            <a:schemeClr val="tx1"/>
+                          </a:solidFill>
+                          <a:prstDash val="solid"/>
+                          <a:round/>
+                          <a:headEnd type="none" w="med" len="med"/>
+                          <a:tailEnd type="none" w="med" len="med"/>
+                        </a:lnL>
+                      </a:tcPr>
+                    </a:tc>
+                  </a:tr>
+                  <a:tr h="396240">
+                    <a:tc>
+                      <a:txBody>
+                        <a:bodyPr/>
+                        <a:lstStyle/>
+                        <a:p>
+                          <a:endParaRPr lang="de-DE"/>
+                        </a:p>
+                      </a:txBody>
+                      <a:tcPr>
+                        <a:lnR w="12700" cap="flat" cmpd="sng" algn="ctr">
+                          <a:solidFill>
+                            <a:schemeClr val="tx1"/>
+                          </a:solidFill>
+                          <a:prstDash val="solid"/>
+                          <a:round/>
+                          <a:headEnd type="none" w="med" len="med"/>
+                          <a:tailEnd type="none" w="med" len="med"/>
+                        </a:lnR>
+                        <a:blipFill rotWithShape="0">
+                          <a:blip r:embed="rId2"/>
+                          <a:stretch>
+                            <a:fillRect t="-203030" r="-300290" b="-322727"/>
+                          </a:stretch>
+                        </a:blipFill>
+                      </a:tcPr>
+                    </a:tc>
+                    <a:tc>
+                      <a:txBody>
+                        <a:bodyPr/>
+                        <a:lstStyle/>
+                        <a:p>
+                          <a:pPr algn="ctr"/>
+                          <a:r>
+                            <a:rPr lang="de-DE" dirty="0" smtClean="0"/>
+                            <a:t>512</a:t>
+                          </a:r>
+                          <a:endParaRPr lang="de-DE" dirty="0"/>
+                        </a:p>
+                      </a:txBody>
+                      <a:tcPr>
+                        <a:lnL w="12700" cap="flat" cmpd="sng" algn="ctr">
+                          <a:solidFill>
+                            <a:schemeClr val="tx1"/>
+                          </a:solidFill>
+                          <a:prstDash val="solid"/>
+                          <a:round/>
+                          <a:headEnd type="none" w="med" len="med"/>
+                          <a:tailEnd type="none" w="med" len="med"/>
+                        </a:lnL>
+                        <a:lnR w="12700" cap="flat" cmpd="sng" algn="ctr">
+                          <a:solidFill>
+                            <a:schemeClr val="tx1"/>
+                          </a:solidFill>
+                          <a:prstDash val="solid"/>
+                          <a:round/>
+                          <a:headEnd type="none" w="med" len="med"/>
+                          <a:tailEnd type="none" w="med" len="med"/>
+                        </a:lnR>
+                      </a:tcPr>
+                    </a:tc>
+                    <a:tc>
+                      <a:txBody>
+                        <a:bodyPr/>
+                        <a:lstStyle/>
+                        <a:p>
+                          <a:pPr algn="ctr"/>
+                          <a:r>
+                            <a:rPr lang="de-DE" dirty="0" smtClean="0"/>
+                            <a:t>1.0</a:t>
+                          </a:r>
+                          <a:endParaRPr lang="de-DE" dirty="0"/>
+                        </a:p>
+                      </a:txBody>
+                      <a:tcPr>
+                        <a:lnL w="12700" cap="flat" cmpd="sng" algn="ctr">
+                          <a:solidFill>
+                            <a:schemeClr val="tx1"/>
+                          </a:solidFill>
+                          <a:prstDash val="solid"/>
+                          <a:round/>
+                          <a:headEnd type="none" w="med" len="med"/>
+                          <a:tailEnd type="none" w="med" len="med"/>
+                        </a:lnL>
+                        <a:lnR w="12700" cap="flat" cmpd="sng" algn="ctr">
+                          <a:solidFill>
+                            <a:schemeClr val="tx1"/>
+                          </a:solidFill>
+                          <a:prstDash val="solid"/>
+                          <a:round/>
+                          <a:headEnd type="none" w="med" len="med"/>
+                          <a:tailEnd type="none" w="med" len="med"/>
+                        </a:lnR>
+                      </a:tcPr>
+                    </a:tc>
+                    <a:tc>
+                      <a:txBody>
+                        <a:bodyPr/>
+                        <a:lstStyle/>
+                        <a:p>
+                          <a:pPr algn="ctr"/>
+                          <a:r>
+                            <a:rPr lang="de-DE" dirty="0" smtClean="0"/>
+                            <a:t>1671</a:t>
+                          </a:r>
+                          <a:endParaRPr lang="de-DE" dirty="0"/>
+                        </a:p>
+                      </a:txBody>
+                      <a:tcPr>
+                        <a:lnL w="12700" cap="flat" cmpd="sng" algn="ctr">
+                          <a:solidFill>
+                            <a:schemeClr val="tx1"/>
+                          </a:solidFill>
+                          <a:prstDash val="solid"/>
+                          <a:round/>
+                          <a:headEnd type="none" w="med" len="med"/>
+                          <a:tailEnd type="none" w="med" len="med"/>
+                        </a:lnL>
+                      </a:tcPr>
+                    </a:tc>
+                  </a:tr>
+                  <a:tr h="396240">
+                    <a:tc>
+                      <a:txBody>
+                        <a:bodyPr/>
+                        <a:lstStyle/>
+                        <a:p>
+                          <a:endParaRPr lang="de-DE"/>
+                        </a:p>
+                      </a:txBody>
+                      <a:tcPr>
+                        <a:lnR w="12700" cap="flat" cmpd="sng" algn="ctr">
+                          <a:solidFill>
+                            <a:schemeClr val="tx1"/>
+                          </a:solidFill>
+                          <a:prstDash val="solid"/>
+                          <a:round/>
+                          <a:headEnd type="none" w="med" len="med"/>
+                          <a:tailEnd type="none" w="med" len="med"/>
+                        </a:lnR>
+                        <a:blipFill rotWithShape="0">
+                          <a:blip r:embed="rId2"/>
+                          <a:stretch>
+                            <a:fillRect t="-307692" r="-300290" b="-227692"/>
+                          </a:stretch>
+                        </a:blipFill>
+                      </a:tcPr>
+                    </a:tc>
+                    <a:tc>
+                      <a:txBody>
+                        <a:bodyPr/>
+                        <a:lstStyle/>
+                        <a:p>
+                          <a:pPr algn="ctr"/>
+                          <a:r>
+                            <a:rPr lang="de-DE" dirty="0" smtClean="0"/>
+                            <a:t>512</a:t>
+                          </a:r>
+                          <a:endParaRPr lang="de-DE" dirty="0"/>
+                        </a:p>
+                      </a:txBody>
+                      <a:tcPr>
+                        <a:lnL w="12700" cap="flat" cmpd="sng" algn="ctr">
+                          <a:solidFill>
+                            <a:schemeClr val="tx1"/>
+                          </a:solidFill>
+                          <a:prstDash val="solid"/>
+                          <a:round/>
+                          <a:headEnd type="none" w="med" len="med"/>
+                          <a:tailEnd type="none" w="med" len="med"/>
+                        </a:lnL>
+                        <a:lnR w="12700" cap="flat" cmpd="sng" algn="ctr">
+                          <a:solidFill>
+                            <a:schemeClr val="tx1"/>
+                          </a:solidFill>
+                          <a:prstDash val="solid"/>
+                          <a:round/>
+                          <a:headEnd type="none" w="med" len="med"/>
+                          <a:tailEnd type="none" w="med" len="med"/>
+                        </a:lnR>
+                      </a:tcPr>
+                    </a:tc>
+                    <a:tc>
+                      <a:txBody>
+                        <a:bodyPr/>
+                        <a:lstStyle/>
+                        <a:p>
+                          <a:pPr algn="ctr"/>
+                          <a:r>
+                            <a:rPr lang="de-DE" dirty="0" smtClean="0"/>
+                            <a:t>1.0</a:t>
+                          </a:r>
+                          <a:endParaRPr lang="de-DE" dirty="0"/>
+                        </a:p>
+                      </a:txBody>
+                      <a:tcPr>
+                        <a:lnL w="12700" cap="flat" cmpd="sng" algn="ctr">
+                          <a:solidFill>
+                            <a:schemeClr val="tx1"/>
+                          </a:solidFill>
+                          <a:prstDash val="solid"/>
+                          <a:round/>
+                          <a:headEnd type="none" w="med" len="med"/>
+                          <a:tailEnd type="none" w="med" len="med"/>
+                        </a:lnL>
+                        <a:lnR w="12700" cap="flat" cmpd="sng" algn="ctr">
+                          <a:solidFill>
+                            <a:schemeClr val="tx1"/>
+                          </a:solidFill>
+                          <a:prstDash val="solid"/>
+                          <a:round/>
+                          <a:headEnd type="none" w="med" len="med"/>
+                          <a:tailEnd type="none" w="med" len="med"/>
+                        </a:lnR>
+                      </a:tcPr>
+                    </a:tc>
+                    <a:tc>
+                      <a:txBody>
+                        <a:bodyPr/>
+                        <a:lstStyle/>
+                        <a:p>
+                          <a:pPr algn="ctr"/>
+                          <a:r>
+                            <a:rPr lang="de-DE" dirty="0" smtClean="0"/>
+                            <a:t>824</a:t>
+                          </a:r>
+                          <a:endParaRPr lang="de-DE" dirty="0"/>
+                        </a:p>
+                      </a:txBody>
+                      <a:tcPr>
+                        <a:lnL w="12700" cap="flat" cmpd="sng" algn="ctr">
+                          <a:solidFill>
+                            <a:schemeClr val="tx1"/>
+                          </a:solidFill>
+                          <a:prstDash val="solid"/>
+                          <a:round/>
+                          <a:headEnd type="none" w="med" len="med"/>
+                          <a:tailEnd type="none" w="med" len="med"/>
+                        </a:lnL>
+                      </a:tcPr>
+                    </a:tc>
+                  </a:tr>
+                  <a:tr h="396240">
+                    <a:tc>
+                      <a:txBody>
+                        <a:bodyPr/>
+                        <a:lstStyle/>
+                        <a:p>
+                          <a:endParaRPr lang="de-DE"/>
+                        </a:p>
+                      </a:txBody>
+                      <a:tcPr>
+                        <a:lnR w="12700" cap="flat" cmpd="sng" algn="ctr">
+                          <a:solidFill>
+                            <a:schemeClr val="tx1"/>
+                          </a:solidFill>
+                          <a:prstDash val="solid"/>
+                          <a:round/>
+                          <a:headEnd type="none" w="med" len="med"/>
+                          <a:tailEnd type="none" w="med" len="med"/>
+                        </a:lnR>
+                        <a:blipFill rotWithShape="0">
+                          <a:blip r:embed="rId2"/>
+                          <a:stretch>
+                            <a:fillRect t="-407692" r="-300290" b="-127692"/>
+                          </a:stretch>
+                        </a:blipFill>
+                      </a:tcPr>
+                    </a:tc>
+                    <a:tc>
+                      <a:txBody>
+                        <a:bodyPr/>
+                        <a:lstStyle/>
+                        <a:p>
+                          <a:pPr algn="ctr"/>
+                          <a:r>
+                            <a:rPr lang="de-DE" dirty="0" smtClean="0"/>
+                            <a:t>512</a:t>
+                          </a:r>
+                          <a:endParaRPr lang="de-DE" dirty="0"/>
+                        </a:p>
+                      </a:txBody>
+                      <a:tcPr>
+                        <a:lnL w="12700" cap="flat" cmpd="sng" algn="ctr">
+                          <a:solidFill>
+                            <a:schemeClr val="tx1"/>
+                          </a:solidFill>
+                          <a:prstDash val="solid"/>
+                          <a:round/>
+                          <a:headEnd type="none" w="med" len="med"/>
+                          <a:tailEnd type="none" w="med" len="med"/>
+                        </a:lnL>
+                        <a:lnR w="12700" cap="flat" cmpd="sng" algn="ctr">
+                          <a:solidFill>
+                            <a:schemeClr val="tx1"/>
+                          </a:solidFill>
+                          <a:prstDash val="solid"/>
+                          <a:round/>
+                          <a:headEnd type="none" w="med" len="med"/>
+                          <a:tailEnd type="none" w="med" len="med"/>
+                        </a:lnR>
+                      </a:tcPr>
+                    </a:tc>
+                    <a:tc>
+                      <a:txBody>
+                        <a:bodyPr/>
+                        <a:lstStyle/>
+                        <a:p>
+                          <a:pPr algn="ctr"/>
+                          <a:r>
+                            <a:rPr lang="de-DE" dirty="0" smtClean="0"/>
+                            <a:t>1.0</a:t>
+                          </a:r>
+                          <a:endParaRPr lang="de-DE" dirty="0"/>
+                        </a:p>
+                      </a:txBody>
+                      <a:tcPr>
+                        <a:lnL w="12700" cap="flat" cmpd="sng" algn="ctr">
+                          <a:solidFill>
+                            <a:schemeClr val="tx1"/>
+                          </a:solidFill>
+                          <a:prstDash val="solid"/>
+                          <a:round/>
+                          <a:headEnd type="none" w="med" len="med"/>
+                          <a:tailEnd type="none" w="med" len="med"/>
+                        </a:lnL>
+                        <a:lnR w="12700" cap="flat" cmpd="sng" algn="ctr">
+                          <a:solidFill>
+                            <a:schemeClr val="tx1"/>
+                          </a:solidFill>
+                          <a:prstDash val="solid"/>
+                          <a:round/>
+                          <a:headEnd type="none" w="med" len="med"/>
+                          <a:tailEnd type="none" w="med" len="med"/>
+                        </a:lnR>
+                      </a:tcPr>
+                    </a:tc>
+                    <a:tc>
+                      <a:txBody>
+                        <a:bodyPr/>
+                        <a:lstStyle/>
+                        <a:p>
+                          <a:pPr algn="ctr"/>
+                          <a:r>
+                            <a:rPr lang="de-DE" dirty="0" smtClean="0"/>
+                            <a:t>3018</a:t>
+                          </a:r>
+                          <a:endParaRPr lang="de-DE" dirty="0"/>
+                        </a:p>
+                      </a:txBody>
+                      <a:tcPr>
+                        <a:lnL w="12700" cap="flat" cmpd="sng" algn="ctr">
+                          <a:solidFill>
+                            <a:schemeClr val="tx1"/>
+                          </a:solidFill>
+                          <a:prstDash val="solid"/>
+                          <a:round/>
+                          <a:headEnd type="none" w="med" len="med"/>
+                          <a:tailEnd type="none" w="med" len="med"/>
+                        </a:lnL>
+                      </a:tcPr>
+                    </a:tc>
+                  </a:tr>
+                  <a:tr h="396240">
+                    <a:tc>
+                      <a:txBody>
+                        <a:bodyPr/>
+                        <a:lstStyle/>
+                        <a:p>
+                          <a:endParaRPr lang="de-DE"/>
+                        </a:p>
+                      </a:txBody>
+                      <a:tcPr>
+                        <a:lnR w="12700" cap="flat" cmpd="sng" algn="ctr">
+                          <a:solidFill>
+                            <a:schemeClr val="tx1"/>
+                          </a:solidFill>
+                          <a:prstDash val="solid"/>
+                          <a:round/>
+                          <a:headEnd type="none" w="med" len="med"/>
+                          <a:tailEnd type="none" w="med" len="med"/>
+                        </a:lnR>
+                        <a:blipFill rotWithShape="0">
+                          <a:blip r:embed="rId2"/>
+                          <a:stretch>
+                            <a:fillRect t="-507692" r="-300290" b="-27692"/>
+                          </a:stretch>
+                        </a:blipFill>
+                      </a:tcPr>
+                    </a:tc>
+                    <a:tc>
+                      <a:txBody>
+                        <a:bodyPr/>
+                        <a:lstStyle/>
+                        <a:p>
+                          <a:pPr algn="ctr"/>
+                          <a:r>
+                            <a:rPr lang="de-DE" dirty="0" smtClean="0"/>
+                            <a:t>512</a:t>
+                          </a:r>
+                          <a:endParaRPr lang="de-DE" dirty="0"/>
+                        </a:p>
+                      </a:txBody>
+                      <a:tcPr>
+                        <a:lnL w="12700" cap="flat" cmpd="sng" algn="ctr">
+                          <a:solidFill>
+                            <a:schemeClr val="tx1"/>
+                          </a:solidFill>
+                          <a:prstDash val="solid"/>
+                          <a:round/>
+                          <a:headEnd type="none" w="med" len="med"/>
+                          <a:tailEnd type="none" w="med" len="med"/>
+                        </a:lnL>
+                        <a:lnR w="12700" cap="flat" cmpd="sng" algn="ctr">
+                          <a:solidFill>
+                            <a:schemeClr val="tx1"/>
+                          </a:solidFill>
+                          <a:prstDash val="solid"/>
+                          <a:round/>
+                          <a:headEnd type="none" w="med" len="med"/>
+                          <a:tailEnd type="none" w="med" len="med"/>
+                        </a:lnR>
+                      </a:tcPr>
+                    </a:tc>
+                    <a:tc>
+                      <a:txBody>
+                        <a:bodyPr/>
+                        <a:lstStyle/>
+                        <a:p>
+                          <a:pPr algn="ctr"/>
+                          <a:r>
+                            <a:rPr lang="de-DE" dirty="0" smtClean="0"/>
+                            <a:t>1.0</a:t>
+                          </a:r>
+                          <a:endParaRPr lang="de-DE" dirty="0"/>
+                        </a:p>
+                      </a:txBody>
+                      <a:tcPr>
+                        <a:lnL w="12700" cap="flat" cmpd="sng" algn="ctr">
+                          <a:solidFill>
+                            <a:schemeClr val="tx1"/>
+                          </a:solidFill>
+                          <a:prstDash val="solid"/>
+                          <a:round/>
+                          <a:headEnd type="none" w="med" len="med"/>
+                          <a:tailEnd type="none" w="med" len="med"/>
+                        </a:lnL>
+                        <a:lnR w="12700" cap="flat" cmpd="sng" algn="ctr">
+                          <a:solidFill>
+                            <a:schemeClr val="tx1"/>
+                          </a:solidFill>
+                          <a:prstDash val="solid"/>
+                          <a:round/>
+                          <a:headEnd type="none" w="med" len="med"/>
+                          <a:tailEnd type="none" w="med" len="med"/>
+                        </a:lnR>
+                      </a:tcPr>
+                    </a:tc>
+                    <a:tc>
+                      <a:txBody>
+                        <a:bodyPr/>
+                        <a:lstStyle/>
+                        <a:p>
+                          <a:pPr algn="ctr"/>
+                          <a:r>
+                            <a:rPr lang="de-DE" dirty="0" smtClean="0"/>
+                            <a:t>4223</a:t>
+                          </a:r>
+                          <a:endParaRPr lang="de-DE" dirty="0"/>
+                        </a:p>
+                      </a:txBody>
+                      <a:tcPr>
+                        <a:lnL w="12700" cap="flat" cmpd="sng" algn="ctr">
+                          <a:solidFill>
+                            <a:schemeClr val="tx1"/>
+                          </a:solidFill>
+                          <a:prstDash val="solid"/>
+                          <a:round/>
+                          <a:headEnd type="none" w="med" len="med"/>
+                          <a:tailEnd type="none" w="med" len="med"/>
+                        </a:lnL>
+                      </a:tcPr>
+                    </a:tc>
+                  </a:tr>
+                </a:tbl>
+              </a:graphicData>
+            </a:graphic>
+          </p:graphicFrame>
+        </mc:Fallback>
+      </mc:AlternateContent>
     </p:spTree>
     <p:extLst>
       <p:ext uri="{BB962C8B-B14F-4D97-AF65-F5344CB8AC3E}">
@@ -9597,7 +13628,7 @@
 </p:sld>
 </file>
 
-<file path=ppt/slides/slide24.xml><?xml version="1.0" encoding="utf-8"?>
+<file path=ppt/slides/slide23.xml><?xml version="1.0" encoding="utf-8"?>
 <p:sld xmlns:a="http://schemas.openxmlformats.org/drawingml/2006/main" xmlns:r="http://schemas.openxmlformats.org/officeDocument/2006/relationships" xmlns:p="http://schemas.openxmlformats.org/presentationml/2006/main">
   <p:cSld>
     <p:bg>
@@ -10593,8 +14624,8 @@
           <a:chExt cx="0" cy="0"/>
         </a:xfrm>
       </p:grpSpPr>
-      <mc:AlternateContent xmlns:mc="http://schemas.openxmlformats.org/markup-compatibility/2006">
-        <mc:Choice xmlns:a14="http://schemas.microsoft.com/office/drawing/2010/main" Requires="a14">
+      <mc:AlternateContent xmlns:mc="http://schemas.openxmlformats.org/markup-compatibility/2006" xmlns:a14="http://schemas.microsoft.com/office/drawing/2010/main">
+        <mc:Choice Requires="a14">
           <p:sp>
             <p:nvSpPr>
               <p:cNvPr id="2" name="Textplatzhalter 1"/>
@@ -10925,7 +14956,7 @@
             </p:txBody>
           </p:sp>
         </mc:Choice>
-        <mc:Fallback>
+        <mc:Fallback xmlns="">
           <p:sp>
             <p:nvSpPr>
               <p:cNvPr id="2" name="Textplatzhalter 1"/>
@@ -11057,8 +15088,8 @@
           <a:chExt cx="0" cy="0"/>
         </a:xfrm>
       </p:grpSpPr>
-      <mc:AlternateContent xmlns:mc="http://schemas.openxmlformats.org/markup-compatibility/2006" xmlns:a14="http://schemas.microsoft.com/office/drawing/2010/main">
-        <mc:Choice Requires="a14">
+      <mc:AlternateContent xmlns:mc="http://schemas.openxmlformats.org/markup-compatibility/2006">
+        <mc:Choice xmlns:a14="http://schemas.microsoft.com/office/drawing/2010/main" Requires="a14">
           <p:sp>
             <p:nvSpPr>
               <p:cNvPr id="2" name="Textplatzhalter 1"/>
@@ -11176,129 +15207,14 @@
               <a:p>
                 <a:r>
                   <a:rPr lang="en-US" dirty="0" smtClean="0"/>
-                  <a:t>Defeat masking: </a:t>
-                </a:r>
-                <a:r>
-                  <a:rPr lang="en-US" i="1" dirty="0" smtClean="0"/>
-                  <a:t>Higher-Order </a:t>
-                </a:r>
-                <a:r>
-                  <a:rPr lang="en-US" i="1" dirty="0"/>
-                  <a:t>DPA </a:t>
-                </a:r>
-                <a:r>
-                  <a:rPr lang="en-US" dirty="0"/>
-                  <a:t>(HO-DPA)</a:t>
+                  <a:t>Another type: Timing attacks</a:t>
                 </a:r>
               </a:p>
               <a:p>
                 <a:pPr lvl="1"/>
                 <a:r>
-                  <a:rPr lang="en-US" dirty="0"/>
-                  <a:t>Usage of </a:t>
-                </a:r>
-                <a14:m>
-                  <m:oMath xmlns:m="http://schemas.openxmlformats.org/officeDocument/2006/math">
-                    <m:r>
-                      <a:rPr lang="de-DE" i="1">
-                        <a:latin typeface="Cambria Math" charset="0"/>
-                      </a:rPr>
-                      <m:t>𝑑</m:t>
-                    </m:r>
-                  </m:oMath>
-                </a14:m>
-                <a:r>
-                  <a:rPr lang="en-US" dirty="0"/>
-                  <a:t> </a:t>
-                </a:r>
-                <a:r>
                   <a:rPr lang="en-US" dirty="0" smtClean="0"/>
-                  <a:t>leakages corresponding to </a:t>
-                </a:r>
-                <a14:m>
-                  <m:oMath xmlns:m="http://schemas.openxmlformats.org/officeDocument/2006/math">
-                    <m:r>
-                      <a:rPr lang="de-DE" b="0" i="1" smtClean="0">
-                        <a:latin typeface="Cambria Math" charset="0"/>
-                      </a:rPr>
-                      <m:t>𝑑</m:t>
-                    </m:r>
-                  </m:oMath>
-                </a14:m>
-                <a:r>
-                  <a:rPr lang="en-US" dirty="0" smtClean="0"/>
-                  <a:t> shares of a sensitive variable</a:t>
-                </a:r>
-              </a:p>
-              <a:p>
-                <a:pPr lvl="1"/>
-                <a14:m>
-                  <m:oMath xmlns:m="http://schemas.openxmlformats.org/officeDocument/2006/math">
-                    <m:r>
-                      <a:rPr lang="de-DE" b="0" i="1" smtClean="0">
-                        <a:latin typeface="Cambria Math" charset="0"/>
-                      </a:rPr>
-                      <m:t>𝑑</m:t>
-                    </m:r>
-                  </m:oMath>
-                </a14:m>
-                <a:r>
-                  <a:rPr lang="en-US" dirty="0" smtClean="0"/>
-                  <a:t>-</a:t>
-                </a:r>
-                <a:r>
-                  <a:rPr lang="en-US" dirty="0" err="1" smtClean="0"/>
-                  <a:t>th</a:t>
-                </a:r>
-                <a:r>
-                  <a:rPr lang="en-US" dirty="0" smtClean="0"/>
-                  <a:t> order DPA defeats </a:t>
-                </a:r>
-                <a14:m>
-                  <m:oMath xmlns:m="http://schemas.openxmlformats.org/officeDocument/2006/math">
-                    <m:d>
-                      <m:dPr>
-                        <m:ctrlPr>
-                          <a:rPr lang="de-DE" b="0" i="1" smtClean="0">
-                            <a:latin typeface="Cambria Math" charset="0"/>
-                          </a:rPr>
-                        </m:ctrlPr>
-                      </m:dPr>
-                      <m:e>
-                        <m:r>
-                          <a:rPr lang="de-DE" b="0" i="1" smtClean="0">
-                            <a:latin typeface="Cambria Math" charset="0"/>
-                          </a:rPr>
-                          <m:t>𝑑</m:t>
-                        </m:r>
-                        <m:r>
-                          <a:rPr lang="de-DE" b="0" i="1" smtClean="0">
-                            <a:latin typeface="Cambria Math" charset="0"/>
-                          </a:rPr>
-                          <m:t>−1</m:t>
-                        </m:r>
-                      </m:e>
-                    </m:d>
-                  </m:oMath>
-                </a14:m>
-                <a:r>
-                  <a:rPr lang="en-US" dirty="0" smtClean="0"/>
-                  <a:t>-</a:t>
-                </a:r>
-                <a:r>
-                  <a:rPr lang="en-US" dirty="0" err="1" smtClean="0"/>
-                  <a:t>th</a:t>
-                </a:r>
-                <a:r>
-                  <a:rPr lang="en-US" dirty="0" smtClean="0"/>
-                  <a:t> order masking</a:t>
-                </a:r>
-              </a:p>
-              <a:p>
-                <a:pPr lvl="1"/>
-                <a:r>
-                  <a:rPr lang="en-US" dirty="0" smtClean="0"/>
-                  <a:t>HO-DPA difficult due to increasing noise effects</a:t>
+                  <a:t>Attacker analyses time taken to execute an algorithm</a:t>
                 </a:r>
                 <a:endParaRPr lang="en-US" dirty="0"/>
               </a:p>
@@ -11311,7 +15227,7 @@
             </p:txBody>
           </p:sp>
         </mc:Choice>
-        <mc:Fallback xmlns="">
+        <mc:Fallback>
           <p:sp>
             <p:nvSpPr>
               <p:cNvPr id="2" name="Textplatzhalter 1"/>
@@ -11782,11 +15698,7 @@
               <a:p>
                 <a:r>
                   <a:rPr lang="en-US" dirty="0" smtClean="0"/>
-                  <a:t>Three </a:t>
-                </a:r>
-                <a:r>
-                  <a:rPr lang="en-US" dirty="0" smtClean="0"/>
-                  <a:t>main operations:</a:t>
+                  <a:t>Three main operations:</a:t>
                 </a:r>
               </a:p>
               <a:p>
@@ -11807,11 +15719,7 @@
                 <a:pPr lvl="1"/>
                 <a:r>
                   <a:rPr lang="en-US" dirty="0" smtClean="0"/>
-                  <a:t>Decryption (main focus</a:t>
-                </a:r>
-                <a:r>
-                  <a:rPr lang="en-US" dirty="0" smtClean="0"/>
-                  <a:t>)</a:t>
+                  <a:t>Decryption (main focus)</a:t>
                 </a:r>
               </a:p>
               <a:p>
@@ -11952,10 +15860,6 @@
             <a:r>
               <a:rPr lang="de-DE" dirty="0" smtClean="0"/>
               <a:t> [2]</a:t>
-            </a:r>
-            <a:r>
-              <a:rPr lang="de-DE" dirty="0" smtClean="0"/>
-              <a:t/>
             </a:r>
             <a:br>
               <a:rPr lang="de-DE" dirty="0" smtClean="0"/>
@@ -12006,8 +15910,8 @@
           <a:chExt cx="0" cy="0"/>
         </a:xfrm>
       </p:grpSpPr>
-      <mc:AlternateContent xmlns:mc="http://schemas.openxmlformats.org/markup-compatibility/2006" xmlns:a14="http://schemas.microsoft.com/office/drawing/2010/main">
-        <mc:Choice Requires="a14">
+      <mc:AlternateContent xmlns:mc="http://schemas.openxmlformats.org/markup-compatibility/2006">
+        <mc:Choice xmlns:a14="http://schemas.microsoft.com/office/drawing/2010/main" Requires="a14">
           <p:sp>
             <p:nvSpPr>
               <p:cNvPr id="2" name="Textplatzhalter 1"/>
@@ -12297,7 +16201,7 @@
             </p:txBody>
           </p:sp>
         </mc:Choice>
-        <mc:Fallback xmlns="">
+        <mc:Fallback>
           <p:sp>
             <p:nvSpPr>
               <p:cNvPr id="2" name="Textplatzhalter 1"/>
@@ -13377,8 +17281,8 @@
           <a:chExt cx="0" cy="0"/>
         </a:xfrm>
       </p:grpSpPr>
-      <mc:AlternateContent xmlns:mc="http://schemas.openxmlformats.org/markup-compatibility/2006">
-        <mc:Choice xmlns:a14="http://schemas.microsoft.com/office/drawing/2010/main" Requires="a14">
+      <mc:AlternateContent xmlns:mc="http://schemas.openxmlformats.org/markup-compatibility/2006" xmlns:a14="http://schemas.microsoft.com/office/drawing/2010/main">
+        <mc:Choice Requires="a14">
           <p:sp>
             <p:nvSpPr>
               <p:cNvPr id="2" name="Textplatzhalter 1"/>
@@ -14097,7 +18001,7 @@
             </p:txBody>
           </p:sp>
         </mc:Choice>
-        <mc:Fallback>
+        <mc:Fallback xmlns="">
           <p:sp>
             <p:nvSpPr>
               <p:cNvPr id="2" name="Textplatzhalter 1"/>
@@ -14176,11 +18080,7 @@
             </a:r>
             <a:r>
               <a:rPr lang="de-DE" dirty="0" smtClean="0"/>
-              <a:t> </a:t>
-            </a:r>
-            <a:r>
-              <a:rPr lang="de-DE" dirty="0" smtClean="0"/>
-              <a:t>Decoder [3]</a:t>
+              <a:t> Decoder [3]</a:t>
             </a:r>
             <a:r>
               <a:rPr lang="de-DE" dirty="0"/>
